--- a/Text Localization.pptx
+++ b/Text Localization.pptx
@@ -5,7 +5,7 @@
     <p:sldMasterId id="2147483696" r:id="rId1"/>
   </p:sldMasterIdLst>
   <p:notesMasterIdLst>
-    <p:notesMasterId r:id="rId41"/>
+    <p:notesMasterId r:id="rId17"/>
   </p:notesMasterIdLst>
   <p:sldIdLst>
     <p:sldId id="272" r:id="rId2"/>
@@ -23,30 +23,6 @@
     <p:sldId id="325" r:id="rId14"/>
     <p:sldId id="314" r:id="rId15"/>
     <p:sldId id="315" r:id="rId16"/>
-    <p:sldId id="296" r:id="rId17"/>
-    <p:sldId id="307" r:id="rId18"/>
-    <p:sldId id="308" r:id="rId19"/>
-    <p:sldId id="267" r:id="rId20"/>
-    <p:sldId id="273" r:id="rId21"/>
-    <p:sldId id="309" r:id="rId22"/>
-    <p:sldId id="268" r:id="rId23"/>
-    <p:sldId id="270" r:id="rId24"/>
-    <p:sldId id="310" r:id="rId25"/>
-    <p:sldId id="275" r:id="rId26"/>
-    <p:sldId id="277" r:id="rId27"/>
-    <p:sldId id="311" r:id="rId28"/>
-    <p:sldId id="294" r:id="rId29"/>
-    <p:sldId id="281" r:id="rId30"/>
-    <p:sldId id="295" r:id="rId31"/>
-    <p:sldId id="283" r:id="rId32"/>
-    <p:sldId id="284" r:id="rId33"/>
-    <p:sldId id="312" r:id="rId34"/>
-    <p:sldId id="285" r:id="rId35"/>
-    <p:sldId id="286" r:id="rId36"/>
-    <p:sldId id="287" r:id="rId37"/>
-    <p:sldId id="288" r:id="rId38"/>
-    <p:sldId id="290" r:id="rId39"/>
-    <p:sldId id="292" r:id="rId40"/>
   </p:sldIdLst>
   <p:sldSz cx="12192000" cy="6858000"/>
   <p:notesSz cx="6858000" cy="9144000"/>
@@ -235,7 +211,7 @@
           <a:p>
             <a:fld id="{4F9118E2-E8E4-4118-8AA7-9FADDC448679}" type="datetimeFigureOut">
               <a:rPr lang="en-US" smtClean="0"/>
-              <a:t>1/29/2020</a:t>
+              <a:t>1/30/2020</a:t>
             </a:fld>
             <a:endParaRPr lang="en-US"/>
           </a:p>
@@ -729,7 +705,7 @@
           <a:p>
             <a:fld id="{5628DAC7-6A3D-45C9-8106-EB714EB502FD}" type="datetime1">
               <a:rPr lang="en-US" smtClean="0"/>
-              <a:t>1/29/2020</a:t>
+              <a:t>1/30/2020</a:t>
             </a:fld>
             <a:endParaRPr lang="en-US"/>
           </a:p>
@@ -937,7 +913,7 @@
           <a:p>
             <a:fld id="{E17050C7-CDD4-4FF9-A6B5-B52EF3743369}" type="datetime1">
               <a:rPr lang="en-US" smtClean="0"/>
-              <a:t>1/29/2020</a:t>
+              <a:t>1/30/2020</a:t>
             </a:fld>
             <a:endParaRPr lang="en-US"/>
           </a:p>
@@ -1193,7 +1169,7 @@
           <a:p>
             <a:fld id="{6C56D9B6-4C7C-4948-BE18-53525478D9C6}" type="datetime1">
               <a:rPr lang="en-US" smtClean="0"/>
-              <a:t>1/29/2020</a:t>
+              <a:t>1/30/2020</a:t>
             </a:fld>
             <a:endParaRPr lang="en-US"/>
           </a:p>
@@ -1363,7 +1339,7 @@
           <a:p>
             <a:fld id="{0B75E5B4-A3EE-4C02-BEDA-61A29471B3B1}" type="datetime1">
               <a:rPr lang="en-US" smtClean="0"/>
-              <a:t>1/29/2020</a:t>
+              <a:t>1/30/2020</a:t>
             </a:fld>
             <a:endParaRPr lang="en-US"/>
           </a:p>
@@ -1706,7 +1682,7 @@
           <a:p>
             <a:fld id="{63407D2F-57C5-47A6-8222-E8DDDAC55C30}" type="datetime1">
               <a:rPr lang="en-US" smtClean="0"/>
-              <a:t>1/29/2020</a:t>
+              <a:t>1/30/2020</a:t>
             </a:fld>
             <a:endParaRPr lang="en-US"/>
           </a:p>
@@ -1981,7 +1957,7 @@
           <a:p>
             <a:fld id="{8EFE5EE5-B0C8-43A0-B1AF-4D1B91DAF481}" type="datetime1">
               <a:rPr lang="en-US" smtClean="0"/>
-              <a:t>1/29/2020</a:t>
+              <a:t>1/30/2020</a:t>
             </a:fld>
             <a:endParaRPr lang="en-US"/>
           </a:p>
@@ -2360,7 +2336,7 @@
           <a:p>
             <a:fld id="{EFBA16A5-1E4B-4B74-B740-999CDC82ABB6}" type="datetime1">
               <a:rPr lang="en-US" smtClean="0"/>
-              <a:t>1/29/2020</a:t>
+              <a:t>1/30/2020</a:t>
             </a:fld>
             <a:endParaRPr lang="en-US"/>
           </a:p>
@@ -2478,7 +2454,7 @@
           <a:p>
             <a:fld id="{4CEE7E94-10BE-407B-8985-6A5B2C98297D}" type="datetime1">
               <a:rPr lang="en-US" smtClean="0"/>
-              <a:t>1/29/2020</a:t>
+              <a:t>1/30/2020</a:t>
             </a:fld>
             <a:endParaRPr lang="en-US"/>
           </a:p>
@@ -2649,7 +2625,7 @@
           <a:p>
             <a:fld id="{4FB83262-7D5C-4C2F-93DA-C30830DBB861}" type="datetime1">
               <a:rPr lang="en-US" smtClean="0"/>
-              <a:t>1/29/2020</a:t>
+              <a:t>1/30/2020</a:t>
             </a:fld>
             <a:endParaRPr lang="en-US"/>
           </a:p>
@@ -3003,7 +2979,7 @@
           <a:p>
             <a:fld id="{6D5C66F1-92C6-4CE5-9037-05ACD45DFA3A}" type="datetime1">
               <a:rPr lang="en-US" smtClean="0"/>
-              <a:t>1/29/2020</a:t>
+              <a:t>1/30/2020</a:t>
             </a:fld>
             <a:endParaRPr lang="en-US"/>
           </a:p>
@@ -3380,7 +3356,7 @@
           <a:p>
             <a:fld id="{539DA7BA-CEA3-4C75-87D6-C7C8088A9BE6}" type="datetime1">
               <a:rPr lang="en-US" smtClean="0"/>
-              <a:t>1/29/2020</a:t>
+              <a:t>1/30/2020</a:t>
             </a:fld>
             <a:endParaRPr lang="en-US"/>
           </a:p>
@@ -3667,7 +3643,7 @@
           <a:p>
             <a:fld id="{C05A0ECF-AE02-49A0-876C-B6F19C40C5A6}" type="datetime1">
               <a:rPr lang="en-US" smtClean="0"/>
-              <a:t>1/29/2020</a:t>
+              <a:t>1/30/2020</a:t>
             </a:fld>
             <a:endParaRPr lang="en-US"/>
           </a:p>
@@ -6845,9 +6821,6 @@
               </a:rPr>
               <a:t>ICCV</a:t>
             </a:r>
-            <a:endParaRPr lang="en-US" sz="2000" b="1" dirty="0" smtClean="0">
-              <a:cs typeface="B Nazanin" panose="00000400000000000000" pitchFamily="2" charset="-78"/>
-            </a:endParaRPr>
           </a:p>
           <a:p>
             <a:pPr algn="ctr">
@@ -7102,2198 +7075,6 @@
 </p:sld>
 </file>
 
-<file path=ppt/slides/slide16.xml><?xml version="1.0" encoding="utf-8"?>
-<p:sld xmlns:a="http://schemas.openxmlformats.org/drawingml/2006/main" xmlns:r="http://schemas.openxmlformats.org/officeDocument/2006/relationships" xmlns:p="http://schemas.openxmlformats.org/presentationml/2006/main">
-  <p:cSld>
-    <p:spTree>
-      <p:nvGrpSpPr>
-        <p:cNvPr id="1" name=""/>
-        <p:cNvGrpSpPr/>
-        <p:nvPr/>
-      </p:nvGrpSpPr>
-      <p:grpSpPr>
-        <a:xfrm>
-          <a:off x="0" y="0"/>
-          <a:ext cx="0" cy="0"/>
-          <a:chOff x="0" y="0"/>
-          <a:chExt cx="0" cy="0"/>
-        </a:xfrm>
-      </p:grpSpPr>
-      <p:sp>
-        <p:nvSpPr>
-          <p:cNvPr id="4" name="Rounded Rectangle 3"/>
-          <p:cNvSpPr/>
-          <p:nvPr/>
-        </p:nvSpPr>
-        <p:spPr>
-          <a:xfrm>
-            <a:off x="552335" y="608626"/>
-            <a:ext cx="1676400" cy="774700"/>
-          </a:xfrm>
-          <a:prstGeom prst="roundRect">
-            <a:avLst/>
-          </a:prstGeom>
-        </p:spPr>
-        <p:style>
-          <a:lnRef idx="2">
-            <a:schemeClr val="accent1">
-              <a:shade val="50000"/>
-            </a:schemeClr>
-          </a:lnRef>
-          <a:fillRef idx="1">
-            <a:schemeClr val="accent1"/>
-          </a:fillRef>
-          <a:effectRef idx="0">
-            <a:schemeClr val="accent1"/>
-          </a:effectRef>
-          <a:fontRef idx="minor">
-            <a:schemeClr val="lt1"/>
-          </a:fontRef>
-        </p:style>
-        <p:txBody>
-          <a:bodyPr rtlCol="0" anchor="ctr"/>
-          <a:lstStyle/>
-          <a:p>
-            <a:pPr algn="ctr"/>
-            <a:r>
-              <a:rPr lang="en-US" b="1" dirty="0"/>
-              <a:t>Introduction</a:t>
-            </a:r>
-          </a:p>
-        </p:txBody>
-      </p:sp>
-      <p:sp>
-        <p:nvSpPr>
-          <p:cNvPr id="5" name="Down Arrow 4"/>
-          <p:cNvSpPr/>
-          <p:nvPr/>
-        </p:nvSpPr>
-        <p:spPr>
-          <a:xfrm>
-            <a:off x="1174750" y="1595350"/>
-            <a:ext cx="317500" cy="546100"/>
-          </a:xfrm>
-          <a:prstGeom prst="downArrow">
-            <a:avLst/>
-          </a:prstGeom>
-        </p:spPr>
-        <p:style>
-          <a:lnRef idx="2">
-            <a:schemeClr val="accent1">
-              <a:shade val="50000"/>
-            </a:schemeClr>
-          </a:lnRef>
-          <a:fillRef idx="1">
-            <a:schemeClr val="accent1"/>
-          </a:fillRef>
-          <a:effectRef idx="0">
-            <a:schemeClr val="accent1"/>
-          </a:effectRef>
-          <a:fontRef idx="minor">
-            <a:schemeClr val="lt1"/>
-          </a:fontRef>
-        </p:style>
-        <p:txBody>
-          <a:bodyPr rtlCol="0" anchor="ctr"/>
-          <a:lstStyle/>
-          <a:p>
-            <a:pPr algn="ctr"/>
-            <a:endParaRPr lang="en-US"/>
-          </a:p>
-        </p:txBody>
-      </p:sp>
-      <p:sp>
-        <p:nvSpPr>
-          <p:cNvPr id="6" name="Rounded Rectangle 5"/>
-          <p:cNvSpPr/>
-          <p:nvPr/>
-        </p:nvSpPr>
-        <p:spPr>
-          <a:xfrm>
-            <a:off x="552335" y="2299750"/>
-            <a:ext cx="1676400" cy="774700"/>
-          </a:xfrm>
-          <a:prstGeom prst="roundRect">
-            <a:avLst/>
-          </a:prstGeom>
-        </p:spPr>
-        <p:style>
-          <a:lnRef idx="2">
-            <a:schemeClr val="accent1">
-              <a:shade val="50000"/>
-            </a:schemeClr>
-          </a:lnRef>
-          <a:fillRef idx="1">
-            <a:schemeClr val="accent1"/>
-          </a:fillRef>
-          <a:effectRef idx="0">
-            <a:schemeClr val="accent1"/>
-          </a:effectRef>
-          <a:fontRef idx="minor">
-            <a:schemeClr val="lt1"/>
-          </a:fontRef>
-        </p:style>
-        <p:txBody>
-          <a:bodyPr rtlCol="0" anchor="ctr"/>
-          <a:lstStyle/>
-          <a:p>
-            <a:r>
-              <a:rPr lang="en-US" b="1" dirty="0" smtClean="0"/>
-              <a:t>Related Works</a:t>
-            </a:r>
-            <a:endParaRPr lang="en-US" b="1" dirty="0"/>
-          </a:p>
-        </p:txBody>
-      </p:sp>
-      <p:sp>
-        <p:nvSpPr>
-          <p:cNvPr id="8" name="Bent Arrow 7"/>
-          <p:cNvSpPr/>
-          <p:nvPr/>
-        </p:nvSpPr>
-        <p:spPr>
-          <a:xfrm rot="10800000" flipH="1">
-            <a:off x="1254334" y="5022164"/>
-            <a:ext cx="1232656" cy="817715"/>
-          </a:xfrm>
-          <a:prstGeom prst="bentArrow">
-            <a:avLst>
-              <a:gd name="adj1" fmla="val 25000"/>
-              <a:gd name="adj2" fmla="val 25000"/>
-              <a:gd name="adj3" fmla="val 29251"/>
-              <a:gd name="adj4" fmla="val 43771"/>
-            </a:avLst>
-          </a:prstGeom>
-        </p:spPr>
-        <p:style>
-          <a:lnRef idx="2">
-            <a:schemeClr val="accent1">
-              <a:shade val="50000"/>
-            </a:schemeClr>
-          </a:lnRef>
-          <a:fillRef idx="1">
-            <a:schemeClr val="accent1"/>
-          </a:fillRef>
-          <a:effectRef idx="0">
-            <a:schemeClr val="accent1"/>
-          </a:effectRef>
-          <a:fontRef idx="minor">
-            <a:schemeClr val="lt1"/>
-          </a:fontRef>
-        </p:style>
-        <p:txBody>
-          <a:bodyPr rtlCol="0" anchor="ctr"/>
-          <a:lstStyle/>
-          <a:p>
-            <a:pPr algn="ctr"/>
-            <a:endParaRPr lang="en-US">
-              <a:solidFill>
-                <a:schemeClr val="tx1"/>
-              </a:solidFill>
-            </a:endParaRPr>
-          </a:p>
-        </p:txBody>
-      </p:sp>
-      <p:sp>
-        <p:nvSpPr>
-          <p:cNvPr id="9" name="Rounded Rectangle 8"/>
-          <p:cNvSpPr/>
-          <p:nvPr/>
-        </p:nvSpPr>
-        <p:spPr>
-          <a:xfrm>
-            <a:off x="2610416" y="5257503"/>
-            <a:ext cx="1676400" cy="774700"/>
-          </a:xfrm>
-          <a:prstGeom prst="roundRect">
-            <a:avLst/>
-          </a:prstGeom>
-        </p:spPr>
-        <p:style>
-          <a:lnRef idx="2">
-            <a:schemeClr val="accent1">
-              <a:shade val="50000"/>
-            </a:schemeClr>
-          </a:lnRef>
-          <a:fillRef idx="1">
-            <a:schemeClr val="accent1"/>
-          </a:fillRef>
-          <a:effectRef idx="0">
-            <a:schemeClr val="accent1"/>
-          </a:effectRef>
-          <a:fontRef idx="minor">
-            <a:schemeClr val="lt1"/>
-          </a:fontRef>
-        </p:style>
-        <p:txBody>
-          <a:bodyPr rtlCol="0" anchor="ctr"/>
-          <a:lstStyle/>
-          <a:p>
-            <a:pPr algn="ctr"/>
-            <a:r>
-              <a:rPr lang="en-US" b="1"/>
-              <a:t>Preprocessing</a:t>
-            </a:r>
-            <a:endParaRPr lang="en-US" b="1" dirty="0"/>
-          </a:p>
-        </p:txBody>
-      </p:sp>
-      <p:sp>
-        <p:nvSpPr>
-          <p:cNvPr id="10" name="Down Arrow 9"/>
-          <p:cNvSpPr/>
-          <p:nvPr/>
-        </p:nvSpPr>
-        <p:spPr>
-          <a:xfrm rot="16200000">
-            <a:off x="4751125" y="5306362"/>
-            <a:ext cx="317500" cy="546100"/>
-          </a:xfrm>
-          <a:prstGeom prst="downArrow">
-            <a:avLst/>
-          </a:prstGeom>
-        </p:spPr>
-        <p:style>
-          <a:lnRef idx="2">
-            <a:schemeClr val="accent1">
-              <a:shade val="50000"/>
-            </a:schemeClr>
-          </a:lnRef>
-          <a:fillRef idx="1">
-            <a:schemeClr val="accent1"/>
-          </a:fillRef>
-          <a:effectRef idx="0">
-            <a:schemeClr val="accent1"/>
-          </a:effectRef>
-          <a:fontRef idx="minor">
-            <a:schemeClr val="lt1"/>
-          </a:fontRef>
-        </p:style>
-        <p:txBody>
-          <a:bodyPr rtlCol="0" anchor="ctr"/>
-          <a:lstStyle/>
-          <a:p>
-            <a:pPr algn="ctr"/>
-            <a:endParaRPr lang="en-US"/>
-          </a:p>
-        </p:txBody>
-      </p:sp>
-      <p:sp>
-        <p:nvSpPr>
-          <p:cNvPr id="11" name="Rounded Rectangle 10"/>
-          <p:cNvSpPr/>
-          <p:nvPr/>
-        </p:nvSpPr>
-        <p:spPr>
-          <a:xfrm>
-            <a:off x="5532934" y="5257503"/>
-            <a:ext cx="1676400" cy="774700"/>
-          </a:xfrm>
-          <a:prstGeom prst="roundRect">
-            <a:avLst/>
-          </a:prstGeom>
-        </p:spPr>
-        <p:style>
-          <a:lnRef idx="2">
-            <a:schemeClr val="accent1">
-              <a:shade val="50000"/>
-            </a:schemeClr>
-          </a:lnRef>
-          <a:fillRef idx="1">
-            <a:schemeClr val="accent1"/>
-          </a:fillRef>
-          <a:effectRef idx="0">
-            <a:schemeClr val="accent1"/>
-          </a:effectRef>
-          <a:fontRef idx="minor">
-            <a:schemeClr val="lt1"/>
-          </a:fontRef>
-        </p:style>
-        <p:txBody>
-          <a:bodyPr rtlCol="0" anchor="ctr"/>
-          <a:lstStyle/>
-          <a:p>
-            <a:pPr algn="ctr"/>
-            <a:r>
-              <a:rPr lang="en-US" b="1" dirty="0" smtClean="0"/>
-              <a:t>Model</a:t>
-            </a:r>
-            <a:endParaRPr lang="en-US" b="1" dirty="0"/>
-          </a:p>
-        </p:txBody>
-      </p:sp>
-      <p:sp>
-        <p:nvSpPr>
-          <p:cNvPr id="12" name="Down Arrow 11"/>
-          <p:cNvSpPr/>
-          <p:nvPr/>
-        </p:nvSpPr>
-        <p:spPr>
-          <a:xfrm rot="16200000">
-            <a:off x="7673643" y="5371803"/>
-            <a:ext cx="317500" cy="546100"/>
-          </a:xfrm>
-          <a:prstGeom prst="downArrow">
-            <a:avLst/>
-          </a:prstGeom>
-        </p:spPr>
-        <p:style>
-          <a:lnRef idx="2">
-            <a:schemeClr val="accent1">
-              <a:shade val="50000"/>
-            </a:schemeClr>
-          </a:lnRef>
-          <a:fillRef idx="1">
-            <a:schemeClr val="accent1"/>
-          </a:fillRef>
-          <a:effectRef idx="0">
-            <a:schemeClr val="accent1"/>
-          </a:effectRef>
-          <a:fontRef idx="minor">
-            <a:schemeClr val="lt1"/>
-          </a:fontRef>
-        </p:style>
-        <p:txBody>
-          <a:bodyPr rtlCol="0" anchor="ctr"/>
-          <a:lstStyle/>
-          <a:p>
-            <a:pPr algn="ctr"/>
-            <a:endParaRPr lang="en-US"/>
-          </a:p>
-        </p:txBody>
-      </p:sp>
-      <p:sp>
-        <p:nvSpPr>
-          <p:cNvPr id="13" name="Rounded Rectangle 12"/>
-          <p:cNvSpPr/>
-          <p:nvPr/>
-        </p:nvSpPr>
-        <p:spPr>
-          <a:xfrm>
-            <a:off x="8455452" y="5258395"/>
-            <a:ext cx="1676400" cy="774700"/>
-          </a:xfrm>
-          <a:prstGeom prst="roundRect">
-            <a:avLst/>
-          </a:prstGeom>
-        </p:spPr>
-        <p:style>
-          <a:lnRef idx="2">
-            <a:schemeClr val="accent1">
-              <a:shade val="50000"/>
-            </a:schemeClr>
-          </a:lnRef>
-          <a:fillRef idx="1">
-            <a:schemeClr val="accent1"/>
-          </a:fillRef>
-          <a:effectRef idx="0">
-            <a:schemeClr val="accent1"/>
-          </a:effectRef>
-          <a:fontRef idx="minor">
-            <a:schemeClr val="lt1"/>
-          </a:fontRef>
-        </p:style>
-        <p:txBody>
-          <a:bodyPr rtlCol="0" anchor="ctr"/>
-          <a:lstStyle/>
-          <a:p>
-            <a:pPr algn="ctr"/>
-            <a:r>
-              <a:rPr lang="en-US" b="1" dirty="0" smtClean="0"/>
-              <a:t>Conclusion</a:t>
-            </a:r>
-            <a:endParaRPr lang="en-US" b="1" dirty="0"/>
-          </a:p>
-        </p:txBody>
-      </p:sp>
-      <p:sp>
-        <p:nvSpPr>
-          <p:cNvPr id="18" name="Title 1"/>
-          <p:cNvSpPr txBox="1">
-            <a:spLocks/>
-          </p:cNvSpPr>
-          <p:nvPr/>
-        </p:nvSpPr>
-        <p:spPr>
-          <a:xfrm>
-            <a:off x="4960078" y="2337863"/>
-            <a:ext cx="7041758" cy="1612900"/>
-          </a:xfrm>
-          <a:prstGeom prst="rect">
-            <a:avLst/>
-          </a:prstGeom>
-        </p:spPr>
-        <p:txBody>
-          <a:bodyPr/>
-          <a:lstStyle>
-            <a:lvl1pPr algn="l" defTabSz="914400" rtl="0" eaLnBrk="1" latinLnBrk="0" hangingPunct="1">
-              <a:lnSpc>
-                <a:spcPct val="85000"/>
-              </a:lnSpc>
-              <a:spcBef>
-                <a:spcPct val="0"/>
-              </a:spcBef>
-              <a:buNone/>
-              <a:defRPr sz="4800" kern="1200" spc="-50" baseline="0">
-                <a:solidFill>
-                  <a:schemeClr val="tx1">
-                    <a:lumMod val="75000"/>
-                    <a:lumOff val="25000"/>
-                  </a:schemeClr>
-                </a:solidFill>
-                <a:latin typeface="+mj-lt"/>
-                <a:ea typeface="+mj-ea"/>
-                <a:cs typeface="+mj-cs"/>
-              </a:defRPr>
-            </a:lvl1pPr>
-          </a:lstStyle>
-          <a:p>
-            <a:r>
-              <a:rPr lang="en-US" sz="6000" b="1" dirty="0" smtClean="0"/>
-              <a:t>Road Map</a:t>
-            </a:r>
-            <a:r>
-              <a:rPr lang="fa-IR" sz="6000" b="1" dirty="0" smtClean="0"/>
-              <a:t>	</a:t>
-            </a:r>
-            <a:r>
-              <a:rPr lang="fa-IR" dirty="0" smtClean="0"/>
-              <a:t>	</a:t>
-            </a:r>
-            <a:endParaRPr lang="en-US" dirty="0"/>
-          </a:p>
-        </p:txBody>
-      </p:sp>
-      <p:pic>
-        <p:nvPicPr>
-          <p:cNvPr id="20" name="Picture 19"/>
-          <p:cNvPicPr>
-            <a:picLocks noChangeAspect="1"/>
-          </p:cNvPicPr>
-          <p:nvPr/>
-        </p:nvPicPr>
-        <p:blipFill>
-          <a:blip r:embed="rId2">
-            <a:extLst>
-              <a:ext uri="{28A0092B-C50C-407E-A947-70E740481C1C}">
-                <a14:useLocalDpi xmlns:a14="http://schemas.microsoft.com/office/drawing/2010/main" val="0"/>
-              </a:ext>
-            </a:extLst>
-          </a:blip>
-          <a:stretch>
-            <a:fillRect/>
-          </a:stretch>
-        </p:blipFill>
-        <p:spPr>
-          <a:xfrm>
-            <a:off x="8555787" y="995976"/>
-            <a:ext cx="1755215" cy="1174398"/>
-          </a:xfrm>
-          <a:prstGeom prst="rect">
-            <a:avLst/>
-          </a:prstGeom>
-        </p:spPr>
-      </p:pic>
-      <p:sp>
-        <p:nvSpPr>
-          <p:cNvPr id="21" name="Slide Number Placeholder 20"/>
-          <p:cNvSpPr>
-            <a:spLocks noGrp="1"/>
-          </p:cNvSpPr>
-          <p:nvPr>
-            <p:ph type="sldNum" sz="quarter" idx="12"/>
-          </p:nvPr>
-        </p:nvSpPr>
-        <p:spPr/>
-        <p:txBody>
-          <a:bodyPr/>
-          <a:lstStyle/>
-          <a:p>
-            <a:fld id="{18087783-62FF-446C-A2E4-4C6B0B0DE16F}" type="slidenum">
-              <a:rPr lang="en-US" smtClean="0"/>
-              <a:t>16</a:t>
-            </a:fld>
-            <a:endParaRPr lang="en-US"/>
-          </a:p>
-        </p:txBody>
-      </p:sp>
-      <p:pic>
-        <p:nvPicPr>
-          <p:cNvPr id="7" name="Picture 6"/>
-          <p:cNvPicPr>
-            <a:picLocks noChangeAspect="1"/>
-          </p:cNvPicPr>
-          <p:nvPr/>
-        </p:nvPicPr>
-        <p:blipFill>
-          <a:blip r:embed="rId3" cstate="print">
-            <a:extLst>
-              <a:ext uri="{28A0092B-C50C-407E-A947-70E740481C1C}">
-                <a14:useLocalDpi xmlns:a14="http://schemas.microsoft.com/office/drawing/2010/main" val="0"/>
-              </a:ext>
-            </a:extLst>
-          </a:blip>
-          <a:stretch>
-            <a:fillRect/>
-          </a:stretch>
-        </p:blipFill>
-        <p:spPr>
-          <a:xfrm>
-            <a:off x="8811158" y="1583175"/>
-            <a:ext cx="605021" cy="605021"/>
-          </a:xfrm>
-          <a:prstGeom prst="rect">
-            <a:avLst/>
-          </a:prstGeom>
-        </p:spPr>
-      </p:pic>
-      <p:sp>
-        <p:nvSpPr>
-          <p:cNvPr id="22" name="Down Arrow 21"/>
-          <p:cNvSpPr/>
-          <p:nvPr/>
-        </p:nvSpPr>
-        <p:spPr>
-          <a:xfrm>
-            <a:off x="1200719" y="3232751"/>
-            <a:ext cx="317500" cy="546100"/>
-          </a:xfrm>
-          <a:prstGeom prst="downArrow">
-            <a:avLst/>
-          </a:prstGeom>
-        </p:spPr>
-        <p:style>
-          <a:lnRef idx="2">
-            <a:schemeClr val="accent1">
-              <a:shade val="50000"/>
-            </a:schemeClr>
-          </a:lnRef>
-          <a:fillRef idx="1">
-            <a:schemeClr val="accent1"/>
-          </a:fillRef>
-          <a:effectRef idx="0">
-            <a:schemeClr val="accent1"/>
-          </a:effectRef>
-          <a:fontRef idx="minor">
-            <a:schemeClr val="lt1"/>
-          </a:fontRef>
-        </p:style>
-        <p:txBody>
-          <a:bodyPr rtlCol="0" anchor="ctr"/>
-          <a:lstStyle/>
-          <a:p>
-            <a:pPr algn="ctr"/>
-            <a:endParaRPr lang="en-US"/>
-          </a:p>
-        </p:txBody>
-      </p:sp>
-      <p:sp>
-        <p:nvSpPr>
-          <p:cNvPr id="23" name="Rounded Rectangle 22"/>
-          <p:cNvSpPr/>
-          <p:nvPr/>
-        </p:nvSpPr>
-        <p:spPr>
-          <a:xfrm>
-            <a:off x="552335" y="3990874"/>
-            <a:ext cx="1676400" cy="774700"/>
-          </a:xfrm>
-          <a:prstGeom prst="roundRect">
-            <a:avLst/>
-          </a:prstGeom>
-        </p:spPr>
-        <p:style>
-          <a:lnRef idx="2">
-            <a:schemeClr val="accent1">
-              <a:shade val="50000"/>
-            </a:schemeClr>
-          </a:lnRef>
-          <a:fillRef idx="1">
-            <a:schemeClr val="accent1"/>
-          </a:fillRef>
-          <a:effectRef idx="0">
-            <a:schemeClr val="accent1"/>
-          </a:effectRef>
-          <a:fontRef idx="minor">
-            <a:schemeClr val="lt1"/>
-          </a:fontRef>
-        </p:style>
-        <p:txBody>
-          <a:bodyPr rtlCol="0" anchor="ctr"/>
-          <a:lstStyle/>
-          <a:p>
-            <a:pPr algn="ctr"/>
-            <a:r>
-              <a:rPr lang="en-US" b="1" dirty="0" smtClean="0"/>
-              <a:t>New Hybrid Approach</a:t>
-            </a:r>
-            <a:endParaRPr lang="en-US" b="1" dirty="0"/>
-          </a:p>
-        </p:txBody>
-      </p:sp>
-    </p:spTree>
-    <p:extLst>
-      <p:ext uri="{BB962C8B-B14F-4D97-AF65-F5344CB8AC3E}">
-        <p14:creationId xmlns:p14="http://schemas.microsoft.com/office/powerpoint/2010/main" val="2792749877"/>
-      </p:ext>
-    </p:extLst>
-  </p:cSld>
-  <p:clrMapOvr>
-    <a:masterClrMapping/>
-  </p:clrMapOvr>
-  <p:timing>
-    <p:tnLst>
-      <p:par>
-        <p:cTn id="1" dur="indefinite" restart="never" nodeType="tmRoot"/>
-      </p:par>
-    </p:tnLst>
-  </p:timing>
-</p:sld>
-</file>
-
-<file path=ppt/slides/slide17.xml><?xml version="1.0" encoding="utf-8"?>
-<p:sld xmlns:a="http://schemas.openxmlformats.org/drawingml/2006/main" xmlns:r="http://schemas.openxmlformats.org/officeDocument/2006/relationships" xmlns:p="http://schemas.openxmlformats.org/presentationml/2006/main">
-  <p:cSld>
-    <p:spTree>
-      <p:nvGrpSpPr>
-        <p:cNvPr id="1" name=""/>
-        <p:cNvGrpSpPr/>
-        <p:nvPr/>
-      </p:nvGrpSpPr>
-      <p:grpSpPr>
-        <a:xfrm>
-          <a:off x="0" y="0"/>
-          <a:ext cx="0" cy="0"/>
-          <a:chOff x="0" y="0"/>
-          <a:chExt cx="0" cy="0"/>
-        </a:xfrm>
-      </p:grpSpPr>
-      <p:sp>
-        <p:nvSpPr>
-          <p:cNvPr id="4" name="Rounded Rectangle 3"/>
-          <p:cNvSpPr/>
-          <p:nvPr/>
-        </p:nvSpPr>
-        <p:spPr>
-          <a:xfrm>
-            <a:off x="552335" y="608626"/>
-            <a:ext cx="1676400" cy="774700"/>
-          </a:xfrm>
-          <a:prstGeom prst="roundRect">
-            <a:avLst/>
-          </a:prstGeom>
-          <a:solidFill>
-            <a:schemeClr val="accent2">
-              <a:lumMod val="75000"/>
-            </a:schemeClr>
-          </a:solidFill>
-        </p:spPr>
-        <p:style>
-          <a:lnRef idx="2">
-            <a:schemeClr val="accent1">
-              <a:shade val="50000"/>
-            </a:schemeClr>
-          </a:lnRef>
-          <a:fillRef idx="1">
-            <a:schemeClr val="accent1"/>
-          </a:fillRef>
-          <a:effectRef idx="0">
-            <a:schemeClr val="accent1"/>
-          </a:effectRef>
-          <a:fontRef idx="minor">
-            <a:schemeClr val="lt1"/>
-          </a:fontRef>
-        </p:style>
-        <p:txBody>
-          <a:bodyPr rtlCol="0" anchor="ctr"/>
-          <a:lstStyle/>
-          <a:p>
-            <a:pPr algn="ctr"/>
-            <a:r>
-              <a:rPr lang="en-US" b="1" dirty="0"/>
-              <a:t>Introduction</a:t>
-            </a:r>
-          </a:p>
-        </p:txBody>
-      </p:sp>
-      <p:sp>
-        <p:nvSpPr>
-          <p:cNvPr id="5" name="Down Arrow 4"/>
-          <p:cNvSpPr/>
-          <p:nvPr/>
-        </p:nvSpPr>
-        <p:spPr>
-          <a:xfrm>
-            <a:off x="1174750" y="1595350"/>
-            <a:ext cx="317500" cy="546100"/>
-          </a:xfrm>
-          <a:prstGeom prst="downArrow">
-            <a:avLst/>
-          </a:prstGeom>
-          <a:solidFill>
-            <a:schemeClr val="accent2">
-              <a:lumMod val="75000"/>
-            </a:schemeClr>
-          </a:solidFill>
-        </p:spPr>
-        <p:style>
-          <a:lnRef idx="2">
-            <a:schemeClr val="accent1">
-              <a:shade val="50000"/>
-            </a:schemeClr>
-          </a:lnRef>
-          <a:fillRef idx="1">
-            <a:schemeClr val="accent1"/>
-          </a:fillRef>
-          <a:effectRef idx="0">
-            <a:schemeClr val="accent1"/>
-          </a:effectRef>
-          <a:fontRef idx="minor">
-            <a:schemeClr val="lt1"/>
-          </a:fontRef>
-        </p:style>
-        <p:txBody>
-          <a:bodyPr rtlCol="0" anchor="ctr"/>
-          <a:lstStyle/>
-          <a:p>
-            <a:pPr algn="ctr"/>
-            <a:endParaRPr lang="en-US"/>
-          </a:p>
-        </p:txBody>
-      </p:sp>
-      <p:sp>
-        <p:nvSpPr>
-          <p:cNvPr id="6" name="Rounded Rectangle 5"/>
-          <p:cNvSpPr/>
-          <p:nvPr/>
-        </p:nvSpPr>
-        <p:spPr>
-          <a:xfrm>
-            <a:off x="552335" y="2299750"/>
-            <a:ext cx="1676400" cy="774700"/>
-          </a:xfrm>
-          <a:prstGeom prst="roundRect">
-            <a:avLst/>
-          </a:prstGeom>
-          <a:solidFill>
-            <a:schemeClr val="accent1"/>
-          </a:solidFill>
-        </p:spPr>
-        <p:style>
-          <a:lnRef idx="2">
-            <a:schemeClr val="accent1">
-              <a:shade val="50000"/>
-            </a:schemeClr>
-          </a:lnRef>
-          <a:fillRef idx="1">
-            <a:schemeClr val="accent1"/>
-          </a:fillRef>
-          <a:effectRef idx="0">
-            <a:schemeClr val="accent1"/>
-          </a:effectRef>
-          <a:fontRef idx="minor">
-            <a:schemeClr val="lt1"/>
-          </a:fontRef>
-        </p:style>
-        <p:txBody>
-          <a:bodyPr rtlCol="0" anchor="ctr"/>
-          <a:lstStyle/>
-          <a:p>
-            <a:r>
-              <a:rPr lang="en-US" b="1" dirty="0" smtClean="0"/>
-              <a:t>Related Works</a:t>
-            </a:r>
-            <a:endParaRPr lang="en-US" b="1" dirty="0"/>
-          </a:p>
-        </p:txBody>
-      </p:sp>
-      <p:sp>
-        <p:nvSpPr>
-          <p:cNvPr id="8" name="Bent Arrow 7"/>
-          <p:cNvSpPr/>
-          <p:nvPr/>
-        </p:nvSpPr>
-        <p:spPr>
-          <a:xfrm rot="10800000" flipH="1">
-            <a:off x="1254334" y="5022164"/>
-            <a:ext cx="1232656" cy="817715"/>
-          </a:xfrm>
-          <a:prstGeom prst="bentArrow">
-            <a:avLst>
-              <a:gd name="adj1" fmla="val 25000"/>
-              <a:gd name="adj2" fmla="val 25000"/>
-              <a:gd name="adj3" fmla="val 29251"/>
-              <a:gd name="adj4" fmla="val 43771"/>
-            </a:avLst>
-          </a:prstGeom>
-        </p:spPr>
-        <p:style>
-          <a:lnRef idx="2">
-            <a:schemeClr val="accent1">
-              <a:shade val="50000"/>
-            </a:schemeClr>
-          </a:lnRef>
-          <a:fillRef idx="1">
-            <a:schemeClr val="accent1"/>
-          </a:fillRef>
-          <a:effectRef idx="0">
-            <a:schemeClr val="accent1"/>
-          </a:effectRef>
-          <a:fontRef idx="minor">
-            <a:schemeClr val="lt1"/>
-          </a:fontRef>
-        </p:style>
-        <p:txBody>
-          <a:bodyPr rtlCol="0" anchor="ctr"/>
-          <a:lstStyle/>
-          <a:p>
-            <a:pPr algn="ctr"/>
-            <a:endParaRPr lang="en-US">
-              <a:solidFill>
-                <a:schemeClr val="tx1"/>
-              </a:solidFill>
-            </a:endParaRPr>
-          </a:p>
-        </p:txBody>
-      </p:sp>
-      <p:sp>
-        <p:nvSpPr>
-          <p:cNvPr id="9" name="Rounded Rectangle 8"/>
-          <p:cNvSpPr/>
-          <p:nvPr/>
-        </p:nvSpPr>
-        <p:spPr>
-          <a:xfrm>
-            <a:off x="2610416" y="5257503"/>
-            <a:ext cx="1676400" cy="774700"/>
-          </a:xfrm>
-          <a:prstGeom prst="roundRect">
-            <a:avLst/>
-          </a:prstGeom>
-        </p:spPr>
-        <p:style>
-          <a:lnRef idx="2">
-            <a:schemeClr val="accent1">
-              <a:shade val="50000"/>
-            </a:schemeClr>
-          </a:lnRef>
-          <a:fillRef idx="1">
-            <a:schemeClr val="accent1"/>
-          </a:fillRef>
-          <a:effectRef idx="0">
-            <a:schemeClr val="accent1"/>
-          </a:effectRef>
-          <a:fontRef idx="minor">
-            <a:schemeClr val="lt1"/>
-          </a:fontRef>
-        </p:style>
-        <p:txBody>
-          <a:bodyPr rtlCol="0" anchor="ctr"/>
-          <a:lstStyle/>
-          <a:p>
-            <a:pPr algn="ctr"/>
-            <a:r>
-              <a:rPr lang="en-US" b="1"/>
-              <a:t>Preprocessing</a:t>
-            </a:r>
-            <a:endParaRPr lang="en-US" b="1" dirty="0"/>
-          </a:p>
-        </p:txBody>
-      </p:sp>
-      <p:sp>
-        <p:nvSpPr>
-          <p:cNvPr id="10" name="Down Arrow 9"/>
-          <p:cNvSpPr/>
-          <p:nvPr/>
-        </p:nvSpPr>
-        <p:spPr>
-          <a:xfrm rot="16200000">
-            <a:off x="4751125" y="5306362"/>
-            <a:ext cx="317500" cy="546100"/>
-          </a:xfrm>
-          <a:prstGeom prst="downArrow">
-            <a:avLst/>
-          </a:prstGeom>
-        </p:spPr>
-        <p:style>
-          <a:lnRef idx="2">
-            <a:schemeClr val="accent1">
-              <a:shade val="50000"/>
-            </a:schemeClr>
-          </a:lnRef>
-          <a:fillRef idx="1">
-            <a:schemeClr val="accent1"/>
-          </a:fillRef>
-          <a:effectRef idx="0">
-            <a:schemeClr val="accent1"/>
-          </a:effectRef>
-          <a:fontRef idx="minor">
-            <a:schemeClr val="lt1"/>
-          </a:fontRef>
-        </p:style>
-        <p:txBody>
-          <a:bodyPr rtlCol="0" anchor="ctr"/>
-          <a:lstStyle/>
-          <a:p>
-            <a:pPr algn="ctr"/>
-            <a:endParaRPr lang="en-US"/>
-          </a:p>
-        </p:txBody>
-      </p:sp>
-      <p:sp>
-        <p:nvSpPr>
-          <p:cNvPr id="11" name="Rounded Rectangle 10"/>
-          <p:cNvSpPr/>
-          <p:nvPr/>
-        </p:nvSpPr>
-        <p:spPr>
-          <a:xfrm>
-            <a:off x="5532934" y="5257503"/>
-            <a:ext cx="1676400" cy="774700"/>
-          </a:xfrm>
-          <a:prstGeom prst="roundRect">
-            <a:avLst/>
-          </a:prstGeom>
-        </p:spPr>
-        <p:style>
-          <a:lnRef idx="2">
-            <a:schemeClr val="accent1">
-              <a:shade val="50000"/>
-            </a:schemeClr>
-          </a:lnRef>
-          <a:fillRef idx="1">
-            <a:schemeClr val="accent1"/>
-          </a:fillRef>
-          <a:effectRef idx="0">
-            <a:schemeClr val="accent1"/>
-          </a:effectRef>
-          <a:fontRef idx="minor">
-            <a:schemeClr val="lt1"/>
-          </a:fontRef>
-        </p:style>
-        <p:txBody>
-          <a:bodyPr rtlCol="0" anchor="ctr"/>
-          <a:lstStyle/>
-          <a:p>
-            <a:pPr algn="ctr"/>
-            <a:r>
-              <a:rPr lang="en-US" b="1" dirty="0" smtClean="0"/>
-              <a:t>Model</a:t>
-            </a:r>
-            <a:endParaRPr lang="en-US" b="1" dirty="0"/>
-          </a:p>
-        </p:txBody>
-      </p:sp>
-      <p:sp>
-        <p:nvSpPr>
-          <p:cNvPr id="12" name="Down Arrow 11"/>
-          <p:cNvSpPr/>
-          <p:nvPr/>
-        </p:nvSpPr>
-        <p:spPr>
-          <a:xfrm rot="16200000">
-            <a:off x="7673643" y="5371803"/>
-            <a:ext cx="317500" cy="546100"/>
-          </a:xfrm>
-          <a:prstGeom prst="downArrow">
-            <a:avLst/>
-          </a:prstGeom>
-        </p:spPr>
-        <p:style>
-          <a:lnRef idx="2">
-            <a:schemeClr val="accent1">
-              <a:shade val="50000"/>
-            </a:schemeClr>
-          </a:lnRef>
-          <a:fillRef idx="1">
-            <a:schemeClr val="accent1"/>
-          </a:fillRef>
-          <a:effectRef idx="0">
-            <a:schemeClr val="accent1"/>
-          </a:effectRef>
-          <a:fontRef idx="minor">
-            <a:schemeClr val="lt1"/>
-          </a:fontRef>
-        </p:style>
-        <p:txBody>
-          <a:bodyPr rtlCol="0" anchor="ctr"/>
-          <a:lstStyle/>
-          <a:p>
-            <a:pPr algn="ctr"/>
-            <a:endParaRPr lang="en-US"/>
-          </a:p>
-        </p:txBody>
-      </p:sp>
-      <p:sp>
-        <p:nvSpPr>
-          <p:cNvPr id="13" name="Rounded Rectangle 12"/>
-          <p:cNvSpPr/>
-          <p:nvPr/>
-        </p:nvSpPr>
-        <p:spPr>
-          <a:xfrm>
-            <a:off x="8455452" y="5258395"/>
-            <a:ext cx="1676400" cy="774700"/>
-          </a:xfrm>
-          <a:prstGeom prst="roundRect">
-            <a:avLst/>
-          </a:prstGeom>
-        </p:spPr>
-        <p:style>
-          <a:lnRef idx="2">
-            <a:schemeClr val="accent1">
-              <a:shade val="50000"/>
-            </a:schemeClr>
-          </a:lnRef>
-          <a:fillRef idx="1">
-            <a:schemeClr val="accent1"/>
-          </a:fillRef>
-          <a:effectRef idx="0">
-            <a:schemeClr val="accent1"/>
-          </a:effectRef>
-          <a:fontRef idx="minor">
-            <a:schemeClr val="lt1"/>
-          </a:fontRef>
-        </p:style>
-        <p:txBody>
-          <a:bodyPr rtlCol="0" anchor="ctr"/>
-          <a:lstStyle/>
-          <a:p>
-            <a:pPr algn="ctr"/>
-            <a:r>
-              <a:rPr lang="en-US" b="1" dirty="0" smtClean="0"/>
-              <a:t>Conclusion</a:t>
-            </a:r>
-            <a:endParaRPr lang="en-US" b="1" dirty="0"/>
-          </a:p>
-        </p:txBody>
-      </p:sp>
-      <p:sp>
-        <p:nvSpPr>
-          <p:cNvPr id="18" name="Title 1"/>
-          <p:cNvSpPr txBox="1">
-            <a:spLocks/>
-          </p:cNvSpPr>
-          <p:nvPr/>
-        </p:nvSpPr>
-        <p:spPr>
-          <a:xfrm>
-            <a:off x="4960078" y="2337863"/>
-            <a:ext cx="7041758" cy="1612900"/>
-          </a:xfrm>
-          <a:prstGeom prst="rect">
-            <a:avLst/>
-          </a:prstGeom>
-        </p:spPr>
-        <p:txBody>
-          <a:bodyPr/>
-          <a:lstStyle>
-            <a:lvl1pPr algn="l" defTabSz="914400" rtl="0" eaLnBrk="1" latinLnBrk="0" hangingPunct="1">
-              <a:lnSpc>
-                <a:spcPct val="85000"/>
-              </a:lnSpc>
-              <a:spcBef>
-                <a:spcPct val="0"/>
-              </a:spcBef>
-              <a:buNone/>
-              <a:defRPr sz="4800" kern="1200" spc="-50" baseline="0">
-                <a:solidFill>
-                  <a:schemeClr val="tx1">
-                    <a:lumMod val="75000"/>
-                    <a:lumOff val="25000"/>
-                  </a:schemeClr>
-                </a:solidFill>
-                <a:latin typeface="+mj-lt"/>
-                <a:ea typeface="+mj-ea"/>
-                <a:cs typeface="+mj-cs"/>
-              </a:defRPr>
-            </a:lvl1pPr>
-          </a:lstStyle>
-          <a:p>
-            <a:r>
-              <a:rPr lang="en-US" sz="6000" b="1" dirty="0" smtClean="0"/>
-              <a:t>Road Map</a:t>
-            </a:r>
-            <a:r>
-              <a:rPr lang="fa-IR" sz="6000" b="1" dirty="0" smtClean="0"/>
-              <a:t>	</a:t>
-            </a:r>
-            <a:r>
-              <a:rPr lang="fa-IR" dirty="0" smtClean="0"/>
-              <a:t>	</a:t>
-            </a:r>
-            <a:endParaRPr lang="en-US" dirty="0"/>
-          </a:p>
-        </p:txBody>
-      </p:sp>
-      <p:pic>
-        <p:nvPicPr>
-          <p:cNvPr id="20" name="Picture 19"/>
-          <p:cNvPicPr>
-            <a:picLocks noChangeAspect="1"/>
-          </p:cNvPicPr>
-          <p:nvPr/>
-        </p:nvPicPr>
-        <p:blipFill>
-          <a:blip r:embed="rId2">
-            <a:extLst>
-              <a:ext uri="{28A0092B-C50C-407E-A947-70E740481C1C}">
-                <a14:useLocalDpi xmlns:a14="http://schemas.microsoft.com/office/drawing/2010/main" val="0"/>
-              </a:ext>
-            </a:extLst>
-          </a:blip>
-          <a:stretch>
-            <a:fillRect/>
-          </a:stretch>
-        </p:blipFill>
-        <p:spPr>
-          <a:xfrm>
-            <a:off x="8555787" y="995976"/>
-            <a:ext cx="1755215" cy="1174398"/>
-          </a:xfrm>
-          <a:prstGeom prst="rect">
-            <a:avLst/>
-          </a:prstGeom>
-        </p:spPr>
-      </p:pic>
-      <p:sp>
-        <p:nvSpPr>
-          <p:cNvPr id="21" name="Slide Number Placeholder 20"/>
-          <p:cNvSpPr>
-            <a:spLocks noGrp="1"/>
-          </p:cNvSpPr>
-          <p:nvPr>
-            <p:ph type="sldNum" sz="quarter" idx="12"/>
-          </p:nvPr>
-        </p:nvSpPr>
-        <p:spPr/>
-        <p:txBody>
-          <a:bodyPr/>
-          <a:lstStyle/>
-          <a:p>
-            <a:fld id="{18087783-62FF-446C-A2E4-4C6B0B0DE16F}" type="slidenum">
-              <a:rPr lang="en-US" smtClean="0"/>
-              <a:t>17</a:t>
-            </a:fld>
-            <a:endParaRPr lang="en-US"/>
-          </a:p>
-        </p:txBody>
-      </p:sp>
-      <p:pic>
-        <p:nvPicPr>
-          <p:cNvPr id="7" name="Picture 6"/>
-          <p:cNvPicPr>
-            <a:picLocks noChangeAspect="1"/>
-          </p:cNvPicPr>
-          <p:nvPr/>
-        </p:nvPicPr>
-        <p:blipFill>
-          <a:blip r:embed="rId3" cstate="print">
-            <a:extLst>
-              <a:ext uri="{28A0092B-C50C-407E-A947-70E740481C1C}">
-                <a14:useLocalDpi xmlns:a14="http://schemas.microsoft.com/office/drawing/2010/main" val="0"/>
-              </a:ext>
-            </a:extLst>
-          </a:blip>
-          <a:stretch>
-            <a:fillRect/>
-          </a:stretch>
-        </p:blipFill>
-        <p:spPr>
-          <a:xfrm>
-            <a:off x="8811158" y="1583175"/>
-            <a:ext cx="605021" cy="605021"/>
-          </a:xfrm>
-          <a:prstGeom prst="rect">
-            <a:avLst/>
-          </a:prstGeom>
-        </p:spPr>
-      </p:pic>
-      <p:sp>
-        <p:nvSpPr>
-          <p:cNvPr id="22" name="Down Arrow 21"/>
-          <p:cNvSpPr/>
-          <p:nvPr/>
-        </p:nvSpPr>
-        <p:spPr>
-          <a:xfrm>
-            <a:off x="1200719" y="3232751"/>
-            <a:ext cx="317500" cy="546100"/>
-          </a:xfrm>
-          <a:prstGeom prst="downArrow">
-            <a:avLst/>
-          </a:prstGeom>
-        </p:spPr>
-        <p:style>
-          <a:lnRef idx="2">
-            <a:schemeClr val="accent1">
-              <a:shade val="50000"/>
-            </a:schemeClr>
-          </a:lnRef>
-          <a:fillRef idx="1">
-            <a:schemeClr val="accent1"/>
-          </a:fillRef>
-          <a:effectRef idx="0">
-            <a:schemeClr val="accent1"/>
-          </a:effectRef>
-          <a:fontRef idx="minor">
-            <a:schemeClr val="lt1"/>
-          </a:fontRef>
-        </p:style>
-        <p:txBody>
-          <a:bodyPr rtlCol="0" anchor="ctr"/>
-          <a:lstStyle/>
-          <a:p>
-            <a:pPr algn="ctr"/>
-            <a:endParaRPr lang="en-US"/>
-          </a:p>
-        </p:txBody>
-      </p:sp>
-      <p:sp>
-        <p:nvSpPr>
-          <p:cNvPr id="23" name="Rounded Rectangle 22"/>
-          <p:cNvSpPr/>
-          <p:nvPr/>
-        </p:nvSpPr>
-        <p:spPr>
-          <a:xfrm>
-            <a:off x="552335" y="3990874"/>
-            <a:ext cx="1676400" cy="774700"/>
-          </a:xfrm>
-          <a:prstGeom prst="roundRect">
-            <a:avLst/>
-          </a:prstGeom>
-        </p:spPr>
-        <p:style>
-          <a:lnRef idx="2">
-            <a:schemeClr val="accent1">
-              <a:shade val="50000"/>
-            </a:schemeClr>
-          </a:lnRef>
-          <a:fillRef idx="1">
-            <a:schemeClr val="accent1"/>
-          </a:fillRef>
-          <a:effectRef idx="0">
-            <a:schemeClr val="accent1"/>
-          </a:effectRef>
-          <a:fontRef idx="minor">
-            <a:schemeClr val="lt1"/>
-          </a:fontRef>
-        </p:style>
-        <p:txBody>
-          <a:bodyPr rtlCol="0" anchor="ctr"/>
-          <a:lstStyle/>
-          <a:p>
-            <a:pPr algn="ctr"/>
-            <a:r>
-              <a:rPr lang="en-US" b="1" dirty="0" smtClean="0"/>
-              <a:t>New Hybrid Approach</a:t>
-            </a:r>
-            <a:endParaRPr lang="en-US" b="1" dirty="0"/>
-          </a:p>
-        </p:txBody>
-      </p:sp>
-    </p:spTree>
-    <p:extLst>
-      <p:ext uri="{BB962C8B-B14F-4D97-AF65-F5344CB8AC3E}">
-        <p14:creationId xmlns:p14="http://schemas.microsoft.com/office/powerpoint/2010/main" val="103730970"/>
-      </p:ext>
-    </p:extLst>
-  </p:cSld>
-  <p:clrMapOvr>
-    <a:masterClrMapping/>
-  </p:clrMapOvr>
-  <p:timing>
-    <p:tnLst>
-      <p:par>
-        <p:cTn id="1" dur="indefinite" restart="never" nodeType="tmRoot"/>
-      </p:par>
-    </p:tnLst>
-  </p:timing>
-</p:sld>
-</file>
-
-<file path=ppt/slides/slide18.xml><?xml version="1.0" encoding="utf-8"?>
-<p:sld xmlns:a="http://schemas.openxmlformats.org/drawingml/2006/main" xmlns:r="http://schemas.openxmlformats.org/officeDocument/2006/relationships" xmlns:p="http://schemas.openxmlformats.org/presentationml/2006/main">
-  <p:cSld>
-    <p:spTree>
-      <p:nvGrpSpPr>
-        <p:cNvPr id="1" name=""/>
-        <p:cNvGrpSpPr/>
-        <p:nvPr/>
-      </p:nvGrpSpPr>
-      <p:grpSpPr>
-        <a:xfrm>
-          <a:off x="0" y="0"/>
-          <a:ext cx="0" cy="0"/>
-          <a:chOff x="0" y="0"/>
-          <a:chExt cx="0" cy="0"/>
-        </a:xfrm>
-      </p:grpSpPr>
-      <p:sp>
-        <p:nvSpPr>
-          <p:cNvPr id="4" name="Rounded Rectangle 3"/>
-          <p:cNvSpPr/>
-          <p:nvPr/>
-        </p:nvSpPr>
-        <p:spPr>
-          <a:xfrm>
-            <a:off x="552335" y="608626"/>
-            <a:ext cx="1676400" cy="774700"/>
-          </a:xfrm>
-          <a:prstGeom prst="roundRect">
-            <a:avLst/>
-          </a:prstGeom>
-          <a:solidFill>
-            <a:schemeClr val="accent2">
-              <a:lumMod val="75000"/>
-            </a:schemeClr>
-          </a:solidFill>
-        </p:spPr>
-        <p:style>
-          <a:lnRef idx="2">
-            <a:schemeClr val="accent1">
-              <a:shade val="50000"/>
-            </a:schemeClr>
-          </a:lnRef>
-          <a:fillRef idx="1">
-            <a:schemeClr val="accent1"/>
-          </a:fillRef>
-          <a:effectRef idx="0">
-            <a:schemeClr val="accent1"/>
-          </a:effectRef>
-          <a:fontRef idx="minor">
-            <a:schemeClr val="lt1"/>
-          </a:fontRef>
-        </p:style>
-        <p:txBody>
-          <a:bodyPr rtlCol="0" anchor="ctr"/>
-          <a:lstStyle/>
-          <a:p>
-            <a:pPr algn="ctr"/>
-            <a:r>
-              <a:rPr lang="en-US" b="1" dirty="0"/>
-              <a:t>Introduction</a:t>
-            </a:r>
-          </a:p>
-        </p:txBody>
-      </p:sp>
-      <p:sp>
-        <p:nvSpPr>
-          <p:cNvPr id="5" name="Down Arrow 4"/>
-          <p:cNvSpPr/>
-          <p:nvPr/>
-        </p:nvSpPr>
-        <p:spPr>
-          <a:xfrm>
-            <a:off x="1174750" y="1595350"/>
-            <a:ext cx="317500" cy="546100"/>
-          </a:xfrm>
-          <a:prstGeom prst="downArrow">
-            <a:avLst/>
-          </a:prstGeom>
-          <a:solidFill>
-            <a:schemeClr val="accent2">
-              <a:lumMod val="75000"/>
-            </a:schemeClr>
-          </a:solidFill>
-        </p:spPr>
-        <p:style>
-          <a:lnRef idx="2">
-            <a:schemeClr val="accent1">
-              <a:shade val="50000"/>
-            </a:schemeClr>
-          </a:lnRef>
-          <a:fillRef idx="1">
-            <a:schemeClr val="accent1"/>
-          </a:fillRef>
-          <a:effectRef idx="0">
-            <a:schemeClr val="accent1"/>
-          </a:effectRef>
-          <a:fontRef idx="minor">
-            <a:schemeClr val="lt1"/>
-          </a:fontRef>
-        </p:style>
-        <p:txBody>
-          <a:bodyPr rtlCol="0" anchor="ctr"/>
-          <a:lstStyle/>
-          <a:p>
-            <a:pPr algn="ctr"/>
-            <a:endParaRPr lang="en-US"/>
-          </a:p>
-        </p:txBody>
-      </p:sp>
-      <p:sp>
-        <p:nvSpPr>
-          <p:cNvPr id="6" name="Rounded Rectangle 5"/>
-          <p:cNvSpPr/>
-          <p:nvPr/>
-        </p:nvSpPr>
-        <p:spPr>
-          <a:xfrm>
-            <a:off x="552335" y="2299750"/>
-            <a:ext cx="1676400" cy="774700"/>
-          </a:xfrm>
-          <a:prstGeom prst="roundRect">
-            <a:avLst/>
-          </a:prstGeom>
-          <a:solidFill>
-            <a:schemeClr val="accent2">
-              <a:lumMod val="75000"/>
-            </a:schemeClr>
-          </a:solidFill>
-        </p:spPr>
-        <p:style>
-          <a:lnRef idx="2">
-            <a:schemeClr val="accent1">
-              <a:shade val="50000"/>
-            </a:schemeClr>
-          </a:lnRef>
-          <a:fillRef idx="1">
-            <a:schemeClr val="accent1"/>
-          </a:fillRef>
-          <a:effectRef idx="0">
-            <a:schemeClr val="accent1"/>
-          </a:effectRef>
-          <a:fontRef idx="minor">
-            <a:schemeClr val="lt1"/>
-          </a:fontRef>
-        </p:style>
-        <p:txBody>
-          <a:bodyPr rtlCol="0" anchor="ctr"/>
-          <a:lstStyle/>
-          <a:p>
-            <a:r>
-              <a:rPr lang="en-US" b="1" dirty="0" smtClean="0"/>
-              <a:t>Related Works</a:t>
-            </a:r>
-            <a:endParaRPr lang="en-US" b="1" dirty="0"/>
-          </a:p>
-        </p:txBody>
-      </p:sp>
-      <p:sp>
-        <p:nvSpPr>
-          <p:cNvPr id="8" name="Bent Arrow 7"/>
-          <p:cNvSpPr/>
-          <p:nvPr/>
-        </p:nvSpPr>
-        <p:spPr>
-          <a:xfrm rot="10800000" flipH="1">
-            <a:off x="1254334" y="5022164"/>
-            <a:ext cx="1232656" cy="817715"/>
-          </a:xfrm>
-          <a:prstGeom prst="bentArrow">
-            <a:avLst>
-              <a:gd name="adj1" fmla="val 25000"/>
-              <a:gd name="adj2" fmla="val 25000"/>
-              <a:gd name="adj3" fmla="val 29251"/>
-              <a:gd name="adj4" fmla="val 43771"/>
-            </a:avLst>
-          </a:prstGeom>
-        </p:spPr>
-        <p:style>
-          <a:lnRef idx="2">
-            <a:schemeClr val="accent1">
-              <a:shade val="50000"/>
-            </a:schemeClr>
-          </a:lnRef>
-          <a:fillRef idx="1">
-            <a:schemeClr val="accent1"/>
-          </a:fillRef>
-          <a:effectRef idx="0">
-            <a:schemeClr val="accent1"/>
-          </a:effectRef>
-          <a:fontRef idx="minor">
-            <a:schemeClr val="lt1"/>
-          </a:fontRef>
-        </p:style>
-        <p:txBody>
-          <a:bodyPr rtlCol="0" anchor="ctr"/>
-          <a:lstStyle/>
-          <a:p>
-            <a:pPr algn="ctr"/>
-            <a:endParaRPr lang="en-US">
-              <a:solidFill>
-                <a:schemeClr val="tx1"/>
-              </a:solidFill>
-            </a:endParaRPr>
-          </a:p>
-        </p:txBody>
-      </p:sp>
-      <p:sp>
-        <p:nvSpPr>
-          <p:cNvPr id="9" name="Rounded Rectangle 8"/>
-          <p:cNvSpPr/>
-          <p:nvPr/>
-        </p:nvSpPr>
-        <p:spPr>
-          <a:xfrm>
-            <a:off x="2610416" y="5257503"/>
-            <a:ext cx="1676400" cy="774700"/>
-          </a:xfrm>
-          <a:prstGeom prst="roundRect">
-            <a:avLst/>
-          </a:prstGeom>
-        </p:spPr>
-        <p:style>
-          <a:lnRef idx="2">
-            <a:schemeClr val="accent1">
-              <a:shade val="50000"/>
-            </a:schemeClr>
-          </a:lnRef>
-          <a:fillRef idx="1">
-            <a:schemeClr val="accent1"/>
-          </a:fillRef>
-          <a:effectRef idx="0">
-            <a:schemeClr val="accent1"/>
-          </a:effectRef>
-          <a:fontRef idx="minor">
-            <a:schemeClr val="lt1"/>
-          </a:fontRef>
-        </p:style>
-        <p:txBody>
-          <a:bodyPr rtlCol="0" anchor="ctr"/>
-          <a:lstStyle/>
-          <a:p>
-            <a:pPr algn="ctr"/>
-            <a:r>
-              <a:rPr lang="en-US" b="1"/>
-              <a:t>Preprocessing</a:t>
-            </a:r>
-            <a:endParaRPr lang="en-US" b="1" dirty="0"/>
-          </a:p>
-        </p:txBody>
-      </p:sp>
-      <p:sp>
-        <p:nvSpPr>
-          <p:cNvPr id="10" name="Down Arrow 9"/>
-          <p:cNvSpPr/>
-          <p:nvPr/>
-        </p:nvSpPr>
-        <p:spPr>
-          <a:xfrm rot="16200000">
-            <a:off x="4751125" y="5306362"/>
-            <a:ext cx="317500" cy="546100"/>
-          </a:xfrm>
-          <a:prstGeom prst="downArrow">
-            <a:avLst/>
-          </a:prstGeom>
-        </p:spPr>
-        <p:style>
-          <a:lnRef idx="2">
-            <a:schemeClr val="accent1">
-              <a:shade val="50000"/>
-            </a:schemeClr>
-          </a:lnRef>
-          <a:fillRef idx="1">
-            <a:schemeClr val="accent1"/>
-          </a:fillRef>
-          <a:effectRef idx="0">
-            <a:schemeClr val="accent1"/>
-          </a:effectRef>
-          <a:fontRef idx="minor">
-            <a:schemeClr val="lt1"/>
-          </a:fontRef>
-        </p:style>
-        <p:txBody>
-          <a:bodyPr rtlCol="0" anchor="ctr"/>
-          <a:lstStyle/>
-          <a:p>
-            <a:pPr algn="ctr"/>
-            <a:endParaRPr lang="en-US"/>
-          </a:p>
-        </p:txBody>
-      </p:sp>
-      <p:sp>
-        <p:nvSpPr>
-          <p:cNvPr id="11" name="Rounded Rectangle 10"/>
-          <p:cNvSpPr/>
-          <p:nvPr/>
-        </p:nvSpPr>
-        <p:spPr>
-          <a:xfrm>
-            <a:off x="5532934" y="5257503"/>
-            <a:ext cx="1676400" cy="774700"/>
-          </a:xfrm>
-          <a:prstGeom prst="roundRect">
-            <a:avLst/>
-          </a:prstGeom>
-        </p:spPr>
-        <p:style>
-          <a:lnRef idx="2">
-            <a:schemeClr val="accent1">
-              <a:shade val="50000"/>
-            </a:schemeClr>
-          </a:lnRef>
-          <a:fillRef idx="1">
-            <a:schemeClr val="accent1"/>
-          </a:fillRef>
-          <a:effectRef idx="0">
-            <a:schemeClr val="accent1"/>
-          </a:effectRef>
-          <a:fontRef idx="minor">
-            <a:schemeClr val="lt1"/>
-          </a:fontRef>
-        </p:style>
-        <p:txBody>
-          <a:bodyPr rtlCol="0" anchor="ctr"/>
-          <a:lstStyle/>
-          <a:p>
-            <a:pPr algn="ctr"/>
-            <a:r>
-              <a:rPr lang="en-US" b="1" dirty="0" smtClean="0"/>
-              <a:t>Model</a:t>
-            </a:r>
-            <a:endParaRPr lang="en-US" b="1" dirty="0"/>
-          </a:p>
-        </p:txBody>
-      </p:sp>
-      <p:sp>
-        <p:nvSpPr>
-          <p:cNvPr id="12" name="Down Arrow 11"/>
-          <p:cNvSpPr/>
-          <p:nvPr/>
-        </p:nvSpPr>
-        <p:spPr>
-          <a:xfrm rot="16200000">
-            <a:off x="7673643" y="5371803"/>
-            <a:ext cx="317500" cy="546100"/>
-          </a:xfrm>
-          <a:prstGeom prst="downArrow">
-            <a:avLst/>
-          </a:prstGeom>
-        </p:spPr>
-        <p:style>
-          <a:lnRef idx="2">
-            <a:schemeClr val="accent1">
-              <a:shade val="50000"/>
-            </a:schemeClr>
-          </a:lnRef>
-          <a:fillRef idx="1">
-            <a:schemeClr val="accent1"/>
-          </a:fillRef>
-          <a:effectRef idx="0">
-            <a:schemeClr val="accent1"/>
-          </a:effectRef>
-          <a:fontRef idx="minor">
-            <a:schemeClr val="lt1"/>
-          </a:fontRef>
-        </p:style>
-        <p:txBody>
-          <a:bodyPr rtlCol="0" anchor="ctr"/>
-          <a:lstStyle/>
-          <a:p>
-            <a:pPr algn="ctr"/>
-            <a:endParaRPr lang="en-US"/>
-          </a:p>
-        </p:txBody>
-      </p:sp>
-      <p:sp>
-        <p:nvSpPr>
-          <p:cNvPr id="13" name="Rounded Rectangle 12"/>
-          <p:cNvSpPr/>
-          <p:nvPr/>
-        </p:nvSpPr>
-        <p:spPr>
-          <a:xfrm>
-            <a:off x="8455452" y="5258395"/>
-            <a:ext cx="1676400" cy="774700"/>
-          </a:xfrm>
-          <a:prstGeom prst="roundRect">
-            <a:avLst/>
-          </a:prstGeom>
-        </p:spPr>
-        <p:style>
-          <a:lnRef idx="2">
-            <a:schemeClr val="accent1">
-              <a:shade val="50000"/>
-            </a:schemeClr>
-          </a:lnRef>
-          <a:fillRef idx="1">
-            <a:schemeClr val="accent1"/>
-          </a:fillRef>
-          <a:effectRef idx="0">
-            <a:schemeClr val="accent1"/>
-          </a:effectRef>
-          <a:fontRef idx="minor">
-            <a:schemeClr val="lt1"/>
-          </a:fontRef>
-        </p:style>
-        <p:txBody>
-          <a:bodyPr rtlCol="0" anchor="ctr"/>
-          <a:lstStyle/>
-          <a:p>
-            <a:pPr algn="ctr"/>
-            <a:r>
-              <a:rPr lang="en-US" b="1" dirty="0" smtClean="0"/>
-              <a:t>Conclusion</a:t>
-            </a:r>
-            <a:endParaRPr lang="en-US" b="1" dirty="0"/>
-          </a:p>
-        </p:txBody>
-      </p:sp>
-      <p:sp>
-        <p:nvSpPr>
-          <p:cNvPr id="18" name="Title 1"/>
-          <p:cNvSpPr txBox="1">
-            <a:spLocks/>
-          </p:cNvSpPr>
-          <p:nvPr/>
-        </p:nvSpPr>
-        <p:spPr>
-          <a:xfrm>
-            <a:off x="4960078" y="2337863"/>
-            <a:ext cx="7041758" cy="1612900"/>
-          </a:xfrm>
-          <a:prstGeom prst="rect">
-            <a:avLst/>
-          </a:prstGeom>
-        </p:spPr>
-        <p:txBody>
-          <a:bodyPr/>
-          <a:lstStyle>
-            <a:lvl1pPr algn="l" defTabSz="914400" rtl="0" eaLnBrk="1" latinLnBrk="0" hangingPunct="1">
-              <a:lnSpc>
-                <a:spcPct val="85000"/>
-              </a:lnSpc>
-              <a:spcBef>
-                <a:spcPct val="0"/>
-              </a:spcBef>
-              <a:buNone/>
-              <a:defRPr sz="4800" kern="1200" spc="-50" baseline="0">
-                <a:solidFill>
-                  <a:schemeClr val="tx1">
-                    <a:lumMod val="75000"/>
-                    <a:lumOff val="25000"/>
-                  </a:schemeClr>
-                </a:solidFill>
-                <a:latin typeface="+mj-lt"/>
-                <a:ea typeface="+mj-ea"/>
-                <a:cs typeface="+mj-cs"/>
-              </a:defRPr>
-            </a:lvl1pPr>
-          </a:lstStyle>
-          <a:p>
-            <a:r>
-              <a:rPr lang="en-US" sz="6000" b="1" dirty="0" smtClean="0"/>
-              <a:t>Road Map</a:t>
-            </a:r>
-            <a:r>
-              <a:rPr lang="fa-IR" sz="6000" b="1" dirty="0" smtClean="0"/>
-              <a:t>	</a:t>
-            </a:r>
-            <a:r>
-              <a:rPr lang="fa-IR" dirty="0" smtClean="0"/>
-              <a:t>	</a:t>
-            </a:r>
-            <a:endParaRPr lang="en-US" dirty="0"/>
-          </a:p>
-        </p:txBody>
-      </p:sp>
-      <p:pic>
-        <p:nvPicPr>
-          <p:cNvPr id="20" name="Picture 19"/>
-          <p:cNvPicPr>
-            <a:picLocks noChangeAspect="1"/>
-          </p:cNvPicPr>
-          <p:nvPr/>
-        </p:nvPicPr>
-        <p:blipFill>
-          <a:blip r:embed="rId2">
-            <a:extLst>
-              <a:ext uri="{28A0092B-C50C-407E-A947-70E740481C1C}">
-                <a14:useLocalDpi xmlns:a14="http://schemas.microsoft.com/office/drawing/2010/main" val="0"/>
-              </a:ext>
-            </a:extLst>
-          </a:blip>
-          <a:stretch>
-            <a:fillRect/>
-          </a:stretch>
-        </p:blipFill>
-        <p:spPr>
-          <a:xfrm>
-            <a:off x="8555787" y="995976"/>
-            <a:ext cx="1755215" cy="1174398"/>
-          </a:xfrm>
-          <a:prstGeom prst="rect">
-            <a:avLst/>
-          </a:prstGeom>
-        </p:spPr>
-      </p:pic>
-      <p:sp>
-        <p:nvSpPr>
-          <p:cNvPr id="21" name="Slide Number Placeholder 20"/>
-          <p:cNvSpPr>
-            <a:spLocks noGrp="1"/>
-          </p:cNvSpPr>
-          <p:nvPr>
-            <p:ph type="sldNum" sz="quarter" idx="12"/>
-          </p:nvPr>
-        </p:nvSpPr>
-        <p:spPr/>
-        <p:txBody>
-          <a:bodyPr/>
-          <a:lstStyle/>
-          <a:p>
-            <a:fld id="{18087783-62FF-446C-A2E4-4C6B0B0DE16F}" type="slidenum">
-              <a:rPr lang="en-US" smtClean="0"/>
-              <a:t>18</a:t>
-            </a:fld>
-            <a:endParaRPr lang="en-US"/>
-          </a:p>
-        </p:txBody>
-      </p:sp>
-      <p:pic>
-        <p:nvPicPr>
-          <p:cNvPr id="7" name="Picture 6"/>
-          <p:cNvPicPr>
-            <a:picLocks noChangeAspect="1"/>
-          </p:cNvPicPr>
-          <p:nvPr/>
-        </p:nvPicPr>
-        <p:blipFill>
-          <a:blip r:embed="rId3" cstate="print">
-            <a:extLst>
-              <a:ext uri="{28A0092B-C50C-407E-A947-70E740481C1C}">
-                <a14:useLocalDpi xmlns:a14="http://schemas.microsoft.com/office/drawing/2010/main" val="0"/>
-              </a:ext>
-            </a:extLst>
-          </a:blip>
-          <a:stretch>
-            <a:fillRect/>
-          </a:stretch>
-        </p:blipFill>
-        <p:spPr>
-          <a:xfrm>
-            <a:off x="8811158" y="1583175"/>
-            <a:ext cx="605021" cy="605021"/>
-          </a:xfrm>
-          <a:prstGeom prst="rect">
-            <a:avLst/>
-          </a:prstGeom>
-        </p:spPr>
-      </p:pic>
-      <p:sp>
-        <p:nvSpPr>
-          <p:cNvPr id="22" name="Down Arrow 21"/>
-          <p:cNvSpPr/>
-          <p:nvPr/>
-        </p:nvSpPr>
-        <p:spPr>
-          <a:xfrm>
-            <a:off x="1200719" y="3232751"/>
-            <a:ext cx="317500" cy="546100"/>
-          </a:xfrm>
-          <a:prstGeom prst="downArrow">
-            <a:avLst/>
-          </a:prstGeom>
-        </p:spPr>
-        <p:style>
-          <a:lnRef idx="2">
-            <a:schemeClr val="accent1">
-              <a:shade val="50000"/>
-            </a:schemeClr>
-          </a:lnRef>
-          <a:fillRef idx="1">
-            <a:schemeClr val="accent1"/>
-          </a:fillRef>
-          <a:effectRef idx="0">
-            <a:schemeClr val="accent1"/>
-          </a:effectRef>
-          <a:fontRef idx="minor">
-            <a:schemeClr val="lt1"/>
-          </a:fontRef>
-        </p:style>
-        <p:txBody>
-          <a:bodyPr rtlCol="0" anchor="ctr"/>
-          <a:lstStyle/>
-          <a:p>
-            <a:pPr algn="ctr"/>
-            <a:endParaRPr lang="en-US"/>
-          </a:p>
-        </p:txBody>
-      </p:sp>
-      <p:sp>
-        <p:nvSpPr>
-          <p:cNvPr id="23" name="Rounded Rectangle 22"/>
-          <p:cNvSpPr/>
-          <p:nvPr/>
-        </p:nvSpPr>
-        <p:spPr>
-          <a:xfrm>
-            <a:off x="552335" y="3990874"/>
-            <a:ext cx="1676400" cy="774700"/>
-          </a:xfrm>
-          <a:prstGeom prst="roundRect">
-            <a:avLst/>
-          </a:prstGeom>
-        </p:spPr>
-        <p:style>
-          <a:lnRef idx="2">
-            <a:schemeClr val="accent1">
-              <a:shade val="50000"/>
-            </a:schemeClr>
-          </a:lnRef>
-          <a:fillRef idx="1">
-            <a:schemeClr val="accent1"/>
-          </a:fillRef>
-          <a:effectRef idx="0">
-            <a:schemeClr val="accent1"/>
-          </a:effectRef>
-          <a:fontRef idx="minor">
-            <a:schemeClr val="lt1"/>
-          </a:fontRef>
-        </p:style>
-        <p:txBody>
-          <a:bodyPr rtlCol="0" anchor="ctr"/>
-          <a:lstStyle/>
-          <a:p>
-            <a:pPr algn="ctr"/>
-            <a:r>
-              <a:rPr lang="en-US" b="1" dirty="0" smtClean="0"/>
-              <a:t>New Hybrid Approach</a:t>
-            </a:r>
-            <a:endParaRPr lang="en-US" b="1" dirty="0"/>
-          </a:p>
-        </p:txBody>
-      </p:sp>
-    </p:spTree>
-    <p:extLst>
-      <p:ext uri="{BB962C8B-B14F-4D97-AF65-F5344CB8AC3E}">
-        <p14:creationId xmlns:p14="http://schemas.microsoft.com/office/powerpoint/2010/main" val="2613151273"/>
-      </p:ext>
-    </p:extLst>
-  </p:cSld>
-  <p:clrMapOvr>
-    <a:masterClrMapping/>
-  </p:clrMapOvr>
-  <p:timing>
-    <p:tnLst>
-      <p:par>
-        <p:cTn id="1" dur="indefinite" restart="never" nodeType="tmRoot"/>
-      </p:par>
-    </p:tnLst>
-  </p:timing>
-</p:sld>
-</file>
-
-<file path=ppt/slides/slide19.xml><?xml version="1.0" encoding="utf-8"?>
-<p:sld xmlns:a="http://schemas.openxmlformats.org/drawingml/2006/main" xmlns:r="http://schemas.openxmlformats.org/officeDocument/2006/relationships" xmlns:p="http://schemas.openxmlformats.org/presentationml/2006/main">
-  <p:cSld>
-    <p:spTree>
-      <p:nvGrpSpPr>
-        <p:cNvPr id="1" name=""/>
-        <p:cNvGrpSpPr/>
-        <p:nvPr/>
-      </p:nvGrpSpPr>
-      <p:grpSpPr>
-        <a:xfrm>
-          <a:off x="0" y="0"/>
-          <a:ext cx="0" cy="0"/>
-          <a:chOff x="0" y="0"/>
-          <a:chExt cx="0" cy="0"/>
-        </a:xfrm>
-      </p:grpSpPr>
-      <p:sp>
-        <p:nvSpPr>
-          <p:cNvPr id="2" name="Title 1"/>
-          <p:cNvSpPr>
-            <a:spLocks noGrp="1"/>
-          </p:cNvSpPr>
-          <p:nvPr>
-            <p:ph type="title"/>
-          </p:nvPr>
-        </p:nvSpPr>
-        <p:spPr/>
-        <p:txBody>
-          <a:bodyPr/>
-          <a:lstStyle/>
-          <a:p>
-            <a:r>
-              <a:rPr lang="en-US" b="1" dirty="0" smtClean="0"/>
-              <a:t>New Hybrid Approach</a:t>
-            </a:r>
-            <a:endParaRPr lang="en-US" b="1" dirty="0"/>
-          </a:p>
-        </p:txBody>
-      </p:sp>
-      <p:sp>
-        <p:nvSpPr>
-          <p:cNvPr id="3" name="Content Placeholder 2"/>
-          <p:cNvSpPr>
-            <a:spLocks noGrp="1"/>
-          </p:cNvSpPr>
-          <p:nvPr>
-            <p:ph idx="1"/>
-          </p:nvPr>
-        </p:nvSpPr>
-        <p:spPr/>
-        <p:txBody>
-          <a:bodyPr>
-            <a:normAutofit fontScale="92500" lnSpcReduction="20000"/>
-          </a:bodyPr>
-          <a:lstStyle/>
-          <a:p>
-            <a:r>
-              <a:rPr lang="en-US" sz="3000" dirty="0"/>
-              <a:t>several key </a:t>
-            </a:r>
-            <a:r>
-              <a:rPr lang="en-US" sz="3000" dirty="0" smtClean="0"/>
-              <a:t>advantages :</a:t>
-            </a:r>
-          </a:p>
-          <a:p>
-            <a:pPr marL="457200" indent="-457200">
-              <a:buFont typeface="+mj-lt"/>
-              <a:buAutoNum type="arabicPeriod"/>
-            </a:pPr>
-            <a:r>
-              <a:rPr lang="en-US" sz="3000" dirty="0"/>
-              <a:t>use a hybrid </a:t>
-            </a:r>
-            <a:r>
-              <a:rPr lang="en-US" sz="3000" dirty="0" smtClean="0"/>
-              <a:t>model</a:t>
-            </a:r>
-          </a:p>
-          <a:p>
-            <a:pPr marL="457200" indent="-457200">
-              <a:buFont typeface="+mj-lt"/>
-              <a:buAutoNum type="arabicPeriod"/>
-            </a:pPr>
-            <a:r>
-              <a:rPr lang="en-US" sz="3000" dirty="0"/>
-              <a:t>The text and network features are used jointly as predictors </a:t>
-            </a:r>
-            <a:endParaRPr lang="en-US" sz="3000" dirty="0" smtClean="0"/>
-          </a:p>
-          <a:p>
-            <a:pPr marL="457200" indent="-457200">
-              <a:buFont typeface="+mj-lt"/>
-              <a:buAutoNum type="arabicPeriod"/>
-            </a:pPr>
-            <a:r>
-              <a:rPr lang="en-US" sz="3000" dirty="0" smtClean="0"/>
-              <a:t>avoid </a:t>
-            </a:r>
-            <a:r>
-              <a:rPr lang="en-US" sz="3000" dirty="0"/>
-              <a:t>using a gazetteer </a:t>
-            </a:r>
-            <a:endParaRPr lang="en-US" sz="3000" dirty="0" smtClean="0"/>
-          </a:p>
-          <a:p>
-            <a:pPr marL="457200" indent="-457200">
-              <a:buFont typeface="+mj-lt"/>
-              <a:buAutoNum type="arabicPeriod"/>
-            </a:pPr>
-            <a:r>
-              <a:rPr lang="en-US" sz="3000" dirty="0" smtClean="0"/>
-              <a:t>avoid </a:t>
-            </a:r>
-            <a:r>
-              <a:rPr lang="en-US" sz="3000" dirty="0"/>
-              <a:t>fabricated boundaries </a:t>
-            </a:r>
-            <a:endParaRPr lang="en-US" sz="3000" dirty="0" smtClean="0"/>
-          </a:p>
-          <a:p>
-            <a:pPr marL="457200" indent="-457200">
-              <a:buFont typeface="+mj-lt"/>
-              <a:buAutoNum type="arabicPeriod"/>
-            </a:pPr>
-            <a:r>
-              <a:rPr lang="en-US" sz="3000" dirty="0"/>
-              <a:t>More complete preprocessing </a:t>
-            </a:r>
-            <a:endParaRPr lang="en-US" sz="3000" dirty="0" smtClean="0"/>
-          </a:p>
-          <a:p>
-            <a:pPr marL="457200" indent="-457200">
-              <a:buFont typeface="+mj-lt"/>
-              <a:buAutoNum type="arabicPeriod"/>
-            </a:pPr>
-            <a:r>
-              <a:rPr lang="en-US" sz="3000" dirty="0" smtClean="0"/>
-              <a:t>use </a:t>
-            </a:r>
-            <a:r>
-              <a:rPr lang="en-US" sz="3000" dirty="0"/>
-              <a:t>Gaussian mixture models (GMMs</a:t>
-            </a:r>
-            <a:r>
-              <a:rPr lang="en-US" sz="3000" dirty="0" smtClean="0"/>
-              <a:t>)</a:t>
-            </a:r>
-            <a:r>
-              <a:rPr lang="en-US" sz="3000" dirty="0"/>
-              <a:t/>
-            </a:r>
-            <a:br>
-              <a:rPr lang="en-US" sz="3000" dirty="0"/>
-            </a:br>
-            <a:r>
-              <a:rPr lang="en-US" dirty="0"/>
-              <a:t/>
-            </a:r>
-            <a:br>
-              <a:rPr lang="en-US" dirty="0"/>
-            </a:br>
-            <a:r>
-              <a:rPr lang="en-US" dirty="0"/>
-              <a:t/>
-            </a:r>
-            <a:br>
-              <a:rPr lang="en-US" dirty="0"/>
-            </a:br>
-            <a:endParaRPr lang="en-US" dirty="0" smtClean="0"/>
-          </a:p>
-        </p:txBody>
-      </p:sp>
-      <p:sp>
-        <p:nvSpPr>
-          <p:cNvPr id="4" name="Slide Number Placeholder 3"/>
-          <p:cNvSpPr>
-            <a:spLocks noGrp="1"/>
-          </p:cNvSpPr>
-          <p:nvPr>
-            <p:ph type="sldNum" sz="quarter" idx="12"/>
-          </p:nvPr>
-        </p:nvSpPr>
-        <p:spPr/>
-        <p:txBody>
-          <a:bodyPr/>
-          <a:lstStyle/>
-          <a:p>
-            <a:fld id="{18087783-62FF-446C-A2E4-4C6B0B0DE16F}" type="slidenum">
-              <a:rPr lang="en-US" smtClean="0"/>
-              <a:t>19</a:t>
-            </a:fld>
-            <a:endParaRPr lang="en-US"/>
-          </a:p>
-        </p:txBody>
-      </p:sp>
-    </p:spTree>
-    <p:extLst>
-      <p:ext uri="{BB962C8B-B14F-4D97-AF65-F5344CB8AC3E}">
-        <p14:creationId xmlns:p14="http://schemas.microsoft.com/office/powerpoint/2010/main" val="3640155251"/>
-      </p:ext>
-    </p:extLst>
-  </p:cSld>
-  <p:clrMapOvr>
-    <a:masterClrMapping/>
-  </p:clrMapOvr>
-  <p:timing>
-    <p:tnLst>
-      <p:par>
-        <p:cTn id="1" dur="indefinite" restart="never" nodeType="tmRoot"/>
-      </p:par>
-    </p:tnLst>
-  </p:timing>
-</p:sld>
-</file>
-
 <file path=ppt/slides/slide2.xml><?xml version="1.0" encoding="utf-8"?>
 <p:sld xmlns:a="http://schemas.openxmlformats.org/drawingml/2006/main" xmlns:r="http://schemas.openxmlformats.org/officeDocument/2006/relationships" xmlns:p="http://schemas.openxmlformats.org/presentationml/2006/main">
   <p:cSld>
@@ -9464,9 +7245,6 @@
               </a:rPr>
               <a:t>CVPR</a:t>
             </a:r>
-            <a:endParaRPr lang="en-US" sz="2000" b="1" dirty="0" smtClean="0">
-              <a:cs typeface="B Nazanin" panose="00000400000000000000" pitchFamily="2" charset="-78"/>
-            </a:endParaRPr>
           </a:p>
           <a:p>
             <a:pPr algn="ctr">
@@ -9506,3564 +7284,6 @@
     <p:extLst>
       <p:ext uri="{BB962C8B-B14F-4D97-AF65-F5344CB8AC3E}">
         <p14:creationId xmlns:p14="http://schemas.microsoft.com/office/powerpoint/2010/main" val="2837671933"/>
-      </p:ext>
-    </p:extLst>
-  </p:cSld>
-  <p:clrMapOvr>
-    <a:masterClrMapping/>
-  </p:clrMapOvr>
-  <p:timing>
-    <p:tnLst>
-      <p:par>
-        <p:cTn id="1" dur="indefinite" restart="never" nodeType="tmRoot"/>
-      </p:par>
-    </p:tnLst>
-  </p:timing>
-</p:sld>
-</file>
-
-<file path=ppt/slides/slide20.xml><?xml version="1.0" encoding="utf-8"?>
-<p:sld xmlns:a="http://schemas.openxmlformats.org/drawingml/2006/main" xmlns:r="http://schemas.openxmlformats.org/officeDocument/2006/relationships" xmlns:p="http://schemas.openxmlformats.org/presentationml/2006/main">
-  <p:cSld>
-    <p:spTree>
-      <p:nvGrpSpPr>
-        <p:cNvPr id="1" name=""/>
-        <p:cNvGrpSpPr/>
-        <p:nvPr/>
-      </p:nvGrpSpPr>
-      <p:grpSpPr>
-        <a:xfrm>
-          <a:off x="0" y="0"/>
-          <a:ext cx="0" cy="0"/>
-          <a:chOff x="0" y="0"/>
-          <a:chExt cx="0" cy="0"/>
-        </a:xfrm>
-      </p:grpSpPr>
-      <p:sp>
-        <p:nvSpPr>
-          <p:cNvPr id="2" name="Title 1"/>
-          <p:cNvSpPr>
-            <a:spLocks noGrp="1"/>
-          </p:cNvSpPr>
-          <p:nvPr>
-            <p:ph type="title"/>
-          </p:nvPr>
-        </p:nvSpPr>
-        <p:spPr/>
-        <p:txBody>
-          <a:bodyPr/>
-          <a:lstStyle/>
-          <a:p>
-            <a:r>
-              <a:rPr lang="en-US" b="1" dirty="0" smtClean="0"/>
-              <a:t>Related works</a:t>
-            </a:r>
-            <a:endParaRPr lang="en-US" b="1" dirty="0"/>
-          </a:p>
-        </p:txBody>
-      </p:sp>
-      <p:sp>
-        <p:nvSpPr>
-          <p:cNvPr id="3" name="Content Placeholder 2"/>
-          <p:cNvSpPr>
-            <a:spLocks noGrp="1"/>
-          </p:cNvSpPr>
-          <p:nvPr>
-            <p:ph idx="1"/>
-          </p:nvPr>
-        </p:nvSpPr>
-        <p:spPr/>
-        <p:txBody>
-          <a:bodyPr>
-            <a:normAutofit fontScale="85000" lnSpcReduction="20000"/>
-          </a:bodyPr>
-          <a:lstStyle/>
-          <a:p>
-            <a:pPr>
-              <a:lnSpc>
-                <a:spcPct val="150000"/>
-              </a:lnSpc>
-              <a:buFont typeface="Arial" panose="020B0604020202020204" pitchFamily="34" charset="0"/>
-              <a:buChar char="•"/>
-            </a:pPr>
-            <a:r>
-              <a:rPr lang="en-US" sz="3000" dirty="0" smtClean="0"/>
-              <a:t> Text Approach</a:t>
-            </a:r>
-          </a:p>
-          <a:p>
-            <a:pPr marL="566928" lvl="3" indent="0">
-              <a:lnSpc>
-                <a:spcPct val="100000"/>
-              </a:lnSpc>
-              <a:buNone/>
-            </a:pPr>
-            <a:r>
-              <a:rPr lang="en-US" sz="3200" dirty="0" smtClean="0"/>
-              <a:t>- for example, the term “Celtics” is vernacular most used in the Boston area</a:t>
-            </a:r>
-          </a:p>
-          <a:p>
-            <a:pPr>
-              <a:lnSpc>
-                <a:spcPct val="150000"/>
-              </a:lnSpc>
-              <a:buFont typeface="Arial" panose="020B0604020202020204" pitchFamily="34" charset="0"/>
-              <a:buChar char="•"/>
-            </a:pPr>
-            <a:r>
-              <a:rPr lang="en-US" sz="3000" dirty="0" smtClean="0"/>
-              <a:t> Network Approach</a:t>
-            </a:r>
-          </a:p>
-          <a:p>
-            <a:pPr marL="566928" lvl="3" indent="0">
-              <a:lnSpc>
-                <a:spcPct val="150000"/>
-              </a:lnSpc>
-              <a:buNone/>
-            </a:pPr>
-            <a:r>
-              <a:rPr lang="en-US" sz="3200" dirty="0"/>
-              <a:t>- </a:t>
-            </a:r>
-            <a:r>
-              <a:rPr lang="en-US" sz="3200" dirty="0" smtClean="0"/>
-              <a:t>uses </a:t>
-            </a:r>
-            <a:r>
-              <a:rPr lang="en-US" sz="3200" dirty="0"/>
-              <a:t>the distribution of friends to predict </a:t>
-            </a:r>
-            <a:r>
-              <a:rPr lang="en-US" sz="3200" dirty="0" smtClean="0"/>
-              <a:t>location</a:t>
-            </a:r>
-          </a:p>
-          <a:p>
-            <a:pPr>
-              <a:lnSpc>
-                <a:spcPct val="150000"/>
-              </a:lnSpc>
-              <a:buFont typeface="Arial" panose="020B0604020202020204" pitchFamily="34" charset="0"/>
-              <a:buChar char="•"/>
-            </a:pPr>
-            <a:r>
-              <a:rPr lang="en-US" sz="3000" dirty="0"/>
-              <a:t> </a:t>
-            </a:r>
-            <a:r>
-              <a:rPr lang="en-US" sz="3000" dirty="0" smtClean="0"/>
-              <a:t>Hybrid Approach</a:t>
-            </a:r>
-          </a:p>
-          <a:p>
-            <a:pPr marL="566928" lvl="3" indent="0">
-              <a:lnSpc>
-                <a:spcPct val="150000"/>
-              </a:lnSpc>
-              <a:buNone/>
-            </a:pPr>
-            <a:r>
-              <a:rPr lang="en-US" sz="3200" dirty="0" smtClean="0"/>
-              <a:t>- uses text and network features independently and sequentially </a:t>
-            </a:r>
-            <a:endParaRPr lang="en-US" sz="3200" dirty="0"/>
-          </a:p>
-        </p:txBody>
-      </p:sp>
-      <p:sp>
-        <p:nvSpPr>
-          <p:cNvPr id="4" name="Slide Number Placeholder 3"/>
-          <p:cNvSpPr>
-            <a:spLocks noGrp="1"/>
-          </p:cNvSpPr>
-          <p:nvPr>
-            <p:ph type="sldNum" sz="quarter" idx="12"/>
-          </p:nvPr>
-        </p:nvSpPr>
-        <p:spPr/>
-        <p:txBody>
-          <a:bodyPr/>
-          <a:lstStyle/>
-          <a:p>
-            <a:fld id="{18087783-62FF-446C-A2E4-4C6B0B0DE16F}" type="slidenum">
-              <a:rPr lang="en-US" smtClean="0"/>
-              <a:t>20</a:t>
-            </a:fld>
-            <a:endParaRPr lang="en-US"/>
-          </a:p>
-        </p:txBody>
-      </p:sp>
-    </p:spTree>
-    <p:extLst>
-      <p:ext uri="{BB962C8B-B14F-4D97-AF65-F5344CB8AC3E}">
-        <p14:creationId xmlns:p14="http://schemas.microsoft.com/office/powerpoint/2010/main" val="2343387878"/>
-      </p:ext>
-    </p:extLst>
-  </p:cSld>
-  <p:clrMapOvr>
-    <a:masterClrMapping/>
-  </p:clrMapOvr>
-  <p:timing>
-    <p:tnLst>
-      <p:par>
-        <p:cTn id="1" dur="indefinite" restart="never" nodeType="tmRoot"/>
-      </p:par>
-    </p:tnLst>
-  </p:timing>
-</p:sld>
-</file>
-
-<file path=ppt/slides/slide21.xml><?xml version="1.0" encoding="utf-8"?>
-<p:sld xmlns:a="http://schemas.openxmlformats.org/drawingml/2006/main" xmlns:r="http://schemas.openxmlformats.org/officeDocument/2006/relationships" xmlns:p="http://schemas.openxmlformats.org/presentationml/2006/main">
-  <p:cSld>
-    <p:spTree>
-      <p:nvGrpSpPr>
-        <p:cNvPr id="1" name=""/>
-        <p:cNvGrpSpPr/>
-        <p:nvPr/>
-      </p:nvGrpSpPr>
-      <p:grpSpPr>
-        <a:xfrm>
-          <a:off x="0" y="0"/>
-          <a:ext cx="0" cy="0"/>
-          <a:chOff x="0" y="0"/>
-          <a:chExt cx="0" cy="0"/>
-        </a:xfrm>
-      </p:grpSpPr>
-      <p:sp>
-        <p:nvSpPr>
-          <p:cNvPr id="4" name="Rounded Rectangle 3"/>
-          <p:cNvSpPr/>
-          <p:nvPr/>
-        </p:nvSpPr>
-        <p:spPr>
-          <a:xfrm>
-            <a:off x="552335" y="608626"/>
-            <a:ext cx="1676400" cy="774700"/>
-          </a:xfrm>
-          <a:prstGeom prst="roundRect">
-            <a:avLst/>
-          </a:prstGeom>
-          <a:solidFill>
-            <a:schemeClr val="accent2">
-              <a:lumMod val="75000"/>
-            </a:schemeClr>
-          </a:solidFill>
-        </p:spPr>
-        <p:style>
-          <a:lnRef idx="2">
-            <a:schemeClr val="accent1">
-              <a:shade val="50000"/>
-            </a:schemeClr>
-          </a:lnRef>
-          <a:fillRef idx="1">
-            <a:schemeClr val="accent1"/>
-          </a:fillRef>
-          <a:effectRef idx="0">
-            <a:schemeClr val="accent1"/>
-          </a:effectRef>
-          <a:fontRef idx="minor">
-            <a:schemeClr val="lt1"/>
-          </a:fontRef>
-        </p:style>
-        <p:txBody>
-          <a:bodyPr rtlCol="0" anchor="ctr"/>
-          <a:lstStyle/>
-          <a:p>
-            <a:pPr algn="ctr"/>
-            <a:r>
-              <a:rPr lang="en-US" b="1" dirty="0"/>
-              <a:t>Introduction</a:t>
-            </a:r>
-          </a:p>
-        </p:txBody>
-      </p:sp>
-      <p:sp>
-        <p:nvSpPr>
-          <p:cNvPr id="5" name="Down Arrow 4"/>
-          <p:cNvSpPr/>
-          <p:nvPr/>
-        </p:nvSpPr>
-        <p:spPr>
-          <a:xfrm>
-            <a:off x="1174750" y="1595350"/>
-            <a:ext cx="317500" cy="546100"/>
-          </a:xfrm>
-          <a:prstGeom prst="downArrow">
-            <a:avLst/>
-          </a:prstGeom>
-          <a:solidFill>
-            <a:schemeClr val="accent2">
-              <a:lumMod val="75000"/>
-            </a:schemeClr>
-          </a:solidFill>
-        </p:spPr>
-        <p:style>
-          <a:lnRef idx="2">
-            <a:schemeClr val="accent1">
-              <a:shade val="50000"/>
-            </a:schemeClr>
-          </a:lnRef>
-          <a:fillRef idx="1">
-            <a:schemeClr val="accent1"/>
-          </a:fillRef>
-          <a:effectRef idx="0">
-            <a:schemeClr val="accent1"/>
-          </a:effectRef>
-          <a:fontRef idx="minor">
-            <a:schemeClr val="lt1"/>
-          </a:fontRef>
-        </p:style>
-        <p:txBody>
-          <a:bodyPr rtlCol="0" anchor="ctr"/>
-          <a:lstStyle/>
-          <a:p>
-            <a:pPr algn="ctr"/>
-            <a:endParaRPr lang="en-US"/>
-          </a:p>
-        </p:txBody>
-      </p:sp>
-      <p:sp>
-        <p:nvSpPr>
-          <p:cNvPr id="6" name="Rounded Rectangle 5"/>
-          <p:cNvSpPr/>
-          <p:nvPr/>
-        </p:nvSpPr>
-        <p:spPr>
-          <a:xfrm>
-            <a:off x="552335" y="2299750"/>
-            <a:ext cx="1676400" cy="774700"/>
-          </a:xfrm>
-          <a:prstGeom prst="roundRect">
-            <a:avLst/>
-          </a:prstGeom>
-          <a:solidFill>
-            <a:schemeClr val="accent2">
-              <a:lumMod val="75000"/>
-            </a:schemeClr>
-          </a:solidFill>
-        </p:spPr>
-        <p:style>
-          <a:lnRef idx="2">
-            <a:schemeClr val="accent1">
-              <a:shade val="50000"/>
-            </a:schemeClr>
-          </a:lnRef>
-          <a:fillRef idx="1">
-            <a:schemeClr val="accent1"/>
-          </a:fillRef>
-          <a:effectRef idx="0">
-            <a:schemeClr val="accent1"/>
-          </a:effectRef>
-          <a:fontRef idx="minor">
-            <a:schemeClr val="lt1"/>
-          </a:fontRef>
-        </p:style>
-        <p:txBody>
-          <a:bodyPr rtlCol="0" anchor="ctr"/>
-          <a:lstStyle/>
-          <a:p>
-            <a:r>
-              <a:rPr lang="en-US" b="1" dirty="0" smtClean="0"/>
-              <a:t>Related Works</a:t>
-            </a:r>
-            <a:endParaRPr lang="en-US" b="1" dirty="0"/>
-          </a:p>
-        </p:txBody>
-      </p:sp>
-      <p:sp>
-        <p:nvSpPr>
-          <p:cNvPr id="8" name="Bent Arrow 7"/>
-          <p:cNvSpPr/>
-          <p:nvPr/>
-        </p:nvSpPr>
-        <p:spPr>
-          <a:xfrm rot="10800000" flipH="1">
-            <a:off x="1254334" y="5022164"/>
-            <a:ext cx="1232656" cy="817715"/>
-          </a:xfrm>
-          <a:prstGeom prst="bentArrow">
-            <a:avLst>
-              <a:gd name="adj1" fmla="val 25000"/>
-              <a:gd name="adj2" fmla="val 25000"/>
-              <a:gd name="adj3" fmla="val 29251"/>
-              <a:gd name="adj4" fmla="val 43771"/>
-            </a:avLst>
-          </a:prstGeom>
-        </p:spPr>
-        <p:style>
-          <a:lnRef idx="2">
-            <a:schemeClr val="accent1">
-              <a:shade val="50000"/>
-            </a:schemeClr>
-          </a:lnRef>
-          <a:fillRef idx="1">
-            <a:schemeClr val="accent1"/>
-          </a:fillRef>
-          <a:effectRef idx="0">
-            <a:schemeClr val="accent1"/>
-          </a:effectRef>
-          <a:fontRef idx="minor">
-            <a:schemeClr val="lt1"/>
-          </a:fontRef>
-        </p:style>
-        <p:txBody>
-          <a:bodyPr rtlCol="0" anchor="ctr"/>
-          <a:lstStyle/>
-          <a:p>
-            <a:pPr algn="ctr"/>
-            <a:endParaRPr lang="en-US">
-              <a:solidFill>
-                <a:schemeClr val="tx1"/>
-              </a:solidFill>
-            </a:endParaRPr>
-          </a:p>
-        </p:txBody>
-      </p:sp>
-      <p:sp>
-        <p:nvSpPr>
-          <p:cNvPr id="9" name="Rounded Rectangle 8"/>
-          <p:cNvSpPr/>
-          <p:nvPr/>
-        </p:nvSpPr>
-        <p:spPr>
-          <a:xfrm>
-            <a:off x="2610416" y="5257503"/>
-            <a:ext cx="1676400" cy="774700"/>
-          </a:xfrm>
-          <a:prstGeom prst="roundRect">
-            <a:avLst/>
-          </a:prstGeom>
-        </p:spPr>
-        <p:style>
-          <a:lnRef idx="2">
-            <a:schemeClr val="accent1">
-              <a:shade val="50000"/>
-            </a:schemeClr>
-          </a:lnRef>
-          <a:fillRef idx="1">
-            <a:schemeClr val="accent1"/>
-          </a:fillRef>
-          <a:effectRef idx="0">
-            <a:schemeClr val="accent1"/>
-          </a:effectRef>
-          <a:fontRef idx="minor">
-            <a:schemeClr val="lt1"/>
-          </a:fontRef>
-        </p:style>
-        <p:txBody>
-          <a:bodyPr rtlCol="0" anchor="ctr"/>
-          <a:lstStyle/>
-          <a:p>
-            <a:pPr algn="ctr"/>
-            <a:r>
-              <a:rPr lang="en-US" b="1"/>
-              <a:t>Preprocessing</a:t>
-            </a:r>
-            <a:endParaRPr lang="en-US" b="1" dirty="0"/>
-          </a:p>
-        </p:txBody>
-      </p:sp>
-      <p:sp>
-        <p:nvSpPr>
-          <p:cNvPr id="10" name="Down Arrow 9"/>
-          <p:cNvSpPr/>
-          <p:nvPr/>
-        </p:nvSpPr>
-        <p:spPr>
-          <a:xfrm rot="16200000">
-            <a:off x="4751125" y="5306362"/>
-            <a:ext cx="317500" cy="546100"/>
-          </a:xfrm>
-          <a:prstGeom prst="downArrow">
-            <a:avLst/>
-          </a:prstGeom>
-        </p:spPr>
-        <p:style>
-          <a:lnRef idx="2">
-            <a:schemeClr val="accent1">
-              <a:shade val="50000"/>
-            </a:schemeClr>
-          </a:lnRef>
-          <a:fillRef idx="1">
-            <a:schemeClr val="accent1"/>
-          </a:fillRef>
-          <a:effectRef idx="0">
-            <a:schemeClr val="accent1"/>
-          </a:effectRef>
-          <a:fontRef idx="minor">
-            <a:schemeClr val="lt1"/>
-          </a:fontRef>
-        </p:style>
-        <p:txBody>
-          <a:bodyPr rtlCol="0" anchor="ctr"/>
-          <a:lstStyle/>
-          <a:p>
-            <a:pPr algn="ctr"/>
-            <a:endParaRPr lang="en-US"/>
-          </a:p>
-        </p:txBody>
-      </p:sp>
-      <p:sp>
-        <p:nvSpPr>
-          <p:cNvPr id="11" name="Rounded Rectangle 10"/>
-          <p:cNvSpPr/>
-          <p:nvPr/>
-        </p:nvSpPr>
-        <p:spPr>
-          <a:xfrm>
-            <a:off x="5532934" y="5257503"/>
-            <a:ext cx="1676400" cy="774700"/>
-          </a:xfrm>
-          <a:prstGeom prst="roundRect">
-            <a:avLst/>
-          </a:prstGeom>
-        </p:spPr>
-        <p:style>
-          <a:lnRef idx="2">
-            <a:schemeClr val="accent1">
-              <a:shade val="50000"/>
-            </a:schemeClr>
-          </a:lnRef>
-          <a:fillRef idx="1">
-            <a:schemeClr val="accent1"/>
-          </a:fillRef>
-          <a:effectRef idx="0">
-            <a:schemeClr val="accent1"/>
-          </a:effectRef>
-          <a:fontRef idx="minor">
-            <a:schemeClr val="lt1"/>
-          </a:fontRef>
-        </p:style>
-        <p:txBody>
-          <a:bodyPr rtlCol="0" anchor="ctr"/>
-          <a:lstStyle/>
-          <a:p>
-            <a:pPr algn="ctr"/>
-            <a:r>
-              <a:rPr lang="en-US" b="1" dirty="0" smtClean="0"/>
-              <a:t>Model</a:t>
-            </a:r>
-            <a:endParaRPr lang="en-US" b="1" dirty="0"/>
-          </a:p>
-        </p:txBody>
-      </p:sp>
-      <p:sp>
-        <p:nvSpPr>
-          <p:cNvPr id="12" name="Down Arrow 11"/>
-          <p:cNvSpPr/>
-          <p:nvPr/>
-        </p:nvSpPr>
-        <p:spPr>
-          <a:xfrm rot="16200000">
-            <a:off x="7673643" y="5371803"/>
-            <a:ext cx="317500" cy="546100"/>
-          </a:xfrm>
-          <a:prstGeom prst="downArrow">
-            <a:avLst/>
-          </a:prstGeom>
-        </p:spPr>
-        <p:style>
-          <a:lnRef idx="2">
-            <a:schemeClr val="accent1">
-              <a:shade val="50000"/>
-            </a:schemeClr>
-          </a:lnRef>
-          <a:fillRef idx="1">
-            <a:schemeClr val="accent1"/>
-          </a:fillRef>
-          <a:effectRef idx="0">
-            <a:schemeClr val="accent1"/>
-          </a:effectRef>
-          <a:fontRef idx="minor">
-            <a:schemeClr val="lt1"/>
-          </a:fontRef>
-        </p:style>
-        <p:txBody>
-          <a:bodyPr rtlCol="0" anchor="ctr"/>
-          <a:lstStyle/>
-          <a:p>
-            <a:pPr algn="ctr"/>
-            <a:endParaRPr lang="en-US"/>
-          </a:p>
-        </p:txBody>
-      </p:sp>
-      <p:sp>
-        <p:nvSpPr>
-          <p:cNvPr id="13" name="Rounded Rectangle 12"/>
-          <p:cNvSpPr/>
-          <p:nvPr/>
-        </p:nvSpPr>
-        <p:spPr>
-          <a:xfrm>
-            <a:off x="8455452" y="5258395"/>
-            <a:ext cx="1676400" cy="774700"/>
-          </a:xfrm>
-          <a:prstGeom prst="roundRect">
-            <a:avLst/>
-          </a:prstGeom>
-        </p:spPr>
-        <p:style>
-          <a:lnRef idx="2">
-            <a:schemeClr val="accent1">
-              <a:shade val="50000"/>
-            </a:schemeClr>
-          </a:lnRef>
-          <a:fillRef idx="1">
-            <a:schemeClr val="accent1"/>
-          </a:fillRef>
-          <a:effectRef idx="0">
-            <a:schemeClr val="accent1"/>
-          </a:effectRef>
-          <a:fontRef idx="minor">
-            <a:schemeClr val="lt1"/>
-          </a:fontRef>
-        </p:style>
-        <p:txBody>
-          <a:bodyPr rtlCol="0" anchor="ctr"/>
-          <a:lstStyle/>
-          <a:p>
-            <a:pPr algn="ctr"/>
-            <a:r>
-              <a:rPr lang="en-US" b="1" dirty="0" smtClean="0"/>
-              <a:t>Conclusion</a:t>
-            </a:r>
-            <a:endParaRPr lang="en-US" b="1" dirty="0"/>
-          </a:p>
-        </p:txBody>
-      </p:sp>
-      <p:sp>
-        <p:nvSpPr>
-          <p:cNvPr id="18" name="Title 1"/>
-          <p:cNvSpPr txBox="1">
-            <a:spLocks/>
-          </p:cNvSpPr>
-          <p:nvPr/>
-        </p:nvSpPr>
-        <p:spPr>
-          <a:xfrm>
-            <a:off x="4960078" y="2337863"/>
-            <a:ext cx="7041758" cy="1612900"/>
-          </a:xfrm>
-          <a:prstGeom prst="rect">
-            <a:avLst/>
-          </a:prstGeom>
-        </p:spPr>
-        <p:txBody>
-          <a:bodyPr/>
-          <a:lstStyle>
-            <a:lvl1pPr algn="l" defTabSz="914400" rtl="0" eaLnBrk="1" latinLnBrk="0" hangingPunct="1">
-              <a:lnSpc>
-                <a:spcPct val="85000"/>
-              </a:lnSpc>
-              <a:spcBef>
-                <a:spcPct val="0"/>
-              </a:spcBef>
-              <a:buNone/>
-              <a:defRPr sz="4800" kern="1200" spc="-50" baseline="0">
-                <a:solidFill>
-                  <a:schemeClr val="tx1">
-                    <a:lumMod val="75000"/>
-                    <a:lumOff val="25000"/>
-                  </a:schemeClr>
-                </a:solidFill>
-                <a:latin typeface="+mj-lt"/>
-                <a:ea typeface="+mj-ea"/>
-                <a:cs typeface="+mj-cs"/>
-              </a:defRPr>
-            </a:lvl1pPr>
-          </a:lstStyle>
-          <a:p>
-            <a:r>
-              <a:rPr lang="en-US" sz="6000" b="1" dirty="0" smtClean="0"/>
-              <a:t>Road Map</a:t>
-            </a:r>
-            <a:r>
-              <a:rPr lang="fa-IR" sz="6000" b="1" dirty="0" smtClean="0"/>
-              <a:t>	</a:t>
-            </a:r>
-            <a:r>
-              <a:rPr lang="fa-IR" dirty="0" smtClean="0"/>
-              <a:t>	</a:t>
-            </a:r>
-            <a:endParaRPr lang="en-US" dirty="0"/>
-          </a:p>
-        </p:txBody>
-      </p:sp>
-      <p:pic>
-        <p:nvPicPr>
-          <p:cNvPr id="20" name="Picture 19"/>
-          <p:cNvPicPr>
-            <a:picLocks noChangeAspect="1"/>
-          </p:cNvPicPr>
-          <p:nvPr/>
-        </p:nvPicPr>
-        <p:blipFill>
-          <a:blip r:embed="rId2">
-            <a:extLst>
-              <a:ext uri="{28A0092B-C50C-407E-A947-70E740481C1C}">
-                <a14:useLocalDpi xmlns:a14="http://schemas.microsoft.com/office/drawing/2010/main" val="0"/>
-              </a:ext>
-            </a:extLst>
-          </a:blip>
-          <a:stretch>
-            <a:fillRect/>
-          </a:stretch>
-        </p:blipFill>
-        <p:spPr>
-          <a:xfrm>
-            <a:off x="8555787" y="995976"/>
-            <a:ext cx="1755215" cy="1174398"/>
-          </a:xfrm>
-          <a:prstGeom prst="rect">
-            <a:avLst/>
-          </a:prstGeom>
-        </p:spPr>
-      </p:pic>
-      <p:sp>
-        <p:nvSpPr>
-          <p:cNvPr id="21" name="Slide Number Placeholder 20"/>
-          <p:cNvSpPr>
-            <a:spLocks noGrp="1"/>
-          </p:cNvSpPr>
-          <p:nvPr>
-            <p:ph type="sldNum" sz="quarter" idx="12"/>
-          </p:nvPr>
-        </p:nvSpPr>
-        <p:spPr/>
-        <p:txBody>
-          <a:bodyPr/>
-          <a:lstStyle/>
-          <a:p>
-            <a:fld id="{18087783-62FF-446C-A2E4-4C6B0B0DE16F}" type="slidenum">
-              <a:rPr lang="en-US" smtClean="0"/>
-              <a:t>21</a:t>
-            </a:fld>
-            <a:endParaRPr lang="en-US"/>
-          </a:p>
-        </p:txBody>
-      </p:sp>
-      <p:pic>
-        <p:nvPicPr>
-          <p:cNvPr id="7" name="Picture 6"/>
-          <p:cNvPicPr>
-            <a:picLocks noChangeAspect="1"/>
-          </p:cNvPicPr>
-          <p:nvPr/>
-        </p:nvPicPr>
-        <p:blipFill>
-          <a:blip r:embed="rId3" cstate="print">
-            <a:extLst>
-              <a:ext uri="{28A0092B-C50C-407E-A947-70E740481C1C}">
-                <a14:useLocalDpi xmlns:a14="http://schemas.microsoft.com/office/drawing/2010/main" val="0"/>
-              </a:ext>
-            </a:extLst>
-          </a:blip>
-          <a:stretch>
-            <a:fillRect/>
-          </a:stretch>
-        </p:blipFill>
-        <p:spPr>
-          <a:xfrm>
-            <a:off x="8811158" y="1583175"/>
-            <a:ext cx="605021" cy="605021"/>
-          </a:xfrm>
-          <a:prstGeom prst="rect">
-            <a:avLst/>
-          </a:prstGeom>
-        </p:spPr>
-      </p:pic>
-      <p:sp>
-        <p:nvSpPr>
-          <p:cNvPr id="22" name="Down Arrow 21"/>
-          <p:cNvSpPr/>
-          <p:nvPr/>
-        </p:nvSpPr>
-        <p:spPr>
-          <a:xfrm>
-            <a:off x="1200719" y="3232751"/>
-            <a:ext cx="317500" cy="546100"/>
-          </a:xfrm>
-          <a:prstGeom prst="downArrow">
-            <a:avLst/>
-          </a:prstGeom>
-          <a:solidFill>
-            <a:schemeClr val="accent2">
-              <a:lumMod val="75000"/>
-            </a:schemeClr>
-          </a:solidFill>
-        </p:spPr>
-        <p:style>
-          <a:lnRef idx="2">
-            <a:schemeClr val="accent1">
-              <a:shade val="50000"/>
-            </a:schemeClr>
-          </a:lnRef>
-          <a:fillRef idx="1">
-            <a:schemeClr val="accent1"/>
-          </a:fillRef>
-          <a:effectRef idx="0">
-            <a:schemeClr val="accent1"/>
-          </a:effectRef>
-          <a:fontRef idx="minor">
-            <a:schemeClr val="lt1"/>
-          </a:fontRef>
-        </p:style>
-        <p:txBody>
-          <a:bodyPr rtlCol="0" anchor="ctr"/>
-          <a:lstStyle/>
-          <a:p>
-            <a:pPr algn="ctr"/>
-            <a:endParaRPr lang="en-US"/>
-          </a:p>
-        </p:txBody>
-      </p:sp>
-      <p:sp>
-        <p:nvSpPr>
-          <p:cNvPr id="23" name="Rounded Rectangle 22"/>
-          <p:cNvSpPr/>
-          <p:nvPr/>
-        </p:nvSpPr>
-        <p:spPr>
-          <a:xfrm>
-            <a:off x="552335" y="3990874"/>
-            <a:ext cx="1676400" cy="774700"/>
-          </a:xfrm>
-          <a:prstGeom prst="roundRect">
-            <a:avLst/>
-          </a:prstGeom>
-          <a:solidFill>
-            <a:schemeClr val="accent2">
-              <a:lumMod val="75000"/>
-            </a:schemeClr>
-          </a:solidFill>
-        </p:spPr>
-        <p:style>
-          <a:lnRef idx="2">
-            <a:schemeClr val="accent1">
-              <a:shade val="50000"/>
-            </a:schemeClr>
-          </a:lnRef>
-          <a:fillRef idx="1">
-            <a:schemeClr val="accent1"/>
-          </a:fillRef>
-          <a:effectRef idx="0">
-            <a:schemeClr val="accent1"/>
-          </a:effectRef>
-          <a:fontRef idx="minor">
-            <a:schemeClr val="lt1"/>
-          </a:fontRef>
-        </p:style>
-        <p:txBody>
-          <a:bodyPr rtlCol="0" anchor="ctr"/>
-          <a:lstStyle/>
-          <a:p>
-            <a:pPr algn="ctr"/>
-            <a:r>
-              <a:rPr lang="en-US" b="1" dirty="0" smtClean="0"/>
-              <a:t>New Hybrid Approach</a:t>
-            </a:r>
-            <a:endParaRPr lang="en-US" b="1" dirty="0"/>
-          </a:p>
-        </p:txBody>
-      </p:sp>
-    </p:spTree>
-    <p:extLst>
-      <p:ext uri="{BB962C8B-B14F-4D97-AF65-F5344CB8AC3E}">
-        <p14:creationId xmlns:p14="http://schemas.microsoft.com/office/powerpoint/2010/main" val="2609336385"/>
-      </p:ext>
-    </p:extLst>
-  </p:cSld>
-  <p:clrMapOvr>
-    <a:masterClrMapping/>
-  </p:clrMapOvr>
-  <p:timing>
-    <p:tnLst>
-      <p:par>
-        <p:cTn id="1" dur="indefinite" restart="never" nodeType="tmRoot"/>
-      </p:par>
-    </p:tnLst>
-  </p:timing>
-</p:sld>
-</file>
-
-<file path=ppt/slides/slide22.xml><?xml version="1.0" encoding="utf-8"?>
-<p:sld xmlns:a="http://schemas.openxmlformats.org/drawingml/2006/main" xmlns:r="http://schemas.openxmlformats.org/officeDocument/2006/relationships" xmlns:p="http://schemas.openxmlformats.org/presentationml/2006/main">
-  <p:cSld>
-    <p:spTree>
-      <p:nvGrpSpPr>
-        <p:cNvPr id="1" name=""/>
-        <p:cNvGrpSpPr/>
-        <p:nvPr/>
-      </p:nvGrpSpPr>
-      <p:grpSpPr>
-        <a:xfrm>
-          <a:off x="0" y="0"/>
-          <a:ext cx="0" cy="0"/>
-          <a:chOff x="0" y="0"/>
-          <a:chExt cx="0" cy="0"/>
-        </a:xfrm>
-      </p:grpSpPr>
-      <p:sp>
-        <p:nvSpPr>
-          <p:cNvPr id="2" name="Title 1"/>
-          <p:cNvSpPr>
-            <a:spLocks noGrp="1"/>
-          </p:cNvSpPr>
-          <p:nvPr>
-            <p:ph type="title"/>
-          </p:nvPr>
-        </p:nvSpPr>
-        <p:spPr/>
-        <p:txBody>
-          <a:bodyPr/>
-          <a:lstStyle/>
-          <a:p>
-            <a:r>
-              <a:rPr lang="en-US" b="1" dirty="0"/>
-              <a:t>Gaussian mixture models (GMMs)</a:t>
-            </a:r>
-          </a:p>
-        </p:txBody>
-      </p:sp>
-      <p:sp>
-        <p:nvSpPr>
-          <p:cNvPr id="3" name="Content Placeholder 2"/>
-          <p:cNvSpPr>
-            <a:spLocks noGrp="1"/>
-          </p:cNvSpPr>
-          <p:nvPr>
-            <p:ph idx="1"/>
-          </p:nvPr>
-        </p:nvSpPr>
-        <p:spPr/>
-        <p:txBody>
-          <a:bodyPr>
-            <a:normAutofit/>
-          </a:bodyPr>
-          <a:lstStyle/>
-          <a:p>
-            <a:pPr>
-              <a:buFont typeface="Arial" panose="020B0604020202020204" pitchFamily="34" charset="0"/>
-              <a:buChar char="•"/>
-            </a:pPr>
-            <a:r>
-              <a:rPr lang="en-US" dirty="0" smtClean="0"/>
-              <a:t> </a:t>
-            </a:r>
-            <a:r>
-              <a:rPr lang="en-US" sz="3500" dirty="0" smtClean="0"/>
-              <a:t>scalable</a:t>
-            </a:r>
-            <a:endParaRPr lang="en-US" sz="3000" dirty="0" smtClean="0"/>
-          </a:p>
-          <a:p>
-            <a:pPr marL="0" indent="0">
-              <a:buNone/>
-            </a:pPr>
-            <a:r>
-              <a:rPr lang="en-US" sz="3000" dirty="0"/>
-              <a:t>	</a:t>
-            </a:r>
-            <a:r>
-              <a:rPr lang="en-US" sz="3000" dirty="0" smtClean="0"/>
-              <a:t>- </a:t>
-            </a:r>
-            <a:r>
-              <a:rPr lang="en-US" sz="3200" dirty="0"/>
-              <a:t>computationally </a:t>
-            </a:r>
-            <a:r>
-              <a:rPr lang="en-US" sz="3000" dirty="0" smtClean="0"/>
-              <a:t>inexpensive </a:t>
-            </a:r>
-          </a:p>
-          <a:p>
-            <a:pPr>
-              <a:buFont typeface="Arial" panose="020B0604020202020204" pitchFamily="34" charset="0"/>
-              <a:buChar char="•"/>
-            </a:pPr>
-            <a:r>
-              <a:rPr lang="en-US" sz="3000" smtClean="0"/>
-              <a:t> </a:t>
-            </a:r>
-            <a:r>
-              <a:rPr lang="en-US" sz="3500" dirty="0"/>
-              <a:t>multi-modal </a:t>
-            </a:r>
-            <a:endParaRPr lang="fa-IR" sz="3500" dirty="0" smtClean="0"/>
-          </a:p>
-          <a:p>
-            <a:pPr marL="0" indent="0">
-              <a:buNone/>
-            </a:pPr>
-            <a:r>
-              <a:rPr lang="en-US" sz="3000" dirty="0" smtClean="0"/>
-              <a:t>	- </a:t>
-            </a:r>
-            <a:r>
-              <a:rPr lang="en-US" sz="3000" dirty="0"/>
-              <a:t>Multiple </a:t>
-            </a:r>
-            <a:r>
-              <a:rPr lang="en-US" sz="3000" dirty="0" smtClean="0"/>
-              <a:t>locations are </a:t>
-            </a:r>
-            <a:r>
-              <a:rPr lang="en-US" sz="3000" dirty="0"/>
-              <a:t>estimated for a single tweet </a:t>
-            </a:r>
-            <a:endParaRPr lang="en-US" sz="3000" dirty="0" smtClean="0"/>
-          </a:p>
-          <a:p>
-            <a:pPr>
-              <a:buFont typeface="Arial" panose="020B0604020202020204" pitchFamily="34" charset="0"/>
-              <a:buChar char="•"/>
-            </a:pPr>
-            <a:r>
-              <a:rPr lang="en-US" sz="3500" dirty="0"/>
-              <a:t> interpretable probability distributions </a:t>
-            </a:r>
-            <a:r>
-              <a:rPr lang="en-US" sz="3000" dirty="0"/>
-              <a:t/>
-            </a:r>
-            <a:br>
-              <a:rPr lang="en-US" sz="3000" dirty="0"/>
-            </a:br>
-            <a:endParaRPr lang="en-US" sz="3000" dirty="0"/>
-          </a:p>
-        </p:txBody>
-      </p:sp>
-      <p:sp>
-        <p:nvSpPr>
-          <p:cNvPr id="4" name="Slide Number Placeholder 3"/>
-          <p:cNvSpPr>
-            <a:spLocks noGrp="1"/>
-          </p:cNvSpPr>
-          <p:nvPr>
-            <p:ph type="sldNum" sz="quarter" idx="12"/>
-          </p:nvPr>
-        </p:nvSpPr>
-        <p:spPr/>
-        <p:txBody>
-          <a:bodyPr/>
-          <a:lstStyle/>
-          <a:p>
-            <a:fld id="{18087783-62FF-446C-A2E4-4C6B0B0DE16F}" type="slidenum">
-              <a:rPr lang="en-US" smtClean="0"/>
-              <a:t>22</a:t>
-            </a:fld>
-            <a:endParaRPr lang="en-US"/>
-          </a:p>
-        </p:txBody>
-      </p:sp>
-    </p:spTree>
-    <p:extLst>
-      <p:ext uri="{BB962C8B-B14F-4D97-AF65-F5344CB8AC3E}">
-        <p14:creationId xmlns:p14="http://schemas.microsoft.com/office/powerpoint/2010/main" val="18513475"/>
-      </p:ext>
-    </p:extLst>
-  </p:cSld>
-  <p:clrMapOvr>
-    <a:masterClrMapping/>
-  </p:clrMapOvr>
-  <p:timing>
-    <p:tnLst>
-      <p:par>
-        <p:cTn id="1" dur="indefinite" restart="never" nodeType="tmRoot"/>
-      </p:par>
-    </p:tnLst>
-  </p:timing>
-</p:sld>
-</file>
-
-<file path=ppt/slides/slide23.xml><?xml version="1.0" encoding="utf-8"?>
-<p:sld xmlns:a="http://schemas.openxmlformats.org/drawingml/2006/main" xmlns:r="http://schemas.openxmlformats.org/officeDocument/2006/relationships" xmlns:p="http://schemas.openxmlformats.org/presentationml/2006/main">
-  <p:cSld>
-    <p:spTree>
-      <p:nvGrpSpPr>
-        <p:cNvPr id="1" name=""/>
-        <p:cNvGrpSpPr/>
-        <p:nvPr/>
-      </p:nvGrpSpPr>
-      <p:grpSpPr>
-        <a:xfrm>
-          <a:off x="0" y="0"/>
-          <a:ext cx="0" cy="0"/>
-          <a:chOff x="0" y="0"/>
-          <a:chExt cx="0" cy="0"/>
-        </a:xfrm>
-      </p:grpSpPr>
-      <p:sp>
-        <p:nvSpPr>
-          <p:cNvPr id="2" name="Slide Number Placeholder 1"/>
-          <p:cNvSpPr>
-            <a:spLocks noGrp="1"/>
-          </p:cNvSpPr>
-          <p:nvPr>
-            <p:ph type="sldNum" sz="quarter" idx="12"/>
-          </p:nvPr>
-        </p:nvSpPr>
-        <p:spPr/>
-        <p:txBody>
-          <a:bodyPr/>
-          <a:lstStyle/>
-          <a:p>
-            <a:fld id="{18087783-62FF-446C-A2E4-4C6B0B0DE16F}" type="slidenum">
-              <a:rPr lang="en-US" smtClean="0"/>
-              <a:t>23</a:t>
-            </a:fld>
-            <a:endParaRPr lang="en-US"/>
-          </a:p>
-        </p:txBody>
-      </p:sp>
-      <p:pic>
-        <p:nvPicPr>
-          <p:cNvPr id="3" name="Picture 2"/>
-          <p:cNvPicPr>
-            <a:picLocks noChangeAspect="1"/>
-          </p:cNvPicPr>
-          <p:nvPr/>
-        </p:nvPicPr>
-        <p:blipFill>
-          <a:blip r:embed="rId2"/>
-          <a:stretch>
-            <a:fillRect/>
-          </a:stretch>
-        </p:blipFill>
-        <p:spPr>
-          <a:xfrm>
-            <a:off x="834066" y="730770"/>
-            <a:ext cx="11034851" cy="3442542"/>
-          </a:xfrm>
-          <a:prstGeom prst="rect">
-            <a:avLst/>
-          </a:prstGeom>
-        </p:spPr>
-      </p:pic>
-      <p:sp>
-        <p:nvSpPr>
-          <p:cNvPr id="4" name="Rectangle 3"/>
-          <p:cNvSpPr/>
-          <p:nvPr/>
-        </p:nvSpPr>
-        <p:spPr>
-          <a:xfrm>
-            <a:off x="975750" y="4406050"/>
-            <a:ext cx="10106025" cy="1138773"/>
-          </a:xfrm>
-          <a:prstGeom prst="rect">
-            <a:avLst/>
-          </a:prstGeom>
-        </p:spPr>
-        <p:txBody>
-          <a:bodyPr wrap="square">
-            <a:spAutoFit/>
-          </a:bodyPr>
-          <a:lstStyle/>
-          <a:p>
-            <a:r>
-              <a:rPr lang="en-US" sz="2500" dirty="0" smtClean="0">
-                <a:solidFill>
-                  <a:srgbClr val="242021"/>
-                </a:solidFill>
-                <a:latin typeface="LinBiolinumT"/>
-              </a:rPr>
-              <a:t>hybrid </a:t>
-            </a:r>
-            <a:r>
-              <a:rPr lang="en-US" sz="2500" dirty="0">
-                <a:solidFill>
-                  <a:srgbClr val="242021"/>
-                </a:solidFill>
-                <a:latin typeface="LinBiolinumT"/>
-              </a:rPr>
-              <a:t>method. Combine </a:t>
-            </a:r>
-            <a:r>
-              <a:rPr lang="en-US" sz="2500" dirty="0" smtClean="0">
-                <a:solidFill>
-                  <a:srgbClr val="242021"/>
-                </a:solidFill>
-                <a:latin typeface="LinBiolinumT"/>
-              </a:rPr>
-              <a:t>Twitter </a:t>
-            </a:r>
-            <a:r>
-              <a:rPr lang="en-US" sz="2500" dirty="0">
-                <a:solidFill>
-                  <a:srgbClr val="242021"/>
-                </a:solidFill>
-                <a:latin typeface="LinBiolinumT"/>
-              </a:rPr>
-              <a:t>text and network information to </a:t>
-            </a:r>
-            <a:r>
-              <a:rPr lang="en-US" sz="2500" dirty="0" smtClean="0">
-                <a:solidFill>
-                  <a:srgbClr val="242021"/>
-                </a:solidFill>
-                <a:latin typeface="LinBiolinumT"/>
-              </a:rPr>
-              <a:t>predict location </a:t>
-            </a:r>
-            <a:r>
-              <a:rPr lang="en-US" sz="2500" dirty="0">
-                <a:solidFill>
-                  <a:srgbClr val="242021"/>
-                </a:solidFill>
-                <a:latin typeface="LinBiolinumT"/>
-              </a:rPr>
-              <a:t>with a bivariate density estimate</a:t>
-            </a:r>
-            <a:r>
-              <a:rPr lang="en-US" sz="2500" dirty="0" smtClean="0"/>
-              <a:t> </a:t>
-            </a:r>
-            <a:r>
-              <a:rPr lang="en-US" dirty="0" smtClean="0"/>
-              <a:t/>
-            </a:r>
-            <a:br>
-              <a:rPr lang="en-US" dirty="0" smtClean="0"/>
-            </a:br>
-            <a:endParaRPr lang="en-US" dirty="0"/>
-          </a:p>
-        </p:txBody>
-      </p:sp>
-    </p:spTree>
-    <p:extLst>
-      <p:ext uri="{BB962C8B-B14F-4D97-AF65-F5344CB8AC3E}">
-        <p14:creationId xmlns:p14="http://schemas.microsoft.com/office/powerpoint/2010/main" val="3445616762"/>
-      </p:ext>
-    </p:extLst>
-  </p:cSld>
-  <p:clrMapOvr>
-    <a:masterClrMapping/>
-  </p:clrMapOvr>
-  <p:timing>
-    <p:tnLst>
-      <p:par>
-        <p:cTn id="1" dur="indefinite" restart="never" nodeType="tmRoot"/>
-      </p:par>
-    </p:tnLst>
-  </p:timing>
-</p:sld>
-</file>
-
-<file path=ppt/slides/slide24.xml><?xml version="1.0" encoding="utf-8"?>
-<p:sld xmlns:a="http://schemas.openxmlformats.org/drawingml/2006/main" xmlns:r="http://schemas.openxmlformats.org/officeDocument/2006/relationships" xmlns:p="http://schemas.openxmlformats.org/presentationml/2006/main">
-  <p:cSld>
-    <p:spTree>
-      <p:nvGrpSpPr>
-        <p:cNvPr id="1" name=""/>
-        <p:cNvGrpSpPr/>
-        <p:nvPr/>
-      </p:nvGrpSpPr>
-      <p:grpSpPr>
-        <a:xfrm>
-          <a:off x="0" y="0"/>
-          <a:ext cx="0" cy="0"/>
-          <a:chOff x="0" y="0"/>
-          <a:chExt cx="0" cy="0"/>
-        </a:xfrm>
-      </p:grpSpPr>
-      <p:sp>
-        <p:nvSpPr>
-          <p:cNvPr id="4" name="Rounded Rectangle 3"/>
-          <p:cNvSpPr/>
-          <p:nvPr/>
-        </p:nvSpPr>
-        <p:spPr>
-          <a:xfrm>
-            <a:off x="552335" y="608626"/>
-            <a:ext cx="1676400" cy="774700"/>
-          </a:xfrm>
-          <a:prstGeom prst="roundRect">
-            <a:avLst/>
-          </a:prstGeom>
-          <a:solidFill>
-            <a:schemeClr val="accent2">
-              <a:lumMod val="75000"/>
-            </a:schemeClr>
-          </a:solidFill>
-        </p:spPr>
-        <p:style>
-          <a:lnRef idx="2">
-            <a:schemeClr val="accent1">
-              <a:shade val="50000"/>
-            </a:schemeClr>
-          </a:lnRef>
-          <a:fillRef idx="1">
-            <a:schemeClr val="accent1"/>
-          </a:fillRef>
-          <a:effectRef idx="0">
-            <a:schemeClr val="accent1"/>
-          </a:effectRef>
-          <a:fontRef idx="minor">
-            <a:schemeClr val="lt1"/>
-          </a:fontRef>
-        </p:style>
-        <p:txBody>
-          <a:bodyPr rtlCol="0" anchor="ctr"/>
-          <a:lstStyle/>
-          <a:p>
-            <a:pPr algn="ctr"/>
-            <a:r>
-              <a:rPr lang="en-US" b="1" dirty="0"/>
-              <a:t>Introduction</a:t>
-            </a:r>
-          </a:p>
-        </p:txBody>
-      </p:sp>
-      <p:sp>
-        <p:nvSpPr>
-          <p:cNvPr id="5" name="Down Arrow 4"/>
-          <p:cNvSpPr/>
-          <p:nvPr/>
-        </p:nvSpPr>
-        <p:spPr>
-          <a:xfrm>
-            <a:off x="1174750" y="1595350"/>
-            <a:ext cx="317500" cy="546100"/>
-          </a:xfrm>
-          <a:prstGeom prst="downArrow">
-            <a:avLst/>
-          </a:prstGeom>
-          <a:solidFill>
-            <a:schemeClr val="accent2">
-              <a:lumMod val="75000"/>
-            </a:schemeClr>
-          </a:solidFill>
-        </p:spPr>
-        <p:style>
-          <a:lnRef idx="2">
-            <a:schemeClr val="accent1">
-              <a:shade val="50000"/>
-            </a:schemeClr>
-          </a:lnRef>
-          <a:fillRef idx="1">
-            <a:schemeClr val="accent1"/>
-          </a:fillRef>
-          <a:effectRef idx="0">
-            <a:schemeClr val="accent1"/>
-          </a:effectRef>
-          <a:fontRef idx="minor">
-            <a:schemeClr val="lt1"/>
-          </a:fontRef>
-        </p:style>
-        <p:txBody>
-          <a:bodyPr rtlCol="0" anchor="ctr"/>
-          <a:lstStyle/>
-          <a:p>
-            <a:pPr algn="ctr"/>
-            <a:endParaRPr lang="en-US"/>
-          </a:p>
-        </p:txBody>
-      </p:sp>
-      <p:sp>
-        <p:nvSpPr>
-          <p:cNvPr id="6" name="Rounded Rectangle 5"/>
-          <p:cNvSpPr/>
-          <p:nvPr/>
-        </p:nvSpPr>
-        <p:spPr>
-          <a:xfrm>
-            <a:off x="552335" y="2299750"/>
-            <a:ext cx="1676400" cy="774700"/>
-          </a:xfrm>
-          <a:prstGeom prst="roundRect">
-            <a:avLst/>
-          </a:prstGeom>
-          <a:solidFill>
-            <a:schemeClr val="accent2">
-              <a:lumMod val="75000"/>
-            </a:schemeClr>
-          </a:solidFill>
-        </p:spPr>
-        <p:style>
-          <a:lnRef idx="2">
-            <a:schemeClr val="accent1">
-              <a:shade val="50000"/>
-            </a:schemeClr>
-          </a:lnRef>
-          <a:fillRef idx="1">
-            <a:schemeClr val="accent1"/>
-          </a:fillRef>
-          <a:effectRef idx="0">
-            <a:schemeClr val="accent1"/>
-          </a:effectRef>
-          <a:fontRef idx="minor">
-            <a:schemeClr val="lt1"/>
-          </a:fontRef>
-        </p:style>
-        <p:txBody>
-          <a:bodyPr rtlCol="0" anchor="ctr"/>
-          <a:lstStyle/>
-          <a:p>
-            <a:r>
-              <a:rPr lang="en-US" b="1" dirty="0" smtClean="0"/>
-              <a:t>Related Works</a:t>
-            </a:r>
-            <a:endParaRPr lang="en-US" b="1" dirty="0"/>
-          </a:p>
-        </p:txBody>
-      </p:sp>
-      <p:sp>
-        <p:nvSpPr>
-          <p:cNvPr id="8" name="Bent Arrow 7"/>
-          <p:cNvSpPr/>
-          <p:nvPr/>
-        </p:nvSpPr>
-        <p:spPr>
-          <a:xfrm rot="10800000" flipH="1">
-            <a:off x="1254334" y="5022164"/>
-            <a:ext cx="1232656" cy="817715"/>
-          </a:xfrm>
-          <a:prstGeom prst="bentArrow">
-            <a:avLst>
-              <a:gd name="adj1" fmla="val 25000"/>
-              <a:gd name="adj2" fmla="val 25000"/>
-              <a:gd name="adj3" fmla="val 29251"/>
-              <a:gd name="adj4" fmla="val 43771"/>
-            </a:avLst>
-          </a:prstGeom>
-          <a:solidFill>
-            <a:schemeClr val="accent2">
-              <a:lumMod val="75000"/>
-            </a:schemeClr>
-          </a:solidFill>
-        </p:spPr>
-        <p:style>
-          <a:lnRef idx="2">
-            <a:schemeClr val="accent1">
-              <a:shade val="50000"/>
-            </a:schemeClr>
-          </a:lnRef>
-          <a:fillRef idx="1">
-            <a:schemeClr val="accent1"/>
-          </a:fillRef>
-          <a:effectRef idx="0">
-            <a:schemeClr val="accent1"/>
-          </a:effectRef>
-          <a:fontRef idx="minor">
-            <a:schemeClr val="lt1"/>
-          </a:fontRef>
-        </p:style>
-        <p:txBody>
-          <a:bodyPr rtlCol="0" anchor="ctr"/>
-          <a:lstStyle/>
-          <a:p>
-            <a:pPr algn="ctr"/>
-            <a:endParaRPr lang="en-US">
-              <a:solidFill>
-                <a:schemeClr val="tx1"/>
-              </a:solidFill>
-            </a:endParaRPr>
-          </a:p>
-        </p:txBody>
-      </p:sp>
-      <p:sp>
-        <p:nvSpPr>
-          <p:cNvPr id="9" name="Rounded Rectangle 8"/>
-          <p:cNvSpPr/>
-          <p:nvPr/>
-        </p:nvSpPr>
-        <p:spPr>
-          <a:xfrm>
-            <a:off x="2610416" y="5257503"/>
-            <a:ext cx="1676400" cy="774700"/>
-          </a:xfrm>
-          <a:prstGeom prst="roundRect">
-            <a:avLst/>
-          </a:prstGeom>
-          <a:solidFill>
-            <a:schemeClr val="accent2">
-              <a:lumMod val="75000"/>
-            </a:schemeClr>
-          </a:solidFill>
-        </p:spPr>
-        <p:style>
-          <a:lnRef idx="2">
-            <a:schemeClr val="accent1">
-              <a:shade val="50000"/>
-            </a:schemeClr>
-          </a:lnRef>
-          <a:fillRef idx="1">
-            <a:schemeClr val="accent1"/>
-          </a:fillRef>
-          <a:effectRef idx="0">
-            <a:schemeClr val="accent1"/>
-          </a:effectRef>
-          <a:fontRef idx="minor">
-            <a:schemeClr val="lt1"/>
-          </a:fontRef>
-        </p:style>
-        <p:txBody>
-          <a:bodyPr rtlCol="0" anchor="ctr"/>
-          <a:lstStyle/>
-          <a:p>
-            <a:pPr algn="ctr"/>
-            <a:r>
-              <a:rPr lang="en-US" b="1" dirty="0"/>
-              <a:t>Preprocessing</a:t>
-            </a:r>
-          </a:p>
-        </p:txBody>
-      </p:sp>
-      <p:sp>
-        <p:nvSpPr>
-          <p:cNvPr id="10" name="Down Arrow 9"/>
-          <p:cNvSpPr/>
-          <p:nvPr/>
-        </p:nvSpPr>
-        <p:spPr>
-          <a:xfrm rot="16200000">
-            <a:off x="4751125" y="5306362"/>
-            <a:ext cx="317500" cy="546100"/>
-          </a:xfrm>
-          <a:prstGeom prst="downArrow">
-            <a:avLst/>
-          </a:prstGeom>
-        </p:spPr>
-        <p:style>
-          <a:lnRef idx="2">
-            <a:schemeClr val="accent1">
-              <a:shade val="50000"/>
-            </a:schemeClr>
-          </a:lnRef>
-          <a:fillRef idx="1">
-            <a:schemeClr val="accent1"/>
-          </a:fillRef>
-          <a:effectRef idx="0">
-            <a:schemeClr val="accent1"/>
-          </a:effectRef>
-          <a:fontRef idx="minor">
-            <a:schemeClr val="lt1"/>
-          </a:fontRef>
-        </p:style>
-        <p:txBody>
-          <a:bodyPr rtlCol="0" anchor="ctr"/>
-          <a:lstStyle/>
-          <a:p>
-            <a:pPr algn="ctr"/>
-            <a:endParaRPr lang="en-US"/>
-          </a:p>
-        </p:txBody>
-      </p:sp>
-      <p:sp>
-        <p:nvSpPr>
-          <p:cNvPr id="11" name="Rounded Rectangle 10"/>
-          <p:cNvSpPr/>
-          <p:nvPr/>
-        </p:nvSpPr>
-        <p:spPr>
-          <a:xfrm>
-            <a:off x="5532934" y="5257503"/>
-            <a:ext cx="1676400" cy="774700"/>
-          </a:xfrm>
-          <a:prstGeom prst="roundRect">
-            <a:avLst/>
-          </a:prstGeom>
-        </p:spPr>
-        <p:style>
-          <a:lnRef idx="2">
-            <a:schemeClr val="accent1">
-              <a:shade val="50000"/>
-            </a:schemeClr>
-          </a:lnRef>
-          <a:fillRef idx="1">
-            <a:schemeClr val="accent1"/>
-          </a:fillRef>
-          <a:effectRef idx="0">
-            <a:schemeClr val="accent1"/>
-          </a:effectRef>
-          <a:fontRef idx="minor">
-            <a:schemeClr val="lt1"/>
-          </a:fontRef>
-        </p:style>
-        <p:txBody>
-          <a:bodyPr rtlCol="0" anchor="ctr"/>
-          <a:lstStyle/>
-          <a:p>
-            <a:pPr algn="ctr"/>
-            <a:r>
-              <a:rPr lang="en-US" b="1" dirty="0" smtClean="0"/>
-              <a:t>Model</a:t>
-            </a:r>
-            <a:endParaRPr lang="en-US" b="1" dirty="0"/>
-          </a:p>
-        </p:txBody>
-      </p:sp>
-      <p:sp>
-        <p:nvSpPr>
-          <p:cNvPr id="12" name="Down Arrow 11"/>
-          <p:cNvSpPr/>
-          <p:nvPr/>
-        </p:nvSpPr>
-        <p:spPr>
-          <a:xfrm rot="16200000">
-            <a:off x="7673643" y="5371803"/>
-            <a:ext cx="317500" cy="546100"/>
-          </a:xfrm>
-          <a:prstGeom prst="downArrow">
-            <a:avLst/>
-          </a:prstGeom>
-        </p:spPr>
-        <p:style>
-          <a:lnRef idx="2">
-            <a:schemeClr val="accent1">
-              <a:shade val="50000"/>
-            </a:schemeClr>
-          </a:lnRef>
-          <a:fillRef idx="1">
-            <a:schemeClr val="accent1"/>
-          </a:fillRef>
-          <a:effectRef idx="0">
-            <a:schemeClr val="accent1"/>
-          </a:effectRef>
-          <a:fontRef idx="minor">
-            <a:schemeClr val="lt1"/>
-          </a:fontRef>
-        </p:style>
-        <p:txBody>
-          <a:bodyPr rtlCol="0" anchor="ctr"/>
-          <a:lstStyle/>
-          <a:p>
-            <a:pPr algn="ctr"/>
-            <a:endParaRPr lang="en-US"/>
-          </a:p>
-        </p:txBody>
-      </p:sp>
-      <p:sp>
-        <p:nvSpPr>
-          <p:cNvPr id="13" name="Rounded Rectangle 12"/>
-          <p:cNvSpPr/>
-          <p:nvPr/>
-        </p:nvSpPr>
-        <p:spPr>
-          <a:xfrm>
-            <a:off x="8455452" y="5258395"/>
-            <a:ext cx="1676400" cy="774700"/>
-          </a:xfrm>
-          <a:prstGeom prst="roundRect">
-            <a:avLst/>
-          </a:prstGeom>
-        </p:spPr>
-        <p:style>
-          <a:lnRef idx="2">
-            <a:schemeClr val="accent1">
-              <a:shade val="50000"/>
-            </a:schemeClr>
-          </a:lnRef>
-          <a:fillRef idx="1">
-            <a:schemeClr val="accent1"/>
-          </a:fillRef>
-          <a:effectRef idx="0">
-            <a:schemeClr val="accent1"/>
-          </a:effectRef>
-          <a:fontRef idx="minor">
-            <a:schemeClr val="lt1"/>
-          </a:fontRef>
-        </p:style>
-        <p:txBody>
-          <a:bodyPr rtlCol="0" anchor="ctr"/>
-          <a:lstStyle/>
-          <a:p>
-            <a:pPr algn="ctr"/>
-            <a:r>
-              <a:rPr lang="en-US" b="1" dirty="0" smtClean="0"/>
-              <a:t>Conclusion</a:t>
-            </a:r>
-            <a:endParaRPr lang="en-US" b="1" dirty="0"/>
-          </a:p>
-        </p:txBody>
-      </p:sp>
-      <p:sp>
-        <p:nvSpPr>
-          <p:cNvPr id="18" name="Title 1"/>
-          <p:cNvSpPr txBox="1">
-            <a:spLocks/>
-          </p:cNvSpPr>
-          <p:nvPr/>
-        </p:nvSpPr>
-        <p:spPr>
-          <a:xfrm>
-            <a:off x="4960078" y="2337863"/>
-            <a:ext cx="7041758" cy="1612900"/>
-          </a:xfrm>
-          <a:prstGeom prst="rect">
-            <a:avLst/>
-          </a:prstGeom>
-        </p:spPr>
-        <p:txBody>
-          <a:bodyPr/>
-          <a:lstStyle>
-            <a:lvl1pPr algn="l" defTabSz="914400" rtl="0" eaLnBrk="1" latinLnBrk="0" hangingPunct="1">
-              <a:lnSpc>
-                <a:spcPct val="85000"/>
-              </a:lnSpc>
-              <a:spcBef>
-                <a:spcPct val="0"/>
-              </a:spcBef>
-              <a:buNone/>
-              <a:defRPr sz="4800" kern="1200" spc="-50" baseline="0">
-                <a:solidFill>
-                  <a:schemeClr val="tx1">
-                    <a:lumMod val="75000"/>
-                    <a:lumOff val="25000"/>
-                  </a:schemeClr>
-                </a:solidFill>
-                <a:latin typeface="+mj-lt"/>
-                <a:ea typeface="+mj-ea"/>
-                <a:cs typeface="+mj-cs"/>
-              </a:defRPr>
-            </a:lvl1pPr>
-          </a:lstStyle>
-          <a:p>
-            <a:r>
-              <a:rPr lang="en-US" sz="6000" b="1" dirty="0" smtClean="0"/>
-              <a:t>Road Map</a:t>
-            </a:r>
-            <a:r>
-              <a:rPr lang="fa-IR" sz="6000" b="1" dirty="0" smtClean="0"/>
-              <a:t>	</a:t>
-            </a:r>
-            <a:r>
-              <a:rPr lang="fa-IR" dirty="0" smtClean="0"/>
-              <a:t>	</a:t>
-            </a:r>
-            <a:endParaRPr lang="en-US" dirty="0"/>
-          </a:p>
-        </p:txBody>
-      </p:sp>
-      <p:pic>
-        <p:nvPicPr>
-          <p:cNvPr id="20" name="Picture 19"/>
-          <p:cNvPicPr>
-            <a:picLocks noChangeAspect="1"/>
-          </p:cNvPicPr>
-          <p:nvPr/>
-        </p:nvPicPr>
-        <p:blipFill>
-          <a:blip r:embed="rId2">
-            <a:extLst>
-              <a:ext uri="{28A0092B-C50C-407E-A947-70E740481C1C}">
-                <a14:useLocalDpi xmlns:a14="http://schemas.microsoft.com/office/drawing/2010/main" val="0"/>
-              </a:ext>
-            </a:extLst>
-          </a:blip>
-          <a:stretch>
-            <a:fillRect/>
-          </a:stretch>
-        </p:blipFill>
-        <p:spPr>
-          <a:xfrm>
-            <a:off x="8555787" y="995976"/>
-            <a:ext cx="1755215" cy="1174398"/>
-          </a:xfrm>
-          <a:prstGeom prst="rect">
-            <a:avLst/>
-          </a:prstGeom>
-        </p:spPr>
-      </p:pic>
-      <p:sp>
-        <p:nvSpPr>
-          <p:cNvPr id="21" name="Slide Number Placeholder 20"/>
-          <p:cNvSpPr>
-            <a:spLocks noGrp="1"/>
-          </p:cNvSpPr>
-          <p:nvPr>
-            <p:ph type="sldNum" sz="quarter" idx="12"/>
-          </p:nvPr>
-        </p:nvSpPr>
-        <p:spPr/>
-        <p:txBody>
-          <a:bodyPr/>
-          <a:lstStyle/>
-          <a:p>
-            <a:fld id="{18087783-62FF-446C-A2E4-4C6B0B0DE16F}" type="slidenum">
-              <a:rPr lang="en-US" smtClean="0"/>
-              <a:t>24</a:t>
-            </a:fld>
-            <a:endParaRPr lang="en-US"/>
-          </a:p>
-        </p:txBody>
-      </p:sp>
-      <p:pic>
-        <p:nvPicPr>
-          <p:cNvPr id="7" name="Picture 6"/>
-          <p:cNvPicPr>
-            <a:picLocks noChangeAspect="1"/>
-          </p:cNvPicPr>
-          <p:nvPr/>
-        </p:nvPicPr>
-        <p:blipFill>
-          <a:blip r:embed="rId3" cstate="print">
-            <a:extLst>
-              <a:ext uri="{28A0092B-C50C-407E-A947-70E740481C1C}">
-                <a14:useLocalDpi xmlns:a14="http://schemas.microsoft.com/office/drawing/2010/main" val="0"/>
-              </a:ext>
-            </a:extLst>
-          </a:blip>
-          <a:stretch>
-            <a:fillRect/>
-          </a:stretch>
-        </p:blipFill>
-        <p:spPr>
-          <a:xfrm>
-            <a:off x="8811158" y="1583175"/>
-            <a:ext cx="605021" cy="605021"/>
-          </a:xfrm>
-          <a:prstGeom prst="rect">
-            <a:avLst/>
-          </a:prstGeom>
-        </p:spPr>
-      </p:pic>
-      <p:sp>
-        <p:nvSpPr>
-          <p:cNvPr id="22" name="Down Arrow 21"/>
-          <p:cNvSpPr/>
-          <p:nvPr/>
-        </p:nvSpPr>
-        <p:spPr>
-          <a:xfrm>
-            <a:off x="1200719" y="3232751"/>
-            <a:ext cx="317500" cy="546100"/>
-          </a:xfrm>
-          <a:prstGeom prst="downArrow">
-            <a:avLst/>
-          </a:prstGeom>
-          <a:solidFill>
-            <a:schemeClr val="accent2">
-              <a:lumMod val="75000"/>
-            </a:schemeClr>
-          </a:solidFill>
-        </p:spPr>
-        <p:style>
-          <a:lnRef idx="2">
-            <a:schemeClr val="accent1">
-              <a:shade val="50000"/>
-            </a:schemeClr>
-          </a:lnRef>
-          <a:fillRef idx="1">
-            <a:schemeClr val="accent1"/>
-          </a:fillRef>
-          <a:effectRef idx="0">
-            <a:schemeClr val="accent1"/>
-          </a:effectRef>
-          <a:fontRef idx="minor">
-            <a:schemeClr val="lt1"/>
-          </a:fontRef>
-        </p:style>
-        <p:txBody>
-          <a:bodyPr rtlCol="0" anchor="ctr"/>
-          <a:lstStyle/>
-          <a:p>
-            <a:pPr algn="ctr"/>
-            <a:endParaRPr lang="en-US"/>
-          </a:p>
-        </p:txBody>
-      </p:sp>
-      <p:sp>
-        <p:nvSpPr>
-          <p:cNvPr id="23" name="Rounded Rectangle 22"/>
-          <p:cNvSpPr/>
-          <p:nvPr/>
-        </p:nvSpPr>
-        <p:spPr>
-          <a:xfrm>
-            <a:off x="552335" y="3990874"/>
-            <a:ext cx="1676400" cy="774700"/>
-          </a:xfrm>
-          <a:prstGeom prst="roundRect">
-            <a:avLst/>
-          </a:prstGeom>
-          <a:solidFill>
-            <a:schemeClr val="accent2">
-              <a:lumMod val="75000"/>
-            </a:schemeClr>
-          </a:solidFill>
-        </p:spPr>
-        <p:style>
-          <a:lnRef idx="2">
-            <a:schemeClr val="accent1">
-              <a:shade val="50000"/>
-            </a:schemeClr>
-          </a:lnRef>
-          <a:fillRef idx="1">
-            <a:schemeClr val="accent1"/>
-          </a:fillRef>
-          <a:effectRef idx="0">
-            <a:schemeClr val="accent1"/>
-          </a:effectRef>
-          <a:fontRef idx="minor">
-            <a:schemeClr val="lt1"/>
-          </a:fontRef>
-        </p:style>
-        <p:txBody>
-          <a:bodyPr rtlCol="0" anchor="ctr"/>
-          <a:lstStyle/>
-          <a:p>
-            <a:pPr algn="ctr"/>
-            <a:r>
-              <a:rPr lang="en-US" b="1" dirty="0" smtClean="0"/>
-              <a:t>New Hybrid Approach</a:t>
-            </a:r>
-            <a:endParaRPr lang="en-US" b="1" dirty="0"/>
-          </a:p>
-        </p:txBody>
-      </p:sp>
-    </p:spTree>
-    <p:extLst>
-      <p:ext uri="{BB962C8B-B14F-4D97-AF65-F5344CB8AC3E}">
-        <p14:creationId xmlns:p14="http://schemas.microsoft.com/office/powerpoint/2010/main" val="3577190896"/>
-      </p:ext>
-    </p:extLst>
-  </p:cSld>
-  <p:clrMapOvr>
-    <a:masterClrMapping/>
-  </p:clrMapOvr>
-  <p:timing>
-    <p:tnLst>
-      <p:par>
-        <p:cTn id="1" dur="indefinite" restart="never" nodeType="tmRoot"/>
-      </p:par>
-    </p:tnLst>
-  </p:timing>
-</p:sld>
-</file>
-
-<file path=ppt/slides/slide25.xml><?xml version="1.0" encoding="utf-8"?>
-<p:sld xmlns:a="http://schemas.openxmlformats.org/drawingml/2006/main" xmlns:r="http://schemas.openxmlformats.org/officeDocument/2006/relationships" xmlns:p="http://schemas.openxmlformats.org/presentationml/2006/main">
-  <p:cSld>
-    <p:spTree>
-      <p:nvGrpSpPr>
-        <p:cNvPr id="1" name=""/>
-        <p:cNvGrpSpPr/>
-        <p:nvPr/>
-      </p:nvGrpSpPr>
-      <p:grpSpPr>
-        <a:xfrm>
-          <a:off x="0" y="0"/>
-          <a:ext cx="0" cy="0"/>
-          <a:chOff x="0" y="0"/>
-          <a:chExt cx="0" cy="0"/>
-        </a:xfrm>
-      </p:grpSpPr>
-      <p:sp>
-        <p:nvSpPr>
-          <p:cNvPr id="2" name="Title 1"/>
-          <p:cNvSpPr>
-            <a:spLocks noGrp="1"/>
-          </p:cNvSpPr>
-          <p:nvPr>
-            <p:ph type="title"/>
-          </p:nvPr>
-        </p:nvSpPr>
-        <p:spPr/>
-        <p:txBody>
-          <a:bodyPr/>
-          <a:lstStyle/>
-          <a:p>
-            <a:r>
-              <a:rPr lang="en-US" b="1" dirty="0" smtClean="0"/>
-              <a:t>Preprocessing</a:t>
-            </a:r>
-            <a:endParaRPr lang="en-US" b="1" dirty="0"/>
-          </a:p>
-        </p:txBody>
-      </p:sp>
-      <p:sp>
-        <p:nvSpPr>
-          <p:cNvPr id="3" name="Content Placeholder 2"/>
-          <p:cNvSpPr>
-            <a:spLocks noGrp="1"/>
-          </p:cNvSpPr>
-          <p:nvPr>
-            <p:ph idx="1"/>
-          </p:nvPr>
-        </p:nvSpPr>
-        <p:spPr>
-          <a:xfrm>
-            <a:off x="1097280" y="1845734"/>
-            <a:ext cx="10058400" cy="4111313"/>
-          </a:xfrm>
-        </p:spPr>
-        <p:txBody>
-          <a:bodyPr>
-            <a:noAutofit/>
-          </a:bodyPr>
-          <a:lstStyle/>
-          <a:p>
-            <a:pPr lvl="1">
-              <a:lnSpc>
-                <a:spcPct val="100000"/>
-              </a:lnSpc>
-              <a:buFont typeface="Wingdings" panose="05000000000000000000" pitchFamily="2" charset="2"/>
-              <a:buChar char="v"/>
-            </a:pPr>
-            <a:r>
-              <a:rPr lang="en-US" sz="2500" dirty="0" smtClean="0"/>
-              <a:t> Hey </a:t>
-            </a:r>
-            <a:r>
-              <a:rPr lang="en-US" sz="2500" dirty="0"/>
-              <a:t>@</a:t>
-            </a:r>
-            <a:r>
-              <a:rPr lang="en-US" sz="2500" dirty="0" err="1"/>
-              <a:t>kpazphd</a:t>
-            </a:r>
-            <a:r>
-              <a:rPr lang="en-US" sz="2500" dirty="0"/>
-              <a:t> OMG! my new car is SWEEEET!!! #</a:t>
-            </a:r>
-            <a:r>
-              <a:rPr lang="en-US" sz="2500" dirty="0" err="1"/>
-              <a:t>TESLAlife</a:t>
-            </a:r>
-            <a:r>
-              <a:rPr lang="en-US" sz="2500" dirty="0"/>
-              <a:t> watch out Raleigh! </a:t>
-            </a:r>
-            <a:r>
-              <a:rPr lang="en-US" sz="2500" dirty="0" smtClean="0"/>
-              <a:t>living the dream</a:t>
-            </a:r>
-            <a:r>
-              <a:rPr lang="en-US" sz="2500" dirty="0"/>
-              <a:t>. . . </a:t>
-            </a:r>
-            <a:endParaRPr lang="en-US" sz="2500" dirty="0" smtClean="0"/>
-          </a:p>
-          <a:p>
-            <a:pPr marL="201168" lvl="1" indent="0">
-              <a:lnSpc>
-                <a:spcPct val="100000"/>
-              </a:lnSpc>
-              <a:buNone/>
-            </a:pPr>
-            <a:endParaRPr lang="en-US" sz="2500" dirty="0"/>
-          </a:p>
-          <a:p>
-            <a:pPr marL="201168" lvl="1" indent="0">
-              <a:lnSpc>
-                <a:spcPct val="100000"/>
-              </a:lnSpc>
-              <a:buNone/>
-            </a:pPr>
-            <a:r>
-              <a:rPr lang="en-US" sz="2500" dirty="0" smtClean="0"/>
-              <a:t>1 ) —hey </a:t>
-            </a:r>
-            <a:r>
-              <a:rPr lang="en-US" sz="2500" dirty="0"/>
-              <a:t>@</a:t>
-            </a:r>
-            <a:r>
-              <a:rPr lang="en-US" sz="2500" dirty="0" err="1"/>
-              <a:t>kpazphd</a:t>
-            </a:r>
-            <a:r>
-              <a:rPr lang="en-US" sz="2500" dirty="0"/>
-              <a:t> omg my new car is </a:t>
-            </a:r>
-            <a:r>
-              <a:rPr lang="en-US" sz="2500" dirty="0" err="1"/>
-              <a:t>sweeeet</a:t>
-            </a:r>
-            <a:r>
-              <a:rPr lang="en-US" sz="2500" dirty="0"/>
-              <a:t> #</a:t>
-            </a:r>
-            <a:r>
-              <a:rPr lang="en-US" sz="2500" dirty="0" err="1"/>
-              <a:t>teslalife</a:t>
-            </a:r>
-            <a:r>
-              <a:rPr lang="en-US" sz="2500" dirty="0"/>
-              <a:t> watch out </a:t>
-            </a:r>
-            <a:r>
-              <a:rPr lang="en-US" sz="2500" dirty="0" err="1"/>
-              <a:t>raleigh</a:t>
-            </a:r>
-            <a:r>
-              <a:rPr lang="en-US" sz="2500" dirty="0"/>
-              <a:t> </a:t>
-            </a:r>
-            <a:r>
-              <a:rPr lang="en-US" sz="2500" dirty="0" smtClean="0"/>
-              <a:t>living </a:t>
-            </a:r>
-            <a:r>
-              <a:rPr lang="en-US" sz="2500" dirty="0"/>
-              <a:t>the dream </a:t>
-            </a:r>
-          </a:p>
-          <a:p>
-            <a:pPr marL="201168" lvl="1" indent="0">
-              <a:lnSpc>
-                <a:spcPct val="100000"/>
-              </a:lnSpc>
-              <a:buNone/>
-            </a:pPr>
-            <a:r>
-              <a:rPr lang="en-US" sz="2500" dirty="0" smtClean="0"/>
-              <a:t>2) —hey </a:t>
-            </a:r>
-            <a:r>
-              <a:rPr lang="en-US" sz="2500" dirty="0"/>
-              <a:t>@</a:t>
-            </a:r>
-            <a:r>
-              <a:rPr lang="en-US" sz="2500" dirty="0" err="1"/>
-              <a:t>kpazphd</a:t>
-            </a:r>
-            <a:r>
-              <a:rPr lang="en-US" sz="2500" dirty="0"/>
-              <a:t> car </a:t>
-            </a:r>
-            <a:r>
-              <a:rPr lang="en-US" sz="2500" dirty="0" err="1"/>
-              <a:t>sweeeet</a:t>
-            </a:r>
-            <a:r>
-              <a:rPr lang="en-US" sz="2500" dirty="0"/>
-              <a:t> #</a:t>
-            </a:r>
-            <a:r>
-              <a:rPr lang="en-US" sz="2500" dirty="0" err="1"/>
-              <a:t>teslalife</a:t>
-            </a:r>
-            <a:r>
-              <a:rPr lang="en-US" sz="2500" dirty="0"/>
-              <a:t> watch </a:t>
-            </a:r>
-            <a:r>
-              <a:rPr lang="en-US" sz="2500" dirty="0" err="1"/>
-              <a:t>raleigh</a:t>
-            </a:r>
-            <a:r>
-              <a:rPr lang="en-US" sz="2500" dirty="0"/>
-              <a:t> </a:t>
-            </a:r>
-            <a:r>
-              <a:rPr lang="en-US" sz="2500" dirty="0" smtClean="0"/>
-              <a:t>living </a:t>
-            </a:r>
-            <a:r>
-              <a:rPr lang="en-US" sz="2500" dirty="0"/>
-              <a:t>dream </a:t>
-            </a:r>
-          </a:p>
-          <a:p>
-            <a:pPr marL="201168" lvl="1" indent="0">
-              <a:lnSpc>
-                <a:spcPct val="100000"/>
-              </a:lnSpc>
-              <a:buNone/>
-            </a:pPr>
-            <a:r>
-              <a:rPr lang="en-US" sz="2500" dirty="0" smtClean="0"/>
-              <a:t>3) — hey </a:t>
-            </a:r>
-            <a:r>
-              <a:rPr lang="en-US" sz="2500" dirty="0"/>
-              <a:t>@</a:t>
-            </a:r>
-            <a:r>
-              <a:rPr lang="en-US" sz="2500" dirty="0" err="1"/>
-              <a:t>kpazphd</a:t>
-            </a:r>
-            <a:r>
-              <a:rPr lang="en-US" sz="2500" dirty="0"/>
-              <a:t> car sweet #</a:t>
-            </a:r>
-            <a:r>
-              <a:rPr lang="en-US" sz="2500" dirty="0" err="1"/>
-              <a:t>teslalife</a:t>
-            </a:r>
-            <a:r>
-              <a:rPr lang="en-US" sz="2500" dirty="0"/>
-              <a:t> watch </a:t>
-            </a:r>
-            <a:r>
-              <a:rPr lang="en-US" sz="2500" dirty="0" err="1"/>
-              <a:t>raleigh</a:t>
-            </a:r>
-            <a:r>
-              <a:rPr lang="en-US" sz="2500" dirty="0"/>
-              <a:t> living dream </a:t>
-            </a:r>
-          </a:p>
-          <a:p>
-            <a:pPr marL="201168" lvl="1" indent="0">
-              <a:lnSpc>
-                <a:spcPct val="100000"/>
-              </a:lnSpc>
-              <a:buNone/>
-            </a:pPr>
-            <a:r>
-              <a:rPr lang="en-US" sz="2500" dirty="0" smtClean="0"/>
-              <a:t>4) —hey </a:t>
-            </a:r>
-            <a:r>
-              <a:rPr lang="en-US" sz="2500" dirty="0"/>
-              <a:t>@</a:t>
-            </a:r>
-            <a:r>
-              <a:rPr lang="en-US" sz="2500" dirty="0" err="1"/>
-              <a:t>kpazphd</a:t>
-            </a:r>
-            <a:r>
-              <a:rPr lang="en-US" sz="2500" dirty="0"/>
-              <a:t> car sweet #</a:t>
-            </a:r>
-            <a:r>
-              <a:rPr lang="en-US" sz="2500" dirty="0" err="1"/>
-              <a:t>teslalife</a:t>
-            </a:r>
-            <a:r>
-              <a:rPr lang="en-US" sz="2500" dirty="0"/>
-              <a:t> watch </a:t>
-            </a:r>
-            <a:r>
-              <a:rPr lang="en-US" sz="2500" dirty="0" err="1"/>
-              <a:t>raleigh</a:t>
-            </a:r>
-            <a:r>
-              <a:rPr lang="en-US" sz="2500" dirty="0"/>
-              <a:t> live dream </a:t>
-            </a:r>
-            <a:br>
-              <a:rPr lang="en-US" sz="2500" dirty="0"/>
-            </a:br>
-            <a:endParaRPr lang="en-US" sz="2500" dirty="0"/>
-          </a:p>
-        </p:txBody>
-      </p:sp>
-      <p:sp>
-        <p:nvSpPr>
-          <p:cNvPr id="4" name="Slide Number Placeholder 3"/>
-          <p:cNvSpPr>
-            <a:spLocks noGrp="1"/>
-          </p:cNvSpPr>
-          <p:nvPr>
-            <p:ph type="sldNum" sz="quarter" idx="12"/>
-          </p:nvPr>
-        </p:nvSpPr>
-        <p:spPr/>
-        <p:txBody>
-          <a:bodyPr/>
-          <a:lstStyle/>
-          <a:p>
-            <a:fld id="{18087783-62FF-446C-A2E4-4C6B0B0DE16F}" type="slidenum">
-              <a:rPr lang="en-US" smtClean="0"/>
-              <a:t>25</a:t>
-            </a:fld>
-            <a:endParaRPr lang="en-US"/>
-          </a:p>
-        </p:txBody>
-      </p:sp>
-    </p:spTree>
-    <p:extLst>
-      <p:ext uri="{BB962C8B-B14F-4D97-AF65-F5344CB8AC3E}">
-        <p14:creationId xmlns:p14="http://schemas.microsoft.com/office/powerpoint/2010/main" val="283619128"/>
-      </p:ext>
-    </p:extLst>
-  </p:cSld>
-  <p:clrMapOvr>
-    <a:masterClrMapping/>
-  </p:clrMapOvr>
-  <p:timing>
-    <p:tnLst>
-      <p:par>
-        <p:cTn id="1" dur="indefinite" restart="never" nodeType="tmRoot"/>
-      </p:par>
-    </p:tnLst>
-  </p:timing>
-</p:sld>
-</file>
-
-<file path=ppt/slides/slide26.xml><?xml version="1.0" encoding="utf-8"?>
-<p:sld xmlns:a="http://schemas.openxmlformats.org/drawingml/2006/main" xmlns:r="http://schemas.openxmlformats.org/officeDocument/2006/relationships" xmlns:p="http://schemas.openxmlformats.org/presentationml/2006/main">
-  <p:cSld>
-    <p:spTree>
-      <p:nvGrpSpPr>
-        <p:cNvPr id="1" name=""/>
-        <p:cNvGrpSpPr/>
-        <p:nvPr/>
-      </p:nvGrpSpPr>
-      <p:grpSpPr>
-        <a:xfrm>
-          <a:off x="0" y="0"/>
-          <a:ext cx="0" cy="0"/>
-          <a:chOff x="0" y="0"/>
-          <a:chExt cx="0" cy="0"/>
-        </a:xfrm>
-      </p:grpSpPr>
-      <p:sp>
-        <p:nvSpPr>
-          <p:cNvPr id="2" name="Title 1"/>
-          <p:cNvSpPr>
-            <a:spLocks noGrp="1"/>
-          </p:cNvSpPr>
-          <p:nvPr>
-            <p:ph type="title"/>
-          </p:nvPr>
-        </p:nvSpPr>
-        <p:spPr/>
-        <p:txBody>
-          <a:bodyPr/>
-          <a:lstStyle/>
-          <a:p>
-            <a:r>
-              <a:rPr lang="en-US" dirty="0"/>
-              <a:t> </a:t>
-            </a:r>
-            <a:r>
-              <a:rPr lang="en-US" b="1" dirty="0"/>
-              <a:t>removing </a:t>
-            </a:r>
-            <a:r>
-              <a:rPr lang="en-US" b="1" dirty="0" smtClean="0"/>
-              <a:t>outliers</a:t>
-            </a:r>
-            <a:endParaRPr lang="en-US" b="1" dirty="0"/>
-          </a:p>
-        </p:txBody>
-      </p:sp>
-      <p:sp>
-        <p:nvSpPr>
-          <p:cNvPr id="3" name="Content Placeholder 2"/>
-          <p:cNvSpPr>
-            <a:spLocks noGrp="1"/>
-          </p:cNvSpPr>
-          <p:nvPr>
-            <p:ph idx="1"/>
-          </p:nvPr>
-        </p:nvSpPr>
-        <p:spPr/>
-        <p:txBody>
-          <a:bodyPr>
-            <a:normAutofit/>
-          </a:bodyPr>
-          <a:lstStyle/>
-          <a:p>
-            <a:pPr marL="0" indent="0">
-              <a:buNone/>
-            </a:pPr>
-            <a:r>
-              <a:rPr lang="en-US" sz="3000" dirty="0"/>
-              <a:t/>
-            </a:r>
-            <a:br>
-              <a:rPr lang="en-US" sz="3000" dirty="0"/>
-            </a:br>
-            <a:endParaRPr lang="en-US" sz="3000" dirty="0"/>
-          </a:p>
-        </p:txBody>
-      </p:sp>
-      <p:sp>
-        <p:nvSpPr>
-          <p:cNvPr id="4" name="Slide Number Placeholder 3"/>
-          <p:cNvSpPr>
-            <a:spLocks noGrp="1"/>
-          </p:cNvSpPr>
-          <p:nvPr>
-            <p:ph type="sldNum" sz="quarter" idx="12"/>
-          </p:nvPr>
-        </p:nvSpPr>
-        <p:spPr/>
-        <p:txBody>
-          <a:bodyPr/>
-          <a:lstStyle/>
-          <a:p>
-            <a:fld id="{18087783-62FF-446C-A2E4-4C6B0B0DE16F}" type="slidenum">
-              <a:rPr lang="en-US" smtClean="0"/>
-              <a:t>26</a:t>
-            </a:fld>
-            <a:endParaRPr lang="en-US"/>
-          </a:p>
-        </p:txBody>
-      </p:sp>
-      <p:pic>
-        <p:nvPicPr>
-          <p:cNvPr id="5" name="Picture 4"/>
-          <p:cNvPicPr>
-            <a:picLocks noChangeAspect="1"/>
-          </p:cNvPicPr>
-          <p:nvPr/>
-        </p:nvPicPr>
-        <p:blipFill>
-          <a:blip r:embed="rId2"/>
-          <a:stretch>
-            <a:fillRect/>
-          </a:stretch>
-        </p:blipFill>
-        <p:spPr>
-          <a:xfrm>
-            <a:off x="2420252" y="1825263"/>
-            <a:ext cx="7684840" cy="4175487"/>
-          </a:xfrm>
-          <a:prstGeom prst="rect">
-            <a:avLst/>
-          </a:prstGeom>
-        </p:spPr>
-      </p:pic>
-    </p:spTree>
-    <p:extLst>
-      <p:ext uri="{BB962C8B-B14F-4D97-AF65-F5344CB8AC3E}">
-        <p14:creationId xmlns:p14="http://schemas.microsoft.com/office/powerpoint/2010/main" val="3507914234"/>
-      </p:ext>
-    </p:extLst>
-  </p:cSld>
-  <p:clrMapOvr>
-    <a:masterClrMapping/>
-  </p:clrMapOvr>
-  <p:timing>
-    <p:tnLst>
-      <p:par>
-        <p:cTn id="1" dur="indefinite" restart="never" nodeType="tmRoot"/>
-      </p:par>
-    </p:tnLst>
-  </p:timing>
-</p:sld>
-</file>
-
-<file path=ppt/slides/slide27.xml><?xml version="1.0" encoding="utf-8"?>
-<p:sld xmlns:a="http://schemas.openxmlformats.org/drawingml/2006/main" xmlns:r="http://schemas.openxmlformats.org/officeDocument/2006/relationships" xmlns:p="http://schemas.openxmlformats.org/presentationml/2006/main">
-  <p:cSld>
-    <p:spTree>
-      <p:nvGrpSpPr>
-        <p:cNvPr id="1" name=""/>
-        <p:cNvGrpSpPr/>
-        <p:nvPr/>
-      </p:nvGrpSpPr>
-      <p:grpSpPr>
-        <a:xfrm>
-          <a:off x="0" y="0"/>
-          <a:ext cx="0" cy="0"/>
-          <a:chOff x="0" y="0"/>
-          <a:chExt cx="0" cy="0"/>
-        </a:xfrm>
-      </p:grpSpPr>
-      <p:sp>
-        <p:nvSpPr>
-          <p:cNvPr id="4" name="Rounded Rectangle 3"/>
-          <p:cNvSpPr/>
-          <p:nvPr/>
-        </p:nvSpPr>
-        <p:spPr>
-          <a:xfrm>
-            <a:off x="552335" y="608626"/>
-            <a:ext cx="1676400" cy="774700"/>
-          </a:xfrm>
-          <a:prstGeom prst="roundRect">
-            <a:avLst/>
-          </a:prstGeom>
-          <a:solidFill>
-            <a:schemeClr val="accent2">
-              <a:lumMod val="75000"/>
-            </a:schemeClr>
-          </a:solidFill>
-        </p:spPr>
-        <p:style>
-          <a:lnRef idx="2">
-            <a:schemeClr val="accent1">
-              <a:shade val="50000"/>
-            </a:schemeClr>
-          </a:lnRef>
-          <a:fillRef idx="1">
-            <a:schemeClr val="accent1"/>
-          </a:fillRef>
-          <a:effectRef idx="0">
-            <a:schemeClr val="accent1"/>
-          </a:effectRef>
-          <a:fontRef idx="minor">
-            <a:schemeClr val="lt1"/>
-          </a:fontRef>
-        </p:style>
-        <p:txBody>
-          <a:bodyPr rtlCol="0" anchor="ctr"/>
-          <a:lstStyle/>
-          <a:p>
-            <a:pPr algn="ctr"/>
-            <a:r>
-              <a:rPr lang="en-US" b="1" dirty="0"/>
-              <a:t>Introduction</a:t>
-            </a:r>
-          </a:p>
-        </p:txBody>
-      </p:sp>
-      <p:sp>
-        <p:nvSpPr>
-          <p:cNvPr id="5" name="Down Arrow 4"/>
-          <p:cNvSpPr/>
-          <p:nvPr/>
-        </p:nvSpPr>
-        <p:spPr>
-          <a:xfrm>
-            <a:off x="1174750" y="1595350"/>
-            <a:ext cx="317500" cy="546100"/>
-          </a:xfrm>
-          <a:prstGeom prst="downArrow">
-            <a:avLst/>
-          </a:prstGeom>
-          <a:solidFill>
-            <a:schemeClr val="accent2">
-              <a:lumMod val="75000"/>
-            </a:schemeClr>
-          </a:solidFill>
-        </p:spPr>
-        <p:style>
-          <a:lnRef idx="2">
-            <a:schemeClr val="accent1">
-              <a:shade val="50000"/>
-            </a:schemeClr>
-          </a:lnRef>
-          <a:fillRef idx="1">
-            <a:schemeClr val="accent1"/>
-          </a:fillRef>
-          <a:effectRef idx="0">
-            <a:schemeClr val="accent1"/>
-          </a:effectRef>
-          <a:fontRef idx="minor">
-            <a:schemeClr val="lt1"/>
-          </a:fontRef>
-        </p:style>
-        <p:txBody>
-          <a:bodyPr rtlCol="0" anchor="ctr"/>
-          <a:lstStyle/>
-          <a:p>
-            <a:pPr algn="ctr"/>
-            <a:endParaRPr lang="en-US"/>
-          </a:p>
-        </p:txBody>
-      </p:sp>
-      <p:sp>
-        <p:nvSpPr>
-          <p:cNvPr id="6" name="Rounded Rectangle 5"/>
-          <p:cNvSpPr/>
-          <p:nvPr/>
-        </p:nvSpPr>
-        <p:spPr>
-          <a:xfrm>
-            <a:off x="552335" y="2299750"/>
-            <a:ext cx="1676400" cy="774700"/>
-          </a:xfrm>
-          <a:prstGeom prst="roundRect">
-            <a:avLst/>
-          </a:prstGeom>
-          <a:solidFill>
-            <a:schemeClr val="accent2">
-              <a:lumMod val="75000"/>
-            </a:schemeClr>
-          </a:solidFill>
-        </p:spPr>
-        <p:style>
-          <a:lnRef idx="2">
-            <a:schemeClr val="accent1">
-              <a:shade val="50000"/>
-            </a:schemeClr>
-          </a:lnRef>
-          <a:fillRef idx="1">
-            <a:schemeClr val="accent1"/>
-          </a:fillRef>
-          <a:effectRef idx="0">
-            <a:schemeClr val="accent1"/>
-          </a:effectRef>
-          <a:fontRef idx="minor">
-            <a:schemeClr val="lt1"/>
-          </a:fontRef>
-        </p:style>
-        <p:txBody>
-          <a:bodyPr rtlCol="0" anchor="ctr"/>
-          <a:lstStyle/>
-          <a:p>
-            <a:r>
-              <a:rPr lang="en-US" b="1" dirty="0" smtClean="0"/>
-              <a:t>Related Works</a:t>
-            </a:r>
-            <a:endParaRPr lang="en-US" b="1" dirty="0"/>
-          </a:p>
-        </p:txBody>
-      </p:sp>
-      <p:sp>
-        <p:nvSpPr>
-          <p:cNvPr id="8" name="Bent Arrow 7"/>
-          <p:cNvSpPr/>
-          <p:nvPr/>
-        </p:nvSpPr>
-        <p:spPr>
-          <a:xfrm rot="10800000" flipH="1">
-            <a:off x="1254334" y="5022164"/>
-            <a:ext cx="1232656" cy="817715"/>
-          </a:xfrm>
-          <a:prstGeom prst="bentArrow">
-            <a:avLst>
-              <a:gd name="adj1" fmla="val 25000"/>
-              <a:gd name="adj2" fmla="val 25000"/>
-              <a:gd name="adj3" fmla="val 29251"/>
-              <a:gd name="adj4" fmla="val 43771"/>
-            </a:avLst>
-          </a:prstGeom>
-          <a:solidFill>
-            <a:schemeClr val="accent2">
-              <a:lumMod val="75000"/>
-            </a:schemeClr>
-          </a:solidFill>
-        </p:spPr>
-        <p:style>
-          <a:lnRef idx="2">
-            <a:schemeClr val="accent1">
-              <a:shade val="50000"/>
-            </a:schemeClr>
-          </a:lnRef>
-          <a:fillRef idx="1">
-            <a:schemeClr val="accent1"/>
-          </a:fillRef>
-          <a:effectRef idx="0">
-            <a:schemeClr val="accent1"/>
-          </a:effectRef>
-          <a:fontRef idx="minor">
-            <a:schemeClr val="lt1"/>
-          </a:fontRef>
-        </p:style>
-        <p:txBody>
-          <a:bodyPr rtlCol="0" anchor="ctr"/>
-          <a:lstStyle/>
-          <a:p>
-            <a:pPr algn="ctr"/>
-            <a:endParaRPr lang="en-US">
-              <a:solidFill>
-                <a:schemeClr val="tx1"/>
-              </a:solidFill>
-            </a:endParaRPr>
-          </a:p>
-        </p:txBody>
-      </p:sp>
-      <p:sp>
-        <p:nvSpPr>
-          <p:cNvPr id="9" name="Rounded Rectangle 8"/>
-          <p:cNvSpPr/>
-          <p:nvPr/>
-        </p:nvSpPr>
-        <p:spPr>
-          <a:xfrm>
-            <a:off x="2610416" y="5257503"/>
-            <a:ext cx="1676400" cy="774700"/>
-          </a:xfrm>
-          <a:prstGeom prst="roundRect">
-            <a:avLst/>
-          </a:prstGeom>
-          <a:solidFill>
-            <a:schemeClr val="accent2">
-              <a:lumMod val="75000"/>
-            </a:schemeClr>
-          </a:solidFill>
-        </p:spPr>
-        <p:style>
-          <a:lnRef idx="2">
-            <a:schemeClr val="accent1">
-              <a:shade val="50000"/>
-            </a:schemeClr>
-          </a:lnRef>
-          <a:fillRef idx="1">
-            <a:schemeClr val="accent1"/>
-          </a:fillRef>
-          <a:effectRef idx="0">
-            <a:schemeClr val="accent1"/>
-          </a:effectRef>
-          <a:fontRef idx="minor">
-            <a:schemeClr val="lt1"/>
-          </a:fontRef>
-        </p:style>
-        <p:txBody>
-          <a:bodyPr rtlCol="0" anchor="ctr"/>
-          <a:lstStyle/>
-          <a:p>
-            <a:pPr algn="ctr"/>
-            <a:r>
-              <a:rPr lang="en-US" b="1" dirty="0"/>
-              <a:t>Preprocessing</a:t>
-            </a:r>
-          </a:p>
-        </p:txBody>
-      </p:sp>
-      <p:sp>
-        <p:nvSpPr>
-          <p:cNvPr id="10" name="Down Arrow 9"/>
-          <p:cNvSpPr/>
-          <p:nvPr/>
-        </p:nvSpPr>
-        <p:spPr>
-          <a:xfrm rot="16200000">
-            <a:off x="4751125" y="5306362"/>
-            <a:ext cx="317500" cy="546100"/>
-          </a:xfrm>
-          <a:prstGeom prst="downArrow">
-            <a:avLst/>
-          </a:prstGeom>
-          <a:solidFill>
-            <a:schemeClr val="accent2">
-              <a:lumMod val="75000"/>
-            </a:schemeClr>
-          </a:solidFill>
-        </p:spPr>
-        <p:style>
-          <a:lnRef idx="2">
-            <a:schemeClr val="accent1">
-              <a:shade val="50000"/>
-            </a:schemeClr>
-          </a:lnRef>
-          <a:fillRef idx="1">
-            <a:schemeClr val="accent1"/>
-          </a:fillRef>
-          <a:effectRef idx="0">
-            <a:schemeClr val="accent1"/>
-          </a:effectRef>
-          <a:fontRef idx="minor">
-            <a:schemeClr val="lt1"/>
-          </a:fontRef>
-        </p:style>
-        <p:txBody>
-          <a:bodyPr rtlCol="0" anchor="ctr"/>
-          <a:lstStyle/>
-          <a:p>
-            <a:pPr algn="ctr"/>
-            <a:endParaRPr lang="en-US"/>
-          </a:p>
-        </p:txBody>
-      </p:sp>
-      <p:sp>
-        <p:nvSpPr>
-          <p:cNvPr id="11" name="Rounded Rectangle 10"/>
-          <p:cNvSpPr/>
-          <p:nvPr/>
-        </p:nvSpPr>
-        <p:spPr>
-          <a:xfrm>
-            <a:off x="5532934" y="5257503"/>
-            <a:ext cx="1676400" cy="774700"/>
-          </a:xfrm>
-          <a:prstGeom prst="roundRect">
-            <a:avLst/>
-          </a:prstGeom>
-          <a:solidFill>
-            <a:schemeClr val="accent2">
-              <a:lumMod val="75000"/>
-            </a:schemeClr>
-          </a:solidFill>
-        </p:spPr>
-        <p:style>
-          <a:lnRef idx="2">
-            <a:schemeClr val="accent1">
-              <a:shade val="50000"/>
-            </a:schemeClr>
-          </a:lnRef>
-          <a:fillRef idx="1">
-            <a:schemeClr val="accent1"/>
-          </a:fillRef>
-          <a:effectRef idx="0">
-            <a:schemeClr val="accent1"/>
-          </a:effectRef>
-          <a:fontRef idx="minor">
-            <a:schemeClr val="lt1"/>
-          </a:fontRef>
-        </p:style>
-        <p:txBody>
-          <a:bodyPr rtlCol="0" anchor="ctr"/>
-          <a:lstStyle/>
-          <a:p>
-            <a:pPr algn="ctr"/>
-            <a:r>
-              <a:rPr lang="en-US" b="1" dirty="0" smtClean="0"/>
-              <a:t>Model</a:t>
-            </a:r>
-            <a:endParaRPr lang="en-US" b="1" dirty="0"/>
-          </a:p>
-        </p:txBody>
-      </p:sp>
-      <p:sp>
-        <p:nvSpPr>
-          <p:cNvPr id="12" name="Down Arrow 11"/>
-          <p:cNvSpPr/>
-          <p:nvPr/>
-        </p:nvSpPr>
-        <p:spPr>
-          <a:xfrm rot="16200000">
-            <a:off x="7673643" y="5371803"/>
-            <a:ext cx="317500" cy="546100"/>
-          </a:xfrm>
-          <a:prstGeom prst="downArrow">
-            <a:avLst/>
-          </a:prstGeom>
-        </p:spPr>
-        <p:style>
-          <a:lnRef idx="2">
-            <a:schemeClr val="accent1">
-              <a:shade val="50000"/>
-            </a:schemeClr>
-          </a:lnRef>
-          <a:fillRef idx="1">
-            <a:schemeClr val="accent1"/>
-          </a:fillRef>
-          <a:effectRef idx="0">
-            <a:schemeClr val="accent1"/>
-          </a:effectRef>
-          <a:fontRef idx="minor">
-            <a:schemeClr val="lt1"/>
-          </a:fontRef>
-        </p:style>
-        <p:txBody>
-          <a:bodyPr rtlCol="0" anchor="ctr"/>
-          <a:lstStyle/>
-          <a:p>
-            <a:pPr algn="ctr"/>
-            <a:endParaRPr lang="en-US"/>
-          </a:p>
-        </p:txBody>
-      </p:sp>
-      <p:sp>
-        <p:nvSpPr>
-          <p:cNvPr id="13" name="Rounded Rectangle 12"/>
-          <p:cNvSpPr/>
-          <p:nvPr/>
-        </p:nvSpPr>
-        <p:spPr>
-          <a:xfrm>
-            <a:off x="8455452" y="5258395"/>
-            <a:ext cx="1676400" cy="774700"/>
-          </a:xfrm>
-          <a:prstGeom prst="roundRect">
-            <a:avLst/>
-          </a:prstGeom>
-        </p:spPr>
-        <p:style>
-          <a:lnRef idx="2">
-            <a:schemeClr val="accent1">
-              <a:shade val="50000"/>
-            </a:schemeClr>
-          </a:lnRef>
-          <a:fillRef idx="1">
-            <a:schemeClr val="accent1"/>
-          </a:fillRef>
-          <a:effectRef idx="0">
-            <a:schemeClr val="accent1"/>
-          </a:effectRef>
-          <a:fontRef idx="minor">
-            <a:schemeClr val="lt1"/>
-          </a:fontRef>
-        </p:style>
-        <p:txBody>
-          <a:bodyPr rtlCol="0" anchor="ctr"/>
-          <a:lstStyle/>
-          <a:p>
-            <a:pPr algn="ctr"/>
-            <a:r>
-              <a:rPr lang="en-US" b="1" dirty="0" smtClean="0"/>
-              <a:t>Conclusion</a:t>
-            </a:r>
-            <a:endParaRPr lang="en-US" b="1" dirty="0"/>
-          </a:p>
-        </p:txBody>
-      </p:sp>
-      <p:sp>
-        <p:nvSpPr>
-          <p:cNvPr id="18" name="Title 1"/>
-          <p:cNvSpPr txBox="1">
-            <a:spLocks/>
-          </p:cNvSpPr>
-          <p:nvPr/>
-        </p:nvSpPr>
-        <p:spPr>
-          <a:xfrm>
-            <a:off x="4960078" y="2337863"/>
-            <a:ext cx="7041758" cy="1612900"/>
-          </a:xfrm>
-          <a:prstGeom prst="rect">
-            <a:avLst/>
-          </a:prstGeom>
-        </p:spPr>
-        <p:txBody>
-          <a:bodyPr/>
-          <a:lstStyle>
-            <a:lvl1pPr algn="l" defTabSz="914400" rtl="0" eaLnBrk="1" latinLnBrk="0" hangingPunct="1">
-              <a:lnSpc>
-                <a:spcPct val="85000"/>
-              </a:lnSpc>
-              <a:spcBef>
-                <a:spcPct val="0"/>
-              </a:spcBef>
-              <a:buNone/>
-              <a:defRPr sz="4800" kern="1200" spc="-50" baseline="0">
-                <a:solidFill>
-                  <a:schemeClr val="tx1">
-                    <a:lumMod val="75000"/>
-                    <a:lumOff val="25000"/>
-                  </a:schemeClr>
-                </a:solidFill>
-                <a:latin typeface="+mj-lt"/>
-                <a:ea typeface="+mj-ea"/>
-                <a:cs typeface="+mj-cs"/>
-              </a:defRPr>
-            </a:lvl1pPr>
-          </a:lstStyle>
-          <a:p>
-            <a:r>
-              <a:rPr lang="en-US" sz="6000" b="1" dirty="0" smtClean="0"/>
-              <a:t>Road Map</a:t>
-            </a:r>
-            <a:r>
-              <a:rPr lang="fa-IR" sz="6000" b="1" dirty="0" smtClean="0"/>
-              <a:t>	</a:t>
-            </a:r>
-            <a:r>
-              <a:rPr lang="fa-IR" dirty="0" smtClean="0"/>
-              <a:t>	</a:t>
-            </a:r>
-            <a:endParaRPr lang="en-US" dirty="0"/>
-          </a:p>
-        </p:txBody>
-      </p:sp>
-      <p:pic>
-        <p:nvPicPr>
-          <p:cNvPr id="20" name="Picture 19"/>
-          <p:cNvPicPr>
-            <a:picLocks noChangeAspect="1"/>
-          </p:cNvPicPr>
-          <p:nvPr/>
-        </p:nvPicPr>
-        <p:blipFill>
-          <a:blip r:embed="rId2">
-            <a:extLst>
-              <a:ext uri="{28A0092B-C50C-407E-A947-70E740481C1C}">
-                <a14:useLocalDpi xmlns:a14="http://schemas.microsoft.com/office/drawing/2010/main" val="0"/>
-              </a:ext>
-            </a:extLst>
-          </a:blip>
-          <a:stretch>
-            <a:fillRect/>
-          </a:stretch>
-        </p:blipFill>
-        <p:spPr>
-          <a:xfrm>
-            <a:off x="8555787" y="995976"/>
-            <a:ext cx="1755215" cy="1174398"/>
-          </a:xfrm>
-          <a:prstGeom prst="rect">
-            <a:avLst/>
-          </a:prstGeom>
-        </p:spPr>
-      </p:pic>
-      <p:sp>
-        <p:nvSpPr>
-          <p:cNvPr id="21" name="Slide Number Placeholder 20"/>
-          <p:cNvSpPr>
-            <a:spLocks noGrp="1"/>
-          </p:cNvSpPr>
-          <p:nvPr>
-            <p:ph type="sldNum" sz="quarter" idx="12"/>
-          </p:nvPr>
-        </p:nvSpPr>
-        <p:spPr/>
-        <p:txBody>
-          <a:bodyPr/>
-          <a:lstStyle/>
-          <a:p>
-            <a:fld id="{18087783-62FF-446C-A2E4-4C6B0B0DE16F}" type="slidenum">
-              <a:rPr lang="en-US" smtClean="0"/>
-              <a:t>27</a:t>
-            </a:fld>
-            <a:endParaRPr lang="en-US"/>
-          </a:p>
-        </p:txBody>
-      </p:sp>
-      <p:pic>
-        <p:nvPicPr>
-          <p:cNvPr id="7" name="Picture 6"/>
-          <p:cNvPicPr>
-            <a:picLocks noChangeAspect="1"/>
-          </p:cNvPicPr>
-          <p:nvPr/>
-        </p:nvPicPr>
-        <p:blipFill>
-          <a:blip r:embed="rId3" cstate="print">
-            <a:extLst>
-              <a:ext uri="{28A0092B-C50C-407E-A947-70E740481C1C}">
-                <a14:useLocalDpi xmlns:a14="http://schemas.microsoft.com/office/drawing/2010/main" val="0"/>
-              </a:ext>
-            </a:extLst>
-          </a:blip>
-          <a:stretch>
-            <a:fillRect/>
-          </a:stretch>
-        </p:blipFill>
-        <p:spPr>
-          <a:xfrm>
-            <a:off x="8811158" y="1583175"/>
-            <a:ext cx="605021" cy="605021"/>
-          </a:xfrm>
-          <a:prstGeom prst="rect">
-            <a:avLst/>
-          </a:prstGeom>
-        </p:spPr>
-      </p:pic>
-      <p:sp>
-        <p:nvSpPr>
-          <p:cNvPr id="22" name="Down Arrow 21"/>
-          <p:cNvSpPr/>
-          <p:nvPr/>
-        </p:nvSpPr>
-        <p:spPr>
-          <a:xfrm>
-            <a:off x="1200719" y="3232751"/>
-            <a:ext cx="317500" cy="546100"/>
-          </a:xfrm>
-          <a:prstGeom prst="downArrow">
-            <a:avLst/>
-          </a:prstGeom>
-          <a:solidFill>
-            <a:schemeClr val="accent2">
-              <a:lumMod val="75000"/>
-            </a:schemeClr>
-          </a:solidFill>
-        </p:spPr>
-        <p:style>
-          <a:lnRef idx="2">
-            <a:schemeClr val="accent1">
-              <a:shade val="50000"/>
-            </a:schemeClr>
-          </a:lnRef>
-          <a:fillRef idx="1">
-            <a:schemeClr val="accent1"/>
-          </a:fillRef>
-          <a:effectRef idx="0">
-            <a:schemeClr val="accent1"/>
-          </a:effectRef>
-          <a:fontRef idx="minor">
-            <a:schemeClr val="lt1"/>
-          </a:fontRef>
-        </p:style>
-        <p:txBody>
-          <a:bodyPr rtlCol="0" anchor="ctr"/>
-          <a:lstStyle/>
-          <a:p>
-            <a:pPr algn="ctr"/>
-            <a:endParaRPr lang="en-US"/>
-          </a:p>
-        </p:txBody>
-      </p:sp>
-      <p:sp>
-        <p:nvSpPr>
-          <p:cNvPr id="23" name="Rounded Rectangle 22"/>
-          <p:cNvSpPr/>
-          <p:nvPr/>
-        </p:nvSpPr>
-        <p:spPr>
-          <a:xfrm>
-            <a:off x="552335" y="3990874"/>
-            <a:ext cx="1676400" cy="774700"/>
-          </a:xfrm>
-          <a:prstGeom prst="roundRect">
-            <a:avLst/>
-          </a:prstGeom>
-          <a:solidFill>
-            <a:schemeClr val="accent2">
-              <a:lumMod val="75000"/>
-            </a:schemeClr>
-          </a:solidFill>
-        </p:spPr>
-        <p:style>
-          <a:lnRef idx="2">
-            <a:schemeClr val="accent1">
-              <a:shade val="50000"/>
-            </a:schemeClr>
-          </a:lnRef>
-          <a:fillRef idx="1">
-            <a:schemeClr val="accent1"/>
-          </a:fillRef>
-          <a:effectRef idx="0">
-            <a:schemeClr val="accent1"/>
-          </a:effectRef>
-          <a:fontRef idx="minor">
-            <a:schemeClr val="lt1"/>
-          </a:fontRef>
-        </p:style>
-        <p:txBody>
-          <a:bodyPr rtlCol="0" anchor="ctr"/>
-          <a:lstStyle/>
-          <a:p>
-            <a:pPr algn="ctr"/>
-            <a:r>
-              <a:rPr lang="en-US" b="1" dirty="0" smtClean="0"/>
-              <a:t>New Hybrid Approach</a:t>
-            </a:r>
-            <a:endParaRPr lang="en-US" b="1" dirty="0"/>
-          </a:p>
-        </p:txBody>
-      </p:sp>
-    </p:spTree>
-    <p:extLst>
-      <p:ext uri="{BB962C8B-B14F-4D97-AF65-F5344CB8AC3E}">
-        <p14:creationId xmlns:p14="http://schemas.microsoft.com/office/powerpoint/2010/main" val="2489244008"/>
-      </p:ext>
-    </p:extLst>
-  </p:cSld>
-  <p:clrMapOvr>
-    <a:masterClrMapping/>
-  </p:clrMapOvr>
-  <p:timing>
-    <p:tnLst>
-      <p:par>
-        <p:cTn id="1" dur="indefinite" restart="never" nodeType="tmRoot"/>
-      </p:par>
-    </p:tnLst>
-  </p:timing>
-</p:sld>
-</file>
-
-<file path=ppt/slides/slide28.xml><?xml version="1.0" encoding="utf-8"?>
-<p:sld xmlns:a="http://schemas.openxmlformats.org/drawingml/2006/main" xmlns:r="http://schemas.openxmlformats.org/officeDocument/2006/relationships" xmlns:p="http://schemas.openxmlformats.org/presentationml/2006/main">
-  <p:cSld>
-    <p:spTree>
-      <p:nvGrpSpPr>
-        <p:cNvPr id="1" name=""/>
-        <p:cNvGrpSpPr/>
-        <p:nvPr/>
-      </p:nvGrpSpPr>
-      <p:grpSpPr>
-        <a:xfrm>
-          <a:off x="0" y="0"/>
-          <a:ext cx="0" cy="0"/>
-          <a:chOff x="0" y="0"/>
-          <a:chExt cx="0" cy="0"/>
-        </a:xfrm>
-      </p:grpSpPr>
-      <p:sp>
-        <p:nvSpPr>
-          <p:cNvPr id="2" name="Title 1"/>
-          <p:cNvSpPr>
-            <a:spLocks noGrp="1"/>
-          </p:cNvSpPr>
-          <p:nvPr>
-            <p:ph type="title"/>
-          </p:nvPr>
-        </p:nvSpPr>
-        <p:spPr/>
-        <p:txBody>
-          <a:bodyPr/>
-          <a:lstStyle/>
-          <a:p>
-            <a:r>
-              <a:rPr lang="en-US" b="1" dirty="0"/>
-              <a:t>Text and Network GMMs</a:t>
-            </a:r>
-            <a:endParaRPr lang="en-US" dirty="0"/>
-          </a:p>
-        </p:txBody>
-      </p:sp>
-      <p:sp>
-        <p:nvSpPr>
-          <p:cNvPr id="3" name="Content Placeholder 2"/>
-          <p:cNvSpPr>
-            <a:spLocks noGrp="1"/>
-          </p:cNvSpPr>
-          <p:nvPr>
-            <p:ph idx="1"/>
-          </p:nvPr>
-        </p:nvSpPr>
-        <p:spPr/>
-        <p:txBody>
-          <a:bodyPr/>
-          <a:lstStyle/>
-          <a:p>
-            <a:pPr>
-              <a:buFont typeface="Arial" panose="020B0604020202020204" pitchFamily="34" charset="0"/>
-              <a:buChar char="•"/>
-            </a:pPr>
-            <a:r>
-              <a:rPr lang="en-US" sz="2400" b="1" dirty="0" smtClean="0"/>
-              <a:t> </a:t>
-            </a:r>
-            <a:r>
-              <a:rPr lang="en-US" sz="2400" b="1" dirty="0" err="1" smtClean="0"/>
-              <a:t>ui</a:t>
-            </a:r>
-            <a:r>
-              <a:rPr lang="en-US" sz="2400" b="1" dirty="0" smtClean="0"/>
-              <a:t> </a:t>
-            </a:r>
-            <a:r>
-              <a:rPr lang="en-US" sz="2400" b="1" dirty="0"/>
-              <a:t>:</a:t>
-            </a:r>
-            <a:r>
-              <a:rPr lang="en-US" sz="2400" dirty="0"/>
-              <a:t> each </a:t>
-            </a:r>
-            <a:r>
-              <a:rPr lang="en-US" sz="2400" dirty="0" smtClean="0"/>
-              <a:t>unigram</a:t>
-            </a:r>
-          </a:p>
-          <a:p>
-            <a:pPr>
-              <a:buFont typeface="Arial" panose="020B0604020202020204" pitchFamily="34" charset="0"/>
-              <a:buChar char="•"/>
-            </a:pPr>
-            <a:endParaRPr lang="en-US" b="1" dirty="0"/>
-          </a:p>
-          <a:p>
-            <a:pPr>
-              <a:buFont typeface="Arial" panose="020B0604020202020204" pitchFamily="34" charset="0"/>
-              <a:buChar char="•"/>
-            </a:pPr>
-            <a:endParaRPr lang="en-US" b="1" dirty="0" smtClean="0"/>
-          </a:p>
-          <a:p>
-            <a:pPr>
-              <a:buFont typeface="Arial" panose="020B0604020202020204" pitchFamily="34" charset="0"/>
-              <a:buChar char="•"/>
-            </a:pPr>
-            <a:endParaRPr lang="en-US" b="1" dirty="0"/>
-          </a:p>
-          <a:p>
-            <a:pPr>
-              <a:buFont typeface="Arial" panose="020B0604020202020204" pitchFamily="34" charset="0"/>
-              <a:buChar char="•"/>
-            </a:pPr>
-            <a:endParaRPr lang="en-US" b="1" dirty="0" smtClean="0"/>
-          </a:p>
-          <a:p>
-            <a:pPr>
-              <a:buFont typeface="Arial" panose="020B0604020202020204" pitchFamily="34" charset="0"/>
-              <a:buChar char="•"/>
-            </a:pPr>
-            <a:r>
-              <a:rPr lang="en-US" sz="2400" b="1" dirty="0"/>
-              <a:t> </a:t>
-            </a:r>
-            <a:r>
-              <a:rPr lang="en-US" sz="2400" b="1" dirty="0" err="1" smtClean="0"/>
-              <a:t>nj</a:t>
-            </a:r>
-            <a:r>
-              <a:rPr lang="en-US" sz="2400" b="1" dirty="0" smtClean="0"/>
-              <a:t> : </a:t>
-            </a:r>
-            <a:r>
-              <a:rPr lang="en-US" sz="2400" dirty="0" smtClean="0"/>
-              <a:t>each network</a:t>
-            </a:r>
-            <a:endParaRPr lang="en-US" sz="2400" b="1" dirty="0"/>
-          </a:p>
-        </p:txBody>
-      </p:sp>
-      <p:sp>
-        <p:nvSpPr>
-          <p:cNvPr id="4" name="Slide Number Placeholder 3"/>
-          <p:cNvSpPr>
-            <a:spLocks noGrp="1"/>
-          </p:cNvSpPr>
-          <p:nvPr>
-            <p:ph type="sldNum" sz="quarter" idx="12"/>
-          </p:nvPr>
-        </p:nvSpPr>
-        <p:spPr/>
-        <p:txBody>
-          <a:bodyPr/>
-          <a:lstStyle/>
-          <a:p>
-            <a:fld id="{18087783-62FF-446C-A2E4-4C6B0B0DE16F}" type="slidenum">
-              <a:rPr lang="en-US" smtClean="0"/>
-              <a:t>28</a:t>
-            </a:fld>
-            <a:endParaRPr lang="en-US"/>
-          </a:p>
-        </p:txBody>
-      </p:sp>
-      <p:pic>
-        <p:nvPicPr>
-          <p:cNvPr id="5" name="Picture 4"/>
-          <p:cNvPicPr>
-            <a:picLocks noChangeAspect="1"/>
-          </p:cNvPicPr>
-          <p:nvPr/>
-        </p:nvPicPr>
-        <p:blipFill>
-          <a:blip r:embed="rId2"/>
-          <a:stretch>
-            <a:fillRect/>
-          </a:stretch>
-        </p:blipFill>
-        <p:spPr>
-          <a:xfrm>
-            <a:off x="3962625" y="2455733"/>
-            <a:ext cx="4752975" cy="1228725"/>
-          </a:xfrm>
-          <a:prstGeom prst="rect">
-            <a:avLst/>
-          </a:prstGeom>
-        </p:spPr>
-      </p:pic>
-      <p:pic>
-        <p:nvPicPr>
-          <p:cNvPr id="6" name="Content Placeholder 4"/>
-          <p:cNvPicPr>
-            <a:picLocks noChangeAspect="1"/>
-          </p:cNvPicPr>
-          <p:nvPr/>
-        </p:nvPicPr>
-        <p:blipFill>
-          <a:blip r:embed="rId3"/>
-          <a:stretch>
-            <a:fillRect/>
-          </a:stretch>
-        </p:blipFill>
-        <p:spPr>
-          <a:xfrm>
-            <a:off x="4126509" y="4551633"/>
-            <a:ext cx="4752975" cy="1209675"/>
-          </a:xfrm>
-          <a:prstGeom prst="rect">
-            <a:avLst/>
-          </a:prstGeom>
-        </p:spPr>
-      </p:pic>
-    </p:spTree>
-    <p:extLst>
-      <p:ext uri="{BB962C8B-B14F-4D97-AF65-F5344CB8AC3E}">
-        <p14:creationId xmlns:p14="http://schemas.microsoft.com/office/powerpoint/2010/main" val="1982320914"/>
-      </p:ext>
-    </p:extLst>
-  </p:cSld>
-  <p:clrMapOvr>
-    <a:masterClrMapping/>
-  </p:clrMapOvr>
-  <p:timing>
-    <p:tnLst>
-      <p:par>
-        <p:cTn id="1" dur="indefinite" restart="never" nodeType="tmRoot"/>
-      </p:par>
-    </p:tnLst>
-  </p:timing>
-</p:sld>
-</file>
-
-<file path=ppt/slides/slide29.xml><?xml version="1.0" encoding="utf-8"?>
-<p:sld xmlns:a="http://schemas.openxmlformats.org/drawingml/2006/main" xmlns:r="http://schemas.openxmlformats.org/officeDocument/2006/relationships" xmlns:p="http://schemas.openxmlformats.org/presentationml/2006/main">
-  <p:cSld>
-    <p:spTree>
-      <p:nvGrpSpPr>
-        <p:cNvPr id="1" name=""/>
-        <p:cNvGrpSpPr/>
-        <p:nvPr/>
-      </p:nvGrpSpPr>
-      <p:grpSpPr>
-        <a:xfrm>
-          <a:off x="0" y="0"/>
-          <a:ext cx="0" cy="0"/>
-          <a:chOff x="0" y="0"/>
-          <a:chExt cx="0" cy="0"/>
-        </a:xfrm>
-      </p:grpSpPr>
-      <p:sp>
-        <p:nvSpPr>
-          <p:cNvPr id="2" name="Title 1"/>
-          <p:cNvSpPr>
-            <a:spLocks noGrp="1"/>
-          </p:cNvSpPr>
-          <p:nvPr>
-            <p:ph type="title"/>
-          </p:nvPr>
-        </p:nvSpPr>
-        <p:spPr/>
-        <p:txBody>
-          <a:bodyPr/>
-          <a:lstStyle/>
-          <a:p>
-            <a:r>
-              <a:rPr lang="en-US" dirty="0" smtClean="0"/>
-              <a:t> </a:t>
-            </a:r>
-            <a:r>
-              <a:rPr lang="en-US" b="1" dirty="0" smtClean="0"/>
-              <a:t>Final GMM</a:t>
-            </a:r>
-            <a:endParaRPr lang="en-US" b="1" dirty="0"/>
-          </a:p>
-        </p:txBody>
-      </p:sp>
-      <p:sp>
-        <p:nvSpPr>
-          <p:cNvPr id="3" name="Content Placeholder 2"/>
-          <p:cNvSpPr>
-            <a:spLocks noGrp="1"/>
-          </p:cNvSpPr>
-          <p:nvPr>
-            <p:ph idx="1"/>
-          </p:nvPr>
-        </p:nvSpPr>
-        <p:spPr/>
-        <p:txBody>
-          <a:bodyPr/>
-          <a:lstStyle/>
-          <a:p>
-            <a:r>
-              <a:rPr lang="en-US" dirty="0" smtClean="0"/>
-              <a:t>- combine </a:t>
-            </a:r>
-            <a:r>
-              <a:rPr lang="en-US" dirty="0"/>
-              <a:t>the applicable text and network GMMs </a:t>
-            </a:r>
-            <a:endParaRPr lang="en-US" dirty="0" smtClean="0"/>
-          </a:p>
-          <a:p>
-            <a:endParaRPr lang="en-US" dirty="0"/>
-          </a:p>
-          <a:p>
-            <a:r>
-              <a:rPr lang="en-US" dirty="0"/>
-              <a:t/>
-            </a:r>
-            <a:br>
-              <a:rPr lang="en-US" dirty="0"/>
-            </a:br>
-            <a:endParaRPr lang="en-US" dirty="0"/>
-          </a:p>
-        </p:txBody>
-      </p:sp>
-      <p:sp>
-        <p:nvSpPr>
-          <p:cNvPr id="4" name="Slide Number Placeholder 3"/>
-          <p:cNvSpPr>
-            <a:spLocks noGrp="1"/>
-          </p:cNvSpPr>
-          <p:nvPr>
-            <p:ph type="sldNum" sz="quarter" idx="12"/>
-          </p:nvPr>
-        </p:nvSpPr>
-        <p:spPr/>
-        <p:txBody>
-          <a:bodyPr/>
-          <a:lstStyle/>
-          <a:p>
-            <a:fld id="{18087783-62FF-446C-A2E4-4C6B0B0DE16F}" type="slidenum">
-              <a:rPr lang="en-US" smtClean="0"/>
-              <a:t>29</a:t>
-            </a:fld>
-            <a:endParaRPr lang="en-US"/>
-          </a:p>
-        </p:txBody>
-      </p:sp>
-      <p:pic>
-        <p:nvPicPr>
-          <p:cNvPr id="5" name="Picture 4"/>
-          <p:cNvPicPr>
-            <a:picLocks noChangeAspect="1"/>
-          </p:cNvPicPr>
-          <p:nvPr/>
-        </p:nvPicPr>
-        <p:blipFill>
-          <a:blip r:embed="rId2"/>
-          <a:stretch>
-            <a:fillRect/>
-          </a:stretch>
-        </p:blipFill>
-        <p:spPr>
-          <a:xfrm>
-            <a:off x="2897250" y="2391542"/>
-            <a:ext cx="5924550" cy="1276350"/>
-          </a:xfrm>
-          <a:prstGeom prst="rect">
-            <a:avLst/>
-          </a:prstGeom>
-        </p:spPr>
-      </p:pic>
-      <p:pic>
-        <p:nvPicPr>
-          <p:cNvPr id="6" name="Picture 5"/>
-          <p:cNvPicPr>
-            <a:picLocks noChangeAspect="1"/>
-          </p:cNvPicPr>
-          <p:nvPr/>
-        </p:nvPicPr>
-        <p:blipFill>
-          <a:blip r:embed="rId3"/>
-          <a:stretch>
-            <a:fillRect/>
-          </a:stretch>
-        </p:blipFill>
-        <p:spPr>
-          <a:xfrm>
-            <a:off x="1662393" y="3811553"/>
-            <a:ext cx="3676650" cy="742950"/>
-          </a:xfrm>
-          <a:prstGeom prst="rect">
-            <a:avLst/>
-          </a:prstGeom>
-        </p:spPr>
-      </p:pic>
-      <p:pic>
-        <p:nvPicPr>
-          <p:cNvPr id="7" name="Picture 6"/>
-          <p:cNvPicPr>
-            <a:picLocks noChangeAspect="1"/>
-          </p:cNvPicPr>
-          <p:nvPr/>
-        </p:nvPicPr>
-        <p:blipFill>
-          <a:blip r:embed="rId4"/>
-          <a:stretch>
-            <a:fillRect/>
-          </a:stretch>
-        </p:blipFill>
-        <p:spPr>
-          <a:xfrm>
-            <a:off x="1605243" y="4827799"/>
-            <a:ext cx="3733800" cy="723900"/>
-          </a:xfrm>
-          <a:prstGeom prst="rect">
-            <a:avLst/>
-          </a:prstGeom>
-        </p:spPr>
-      </p:pic>
-      <p:pic>
-        <p:nvPicPr>
-          <p:cNvPr id="8" name="Picture 7"/>
-          <p:cNvPicPr>
-            <a:picLocks noChangeAspect="1"/>
-          </p:cNvPicPr>
-          <p:nvPr/>
-        </p:nvPicPr>
-        <p:blipFill>
-          <a:blip r:embed="rId5"/>
-          <a:stretch>
-            <a:fillRect/>
-          </a:stretch>
-        </p:blipFill>
-        <p:spPr>
-          <a:xfrm>
-            <a:off x="6555105" y="4113424"/>
-            <a:ext cx="4600575" cy="1076325"/>
-          </a:xfrm>
-          <a:prstGeom prst="rect">
-            <a:avLst/>
-          </a:prstGeom>
-        </p:spPr>
-      </p:pic>
-    </p:spTree>
-    <p:extLst>
-      <p:ext uri="{BB962C8B-B14F-4D97-AF65-F5344CB8AC3E}">
-        <p14:creationId xmlns:p14="http://schemas.microsoft.com/office/powerpoint/2010/main" val="2044039456"/>
       </p:ext>
     </p:extLst>
   </p:cSld>
@@ -13453,2250 +7673,6 @@
             </p:seq>
           </p:childTnLst>
         </p:cTn>
-      </p:par>
-    </p:tnLst>
-  </p:timing>
-</p:sld>
-</file>
-
-<file path=ppt/slides/slide30.xml><?xml version="1.0" encoding="utf-8"?>
-<p:sld xmlns:a="http://schemas.openxmlformats.org/drawingml/2006/main" xmlns:r="http://schemas.openxmlformats.org/officeDocument/2006/relationships" xmlns:p="http://schemas.openxmlformats.org/presentationml/2006/main">
-  <p:cSld>
-    <p:spTree>
-      <p:nvGrpSpPr>
-        <p:cNvPr id="1" name=""/>
-        <p:cNvGrpSpPr/>
-        <p:nvPr/>
-      </p:nvGrpSpPr>
-      <p:grpSpPr>
-        <a:xfrm>
-          <a:off x="0" y="0"/>
-          <a:ext cx="0" cy="0"/>
-          <a:chOff x="0" y="0"/>
-          <a:chExt cx="0" cy="0"/>
-        </a:xfrm>
-      </p:grpSpPr>
-      <p:sp>
-        <p:nvSpPr>
-          <p:cNvPr id="2" name="Title 1"/>
-          <p:cNvSpPr>
-            <a:spLocks noGrp="1"/>
-          </p:cNvSpPr>
-          <p:nvPr>
-            <p:ph type="title"/>
-          </p:nvPr>
-        </p:nvSpPr>
-        <p:spPr/>
-        <p:txBody>
-          <a:bodyPr/>
-          <a:lstStyle/>
-          <a:p>
-            <a:r>
-              <a:rPr lang="en-US" b="1" dirty="0" smtClean="0"/>
-              <a:t>An example of hybrid model</a:t>
-            </a:r>
-            <a:endParaRPr lang="en-US" b="1" dirty="0"/>
-          </a:p>
-        </p:txBody>
-      </p:sp>
-      <p:sp>
-        <p:nvSpPr>
-          <p:cNvPr id="4" name="Slide Number Placeholder 3"/>
-          <p:cNvSpPr>
-            <a:spLocks noGrp="1"/>
-          </p:cNvSpPr>
-          <p:nvPr>
-            <p:ph type="sldNum" sz="quarter" idx="12"/>
-          </p:nvPr>
-        </p:nvSpPr>
-        <p:spPr/>
-        <p:txBody>
-          <a:bodyPr/>
-          <a:lstStyle/>
-          <a:p>
-            <a:fld id="{18087783-62FF-446C-A2E4-4C6B0B0DE16F}" type="slidenum">
-              <a:rPr lang="en-US" smtClean="0"/>
-              <a:t>30</a:t>
-            </a:fld>
-            <a:endParaRPr lang="en-US"/>
-          </a:p>
-        </p:txBody>
-      </p:sp>
-      <p:pic>
-        <p:nvPicPr>
-          <p:cNvPr id="5" name="Content Placeholder 4"/>
-          <p:cNvPicPr>
-            <a:picLocks noGrp="1" noChangeAspect="1"/>
-          </p:cNvPicPr>
-          <p:nvPr>
-            <p:ph idx="1"/>
-          </p:nvPr>
-        </p:nvPicPr>
-        <p:blipFill>
-          <a:blip r:embed="rId2"/>
-          <a:stretch>
-            <a:fillRect/>
-          </a:stretch>
-        </p:blipFill>
-        <p:spPr>
-          <a:xfrm>
-            <a:off x="2190943" y="1915747"/>
-            <a:ext cx="7871073" cy="4365651"/>
-          </a:xfrm>
-          <a:prstGeom prst="rect">
-            <a:avLst/>
-          </a:prstGeom>
-        </p:spPr>
-      </p:pic>
-    </p:spTree>
-    <p:extLst>
-      <p:ext uri="{BB962C8B-B14F-4D97-AF65-F5344CB8AC3E}">
-        <p14:creationId xmlns:p14="http://schemas.microsoft.com/office/powerpoint/2010/main" val="2006919478"/>
-      </p:ext>
-    </p:extLst>
-  </p:cSld>
-  <p:clrMapOvr>
-    <a:masterClrMapping/>
-  </p:clrMapOvr>
-  <p:timing>
-    <p:tnLst>
-      <p:par>
-        <p:cTn id="1" dur="indefinite" restart="never" nodeType="tmRoot"/>
-      </p:par>
-    </p:tnLst>
-  </p:timing>
-</p:sld>
-</file>
-
-<file path=ppt/slides/slide31.xml><?xml version="1.0" encoding="utf-8"?>
-<p:sld xmlns:a="http://schemas.openxmlformats.org/drawingml/2006/main" xmlns:r="http://schemas.openxmlformats.org/officeDocument/2006/relationships" xmlns:p="http://schemas.openxmlformats.org/presentationml/2006/main">
-  <p:cSld>
-    <p:spTree>
-      <p:nvGrpSpPr>
-        <p:cNvPr id="1" name=""/>
-        <p:cNvGrpSpPr/>
-        <p:nvPr/>
-      </p:nvGrpSpPr>
-      <p:grpSpPr>
-        <a:xfrm>
-          <a:off x="0" y="0"/>
-          <a:ext cx="0" cy="0"/>
-          <a:chOff x="0" y="0"/>
-          <a:chExt cx="0" cy="0"/>
-        </a:xfrm>
-      </p:grpSpPr>
-      <p:sp>
-        <p:nvSpPr>
-          <p:cNvPr id="2" name="Title 1"/>
-          <p:cNvSpPr>
-            <a:spLocks noGrp="1"/>
-          </p:cNvSpPr>
-          <p:nvPr>
-            <p:ph type="title"/>
-          </p:nvPr>
-        </p:nvSpPr>
-        <p:spPr/>
-        <p:txBody>
-          <a:bodyPr/>
-          <a:lstStyle/>
-          <a:p>
-            <a:r>
-              <a:rPr lang="en-US" dirty="0" smtClean="0"/>
-              <a:t>Data</a:t>
-            </a:r>
-            <a:endParaRPr lang="en-US" dirty="0"/>
-          </a:p>
-        </p:txBody>
-      </p:sp>
-      <p:sp>
-        <p:nvSpPr>
-          <p:cNvPr id="3" name="Content Placeholder 2"/>
-          <p:cNvSpPr>
-            <a:spLocks noGrp="1"/>
-          </p:cNvSpPr>
-          <p:nvPr>
-            <p:ph idx="1"/>
-          </p:nvPr>
-        </p:nvSpPr>
-        <p:spPr/>
-        <p:txBody>
-          <a:bodyPr>
-            <a:normAutofit fontScale="77500" lnSpcReduction="20000"/>
-          </a:bodyPr>
-          <a:lstStyle/>
-          <a:p>
-            <a:pPr>
-              <a:lnSpc>
-                <a:spcPct val="120000"/>
-              </a:lnSpc>
-              <a:buFont typeface="Arial" panose="020B0604020202020204" pitchFamily="34" charset="0"/>
-              <a:buChar char="•"/>
-            </a:pPr>
-            <a:r>
-              <a:rPr lang="en-US" sz="3500" dirty="0" smtClean="0"/>
-              <a:t> </a:t>
-            </a:r>
-            <a:r>
-              <a:rPr lang="en-US" sz="3500" dirty="0"/>
-              <a:t>from Twitter’s “</a:t>
-            </a:r>
-            <a:r>
-              <a:rPr lang="en-US" sz="3500" dirty="0" err="1"/>
-              <a:t>Gardenhose</a:t>
-            </a:r>
-            <a:r>
-              <a:rPr lang="en-US" sz="3500" dirty="0"/>
-              <a:t>” Streaming API </a:t>
-            </a:r>
-            <a:endParaRPr lang="en-US" sz="3500" dirty="0" smtClean="0"/>
-          </a:p>
-          <a:p>
-            <a:pPr>
-              <a:lnSpc>
-                <a:spcPct val="120000"/>
-              </a:lnSpc>
-              <a:buFont typeface="Arial" panose="020B0604020202020204" pitchFamily="34" charset="0"/>
-              <a:buChar char="•"/>
-            </a:pPr>
-            <a:r>
-              <a:rPr lang="en-US" sz="3500" dirty="0" smtClean="0"/>
-              <a:t> geotagged </a:t>
-            </a:r>
-            <a:r>
-              <a:rPr lang="en-US" sz="3500" dirty="0"/>
-              <a:t>data within the contiguous United </a:t>
-            </a:r>
-            <a:r>
-              <a:rPr lang="en-US" sz="3500" dirty="0" smtClean="0"/>
-              <a:t>States</a:t>
-            </a:r>
-          </a:p>
-          <a:p>
-            <a:pPr>
-              <a:lnSpc>
-                <a:spcPct val="120000"/>
-              </a:lnSpc>
-              <a:buFont typeface="Arial" panose="020B0604020202020204" pitchFamily="34" charset="0"/>
-              <a:buChar char="•"/>
-            </a:pPr>
-            <a:r>
-              <a:rPr lang="en-US" sz="3500" dirty="0" smtClean="0"/>
-              <a:t> </a:t>
-            </a:r>
-            <a:r>
-              <a:rPr lang="en-US" sz="3500" dirty="0"/>
-              <a:t>they </a:t>
-            </a:r>
-            <a:r>
-              <a:rPr lang="en-US" sz="3500" dirty="0" smtClean="0"/>
-              <a:t>filter the </a:t>
-            </a:r>
-            <a:r>
-              <a:rPr lang="en-US" sz="3500" dirty="0"/>
-              <a:t>remaining data to include users following and followed by less than 1,000 people in </a:t>
-            </a:r>
-            <a:r>
-              <a:rPr lang="en-US" sz="3500" dirty="0" smtClean="0"/>
-              <a:t>an attempt to </a:t>
-            </a:r>
-            <a:r>
-              <a:rPr lang="en-US" sz="3500" dirty="0"/>
-              <a:t>avoid celebrities </a:t>
-            </a:r>
-            <a:endParaRPr lang="en-US" sz="3500" dirty="0" smtClean="0"/>
-          </a:p>
-          <a:p>
-            <a:pPr>
-              <a:lnSpc>
-                <a:spcPct val="120000"/>
-              </a:lnSpc>
-              <a:buFont typeface="Arial" panose="020B0604020202020204" pitchFamily="34" charset="0"/>
-              <a:buChar char="•"/>
-            </a:pPr>
-            <a:r>
-              <a:rPr lang="en-US" sz="3500" dirty="0"/>
-              <a:t> 380,000 tweets and 9,500 users </a:t>
-            </a:r>
-            <a:endParaRPr lang="en-US" sz="3500" dirty="0" smtClean="0"/>
-          </a:p>
-          <a:p>
-            <a:pPr>
-              <a:lnSpc>
-                <a:spcPct val="120000"/>
-              </a:lnSpc>
-              <a:buFont typeface="Arial" panose="020B0604020202020204" pitchFamily="34" charset="0"/>
-              <a:buChar char="•"/>
-            </a:pPr>
-            <a:r>
-              <a:rPr lang="en-US" sz="3500" dirty="0" smtClean="0"/>
-              <a:t> 90</a:t>
-            </a:r>
-            <a:r>
-              <a:rPr lang="en-US" sz="3500" dirty="0"/>
-              <a:t>% for training and 10% for testing </a:t>
-            </a:r>
-            <a:r>
-              <a:rPr lang="en-US" dirty="0"/>
-              <a:t/>
-            </a:r>
-            <a:br>
-              <a:rPr lang="en-US" dirty="0"/>
-            </a:br>
-            <a:endParaRPr lang="en-US" dirty="0"/>
-          </a:p>
-        </p:txBody>
-      </p:sp>
-      <p:sp>
-        <p:nvSpPr>
-          <p:cNvPr id="4" name="Slide Number Placeholder 3"/>
-          <p:cNvSpPr>
-            <a:spLocks noGrp="1"/>
-          </p:cNvSpPr>
-          <p:nvPr>
-            <p:ph type="sldNum" sz="quarter" idx="12"/>
-          </p:nvPr>
-        </p:nvSpPr>
-        <p:spPr/>
-        <p:txBody>
-          <a:bodyPr/>
-          <a:lstStyle/>
-          <a:p>
-            <a:fld id="{18087783-62FF-446C-A2E4-4C6B0B0DE16F}" type="slidenum">
-              <a:rPr lang="en-US" smtClean="0"/>
-              <a:t>31</a:t>
-            </a:fld>
-            <a:endParaRPr lang="en-US"/>
-          </a:p>
-        </p:txBody>
-      </p:sp>
-    </p:spTree>
-    <p:extLst>
-      <p:ext uri="{BB962C8B-B14F-4D97-AF65-F5344CB8AC3E}">
-        <p14:creationId xmlns:p14="http://schemas.microsoft.com/office/powerpoint/2010/main" val="2366425955"/>
-      </p:ext>
-    </p:extLst>
-  </p:cSld>
-  <p:clrMapOvr>
-    <a:masterClrMapping/>
-  </p:clrMapOvr>
-  <p:timing>
-    <p:tnLst>
-      <p:par>
-        <p:cTn id="1" dur="indefinite" restart="never" nodeType="tmRoot"/>
-      </p:par>
-    </p:tnLst>
-  </p:timing>
-</p:sld>
-</file>
-
-<file path=ppt/slides/slide32.xml><?xml version="1.0" encoding="utf-8"?>
-<p:sld xmlns:a="http://schemas.openxmlformats.org/drawingml/2006/main" xmlns:r="http://schemas.openxmlformats.org/officeDocument/2006/relationships" xmlns:p="http://schemas.openxmlformats.org/presentationml/2006/main">
-  <p:cSld>
-    <p:spTree>
-      <p:nvGrpSpPr>
-        <p:cNvPr id="1" name=""/>
-        <p:cNvGrpSpPr/>
-        <p:nvPr/>
-      </p:nvGrpSpPr>
-      <p:grpSpPr>
-        <a:xfrm>
-          <a:off x="0" y="0"/>
-          <a:ext cx="0" cy="0"/>
-          <a:chOff x="0" y="0"/>
-          <a:chExt cx="0" cy="0"/>
-        </a:xfrm>
-      </p:grpSpPr>
-      <p:sp>
-        <p:nvSpPr>
-          <p:cNvPr id="2" name="Slide Number Placeholder 1"/>
-          <p:cNvSpPr>
-            <a:spLocks noGrp="1"/>
-          </p:cNvSpPr>
-          <p:nvPr>
-            <p:ph type="sldNum" sz="quarter" idx="12"/>
-          </p:nvPr>
-        </p:nvSpPr>
-        <p:spPr/>
-        <p:txBody>
-          <a:bodyPr/>
-          <a:lstStyle/>
-          <a:p>
-            <a:fld id="{18087783-62FF-446C-A2E4-4C6B0B0DE16F}" type="slidenum">
-              <a:rPr lang="en-US" smtClean="0"/>
-              <a:t>32</a:t>
-            </a:fld>
-            <a:endParaRPr lang="en-US"/>
-          </a:p>
-        </p:txBody>
-      </p:sp>
-      <p:pic>
-        <p:nvPicPr>
-          <p:cNvPr id="3" name="Picture 2"/>
-          <p:cNvPicPr>
-            <a:picLocks noChangeAspect="1"/>
-          </p:cNvPicPr>
-          <p:nvPr/>
-        </p:nvPicPr>
-        <p:blipFill>
-          <a:blip r:embed="rId2"/>
-          <a:stretch>
-            <a:fillRect/>
-          </a:stretch>
-        </p:blipFill>
-        <p:spPr>
-          <a:xfrm>
-            <a:off x="1243822" y="301718"/>
-            <a:ext cx="9191625" cy="4829175"/>
-          </a:xfrm>
-          <a:prstGeom prst="rect">
-            <a:avLst/>
-          </a:prstGeom>
-        </p:spPr>
-      </p:pic>
-      <p:sp>
-        <p:nvSpPr>
-          <p:cNvPr id="4" name="Rectangle 3"/>
-          <p:cNvSpPr/>
-          <p:nvPr/>
-        </p:nvSpPr>
-        <p:spPr>
-          <a:xfrm>
-            <a:off x="2066365" y="5243917"/>
-            <a:ext cx="6096000" cy="646331"/>
-          </a:xfrm>
-          <a:prstGeom prst="rect">
-            <a:avLst/>
-          </a:prstGeom>
-        </p:spPr>
-        <p:txBody>
-          <a:bodyPr>
-            <a:spAutoFit/>
-          </a:bodyPr>
-          <a:lstStyle/>
-          <a:p>
-            <a:pPr marL="285750" indent="-285750">
-              <a:buFont typeface="Wingdings" panose="05000000000000000000" pitchFamily="2" charset="2"/>
-              <a:buChar char="v"/>
-            </a:pPr>
-            <a:r>
-              <a:rPr lang="en-US" dirty="0">
-                <a:solidFill>
-                  <a:srgbClr val="242021"/>
-                </a:solidFill>
-                <a:latin typeface="LinBiolinumT"/>
-              </a:rPr>
-              <a:t>Locations of all tweets within the Eisenstein dataset</a:t>
-            </a:r>
-            <a:r>
-              <a:rPr lang="en-US" dirty="0"/>
-              <a:t> </a:t>
-            </a:r>
-            <a:br>
-              <a:rPr lang="en-US" dirty="0"/>
-            </a:br>
-            <a:endParaRPr lang="en-US" dirty="0"/>
-          </a:p>
-        </p:txBody>
-      </p:sp>
-    </p:spTree>
-    <p:extLst>
-      <p:ext uri="{BB962C8B-B14F-4D97-AF65-F5344CB8AC3E}">
-        <p14:creationId xmlns:p14="http://schemas.microsoft.com/office/powerpoint/2010/main" val="1724466497"/>
-      </p:ext>
-    </p:extLst>
-  </p:cSld>
-  <p:clrMapOvr>
-    <a:masterClrMapping/>
-  </p:clrMapOvr>
-  <p:timing>
-    <p:tnLst>
-      <p:par>
-        <p:cTn id="1" dur="indefinite" restart="never" nodeType="tmRoot"/>
-      </p:par>
-    </p:tnLst>
-  </p:timing>
-</p:sld>
-</file>
-
-<file path=ppt/slides/slide33.xml><?xml version="1.0" encoding="utf-8"?>
-<p:sld xmlns:a="http://schemas.openxmlformats.org/drawingml/2006/main" xmlns:r="http://schemas.openxmlformats.org/officeDocument/2006/relationships" xmlns:p="http://schemas.openxmlformats.org/presentationml/2006/main">
-  <p:cSld>
-    <p:spTree>
-      <p:nvGrpSpPr>
-        <p:cNvPr id="1" name=""/>
-        <p:cNvGrpSpPr/>
-        <p:nvPr/>
-      </p:nvGrpSpPr>
-      <p:grpSpPr>
-        <a:xfrm>
-          <a:off x="0" y="0"/>
-          <a:ext cx="0" cy="0"/>
-          <a:chOff x="0" y="0"/>
-          <a:chExt cx="0" cy="0"/>
-        </a:xfrm>
-      </p:grpSpPr>
-      <p:sp>
-        <p:nvSpPr>
-          <p:cNvPr id="4" name="Rounded Rectangle 3"/>
-          <p:cNvSpPr/>
-          <p:nvPr/>
-        </p:nvSpPr>
-        <p:spPr>
-          <a:xfrm>
-            <a:off x="552335" y="608626"/>
-            <a:ext cx="1676400" cy="774700"/>
-          </a:xfrm>
-          <a:prstGeom prst="roundRect">
-            <a:avLst/>
-          </a:prstGeom>
-          <a:solidFill>
-            <a:schemeClr val="accent2">
-              <a:lumMod val="75000"/>
-            </a:schemeClr>
-          </a:solidFill>
-        </p:spPr>
-        <p:style>
-          <a:lnRef idx="2">
-            <a:schemeClr val="accent1">
-              <a:shade val="50000"/>
-            </a:schemeClr>
-          </a:lnRef>
-          <a:fillRef idx="1">
-            <a:schemeClr val="accent1"/>
-          </a:fillRef>
-          <a:effectRef idx="0">
-            <a:schemeClr val="accent1"/>
-          </a:effectRef>
-          <a:fontRef idx="minor">
-            <a:schemeClr val="lt1"/>
-          </a:fontRef>
-        </p:style>
-        <p:txBody>
-          <a:bodyPr rtlCol="0" anchor="ctr"/>
-          <a:lstStyle/>
-          <a:p>
-            <a:pPr algn="ctr"/>
-            <a:r>
-              <a:rPr lang="en-US" b="1" dirty="0"/>
-              <a:t>Introduction</a:t>
-            </a:r>
-          </a:p>
-        </p:txBody>
-      </p:sp>
-      <p:sp>
-        <p:nvSpPr>
-          <p:cNvPr id="5" name="Down Arrow 4"/>
-          <p:cNvSpPr/>
-          <p:nvPr/>
-        </p:nvSpPr>
-        <p:spPr>
-          <a:xfrm>
-            <a:off x="1174750" y="1595350"/>
-            <a:ext cx="317500" cy="546100"/>
-          </a:xfrm>
-          <a:prstGeom prst="downArrow">
-            <a:avLst/>
-          </a:prstGeom>
-          <a:solidFill>
-            <a:schemeClr val="accent2">
-              <a:lumMod val="75000"/>
-            </a:schemeClr>
-          </a:solidFill>
-        </p:spPr>
-        <p:style>
-          <a:lnRef idx="2">
-            <a:schemeClr val="accent1">
-              <a:shade val="50000"/>
-            </a:schemeClr>
-          </a:lnRef>
-          <a:fillRef idx="1">
-            <a:schemeClr val="accent1"/>
-          </a:fillRef>
-          <a:effectRef idx="0">
-            <a:schemeClr val="accent1"/>
-          </a:effectRef>
-          <a:fontRef idx="minor">
-            <a:schemeClr val="lt1"/>
-          </a:fontRef>
-        </p:style>
-        <p:txBody>
-          <a:bodyPr rtlCol="0" anchor="ctr"/>
-          <a:lstStyle/>
-          <a:p>
-            <a:pPr algn="ctr"/>
-            <a:endParaRPr lang="en-US"/>
-          </a:p>
-        </p:txBody>
-      </p:sp>
-      <p:sp>
-        <p:nvSpPr>
-          <p:cNvPr id="6" name="Rounded Rectangle 5"/>
-          <p:cNvSpPr/>
-          <p:nvPr/>
-        </p:nvSpPr>
-        <p:spPr>
-          <a:xfrm>
-            <a:off x="552335" y="2299750"/>
-            <a:ext cx="1676400" cy="774700"/>
-          </a:xfrm>
-          <a:prstGeom prst="roundRect">
-            <a:avLst/>
-          </a:prstGeom>
-          <a:solidFill>
-            <a:schemeClr val="accent2">
-              <a:lumMod val="75000"/>
-            </a:schemeClr>
-          </a:solidFill>
-        </p:spPr>
-        <p:style>
-          <a:lnRef idx="2">
-            <a:schemeClr val="accent1">
-              <a:shade val="50000"/>
-            </a:schemeClr>
-          </a:lnRef>
-          <a:fillRef idx="1">
-            <a:schemeClr val="accent1"/>
-          </a:fillRef>
-          <a:effectRef idx="0">
-            <a:schemeClr val="accent1"/>
-          </a:effectRef>
-          <a:fontRef idx="minor">
-            <a:schemeClr val="lt1"/>
-          </a:fontRef>
-        </p:style>
-        <p:txBody>
-          <a:bodyPr rtlCol="0" anchor="ctr"/>
-          <a:lstStyle/>
-          <a:p>
-            <a:r>
-              <a:rPr lang="en-US" b="1" dirty="0" smtClean="0"/>
-              <a:t>Related Works</a:t>
-            </a:r>
-            <a:endParaRPr lang="en-US" b="1" dirty="0"/>
-          </a:p>
-        </p:txBody>
-      </p:sp>
-      <p:sp>
-        <p:nvSpPr>
-          <p:cNvPr id="8" name="Bent Arrow 7"/>
-          <p:cNvSpPr/>
-          <p:nvPr/>
-        </p:nvSpPr>
-        <p:spPr>
-          <a:xfrm rot="10800000" flipH="1">
-            <a:off x="1254334" y="5022164"/>
-            <a:ext cx="1232656" cy="817715"/>
-          </a:xfrm>
-          <a:prstGeom prst="bentArrow">
-            <a:avLst>
-              <a:gd name="adj1" fmla="val 25000"/>
-              <a:gd name="adj2" fmla="val 25000"/>
-              <a:gd name="adj3" fmla="val 29251"/>
-              <a:gd name="adj4" fmla="val 43771"/>
-            </a:avLst>
-          </a:prstGeom>
-          <a:solidFill>
-            <a:schemeClr val="accent2">
-              <a:lumMod val="75000"/>
-            </a:schemeClr>
-          </a:solidFill>
-        </p:spPr>
-        <p:style>
-          <a:lnRef idx="2">
-            <a:schemeClr val="accent1">
-              <a:shade val="50000"/>
-            </a:schemeClr>
-          </a:lnRef>
-          <a:fillRef idx="1">
-            <a:schemeClr val="accent1"/>
-          </a:fillRef>
-          <a:effectRef idx="0">
-            <a:schemeClr val="accent1"/>
-          </a:effectRef>
-          <a:fontRef idx="minor">
-            <a:schemeClr val="lt1"/>
-          </a:fontRef>
-        </p:style>
-        <p:txBody>
-          <a:bodyPr rtlCol="0" anchor="ctr"/>
-          <a:lstStyle/>
-          <a:p>
-            <a:pPr algn="ctr"/>
-            <a:endParaRPr lang="en-US">
-              <a:solidFill>
-                <a:schemeClr val="tx1"/>
-              </a:solidFill>
-            </a:endParaRPr>
-          </a:p>
-        </p:txBody>
-      </p:sp>
-      <p:sp>
-        <p:nvSpPr>
-          <p:cNvPr id="9" name="Rounded Rectangle 8"/>
-          <p:cNvSpPr/>
-          <p:nvPr/>
-        </p:nvSpPr>
-        <p:spPr>
-          <a:xfrm>
-            <a:off x="2610416" y="5257503"/>
-            <a:ext cx="1676400" cy="774700"/>
-          </a:xfrm>
-          <a:prstGeom prst="roundRect">
-            <a:avLst/>
-          </a:prstGeom>
-          <a:solidFill>
-            <a:schemeClr val="accent2">
-              <a:lumMod val="75000"/>
-            </a:schemeClr>
-          </a:solidFill>
-        </p:spPr>
-        <p:style>
-          <a:lnRef idx="2">
-            <a:schemeClr val="accent1">
-              <a:shade val="50000"/>
-            </a:schemeClr>
-          </a:lnRef>
-          <a:fillRef idx="1">
-            <a:schemeClr val="accent1"/>
-          </a:fillRef>
-          <a:effectRef idx="0">
-            <a:schemeClr val="accent1"/>
-          </a:effectRef>
-          <a:fontRef idx="minor">
-            <a:schemeClr val="lt1"/>
-          </a:fontRef>
-        </p:style>
-        <p:txBody>
-          <a:bodyPr rtlCol="0" anchor="ctr"/>
-          <a:lstStyle/>
-          <a:p>
-            <a:pPr algn="ctr"/>
-            <a:r>
-              <a:rPr lang="en-US" b="1" dirty="0"/>
-              <a:t>Preprocessing</a:t>
-            </a:r>
-          </a:p>
-        </p:txBody>
-      </p:sp>
-      <p:sp>
-        <p:nvSpPr>
-          <p:cNvPr id="10" name="Down Arrow 9"/>
-          <p:cNvSpPr/>
-          <p:nvPr/>
-        </p:nvSpPr>
-        <p:spPr>
-          <a:xfrm rot="16200000">
-            <a:off x="4751125" y="5306362"/>
-            <a:ext cx="317500" cy="546100"/>
-          </a:xfrm>
-          <a:prstGeom prst="downArrow">
-            <a:avLst/>
-          </a:prstGeom>
-          <a:solidFill>
-            <a:schemeClr val="accent2">
-              <a:lumMod val="75000"/>
-            </a:schemeClr>
-          </a:solidFill>
-        </p:spPr>
-        <p:style>
-          <a:lnRef idx="2">
-            <a:schemeClr val="accent1">
-              <a:shade val="50000"/>
-            </a:schemeClr>
-          </a:lnRef>
-          <a:fillRef idx="1">
-            <a:schemeClr val="accent1"/>
-          </a:fillRef>
-          <a:effectRef idx="0">
-            <a:schemeClr val="accent1"/>
-          </a:effectRef>
-          <a:fontRef idx="minor">
-            <a:schemeClr val="lt1"/>
-          </a:fontRef>
-        </p:style>
-        <p:txBody>
-          <a:bodyPr rtlCol="0" anchor="ctr"/>
-          <a:lstStyle/>
-          <a:p>
-            <a:pPr algn="ctr"/>
-            <a:endParaRPr lang="en-US"/>
-          </a:p>
-        </p:txBody>
-      </p:sp>
-      <p:sp>
-        <p:nvSpPr>
-          <p:cNvPr id="11" name="Rounded Rectangle 10"/>
-          <p:cNvSpPr/>
-          <p:nvPr/>
-        </p:nvSpPr>
-        <p:spPr>
-          <a:xfrm>
-            <a:off x="5532934" y="5257503"/>
-            <a:ext cx="1676400" cy="774700"/>
-          </a:xfrm>
-          <a:prstGeom prst="roundRect">
-            <a:avLst/>
-          </a:prstGeom>
-          <a:solidFill>
-            <a:schemeClr val="accent2">
-              <a:lumMod val="75000"/>
-            </a:schemeClr>
-          </a:solidFill>
-        </p:spPr>
-        <p:style>
-          <a:lnRef idx="2">
-            <a:schemeClr val="accent1">
-              <a:shade val="50000"/>
-            </a:schemeClr>
-          </a:lnRef>
-          <a:fillRef idx="1">
-            <a:schemeClr val="accent1"/>
-          </a:fillRef>
-          <a:effectRef idx="0">
-            <a:schemeClr val="accent1"/>
-          </a:effectRef>
-          <a:fontRef idx="minor">
-            <a:schemeClr val="lt1"/>
-          </a:fontRef>
-        </p:style>
-        <p:txBody>
-          <a:bodyPr rtlCol="0" anchor="ctr"/>
-          <a:lstStyle/>
-          <a:p>
-            <a:pPr algn="ctr"/>
-            <a:r>
-              <a:rPr lang="en-US" b="1" dirty="0" smtClean="0"/>
-              <a:t>Model</a:t>
-            </a:r>
-            <a:endParaRPr lang="en-US" b="1" dirty="0"/>
-          </a:p>
-        </p:txBody>
-      </p:sp>
-      <p:sp>
-        <p:nvSpPr>
-          <p:cNvPr id="12" name="Down Arrow 11"/>
-          <p:cNvSpPr/>
-          <p:nvPr/>
-        </p:nvSpPr>
-        <p:spPr>
-          <a:xfrm rot="16200000">
-            <a:off x="7673643" y="5371803"/>
-            <a:ext cx="317500" cy="546100"/>
-          </a:xfrm>
-          <a:prstGeom prst="downArrow">
-            <a:avLst/>
-          </a:prstGeom>
-          <a:solidFill>
-            <a:schemeClr val="accent2">
-              <a:lumMod val="75000"/>
-            </a:schemeClr>
-          </a:solidFill>
-        </p:spPr>
-        <p:style>
-          <a:lnRef idx="2">
-            <a:schemeClr val="accent1">
-              <a:shade val="50000"/>
-            </a:schemeClr>
-          </a:lnRef>
-          <a:fillRef idx="1">
-            <a:schemeClr val="accent1"/>
-          </a:fillRef>
-          <a:effectRef idx="0">
-            <a:schemeClr val="accent1"/>
-          </a:effectRef>
-          <a:fontRef idx="minor">
-            <a:schemeClr val="lt1"/>
-          </a:fontRef>
-        </p:style>
-        <p:txBody>
-          <a:bodyPr rtlCol="0" anchor="ctr"/>
-          <a:lstStyle/>
-          <a:p>
-            <a:pPr algn="ctr"/>
-            <a:endParaRPr lang="en-US"/>
-          </a:p>
-        </p:txBody>
-      </p:sp>
-      <p:sp>
-        <p:nvSpPr>
-          <p:cNvPr id="13" name="Rounded Rectangle 12"/>
-          <p:cNvSpPr/>
-          <p:nvPr/>
-        </p:nvSpPr>
-        <p:spPr>
-          <a:xfrm>
-            <a:off x="8455452" y="5258395"/>
-            <a:ext cx="1676400" cy="774700"/>
-          </a:xfrm>
-          <a:prstGeom prst="roundRect">
-            <a:avLst/>
-          </a:prstGeom>
-          <a:solidFill>
-            <a:schemeClr val="accent2">
-              <a:lumMod val="75000"/>
-            </a:schemeClr>
-          </a:solidFill>
-        </p:spPr>
-        <p:style>
-          <a:lnRef idx="2">
-            <a:schemeClr val="accent1">
-              <a:shade val="50000"/>
-            </a:schemeClr>
-          </a:lnRef>
-          <a:fillRef idx="1">
-            <a:schemeClr val="accent1"/>
-          </a:fillRef>
-          <a:effectRef idx="0">
-            <a:schemeClr val="accent1"/>
-          </a:effectRef>
-          <a:fontRef idx="minor">
-            <a:schemeClr val="lt1"/>
-          </a:fontRef>
-        </p:style>
-        <p:txBody>
-          <a:bodyPr rtlCol="0" anchor="ctr"/>
-          <a:lstStyle/>
-          <a:p>
-            <a:pPr algn="ctr"/>
-            <a:r>
-              <a:rPr lang="en-US" b="1" dirty="0" smtClean="0"/>
-              <a:t>Conclusion</a:t>
-            </a:r>
-            <a:endParaRPr lang="en-US" b="1" dirty="0"/>
-          </a:p>
-        </p:txBody>
-      </p:sp>
-      <p:sp>
-        <p:nvSpPr>
-          <p:cNvPr id="18" name="Title 1"/>
-          <p:cNvSpPr txBox="1">
-            <a:spLocks/>
-          </p:cNvSpPr>
-          <p:nvPr/>
-        </p:nvSpPr>
-        <p:spPr>
-          <a:xfrm>
-            <a:off x="4960078" y="2337863"/>
-            <a:ext cx="7041758" cy="1612900"/>
-          </a:xfrm>
-          <a:prstGeom prst="rect">
-            <a:avLst/>
-          </a:prstGeom>
-        </p:spPr>
-        <p:txBody>
-          <a:bodyPr/>
-          <a:lstStyle>
-            <a:lvl1pPr algn="l" defTabSz="914400" rtl="0" eaLnBrk="1" latinLnBrk="0" hangingPunct="1">
-              <a:lnSpc>
-                <a:spcPct val="85000"/>
-              </a:lnSpc>
-              <a:spcBef>
-                <a:spcPct val="0"/>
-              </a:spcBef>
-              <a:buNone/>
-              <a:defRPr sz="4800" kern="1200" spc="-50" baseline="0">
-                <a:solidFill>
-                  <a:schemeClr val="tx1">
-                    <a:lumMod val="75000"/>
-                    <a:lumOff val="25000"/>
-                  </a:schemeClr>
-                </a:solidFill>
-                <a:latin typeface="+mj-lt"/>
-                <a:ea typeface="+mj-ea"/>
-                <a:cs typeface="+mj-cs"/>
-              </a:defRPr>
-            </a:lvl1pPr>
-          </a:lstStyle>
-          <a:p>
-            <a:r>
-              <a:rPr lang="en-US" sz="6000" b="1" dirty="0" smtClean="0"/>
-              <a:t>Road Map</a:t>
-            </a:r>
-            <a:r>
-              <a:rPr lang="fa-IR" sz="6000" b="1" dirty="0" smtClean="0"/>
-              <a:t>	</a:t>
-            </a:r>
-            <a:r>
-              <a:rPr lang="fa-IR" dirty="0" smtClean="0"/>
-              <a:t>	</a:t>
-            </a:r>
-            <a:endParaRPr lang="en-US" dirty="0"/>
-          </a:p>
-        </p:txBody>
-      </p:sp>
-      <p:pic>
-        <p:nvPicPr>
-          <p:cNvPr id="20" name="Picture 19"/>
-          <p:cNvPicPr>
-            <a:picLocks noChangeAspect="1"/>
-          </p:cNvPicPr>
-          <p:nvPr/>
-        </p:nvPicPr>
-        <p:blipFill>
-          <a:blip r:embed="rId2">
-            <a:extLst>
-              <a:ext uri="{28A0092B-C50C-407E-A947-70E740481C1C}">
-                <a14:useLocalDpi xmlns:a14="http://schemas.microsoft.com/office/drawing/2010/main" val="0"/>
-              </a:ext>
-            </a:extLst>
-          </a:blip>
-          <a:stretch>
-            <a:fillRect/>
-          </a:stretch>
-        </p:blipFill>
-        <p:spPr>
-          <a:xfrm>
-            <a:off x="8555787" y="995976"/>
-            <a:ext cx="1755215" cy="1174398"/>
-          </a:xfrm>
-          <a:prstGeom prst="rect">
-            <a:avLst/>
-          </a:prstGeom>
-        </p:spPr>
-      </p:pic>
-      <p:sp>
-        <p:nvSpPr>
-          <p:cNvPr id="21" name="Slide Number Placeholder 20"/>
-          <p:cNvSpPr>
-            <a:spLocks noGrp="1"/>
-          </p:cNvSpPr>
-          <p:nvPr>
-            <p:ph type="sldNum" sz="quarter" idx="12"/>
-          </p:nvPr>
-        </p:nvSpPr>
-        <p:spPr/>
-        <p:txBody>
-          <a:bodyPr/>
-          <a:lstStyle/>
-          <a:p>
-            <a:fld id="{18087783-62FF-446C-A2E4-4C6B0B0DE16F}" type="slidenum">
-              <a:rPr lang="en-US" smtClean="0"/>
-              <a:t>33</a:t>
-            </a:fld>
-            <a:endParaRPr lang="en-US"/>
-          </a:p>
-        </p:txBody>
-      </p:sp>
-      <p:pic>
-        <p:nvPicPr>
-          <p:cNvPr id="7" name="Picture 6"/>
-          <p:cNvPicPr>
-            <a:picLocks noChangeAspect="1"/>
-          </p:cNvPicPr>
-          <p:nvPr/>
-        </p:nvPicPr>
-        <p:blipFill>
-          <a:blip r:embed="rId3" cstate="print">
-            <a:extLst>
-              <a:ext uri="{28A0092B-C50C-407E-A947-70E740481C1C}">
-                <a14:useLocalDpi xmlns:a14="http://schemas.microsoft.com/office/drawing/2010/main" val="0"/>
-              </a:ext>
-            </a:extLst>
-          </a:blip>
-          <a:stretch>
-            <a:fillRect/>
-          </a:stretch>
-        </p:blipFill>
-        <p:spPr>
-          <a:xfrm>
-            <a:off x="8811158" y="1583175"/>
-            <a:ext cx="605021" cy="605021"/>
-          </a:xfrm>
-          <a:prstGeom prst="rect">
-            <a:avLst/>
-          </a:prstGeom>
-        </p:spPr>
-      </p:pic>
-      <p:sp>
-        <p:nvSpPr>
-          <p:cNvPr id="22" name="Down Arrow 21"/>
-          <p:cNvSpPr/>
-          <p:nvPr/>
-        </p:nvSpPr>
-        <p:spPr>
-          <a:xfrm>
-            <a:off x="1200719" y="3232751"/>
-            <a:ext cx="317500" cy="546100"/>
-          </a:xfrm>
-          <a:prstGeom prst="downArrow">
-            <a:avLst/>
-          </a:prstGeom>
-          <a:solidFill>
-            <a:schemeClr val="accent2">
-              <a:lumMod val="75000"/>
-            </a:schemeClr>
-          </a:solidFill>
-        </p:spPr>
-        <p:style>
-          <a:lnRef idx="2">
-            <a:schemeClr val="accent1">
-              <a:shade val="50000"/>
-            </a:schemeClr>
-          </a:lnRef>
-          <a:fillRef idx="1">
-            <a:schemeClr val="accent1"/>
-          </a:fillRef>
-          <a:effectRef idx="0">
-            <a:schemeClr val="accent1"/>
-          </a:effectRef>
-          <a:fontRef idx="minor">
-            <a:schemeClr val="lt1"/>
-          </a:fontRef>
-        </p:style>
-        <p:txBody>
-          <a:bodyPr rtlCol="0" anchor="ctr"/>
-          <a:lstStyle/>
-          <a:p>
-            <a:pPr algn="ctr"/>
-            <a:endParaRPr lang="en-US"/>
-          </a:p>
-        </p:txBody>
-      </p:sp>
-      <p:sp>
-        <p:nvSpPr>
-          <p:cNvPr id="23" name="Rounded Rectangle 22"/>
-          <p:cNvSpPr/>
-          <p:nvPr/>
-        </p:nvSpPr>
-        <p:spPr>
-          <a:xfrm>
-            <a:off x="552335" y="3990874"/>
-            <a:ext cx="1676400" cy="774700"/>
-          </a:xfrm>
-          <a:prstGeom prst="roundRect">
-            <a:avLst/>
-          </a:prstGeom>
-          <a:solidFill>
-            <a:schemeClr val="accent2">
-              <a:lumMod val="75000"/>
-            </a:schemeClr>
-          </a:solidFill>
-        </p:spPr>
-        <p:style>
-          <a:lnRef idx="2">
-            <a:schemeClr val="accent1">
-              <a:shade val="50000"/>
-            </a:schemeClr>
-          </a:lnRef>
-          <a:fillRef idx="1">
-            <a:schemeClr val="accent1"/>
-          </a:fillRef>
-          <a:effectRef idx="0">
-            <a:schemeClr val="accent1"/>
-          </a:effectRef>
-          <a:fontRef idx="minor">
-            <a:schemeClr val="lt1"/>
-          </a:fontRef>
-        </p:style>
-        <p:txBody>
-          <a:bodyPr rtlCol="0" anchor="ctr"/>
-          <a:lstStyle/>
-          <a:p>
-            <a:pPr algn="ctr"/>
-            <a:r>
-              <a:rPr lang="en-US" b="1" dirty="0" smtClean="0"/>
-              <a:t>New Hybrid Approach</a:t>
-            </a:r>
-            <a:endParaRPr lang="en-US" b="1" dirty="0"/>
-          </a:p>
-        </p:txBody>
-      </p:sp>
-    </p:spTree>
-    <p:extLst>
-      <p:ext uri="{BB962C8B-B14F-4D97-AF65-F5344CB8AC3E}">
-        <p14:creationId xmlns:p14="http://schemas.microsoft.com/office/powerpoint/2010/main" val="2363722776"/>
-      </p:ext>
-    </p:extLst>
-  </p:cSld>
-  <p:clrMapOvr>
-    <a:masterClrMapping/>
-  </p:clrMapOvr>
-  <p:timing>
-    <p:tnLst>
-      <p:par>
-        <p:cTn id="1" dur="indefinite" restart="never" nodeType="tmRoot"/>
-      </p:par>
-    </p:tnLst>
-  </p:timing>
-</p:sld>
-</file>
-
-<file path=ppt/slides/slide34.xml><?xml version="1.0" encoding="utf-8"?>
-<p:sld xmlns:a="http://schemas.openxmlformats.org/drawingml/2006/main" xmlns:r="http://schemas.openxmlformats.org/officeDocument/2006/relationships" xmlns:p="http://schemas.openxmlformats.org/presentationml/2006/main">
-  <p:cSld>
-    <p:spTree>
-      <p:nvGrpSpPr>
-        <p:cNvPr id="1" name=""/>
-        <p:cNvGrpSpPr/>
-        <p:nvPr/>
-      </p:nvGrpSpPr>
-      <p:grpSpPr>
-        <a:xfrm>
-          <a:off x="0" y="0"/>
-          <a:ext cx="0" cy="0"/>
-          <a:chOff x="0" y="0"/>
-          <a:chExt cx="0" cy="0"/>
-        </a:xfrm>
-      </p:grpSpPr>
-      <p:sp>
-        <p:nvSpPr>
-          <p:cNvPr id="2" name="Title 1"/>
-          <p:cNvSpPr>
-            <a:spLocks noGrp="1"/>
-          </p:cNvSpPr>
-          <p:nvPr>
-            <p:ph type="title"/>
-          </p:nvPr>
-        </p:nvSpPr>
-        <p:spPr/>
-        <p:txBody>
-          <a:bodyPr/>
-          <a:lstStyle/>
-          <a:p>
-            <a:r>
-              <a:rPr lang="en-US" b="1" dirty="0"/>
-              <a:t>Performance Metrics</a:t>
-            </a:r>
-            <a:r>
-              <a:rPr lang="en-US" dirty="0"/>
-              <a:t> </a:t>
-            </a:r>
-          </a:p>
-        </p:txBody>
-      </p:sp>
-      <p:sp>
-        <p:nvSpPr>
-          <p:cNvPr id="3" name="Content Placeholder 2"/>
-          <p:cNvSpPr>
-            <a:spLocks noGrp="1"/>
-          </p:cNvSpPr>
-          <p:nvPr>
-            <p:ph idx="1"/>
-          </p:nvPr>
-        </p:nvSpPr>
-        <p:spPr>
-          <a:xfrm>
-            <a:off x="1097279" y="1845734"/>
-            <a:ext cx="10722685" cy="4023360"/>
-          </a:xfrm>
-        </p:spPr>
-        <p:txBody>
-          <a:bodyPr>
-            <a:noAutofit/>
-          </a:bodyPr>
-          <a:lstStyle/>
-          <a:p>
-            <a:pPr>
-              <a:lnSpc>
-                <a:spcPct val="100000"/>
-              </a:lnSpc>
-              <a:buFont typeface="Arial" panose="020B0604020202020204" pitchFamily="34" charset="0"/>
-              <a:buChar char="•"/>
-            </a:pPr>
-            <a:r>
-              <a:rPr lang="en-US" sz="2500" dirty="0" smtClean="0"/>
-              <a:t> </a:t>
-            </a:r>
-            <a:r>
-              <a:rPr lang="en-US" sz="2500" b="1" dirty="0"/>
-              <a:t>simple accuracy error (SAE</a:t>
-            </a:r>
-            <a:r>
-              <a:rPr lang="en-US" sz="2500" b="1" dirty="0" smtClean="0"/>
-              <a:t>) </a:t>
-            </a:r>
-            <a:r>
-              <a:rPr lang="en-US" sz="2500" dirty="0" smtClean="0"/>
-              <a:t>: </a:t>
-            </a:r>
-            <a:r>
-              <a:rPr lang="en-US" sz="2500" dirty="0"/>
-              <a:t>measures the distance from the most probable location </a:t>
-            </a:r>
-            <a:r>
-              <a:rPr lang="en-US" sz="2500" dirty="0" smtClean="0"/>
-              <a:t>to the </a:t>
-            </a:r>
-            <a:r>
-              <a:rPr lang="en-US" sz="2500" dirty="0"/>
-              <a:t>origin of the tweet </a:t>
-            </a:r>
-            <a:br>
-              <a:rPr lang="en-US" sz="2500" dirty="0"/>
-            </a:br>
-            <a:endParaRPr lang="en-US" sz="2500" dirty="0" smtClean="0"/>
-          </a:p>
-          <a:p>
-            <a:pPr>
-              <a:lnSpc>
-                <a:spcPct val="100000"/>
-              </a:lnSpc>
-              <a:buFont typeface="Arial" panose="020B0604020202020204" pitchFamily="34" charset="0"/>
-              <a:buChar char="•"/>
-            </a:pPr>
-            <a:r>
-              <a:rPr lang="en-US" sz="2500" dirty="0" smtClean="0"/>
-              <a:t> </a:t>
-            </a:r>
-            <a:r>
-              <a:rPr lang="en-US" sz="2500" b="1" dirty="0" smtClean="0"/>
-              <a:t>comprehensive accuracy error (CAE) </a:t>
-            </a:r>
-            <a:r>
-              <a:rPr lang="en-US" sz="2500" dirty="0" smtClean="0"/>
-              <a:t>: </a:t>
-            </a:r>
-            <a:r>
-              <a:rPr lang="en-US" sz="2500" dirty="0"/>
-              <a:t>measure of the expected </a:t>
-            </a:r>
-            <a:r>
-              <a:rPr lang="en-US" sz="2500" dirty="0" smtClean="0"/>
-              <a:t>distance between </a:t>
-            </a:r>
-            <a:r>
-              <a:rPr lang="en-US" sz="2500" dirty="0"/>
-              <a:t>the true origin of the tweet and </a:t>
-            </a:r>
-            <a:r>
-              <a:rPr lang="en-US" sz="2500" dirty="0" smtClean="0"/>
-              <a:t>a random </a:t>
-            </a:r>
-            <a:r>
-              <a:rPr lang="en-US" sz="2500" dirty="0"/>
-              <a:t>point generated from our model </a:t>
-            </a:r>
-            <a:endParaRPr lang="en-US" sz="2500" dirty="0" smtClean="0"/>
-          </a:p>
-          <a:p>
-            <a:pPr>
-              <a:lnSpc>
-                <a:spcPct val="100000"/>
-              </a:lnSpc>
-              <a:buFont typeface="Arial" panose="020B0604020202020204" pitchFamily="34" charset="0"/>
-              <a:buChar char="•"/>
-            </a:pPr>
-            <a:r>
-              <a:rPr lang="en-US" sz="2500" b="1" dirty="0" smtClean="0"/>
-              <a:t> prediction </a:t>
-            </a:r>
-            <a:r>
-              <a:rPr lang="en-US" sz="2500" b="1" dirty="0"/>
-              <a:t>region </a:t>
-            </a:r>
-            <a:r>
-              <a:rPr lang="en-US" sz="2500" b="1" dirty="0" smtClean="0"/>
-              <a:t>area </a:t>
-            </a:r>
-            <a:r>
-              <a:rPr lang="en-US" sz="2500" dirty="0" smtClean="0"/>
-              <a:t>(</a:t>
-            </a:r>
-            <a:r>
-              <a:rPr lang="en-US" sz="2500" b="1" dirty="0"/>
-              <a:t>PRA</a:t>
-            </a:r>
-            <a:r>
-              <a:rPr lang="el-GR" sz="2500" b="1" dirty="0" smtClean="0"/>
-              <a:t>α</a:t>
-            </a:r>
-            <a:r>
-              <a:rPr lang="en-US" sz="2500" dirty="0" smtClean="0"/>
-              <a:t>) </a:t>
-            </a:r>
-            <a:endParaRPr lang="en-US" sz="2500" dirty="0"/>
-          </a:p>
-          <a:p>
-            <a:pPr>
-              <a:lnSpc>
-                <a:spcPct val="100000"/>
-              </a:lnSpc>
-              <a:buFont typeface="Arial" panose="020B0604020202020204" pitchFamily="34" charset="0"/>
-              <a:buChar char="•"/>
-            </a:pPr>
-            <a:r>
-              <a:rPr lang="en-US" sz="2500" b="1" dirty="0" smtClean="0"/>
-              <a:t> coverage (COV</a:t>
-            </a:r>
-            <a:r>
-              <a:rPr lang="el-GR" sz="2500" b="1" dirty="0" smtClean="0"/>
-              <a:t>α</a:t>
-            </a:r>
-            <a:r>
-              <a:rPr lang="en-US" sz="2500" b="1" dirty="0" smtClean="0"/>
-              <a:t>) </a:t>
-            </a:r>
-            <a:r>
-              <a:rPr lang="en-US" sz="2500" dirty="0" smtClean="0"/>
-              <a:t>: </a:t>
-            </a:r>
-            <a:r>
-              <a:rPr lang="en-US" sz="2500" dirty="0"/>
-              <a:t>the proportion of times the true origin of the tweet is within the ellipses </a:t>
-            </a:r>
-            <a:r>
-              <a:rPr lang="en-US" sz="2500" dirty="0" smtClean="0"/>
-              <a:t>defined </a:t>
-            </a:r>
-            <a:r>
-              <a:rPr lang="en-US" sz="2500" dirty="0"/>
-              <a:t>by </a:t>
-            </a:r>
-            <a:r>
-              <a:rPr lang="en-US" sz="2500" i="1" dirty="0"/>
-              <a:t>PRAα </a:t>
-            </a:r>
-            <a:r>
-              <a:rPr lang="en-US" sz="2500" dirty="0"/>
-              <a:t>for </a:t>
-            </a:r>
-            <a:r>
-              <a:rPr lang="en-US" sz="2500" dirty="0" smtClean="0"/>
-              <a:t>the test </a:t>
-            </a:r>
-            <a:r>
-              <a:rPr lang="en-US" sz="2500" dirty="0"/>
-              <a:t>set </a:t>
-            </a:r>
-            <a:br>
-              <a:rPr lang="en-US" sz="2500" dirty="0"/>
-            </a:br>
-            <a:endParaRPr lang="en-US" sz="2500" dirty="0" smtClean="0"/>
-          </a:p>
-          <a:p>
-            <a:pPr>
-              <a:lnSpc>
-                <a:spcPct val="100000"/>
-              </a:lnSpc>
-              <a:buFont typeface="Arial" panose="020B0604020202020204" pitchFamily="34" charset="0"/>
-              <a:buChar char="•"/>
-            </a:pPr>
-            <a:endParaRPr lang="en-US" sz="2500" dirty="0" smtClean="0"/>
-          </a:p>
-        </p:txBody>
-      </p:sp>
-      <p:sp>
-        <p:nvSpPr>
-          <p:cNvPr id="4" name="Slide Number Placeholder 3"/>
-          <p:cNvSpPr>
-            <a:spLocks noGrp="1"/>
-          </p:cNvSpPr>
-          <p:nvPr>
-            <p:ph type="sldNum" sz="quarter" idx="12"/>
-          </p:nvPr>
-        </p:nvSpPr>
-        <p:spPr/>
-        <p:txBody>
-          <a:bodyPr/>
-          <a:lstStyle/>
-          <a:p>
-            <a:fld id="{18087783-62FF-446C-A2E4-4C6B0B0DE16F}" type="slidenum">
-              <a:rPr lang="en-US" smtClean="0"/>
-              <a:t>34</a:t>
-            </a:fld>
-            <a:endParaRPr lang="en-US"/>
-          </a:p>
-        </p:txBody>
-      </p:sp>
-    </p:spTree>
-    <p:extLst>
-      <p:ext uri="{BB962C8B-B14F-4D97-AF65-F5344CB8AC3E}">
-        <p14:creationId xmlns:p14="http://schemas.microsoft.com/office/powerpoint/2010/main" val="1807280485"/>
-      </p:ext>
-    </p:extLst>
-  </p:cSld>
-  <p:clrMapOvr>
-    <a:masterClrMapping/>
-  </p:clrMapOvr>
-  <p:timing>
-    <p:tnLst>
-      <p:par>
-        <p:cTn id="1" dur="indefinite" restart="never" nodeType="tmRoot"/>
-      </p:par>
-    </p:tnLst>
-  </p:timing>
-</p:sld>
-</file>
-
-<file path=ppt/slides/slide35.xml><?xml version="1.0" encoding="utf-8"?>
-<p:sld xmlns:a="http://schemas.openxmlformats.org/drawingml/2006/main" xmlns:r="http://schemas.openxmlformats.org/officeDocument/2006/relationships" xmlns:p="http://schemas.openxmlformats.org/presentationml/2006/main">
-  <p:cSld>
-    <p:spTree>
-      <p:nvGrpSpPr>
-        <p:cNvPr id="1" name=""/>
-        <p:cNvGrpSpPr/>
-        <p:nvPr/>
-      </p:nvGrpSpPr>
-      <p:grpSpPr>
-        <a:xfrm>
-          <a:off x="0" y="0"/>
-          <a:ext cx="0" cy="0"/>
-          <a:chOff x="0" y="0"/>
-          <a:chExt cx="0" cy="0"/>
-        </a:xfrm>
-      </p:grpSpPr>
-      <p:sp>
-        <p:nvSpPr>
-          <p:cNvPr id="2" name="Title 1"/>
-          <p:cNvSpPr>
-            <a:spLocks noGrp="1"/>
-          </p:cNvSpPr>
-          <p:nvPr>
-            <p:ph type="title"/>
-          </p:nvPr>
-        </p:nvSpPr>
-        <p:spPr/>
-        <p:txBody>
-          <a:bodyPr/>
-          <a:lstStyle/>
-          <a:p>
-            <a:r>
-              <a:rPr lang="en-US" b="1" dirty="0"/>
-              <a:t>Performance </a:t>
-            </a:r>
-            <a:r>
-              <a:rPr lang="en-US" b="1" dirty="0" smtClean="0"/>
-              <a:t>Metrics</a:t>
-            </a:r>
-            <a:endParaRPr lang="en-US" dirty="0"/>
-          </a:p>
-        </p:txBody>
-      </p:sp>
-      <p:pic>
-        <p:nvPicPr>
-          <p:cNvPr id="5" name="Content Placeholder 4"/>
-          <p:cNvPicPr>
-            <a:picLocks noGrp="1" noChangeAspect="1"/>
-          </p:cNvPicPr>
-          <p:nvPr>
-            <p:ph idx="1"/>
-          </p:nvPr>
-        </p:nvPicPr>
-        <p:blipFill>
-          <a:blip r:embed="rId2"/>
-          <a:stretch>
-            <a:fillRect/>
-          </a:stretch>
-        </p:blipFill>
-        <p:spPr>
-          <a:xfrm>
-            <a:off x="3066677" y="2337340"/>
-            <a:ext cx="5419725" cy="1266825"/>
-          </a:xfrm>
-          <a:prstGeom prst="rect">
-            <a:avLst/>
-          </a:prstGeom>
-        </p:spPr>
-      </p:pic>
-      <p:sp>
-        <p:nvSpPr>
-          <p:cNvPr id="4" name="Slide Number Placeholder 3"/>
-          <p:cNvSpPr>
-            <a:spLocks noGrp="1"/>
-          </p:cNvSpPr>
-          <p:nvPr>
-            <p:ph type="sldNum" sz="quarter" idx="12"/>
-          </p:nvPr>
-        </p:nvSpPr>
-        <p:spPr/>
-        <p:txBody>
-          <a:bodyPr/>
-          <a:lstStyle/>
-          <a:p>
-            <a:fld id="{18087783-62FF-446C-A2E4-4C6B0B0DE16F}" type="slidenum">
-              <a:rPr lang="en-US" smtClean="0"/>
-              <a:t>35</a:t>
-            </a:fld>
-            <a:endParaRPr lang="en-US"/>
-          </a:p>
-        </p:txBody>
-      </p:sp>
-      <p:pic>
-        <p:nvPicPr>
-          <p:cNvPr id="6" name="Picture 5"/>
-          <p:cNvPicPr>
-            <a:picLocks noChangeAspect="1"/>
-          </p:cNvPicPr>
-          <p:nvPr/>
-        </p:nvPicPr>
-        <p:blipFill>
-          <a:blip r:embed="rId3"/>
-          <a:stretch>
-            <a:fillRect/>
-          </a:stretch>
-        </p:blipFill>
-        <p:spPr>
-          <a:xfrm>
-            <a:off x="2946544" y="3964994"/>
-            <a:ext cx="6359872" cy="1017579"/>
-          </a:xfrm>
-          <a:prstGeom prst="rect">
-            <a:avLst/>
-          </a:prstGeom>
-        </p:spPr>
-      </p:pic>
-    </p:spTree>
-    <p:extLst>
-      <p:ext uri="{BB962C8B-B14F-4D97-AF65-F5344CB8AC3E}">
-        <p14:creationId xmlns:p14="http://schemas.microsoft.com/office/powerpoint/2010/main" val="1781391890"/>
-      </p:ext>
-    </p:extLst>
-  </p:cSld>
-  <p:clrMapOvr>
-    <a:masterClrMapping/>
-  </p:clrMapOvr>
-  <mc:AlternateContent xmlns:mc="http://schemas.openxmlformats.org/markup-compatibility/2006" xmlns:p14="http://schemas.microsoft.com/office/powerpoint/2010/main">
-    <mc:Choice Requires="p14">
-      <p:transition spd="slow" p14:dur="2000"/>
-    </mc:Choice>
-    <mc:Fallback xmlns="">
-      <p:transition spd="slow"/>
-    </mc:Fallback>
-  </mc:AlternateContent>
-  <p:timing>
-    <p:tnLst>
-      <p:par>
-        <p:cTn id="1" dur="indefinite" restart="never" nodeType="tmRoot"/>
-      </p:par>
-    </p:tnLst>
-  </p:timing>
-</p:sld>
-</file>
-
-<file path=ppt/slides/slide36.xml><?xml version="1.0" encoding="utf-8"?>
-<p:sld xmlns:a="http://schemas.openxmlformats.org/drawingml/2006/main" xmlns:r="http://schemas.openxmlformats.org/officeDocument/2006/relationships" xmlns:p="http://schemas.openxmlformats.org/presentationml/2006/main">
-  <p:cSld>
-    <p:spTree>
-      <p:nvGrpSpPr>
-        <p:cNvPr id="1" name=""/>
-        <p:cNvGrpSpPr/>
-        <p:nvPr/>
-      </p:nvGrpSpPr>
-      <p:grpSpPr>
-        <a:xfrm>
-          <a:off x="0" y="0"/>
-          <a:ext cx="0" cy="0"/>
-          <a:chOff x="0" y="0"/>
-          <a:chExt cx="0" cy="0"/>
-        </a:xfrm>
-      </p:grpSpPr>
-      <p:sp>
-        <p:nvSpPr>
-          <p:cNvPr id="2" name="Title 1"/>
-          <p:cNvSpPr>
-            <a:spLocks noGrp="1"/>
-          </p:cNvSpPr>
-          <p:nvPr>
-            <p:ph type="title"/>
-          </p:nvPr>
-        </p:nvSpPr>
-        <p:spPr/>
-        <p:txBody>
-          <a:bodyPr/>
-          <a:lstStyle/>
-          <a:p>
-            <a:r>
-              <a:rPr lang="en-US" b="1" dirty="0" smtClean="0"/>
-              <a:t>SAE Metric</a:t>
-            </a:r>
-            <a:endParaRPr lang="en-US" b="1" dirty="0"/>
-          </a:p>
-        </p:txBody>
-      </p:sp>
-      <p:pic>
-        <p:nvPicPr>
-          <p:cNvPr id="5" name="Content Placeholder 4"/>
-          <p:cNvPicPr>
-            <a:picLocks noGrp="1" noChangeAspect="1"/>
-          </p:cNvPicPr>
-          <p:nvPr>
-            <p:ph idx="1"/>
-          </p:nvPr>
-        </p:nvPicPr>
-        <p:blipFill>
-          <a:blip r:embed="rId2"/>
-          <a:stretch>
-            <a:fillRect/>
-          </a:stretch>
-        </p:blipFill>
-        <p:spPr>
-          <a:xfrm>
-            <a:off x="1370860" y="1922593"/>
-            <a:ext cx="9185610" cy="3589336"/>
-          </a:xfrm>
-          <a:prstGeom prst="rect">
-            <a:avLst/>
-          </a:prstGeom>
-        </p:spPr>
-      </p:pic>
-      <p:sp>
-        <p:nvSpPr>
-          <p:cNvPr id="4" name="Slide Number Placeholder 3"/>
-          <p:cNvSpPr>
-            <a:spLocks noGrp="1"/>
-          </p:cNvSpPr>
-          <p:nvPr>
-            <p:ph type="sldNum" sz="quarter" idx="12"/>
-          </p:nvPr>
-        </p:nvSpPr>
-        <p:spPr/>
-        <p:txBody>
-          <a:bodyPr/>
-          <a:lstStyle/>
-          <a:p>
-            <a:fld id="{18087783-62FF-446C-A2E4-4C6B0B0DE16F}" type="slidenum">
-              <a:rPr lang="en-US" smtClean="0"/>
-              <a:t>36</a:t>
-            </a:fld>
-            <a:endParaRPr lang="en-US"/>
-          </a:p>
-        </p:txBody>
-      </p:sp>
-      <p:sp>
-        <p:nvSpPr>
-          <p:cNvPr id="6" name="Rectangle 5"/>
-          <p:cNvSpPr/>
-          <p:nvPr/>
-        </p:nvSpPr>
-        <p:spPr>
-          <a:xfrm>
-            <a:off x="1558799" y="5697162"/>
-            <a:ext cx="8341659" cy="646331"/>
-          </a:xfrm>
-          <a:prstGeom prst="rect">
-            <a:avLst/>
-          </a:prstGeom>
-        </p:spPr>
-        <p:txBody>
-          <a:bodyPr wrap="square">
-            <a:spAutoFit/>
-          </a:bodyPr>
-          <a:lstStyle/>
-          <a:p>
-            <a:pPr marL="285750" indent="-285750">
-              <a:buFont typeface="Wingdings" panose="05000000000000000000" pitchFamily="2" charset="2"/>
-              <a:buChar char="v"/>
-            </a:pPr>
-            <a:r>
-              <a:rPr lang="en-US" dirty="0">
-                <a:solidFill>
-                  <a:srgbClr val="242021"/>
-                </a:solidFill>
-                <a:latin typeface="LinLibertineT"/>
-              </a:rPr>
-              <a:t>Results are reported in kilometers using the great-circle distance function</a:t>
-            </a:r>
-            <a:r>
-              <a:rPr lang="en-US" dirty="0"/>
-              <a:t> </a:t>
-            </a:r>
-            <a:br>
-              <a:rPr lang="en-US" dirty="0"/>
-            </a:br>
-            <a:endParaRPr lang="en-US" dirty="0"/>
-          </a:p>
-        </p:txBody>
-      </p:sp>
-    </p:spTree>
-    <p:extLst>
-      <p:ext uri="{BB962C8B-B14F-4D97-AF65-F5344CB8AC3E}">
-        <p14:creationId xmlns:p14="http://schemas.microsoft.com/office/powerpoint/2010/main" val="195924815"/>
-      </p:ext>
-    </p:extLst>
-  </p:cSld>
-  <p:clrMapOvr>
-    <a:masterClrMapping/>
-  </p:clrMapOvr>
-  <p:timing>
-    <p:tnLst>
-      <p:par>
-        <p:cTn id="1" dur="indefinite" restart="never" nodeType="tmRoot"/>
-      </p:par>
-    </p:tnLst>
-  </p:timing>
-</p:sld>
-</file>
-
-<file path=ppt/slides/slide37.xml><?xml version="1.0" encoding="utf-8"?>
-<p:sld xmlns:a="http://schemas.openxmlformats.org/drawingml/2006/main" xmlns:r="http://schemas.openxmlformats.org/officeDocument/2006/relationships" xmlns:p="http://schemas.openxmlformats.org/presentationml/2006/main">
-  <p:cSld>
-    <p:spTree>
-      <p:nvGrpSpPr>
-        <p:cNvPr id="1" name=""/>
-        <p:cNvGrpSpPr/>
-        <p:nvPr/>
-      </p:nvGrpSpPr>
-      <p:grpSpPr>
-        <a:xfrm>
-          <a:off x="0" y="0"/>
-          <a:ext cx="0" cy="0"/>
-          <a:chOff x="0" y="0"/>
-          <a:chExt cx="0" cy="0"/>
-        </a:xfrm>
-      </p:grpSpPr>
-      <p:sp>
-        <p:nvSpPr>
-          <p:cNvPr id="2" name="Title 1"/>
-          <p:cNvSpPr>
-            <a:spLocks noGrp="1"/>
-          </p:cNvSpPr>
-          <p:nvPr>
-            <p:ph type="title"/>
-          </p:nvPr>
-        </p:nvSpPr>
-        <p:spPr/>
-        <p:txBody>
-          <a:bodyPr/>
-          <a:lstStyle/>
-          <a:p>
-            <a:r>
-              <a:rPr lang="en-US" b="1" dirty="0" smtClean="0"/>
-              <a:t>CAE </a:t>
-            </a:r>
-            <a:r>
-              <a:rPr lang="en-US" b="1" dirty="0"/>
-              <a:t>,</a:t>
-            </a:r>
-            <a:r>
-              <a:rPr lang="en-US" b="1" dirty="0" smtClean="0"/>
-              <a:t>PRA and COV Metric</a:t>
-            </a:r>
-            <a:endParaRPr lang="en-US" b="1" dirty="0"/>
-          </a:p>
-        </p:txBody>
-      </p:sp>
-      <p:sp>
-        <p:nvSpPr>
-          <p:cNvPr id="4" name="Slide Number Placeholder 3"/>
-          <p:cNvSpPr>
-            <a:spLocks noGrp="1"/>
-          </p:cNvSpPr>
-          <p:nvPr>
-            <p:ph type="sldNum" sz="quarter" idx="12"/>
-          </p:nvPr>
-        </p:nvSpPr>
-        <p:spPr/>
-        <p:txBody>
-          <a:bodyPr/>
-          <a:lstStyle/>
-          <a:p>
-            <a:fld id="{18087783-62FF-446C-A2E4-4C6B0B0DE16F}" type="slidenum">
-              <a:rPr lang="en-US" smtClean="0"/>
-              <a:t>37</a:t>
-            </a:fld>
-            <a:endParaRPr lang="en-US"/>
-          </a:p>
-        </p:txBody>
-      </p:sp>
-      <p:sp>
-        <p:nvSpPr>
-          <p:cNvPr id="9" name="Content Placeholder 8"/>
-          <p:cNvSpPr>
-            <a:spLocks noGrp="1"/>
-          </p:cNvSpPr>
-          <p:nvPr>
-            <p:ph idx="1"/>
-          </p:nvPr>
-        </p:nvSpPr>
-        <p:spPr/>
-        <p:txBody>
-          <a:bodyPr/>
-          <a:lstStyle/>
-          <a:p>
-            <a:r>
-              <a:rPr lang="en-US" dirty="0" smtClean="0"/>
-              <a:t> </a:t>
-            </a:r>
-            <a:endParaRPr lang="en-US" dirty="0"/>
-          </a:p>
-        </p:txBody>
-      </p:sp>
-      <p:pic>
-        <p:nvPicPr>
-          <p:cNvPr id="3" name="Picture 2"/>
-          <p:cNvPicPr>
-            <a:picLocks noChangeAspect="1"/>
-          </p:cNvPicPr>
-          <p:nvPr/>
-        </p:nvPicPr>
-        <p:blipFill>
-          <a:blip r:embed="rId2"/>
-          <a:stretch>
-            <a:fillRect/>
-          </a:stretch>
-        </p:blipFill>
-        <p:spPr>
-          <a:xfrm>
-            <a:off x="914401" y="2079889"/>
-            <a:ext cx="10424158" cy="3555049"/>
-          </a:xfrm>
-          <a:prstGeom prst="rect">
-            <a:avLst/>
-          </a:prstGeom>
-        </p:spPr>
-      </p:pic>
-    </p:spTree>
-    <p:extLst>
-      <p:ext uri="{BB962C8B-B14F-4D97-AF65-F5344CB8AC3E}">
-        <p14:creationId xmlns:p14="http://schemas.microsoft.com/office/powerpoint/2010/main" val="140349273"/>
-      </p:ext>
-    </p:extLst>
-  </p:cSld>
-  <p:clrMapOvr>
-    <a:masterClrMapping/>
-  </p:clrMapOvr>
-  <p:timing>
-    <p:tnLst>
-      <p:par>
-        <p:cTn id="1" dur="indefinite" restart="never" nodeType="tmRoot"/>
-      </p:par>
-    </p:tnLst>
-  </p:timing>
-</p:sld>
-</file>
-
-<file path=ppt/slides/slide38.xml><?xml version="1.0" encoding="utf-8"?>
-<p:sld xmlns:a="http://schemas.openxmlformats.org/drawingml/2006/main" xmlns:r="http://schemas.openxmlformats.org/officeDocument/2006/relationships" xmlns:p="http://schemas.openxmlformats.org/presentationml/2006/main">
-  <p:cSld>
-    <p:spTree>
-      <p:nvGrpSpPr>
-        <p:cNvPr id="1" name=""/>
-        <p:cNvGrpSpPr/>
-        <p:nvPr/>
-      </p:nvGrpSpPr>
-      <p:grpSpPr>
-        <a:xfrm>
-          <a:off x="0" y="0"/>
-          <a:ext cx="0" cy="0"/>
-          <a:chOff x="0" y="0"/>
-          <a:chExt cx="0" cy="0"/>
-        </a:xfrm>
-      </p:grpSpPr>
-      <p:sp>
-        <p:nvSpPr>
-          <p:cNvPr id="2" name="Title 1"/>
-          <p:cNvSpPr>
-            <a:spLocks noGrp="1"/>
-          </p:cNvSpPr>
-          <p:nvPr>
-            <p:ph type="title"/>
-          </p:nvPr>
-        </p:nvSpPr>
-        <p:spPr/>
-        <p:txBody>
-          <a:bodyPr/>
-          <a:lstStyle/>
-          <a:p>
-            <a:r>
-              <a:rPr lang="en-US" b="1" dirty="0" smtClean="0"/>
-              <a:t>Conclusion</a:t>
-            </a:r>
-            <a:endParaRPr lang="en-US" dirty="0"/>
-          </a:p>
-        </p:txBody>
-      </p:sp>
-      <p:sp>
-        <p:nvSpPr>
-          <p:cNvPr id="4" name="Slide Number Placeholder 3"/>
-          <p:cNvSpPr>
-            <a:spLocks noGrp="1"/>
-          </p:cNvSpPr>
-          <p:nvPr>
-            <p:ph type="sldNum" sz="quarter" idx="12"/>
-          </p:nvPr>
-        </p:nvSpPr>
-        <p:spPr/>
-        <p:txBody>
-          <a:bodyPr/>
-          <a:lstStyle/>
-          <a:p>
-            <a:fld id="{18087783-62FF-446C-A2E4-4C6B0B0DE16F}" type="slidenum">
-              <a:rPr lang="en-US" smtClean="0"/>
-              <a:t>38</a:t>
-            </a:fld>
-            <a:endParaRPr lang="en-US"/>
-          </a:p>
-        </p:txBody>
-      </p:sp>
-      <p:sp>
-        <p:nvSpPr>
-          <p:cNvPr id="7" name="Content Placeholder 6"/>
-          <p:cNvSpPr>
-            <a:spLocks noGrp="1"/>
-          </p:cNvSpPr>
-          <p:nvPr>
-            <p:ph idx="1"/>
-          </p:nvPr>
-        </p:nvSpPr>
-        <p:spPr/>
-        <p:txBody>
-          <a:bodyPr>
-            <a:normAutofit/>
-          </a:bodyPr>
-          <a:lstStyle/>
-          <a:p>
-            <a:pPr>
-              <a:lnSpc>
-                <a:spcPct val="150000"/>
-              </a:lnSpc>
-              <a:buFont typeface="Wingdings" panose="05000000000000000000" pitchFamily="2" charset="2"/>
-              <a:buChar char="Ø"/>
-            </a:pPr>
-            <a:r>
-              <a:rPr lang="en-US" sz="2500" dirty="0" smtClean="0">
-                <a:solidFill>
-                  <a:srgbClr val="242021"/>
-                </a:solidFill>
-                <a:latin typeface="LinLibertineT"/>
-              </a:rPr>
-              <a:t> exploits </a:t>
-            </a:r>
-            <a:r>
-              <a:rPr lang="en-US" sz="2500" dirty="0">
-                <a:solidFill>
-                  <a:srgbClr val="242021"/>
-                </a:solidFill>
-                <a:latin typeface="LinLibertineT"/>
-              </a:rPr>
-              <a:t>both text and network features and weights the </a:t>
-            </a:r>
-            <a:r>
-              <a:rPr lang="en-US" sz="2500" dirty="0" smtClean="0">
-                <a:solidFill>
-                  <a:srgbClr val="242021"/>
-                </a:solidFill>
-                <a:latin typeface="LinLibertineT"/>
-              </a:rPr>
-              <a:t>features</a:t>
-            </a:r>
-          </a:p>
-          <a:p>
-            <a:pPr>
-              <a:lnSpc>
-                <a:spcPct val="150000"/>
-              </a:lnSpc>
-              <a:buFont typeface="Wingdings" panose="05000000000000000000" pitchFamily="2" charset="2"/>
-              <a:buChar char="Ø"/>
-            </a:pPr>
-            <a:r>
-              <a:rPr lang="en-US" sz="2500" dirty="0" smtClean="0">
-                <a:solidFill>
-                  <a:srgbClr val="242021"/>
-                </a:solidFill>
-                <a:latin typeface="LinLibertineT"/>
-              </a:rPr>
-              <a:t> outperforms </a:t>
-            </a:r>
-            <a:r>
-              <a:rPr lang="en-US" sz="2500" dirty="0">
-                <a:solidFill>
-                  <a:srgbClr val="242021"/>
-                </a:solidFill>
-                <a:latin typeface="LinLibertineT"/>
-              </a:rPr>
-              <a:t>other geotagging algorithms</a:t>
-            </a:r>
-            <a:endParaRPr lang="en-US" sz="2500" dirty="0" smtClean="0">
-              <a:solidFill>
-                <a:srgbClr val="242021"/>
-              </a:solidFill>
-              <a:latin typeface="LinLibertineT"/>
-            </a:endParaRPr>
-          </a:p>
-          <a:p>
-            <a:pPr>
-              <a:lnSpc>
-                <a:spcPct val="150000"/>
-              </a:lnSpc>
-              <a:buFont typeface="Wingdings" panose="05000000000000000000" pitchFamily="2" charset="2"/>
-              <a:buChar char="Ø"/>
-            </a:pPr>
-            <a:r>
-              <a:rPr lang="en-US" sz="2500" dirty="0" smtClean="0">
-                <a:solidFill>
-                  <a:srgbClr val="242021"/>
-                </a:solidFill>
-                <a:latin typeface="LinLibertineT"/>
-              </a:rPr>
-              <a:t> the </a:t>
-            </a:r>
-            <a:r>
-              <a:rPr lang="en-US" sz="2500" dirty="0">
-                <a:solidFill>
-                  <a:srgbClr val="242021"/>
-                </a:solidFill>
-                <a:latin typeface="LinLibertineT"/>
-              </a:rPr>
-              <a:t>median distance between the most probable location to the true origin of a single tweet is only 19km on </a:t>
-            </a:r>
-            <a:r>
-              <a:rPr lang="en-US" sz="2500" dirty="0" smtClean="0">
-                <a:solidFill>
-                  <a:srgbClr val="242021"/>
-                </a:solidFill>
-                <a:latin typeface="LinLibertineT"/>
-              </a:rPr>
-              <a:t>average</a:t>
-            </a:r>
-            <a:endParaRPr lang="en-US" sz="2500" dirty="0">
-              <a:solidFill>
-                <a:srgbClr val="242021"/>
-              </a:solidFill>
-              <a:latin typeface="LinLibertineT"/>
-            </a:endParaRPr>
-          </a:p>
-        </p:txBody>
-      </p:sp>
-    </p:spTree>
-    <p:extLst>
-      <p:ext uri="{BB962C8B-B14F-4D97-AF65-F5344CB8AC3E}">
-        <p14:creationId xmlns:p14="http://schemas.microsoft.com/office/powerpoint/2010/main" val="3492047636"/>
-      </p:ext>
-    </p:extLst>
-  </p:cSld>
-  <p:clrMapOvr>
-    <a:masterClrMapping/>
-  </p:clrMapOvr>
-  <p:timing>
-    <p:tnLst>
-      <p:par>
-        <p:cTn id="1" dur="indefinite" restart="never" nodeType="tmRoot"/>
-      </p:par>
-    </p:tnLst>
-  </p:timing>
-</p:sld>
-</file>
-
-<file path=ppt/slides/slide39.xml><?xml version="1.0" encoding="utf-8"?>
-<p:sld xmlns:a="http://schemas.openxmlformats.org/drawingml/2006/main" xmlns:r="http://schemas.openxmlformats.org/officeDocument/2006/relationships" xmlns:p="http://schemas.openxmlformats.org/presentationml/2006/main">
-  <p:cSld>
-    <p:spTree>
-      <p:nvGrpSpPr>
-        <p:cNvPr id="1" name=""/>
-        <p:cNvGrpSpPr/>
-        <p:nvPr/>
-      </p:nvGrpSpPr>
-      <p:grpSpPr>
-        <a:xfrm>
-          <a:off x="0" y="0"/>
-          <a:ext cx="0" cy="0"/>
-          <a:chOff x="0" y="0"/>
-          <a:chExt cx="0" cy="0"/>
-        </a:xfrm>
-      </p:grpSpPr>
-      <p:sp>
-        <p:nvSpPr>
-          <p:cNvPr id="2" name="Slide Number Placeholder 1"/>
-          <p:cNvSpPr>
-            <a:spLocks noGrp="1"/>
-          </p:cNvSpPr>
-          <p:nvPr>
-            <p:ph type="sldNum" sz="quarter" idx="12"/>
-          </p:nvPr>
-        </p:nvSpPr>
-        <p:spPr/>
-        <p:txBody>
-          <a:bodyPr/>
-          <a:lstStyle/>
-          <a:p>
-            <a:fld id="{18087783-62FF-446C-A2E4-4C6B0B0DE16F}" type="slidenum">
-              <a:rPr lang="en-US" smtClean="0"/>
-              <a:t>39</a:t>
-            </a:fld>
-            <a:endParaRPr lang="en-US"/>
-          </a:p>
-        </p:txBody>
-      </p:sp>
-      <p:sp>
-        <p:nvSpPr>
-          <p:cNvPr id="3" name="Title 1"/>
-          <p:cNvSpPr txBox="1">
-            <a:spLocks/>
-          </p:cNvSpPr>
-          <p:nvPr/>
-        </p:nvSpPr>
-        <p:spPr>
-          <a:xfrm>
-            <a:off x="976257" y="530352"/>
-            <a:ext cx="10058400" cy="3355848"/>
-          </a:xfrm>
-          <a:prstGeom prst="rect">
-            <a:avLst/>
-          </a:prstGeom>
-        </p:spPr>
-        <p:txBody>
-          <a:bodyPr>
-            <a:noAutofit/>
-          </a:bodyPr>
-          <a:lstStyle>
-            <a:lvl1pPr algn="l" defTabSz="914400" rtl="0" eaLnBrk="1" latinLnBrk="0" hangingPunct="1">
-              <a:lnSpc>
-                <a:spcPct val="85000"/>
-              </a:lnSpc>
-              <a:spcBef>
-                <a:spcPct val="0"/>
-              </a:spcBef>
-              <a:buNone/>
-              <a:defRPr sz="4800" kern="1200" spc="-50" baseline="0">
-                <a:solidFill>
-                  <a:schemeClr val="tx1">
-                    <a:lumMod val="75000"/>
-                    <a:lumOff val="25000"/>
-                  </a:schemeClr>
-                </a:solidFill>
-                <a:latin typeface="+mj-lt"/>
-                <a:ea typeface="+mj-ea"/>
-                <a:cs typeface="+mj-cs"/>
-              </a:defRPr>
-            </a:lvl1pPr>
-          </a:lstStyle>
-          <a:p>
-            <a:pPr algn="ctr">
-              <a:lnSpc>
-                <a:spcPct val="100000"/>
-              </a:lnSpc>
-            </a:pPr>
-            <a:endParaRPr lang="en-US" sz="8000" b="1" dirty="0" smtClean="0"/>
-          </a:p>
-          <a:p>
-            <a:pPr algn="ctr">
-              <a:lnSpc>
-                <a:spcPct val="100000"/>
-              </a:lnSpc>
-            </a:pPr>
-            <a:r>
-              <a:rPr lang="en-US" sz="8000" b="1" dirty="0" smtClean="0"/>
-              <a:t>Tanks for your </a:t>
-            </a:r>
-          </a:p>
-          <a:p>
-            <a:pPr algn="ctr">
-              <a:lnSpc>
-                <a:spcPct val="100000"/>
-              </a:lnSpc>
-            </a:pPr>
-            <a:r>
-              <a:rPr lang="en-US" sz="8000" b="1" dirty="0" smtClean="0"/>
-              <a:t>attention :)</a:t>
-            </a:r>
-            <a:endParaRPr lang="en-US" sz="2000" dirty="0" smtClean="0"/>
-          </a:p>
-        </p:txBody>
-      </p:sp>
-    </p:spTree>
-    <p:extLst>
-      <p:ext uri="{BB962C8B-B14F-4D97-AF65-F5344CB8AC3E}">
-        <p14:creationId xmlns:p14="http://schemas.microsoft.com/office/powerpoint/2010/main" val="743972839"/>
-      </p:ext>
-    </p:extLst>
-  </p:cSld>
-  <p:clrMapOvr>
-    <a:masterClrMapping/>
-  </p:clrMapOvr>
-  <p:timing>
-    <p:tnLst>
-      <p:par>
-        <p:cTn id="1" dur="indefinite" restart="never" nodeType="tmRoot"/>
       </p:par>
     </p:tnLst>
   </p:timing>

--- a/Text Localization.pptx
+++ b/Text Localization.pptx
@@ -5,7 +5,7 @@
     <p:sldMasterId id="2147483696" r:id="rId1"/>
   </p:sldMasterIdLst>
   <p:notesMasterIdLst>
-    <p:notesMasterId r:id="rId25"/>
+    <p:notesMasterId r:id="rId34"/>
   </p:notesMasterIdLst>
   <p:sldIdLst>
     <p:sldId id="272" r:id="rId2"/>
@@ -31,6 +31,15 @@
     <p:sldId id="332" r:id="rId22"/>
     <p:sldId id="333" r:id="rId23"/>
     <p:sldId id="315" r:id="rId24"/>
+    <p:sldId id="334" r:id="rId25"/>
+    <p:sldId id="335" r:id="rId26"/>
+    <p:sldId id="337" r:id="rId27"/>
+    <p:sldId id="336" r:id="rId28"/>
+    <p:sldId id="338" r:id="rId29"/>
+    <p:sldId id="339" r:id="rId30"/>
+    <p:sldId id="340" r:id="rId31"/>
+    <p:sldId id="341" r:id="rId32"/>
+    <p:sldId id="342" r:id="rId33"/>
   </p:sldIdLst>
   <p:sldSz cx="12192000" cy="6858000"/>
   <p:notesSz cx="6858000" cy="9144000"/>
@@ -6747,7 +6756,7 @@
               <a:rPr lang="fa-IR" dirty="0" smtClean="0">
                 <a:cs typeface="B Nazanin" panose="00000400000000000000" pitchFamily="2" charset="-78"/>
               </a:rPr>
-              <a:t>تابع هزینه</a:t>
+              <a:t>تابع خطا</a:t>
             </a:r>
             <a:endParaRPr lang="en-US" dirty="0">
               <a:cs typeface="B Nazanin" panose="00000400000000000000" pitchFamily="2" charset="-78"/>
@@ -16068,8 +16077,8 @@
           </a:p>
         </p:txBody>
       </p:sp>
-      <mc:AlternateContent xmlns:mc="http://schemas.openxmlformats.org/markup-compatibility/2006">
-        <mc:Choice xmlns:a14="http://schemas.microsoft.com/office/drawing/2010/main" Requires="a14">
+      <mc:AlternateContent xmlns:mc="http://schemas.openxmlformats.org/markup-compatibility/2006" xmlns:a14="http://schemas.microsoft.com/office/drawing/2010/main">
+        <mc:Choice Requires="a14">
           <p:sp>
             <p:nvSpPr>
               <p:cNvPr id="5" name="Rectangle 4"/>
@@ -16091,6 +16100,7 @@
               </a:bodyPr>
               <a:lstStyle/>
               <a:p>
+                <a:pPr/>
                 <a14:m>
                   <m:oMathPara xmlns:m="http://schemas.openxmlformats.org/officeDocument/2006/math">
                     <m:oMathParaPr>
@@ -16100,7 +16110,7 @@
                       <m:sSub>
                         <m:sSubPr>
                           <m:ctrlPr>
-                            <a:rPr lang="en-US" sz="2400">
+                            <a:rPr lang="en-US" sz="2400" i="1">
                               <a:latin typeface="Cambria Math" panose="02040503050406030204" pitchFamily="18" charset="0"/>
                             </a:rPr>
                           </m:ctrlPr>
@@ -16427,7 +16437,7 @@
             </p:txBody>
           </p:sp>
         </mc:Choice>
-        <mc:Fallback>
+        <mc:Fallback xmlns="">
           <p:sp>
             <p:nvSpPr>
               <p:cNvPr id="5" name="Rectangle 4"/>
@@ -16703,8 +16713,8 @@
           </a:p>
         </p:txBody>
       </p:sp>
-      <mc:AlternateContent xmlns:mc="http://schemas.openxmlformats.org/markup-compatibility/2006">
-        <mc:Choice xmlns:a14="http://schemas.microsoft.com/office/drawing/2010/main" Requires="a14">
+      <mc:AlternateContent xmlns:mc="http://schemas.openxmlformats.org/markup-compatibility/2006" xmlns:a14="http://schemas.microsoft.com/office/drawing/2010/main">
+        <mc:Choice Requires="a14">
           <p:sp>
             <p:nvSpPr>
               <p:cNvPr id="11" name="TextBox 10"/>
@@ -16764,6 +16774,7 @@
                             <a:solidFill>
                               <a:srgbClr val="FF0000"/>
                             </a:solidFill>
+                            <a:latin typeface="Cambria Math" panose="02040503050406030204" pitchFamily="18" charset="0"/>
                           </a:rPr>
                         </m:ctrlPr>
                       </m:sSubPr>
@@ -16773,6 +16784,7 @@
                             <a:solidFill>
                               <a:srgbClr val="FF0000"/>
                             </a:solidFill>
+                            <a:latin typeface="Cambria Math" panose="02040503050406030204" pitchFamily="18" charset="0"/>
                           </a:rPr>
                           <m:t>𝐾</m:t>
                         </m:r>
@@ -16783,6 +16795,7 @@
                             <a:solidFill>
                               <a:srgbClr val="FF0000"/>
                             </a:solidFill>
+                            <a:latin typeface="Cambria Math" panose="02040503050406030204" pitchFamily="18" charset="0"/>
                           </a:rPr>
                           <m:t>𝑖</m:t>
                         </m:r>
@@ -16799,17 +16812,11 @@
                   </a:rPr>
                   <a:t> </a:t>
                 </a:r>
-                <a:endParaRPr lang="en-US" sz="2000" dirty="0">
-                  <a:solidFill>
-                    <a:srgbClr val="FF0000"/>
-                  </a:solidFill>
-                  <a:cs typeface="B Nazanin" panose="00000400000000000000" pitchFamily="2" charset="-78"/>
-                </a:endParaRPr>
               </a:p>
             </p:txBody>
           </p:sp>
         </mc:Choice>
-        <mc:Fallback>
+        <mc:Fallback xmlns="">
           <p:sp>
             <p:nvSpPr>
               <p:cNvPr id="11" name="TextBox 10"/>
@@ -16848,8 +16855,8 @@
           </p:sp>
         </mc:Fallback>
       </mc:AlternateContent>
-      <mc:AlternateContent xmlns:mc="http://schemas.openxmlformats.org/markup-compatibility/2006">
-        <mc:Choice xmlns:a14="http://schemas.microsoft.com/office/drawing/2010/main" Requires="a14">
+      <mc:AlternateContent xmlns:mc="http://schemas.openxmlformats.org/markup-compatibility/2006" xmlns:a14="http://schemas.microsoft.com/office/drawing/2010/main">
+        <mc:Choice Requires="a14">
           <p:sp>
             <p:nvSpPr>
               <p:cNvPr id="12" name="Rectangle 11"/>
@@ -16871,6 +16878,7 @@
               </a:bodyPr>
               <a:lstStyle/>
               <a:p>
+                <a:pPr/>
                 <a14:m>
                   <m:oMathPara xmlns:m="http://schemas.openxmlformats.org/officeDocument/2006/math">
                     <m:oMathParaPr>
@@ -17143,7 +17151,7 @@
             </p:txBody>
           </p:sp>
         </mc:Choice>
-        <mc:Fallback>
+        <mc:Fallback xmlns="">
           <p:sp>
             <p:nvSpPr>
               <p:cNvPr id="12" name="Rectangle 11"/>
@@ -17222,12 +17230,6 @@
               </a:rPr>
               <a:t>p </a:t>
             </a:r>
-            <a:endParaRPr lang="en-US" sz="2000" dirty="0">
-              <a:solidFill>
-                <a:srgbClr val="FF0000"/>
-              </a:solidFill>
-              <a:cs typeface="B Nazanin" panose="00000400000000000000" pitchFamily="2" charset="-78"/>
-            </a:endParaRPr>
           </a:p>
         </p:txBody>
       </p:sp>
@@ -17369,8 +17371,8 @@
           </a:p>
         </p:txBody>
       </p:sp>
-      <mc:AlternateContent xmlns:mc="http://schemas.openxmlformats.org/markup-compatibility/2006">
-        <mc:Choice xmlns:a14="http://schemas.microsoft.com/office/drawing/2010/main" Requires="a14">
+      <mc:AlternateContent xmlns:mc="http://schemas.openxmlformats.org/markup-compatibility/2006" xmlns:a14="http://schemas.microsoft.com/office/drawing/2010/main">
+        <mc:Choice Requires="a14">
           <p:sp>
             <p:nvSpPr>
               <p:cNvPr id="18" name="TextBox 17"/>
@@ -17412,6 +17414,7 @@
                             <a:solidFill>
                               <a:srgbClr val="FF0000"/>
                             </a:solidFill>
+                            <a:latin typeface="Cambria Math" panose="02040503050406030204" pitchFamily="18" charset="0"/>
                           </a:rPr>
                         </m:ctrlPr>
                       </m:sSubPr>
@@ -17421,6 +17424,7 @@
                             <a:solidFill>
                               <a:srgbClr val="FF0000"/>
                             </a:solidFill>
+                            <a:latin typeface="Cambria Math" panose="02040503050406030204" pitchFamily="18" charset="0"/>
                           </a:rPr>
                           <m:t>𝐾</m:t>
                         </m:r>
@@ -17431,6 +17435,7 @@
                             <a:solidFill>
                               <a:srgbClr val="FF0000"/>
                             </a:solidFill>
+                            <a:latin typeface="Cambria Math" panose="02040503050406030204" pitchFamily="18" charset="0"/>
                           </a:rPr>
                           <m:t>𝑖</m:t>
                         </m:r>
@@ -17448,7 +17453,7 @@
             </p:txBody>
           </p:sp>
         </mc:Choice>
-        <mc:Fallback>
+        <mc:Fallback xmlns="">
           <p:sp>
             <p:nvSpPr>
               <p:cNvPr id="18" name="TextBox 17"/>
@@ -18871,8 +18876,8 @@
           </a:p>
         </p:txBody>
       </p:sp>
-      <mc:AlternateContent xmlns:mc="http://schemas.openxmlformats.org/markup-compatibility/2006">
-        <mc:Choice xmlns:a14="http://schemas.microsoft.com/office/drawing/2010/main" Requires="a14">
+      <mc:AlternateContent xmlns:mc="http://schemas.openxmlformats.org/markup-compatibility/2006" xmlns:a14="http://schemas.microsoft.com/office/drawing/2010/main">
+        <mc:Choice Requires="a14">
           <p:sp>
             <p:nvSpPr>
               <p:cNvPr id="3" name="Content Placeholder 2"/>
@@ -18956,18 +18961,24 @@
                     <m:sSub>
                       <m:sSubPr>
                         <m:ctrlPr>
-                          <a:rPr lang="en-US" sz="2400" i="1"/>
+                          <a:rPr lang="en-US" sz="2400" i="1">
+                            <a:latin typeface="Cambria Math" panose="02040503050406030204" pitchFamily="18" charset="0"/>
+                          </a:rPr>
                         </m:ctrlPr>
                       </m:sSubPr>
                       <m:e>
                         <m:r>
-                          <a:rPr lang="en-US" sz="2400" i="1"/>
+                          <a:rPr lang="en-US" sz="2400" i="1">
+                            <a:latin typeface="Cambria Math" panose="02040503050406030204" pitchFamily="18" charset="0"/>
+                          </a:rPr>
                           <m:t>ℒ</m:t>
                         </m:r>
                       </m:e>
                       <m:sub>
                         <m:r>
-                          <a:rPr lang="en-US" sz="2400" i="1"/>
+                          <a:rPr lang="en-US" sz="2400" i="1">
+                            <a:latin typeface="Cambria Math" panose="02040503050406030204" pitchFamily="18" charset="0"/>
+                          </a:rPr>
                           <m:t>𝑑𝑖𝑠</m:t>
                         </m:r>
                       </m:sub>
@@ -18997,7 +19008,9 @@
                     <m:sSub>
                       <m:sSubPr>
                         <m:ctrlPr>
-                          <a:rPr lang="en-US" sz="2400" i="1"/>
+                          <a:rPr lang="en-US" sz="2400" i="1">
+                            <a:latin typeface="Cambria Math" panose="02040503050406030204" pitchFamily="18" charset="0"/>
+                          </a:rPr>
                         </m:ctrlPr>
                       </m:sSubPr>
                       <m:e>
@@ -19008,13 +19021,17 @@
                           <m:t> </m:t>
                         </m:r>
                         <m:r>
-                          <a:rPr lang="en-US" sz="2400" i="1"/>
+                          <a:rPr lang="en-US" sz="2400" i="1">
+                            <a:latin typeface="Cambria Math" panose="02040503050406030204" pitchFamily="18" charset="0"/>
+                          </a:rPr>
                           <m:t>𝛿</m:t>
                         </m:r>
                       </m:e>
                       <m:sub>
                         <m:r>
-                          <a:rPr lang="en-US" sz="2400" i="1"/>
+                          <a:rPr lang="en-US" sz="2400" i="1">
+                            <a:latin typeface="Cambria Math" panose="02040503050406030204" pitchFamily="18" charset="0"/>
+                          </a:rPr>
                           <m:t>𝑑𝑖𝑠</m:t>
                         </m:r>
                       </m:sub>
@@ -19064,7 +19081,7 @@
             </p:txBody>
           </p:sp>
         </mc:Choice>
-        <mc:Fallback>
+        <mc:Fallback xmlns="">
           <p:sp>
             <p:nvSpPr>
               <p:cNvPr id="3" name="Content Placeholder 2"/>
@@ -19121,8 +19138,8 @@
           </a:p>
         </p:txBody>
       </p:sp>
-      <mc:AlternateContent xmlns:mc="http://schemas.openxmlformats.org/markup-compatibility/2006">
-        <mc:Choice xmlns:a14="http://schemas.microsoft.com/office/drawing/2010/main" Requires="a14">
+      <mc:AlternateContent xmlns:mc="http://schemas.openxmlformats.org/markup-compatibility/2006" xmlns:a14="http://schemas.microsoft.com/office/drawing/2010/main">
+        <mc:Choice Requires="a14">
           <p:sp>
             <p:nvSpPr>
               <p:cNvPr id="5" name="Rectangle 4"/>
@@ -20189,7 +20206,7 @@
             </p:txBody>
           </p:sp>
         </mc:Choice>
-        <mc:Fallback>
+        <mc:Fallback xmlns="">
           <p:sp>
             <p:nvSpPr>
               <p:cNvPr id="5" name="Rectangle 4"/>
@@ -20658,6 +20675,2839 @@
 </p:sld>
 </file>
 
+<file path=ppt/slides/slide24.xml><?xml version="1.0" encoding="utf-8"?>
+<p:sld xmlns:a="http://schemas.openxmlformats.org/drawingml/2006/main" xmlns:r="http://schemas.openxmlformats.org/officeDocument/2006/relationships" xmlns:p="http://schemas.openxmlformats.org/presentationml/2006/main">
+  <p:cSld>
+    <p:spTree>
+      <p:nvGrpSpPr>
+        <p:cNvPr id="1" name=""/>
+        <p:cNvGrpSpPr/>
+        <p:nvPr/>
+      </p:nvGrpSpPr>
+      <p:grpSpPr>
+        <a:xfrm>
+          <a:off x="0" y="0"/>
+          <a:ext cx="0" cy="0"/>
+          <a:chOff x="0" y="0"/>
+          <a:chExt cx="0" cy="0"/>
+        </a:xfrm>
+      </p:grpSpPr>
+      <p:sp>
+        <p:nvSpPr>
+          <p:cNvPr id="2" name="Title 1"/>
+          <p:cNvSpPr>
+            <a:spLocks noGrp="1"/>
+          </p:cNvSpPr>
+          <p:nvPr>
+            <p:ph type="title"/>
+          </p:nvPr>
+        </p:nvSpPr>
+        <p:spPr/>
+        <p:txBody>
+          <a:bodyPr/>
+          <a:lstStyle/>
+          <a:p>
+            <a:pPr algn="r" rtl="1"/>
+            <a:r>
+              <a:rPr lang="fa-IR" dirty="0" smtClean="0">
+                <a:cs typeface="B Nazanin" panose="00000400000000000000" pitchFamily="2" charset="-78"/>
+              </a:rPr>
+              <a:t>روش </a:t>
+            </a:r>
+            <a:r>
+              <a:rPr lang="fa-IR" dirty="0">
+                <a:cs typeface="B Nazanin" panose="00000400000000000000" pitchFamily="2" charset="-78"/>
+              </a:rPr>
+              <a:t>پیشنهادی این مقاله</a:t>
+            </a:r>
+            <a:endParaRPr lang="en-US" dirty="0"/>
+          </a:p>
+        </p:txBody>
+      </p:sp>
+      <p:sp>
+        <p:nvSpPr>
+          <p:cNvPr id="3" name="Content Placeholder 2"/>
+          <p:cNvSpPr>
+            <a:spLocks noGrp="1"/>
+          </p:cNvSpPr>
+          <p:nvPr>
+            <p:ph idx="1"/>
+          </p:nvPr>
+        </p:nvSpPr>
+        <p:spPr/>
+        <p:txBody>
+          <a:bodyPr>
+            <a:normAutofit fontScale="92500"/>
+          </a:bodyPr>
+          <a:lstStyle/>
+          <a:p>
+            <a:pPr algn="just" rtl="1"/>
+            <a:r>
+              <a:rPr lang="fa-IR" sz="2400" dirty="0">
+                <a:cs typeface="B Nazanin" panose="00000400000000000000" pitchFamily="2" charset="-78"/>
+              </a:rPr>
+              <a:t>روشی که در این مقاله پیشنهاد شده است به این صورت است که </a:t>
+            </a:r>
+            <a:r>
+              <a:rPr lang="fa-IR" sz="2400" dirty="0">
+                <a:solidFill>
+                  <a:srgbClr val="FF0000"/>
+                </a:solidFill>
+                <a:cs typeface="B Nazanin" panose="00000400000000000000" pitchFamily="2" charset="-78"/>
+              </a:rPr>
+              <a:t>مکان هر کاراکتر را به صورت جداگانه </a:t>
+            </a:r>
+            <a:r>
+              <a:rPr lang="fa-IR" sz="2400" dirty="0">
+                <a:cs typeface="B Nazanin" panose="00000400000000000000" pitchFamily="2" charset="-78"/>
+              </a:rPr>
+              <a:t>تشخیص دهد و سپس با </a:t>
+            </a:r>
+            <a:r>
+              <a:rPr lang="fa-IR" sz="2400" dirty="0">
+                <a:solidFill>
+                  <a:srgbClr val="FF0000"/>
+                </a:solidFill>
+                <a:cs typeface="B Nazanin" panose="00000400000000000000" pitchFamily="2" charset="-78"/>
+              </a:rPr>
+              <a:t>ترکیب کاراکتر های </a:t>
+            </a:r>
+            <a:r>
+              <a:rPr lang="fa-IR" sz="2400" dirty="0">
+                <a:cs typeface="B Nazanin" panose="00000400000000000000" pitchFamily="2" charset="-78"/>
+              </a:rPr>
+              <a:t>تشخیص داده شده، مکان متن را مشخص کنند. اسم این روش را </a:t>
+            </a:r>
+            <a:r>
+              <a:rPr lang="en-US" sz="2400" b="1" dirty="0">
+                <a:cs typeface="B Nazanin" panose="00000400000000000000" pitchFamily="2" charset="-78"/>
+              </a:rPr>
+              <a:t>CRAFT</a:t>
+            </a:r>
+            <a:r>
+              <a:rPr lang="fa-IR" sz="2400" dirty="0">
+                <a:cs typeface="B Nazanin" panose="00000400000000000000" pitchFamily="2" charset="-78"/>
+              </a:rPr>
+              <a:t> نامیدند. </a:t>
+            </a:r>
+            <a:endParaRPr lang="en-US" sz="2400" dirty="0" smtClean="0">
+              <a:cs typeface="B Nazanin" panose="00000400000000000000" pitchFamily="2" charset="-78"/>
+            </a:endParaRPr>
+          </a:p>
+          <a:p>
+            <a:pPr algn="just" rtl="1"/>
+            <a:r>
+              <a:rPr lang="fa-IR" sz="2400" dirty="0" smtClean="0">
+                <a:cs typeface="B Nazanin" panose="00000400000000000000" pitchFamily="2" charset="-78"/>
+              </a:rPr>
+              <a:t>خوبی </a:t>
+            </a:r>
+            <a:r>
+              <a:rPr lang="fa-IR" sz="2400" dirty="0">
+                <a:cs typeface="B Nazanin" panose="00000400000000000000" pitchFamily="2" charset="-78"/>
+              </a:rPr>
+              <a:t>این روش این است که می تواند همه اشکال متن، متن های منحی شکل و بد شکل را تشخیص دهد.</a:t>
+            </a:r>
+            <a:endParaRPr lang="en-US" sz="2400" dirty="0">
+              <a:cs typeface="B Nazanin" panose="00000400000000000000" pitchFamily="2" charset="-78"/>
+            </a:endParaRPr>
+          </a:p>
+          <a:p>
+            <a:pPr algn="just" rtl="1"/>
+            <a:r>
+              <a:rPr lang="fa-IR" sz="2400" dirty="0">
+                <a:cs typeface="B Nazanin" panose="00000400000000000000" pitchFamily="2" charset="-78"/>
+              </a:rPr>
+              <a:t>این روش از یک شبکه کانوولوشنی استفاده می کند که دو امتیاز را خروجی می </a:t>
+            </a:r>
+            <a:r>
+              <a:rPr lang="fa-IR" sz="2400" dirty="0" smtClean="0">
+                <a:cs typeface="B Nazanin" panose="00000400000000000000" pitchFamily="2" charset="-78"/>
+              </a:rPr>
+              <a:t>دهد</a:t>
+            </a:r>
+            <a:r>
+              <a:rPr lang="fa-IR" sz="2400" dirty="0">
+                <a:cs typeface="B Nazanin" panose="00000400000000000000" pitchFamily="2" charset="-78"/>
+              </a:rPr>
+              <a:t>:</a:t>
+            </a:r>
+            <a:endParaRPr lang="en-US" sz="2400" dirty="0" smtClean="0">
+              <a:cs typeface="B Nazanin" panose="00000400000000000000" pitchFamily="2" charset="-78"/>
+            </a:endParaRPr>
+          </a:p>
+          <a:p>
+            <a:pPr marL="749808" lvl="1" indent="-457200" algn="just" rtl="1">
+              <a:buFont typeface="+mj-lt"/>
+              <a:buAutoNum type="arabicPeriod"/>
+            </a:pPr>
+            <a:r>
+              <a:rPr lang="fa-IR" sz="2200" b="1" dirty="0" smtClean="0">
+                <a:solidFill>
+                  <a:srgbClr val="00B050"/>
+                </a:solidFill>
+                <a:cs typeface="B Nazanin" panose="00000400000000000000" pitchFamily="2" charset="-78"/>
+              </a:rPr>
+              <a:t>امتیاز </a:t>
+            </a:r>
+            <a:r>
+              <a:rPr lang="fa-IR" sz="2200" b="1" dirty="0">
+                <a:solidFill>
+                  <a:srgbClr val="00B050"/>
+                </a:solidFill>
+                <a:cs typeface="B Nazanin" panose="00000400000000000000" pitchFamily="2" charset="-78"/>
+              </a:rPr>
+              <a:t>ناحیه هر </a:t>
+            </a:r>
+            <a:r>
+              <a:rPr lang="fa-IR" sz="2200" b="1" dirty="0" smtClean="0">
+                <a:solidFill>
+                  <a:srgbClr val="00B050"/>
+                </a:solidFill>
+                <a:cs typeface="B Nazanin" panose="00000400000000000000" pitchFamily="2" charset="-78"/>
+              </a:rPr>
+              <a:t>کاراکتر </a:t>
+            </a:r>
+            <a:r>
+              <a:rPr lang="fa-IR" sz="2200" dirty="0" smtClean="0">
+                <a:cs typeface="B Nazanin" panose="00000400000000000000" pitchFamily="2" charset="-78"/>
+              </a:rPr>
+              <a:t>(</a:t>
+            </a:r>
+            <a:r>
+              <a:rPr lang="en-US" sz="2200" dirty="0" smtClean="0">
+                <a:cs typeface="B Nazanin" panose="00000400000000000000" pitchFamily="2" charset="-78"/>
+              </a:rPr>
+              <a:t>region score</a:t>
+            </a:r>
+            <a:r>
+              <a:rPr lang="fa-IR" sz="2200" dirty="0" smtClean="0">
+                <a:cs typeface="B Nazanin" panose="00000400000000000000" pitchFamily="2" charset="-78"/>
+              </a:rPr>
+              <a:t>) </a:t>
+            </a:r>
+            <a:endParaRPr lang="en-US" sz="2200" dirty="0">
+              <a:cs typeface="B Nazanin" panose="00000400000000000000" pitchFamily="2" charset="-78"/>
+            </a:endParaRPr>
+          </a:p>
+          <a:p>
+            <a:pPr marL="749808" lvl="1" indent="-457200" algn="just" rtl="1">
+              <a:buFont typeface="+mj-lt"/>
+              <a:buAutoNum type="arabicPeriod"/>
+            </a:pPr>
+            <a:r>
+              <a:rPr lang="fa-IR" sz="2200" b="1" dirty="0" smtClean="0">
+                <a:solidFill>
+                  <a:srgbClr val="00B050"/>
+                </a:solidFill>
+                <a:cs typeface="B Nazanin" panose="00000400000000000000" pitchFamily="2" charset="-78"/>
+              </a:rPr>
+              <a:t>امتیاز </a:t>
+            </a:r>
+            <a:r>
+              <a:rPr lang="fa-IR" sz="2200" b="1" dirty="0">
+                <a:solidFill>
+                  <a:srgbClr val="00B050"/>
+                </a:solidFill>
+                <a:cs typeface="B Nazanin" panose="00000400000000000000" pitchFamily="2" charset="-78"/>
+              </a:rPr>
+              <a:t>نزدیکی کاراکترها</a:t>
+            </a:r>
+            <a:r>
+              <a:rPr lang="fa-IR" sz="2200" b="1" dirty="0">
+                <a:solidFill>
+                  <a:schemeClr val="tx1"/>
+                </a:solidFill>
+                <a:cs typeface="B Nazanin" panose="00000400000000000000" pitchFamily="2" charset="-78"/>
+              </a:rPr>
+              <a:t>(</a:t>
+            </a:r>
+            <a:r>
+              <a:rPr lang="en-US" sz="2200" dirty="0">
+                <a:cs typeface="B Nazanin" panose="00000400000000000000" pitchFamily="2" charset="-78"/>
+              </a:rPr>
+              <a:t>affinity score</a:t>
+            </a:r>
+            <a:r>
+              <a:rPr lang="fa-IR" sz="2200" dirty="0" smtClean="0">
+                <a:cs typeface="B Nazanin" panose="00000400000000000000" pitchFamily="2" charset="-78"/>
+              </a:rPr>
+              <a:t>)</a:t>
+            </a:r>
+          </a:p>
+          <a:p>
+            <a:pPr marL="292608" lvl="1" indent="0" algn="just" rtl="1">
+              <a:buNone/>
+            </a:pPr>
+            <a:endParaRPr lang="en-US" sz="2200" dirty="0" smtClean="0">
+              <a:cs typeface="B Nazanin" panose="00000400000000000000" pitchFamily="2" charset="-78"/>
+            </a:endParaRPr>
+          </a:p>
+          <a:p>
+            <a:pPr algn="just" rtl="1"/>
+            <a:r>
+              <a:rPr lang="fa-IR" sz="2400" dirty="0" smtClean="0">
+                <a:cs typeface="B Nazanin" panose="00000400000000000000" pitchFamily="2" charset="-78"/>
+              </a:rPr>
+              <a:t>برای </a:t>
+            </a:r>
+            <a:r>
+              <a:rPr lang="fa-IR" sz="2400" dirty="0">
+                <a:cs typeface="B Nazanin" panose="00000400000000000000" pitchFamily="2" charset="-78"/>
+              </a:rPr>
+              <a:t>جبران مشکل مشخص نبودن مکان کاراکترها در دیتاست اصلی، این مقاله یک یادگیری </a:t>
+            </a:r>
+            <a:r>
+              <a:rPr lang="en-US" sz="2400" dirty="0">
+                <a:solidFill>
+                  <a:srgbClr val="FF0000"/>
+                </a:solidFill>
+                <a:cs typeface="B Nazanin" panose="00000400000000000000" pitchFamily="2" charset="-78"/>
+              </a:rPr>
+              <a:t>weakly-supervised</a:t>
+            </a:r>
+            <a:r>
+              <a:rPr lang="fa-IR" sz="2400" dirty="0">
+                <a:cs typeface="B Nazanin" panose="00000400000000000000" pitchFamily="2" charset="-78"/>
+              </a:rPr>
+              <a:t> را برای تخمین مکان صحیح کاراکترها با استفاده از مکان واقعی کلمات مشخص شده در دیتاست پیشنهاد می دهد.</a:t>
+            </a:r>
+            <a:endParaRPr lang="en-US" sz="2400" dirty="0">
+              <a:cs typeface="B Nazanin" panose="00000400000000000000" pitchFamily="2" charset="-78"/>
+            </a:endParaRPr>
+          </a:p>
+          <a:p>
+            <a:pPr algn="just"/>
+            <a:endParaRPr lang="en-US" sz="2400" dirty="0">
+              <a:cs typeface="B Nazanin" panose="00000400000000000000" pitchFamily="2" charset="-78"/>
+            </a:endParaRPr>
+          </a:p>
+        </p:txBody>
+      </p:sp>
+      <p:sp>
+        <p:nvSpPr>
+          <p:cNvPr id="4" name="Slide Number Placeholder 3"/>
+          <p:cNvSpPr>
+            <a:spLocks noGrp="1"/>
+          </p:cNvSpPr>
+          <p:nvPr>
+            <p:ph type="sldNum" sz="quarter" idx="12"/>
+          </p:nvPr>
+        </p:nvSpPr>
+        <p:spPr/>
+        <p:txBody>
+          <a:bodyPr/>
+          <a:lstStyle/>
+          <a:p>
+            <a:fld id="{18087783-62FF-446C-A2E4-4C6B0B0DE16F}" type="slidenum">
+              <a:rPr lang="en-US" smtClean="0"/>
+              <a:t>24</a:t>
+            </a:fld>
+            <a:endParaRPr lang="en-US"/>
+          </a:p>
+        </p:txBody>
+      </p:sp>
+      <p:sp>
+        <p:nvSpPr>
+          <p:cNvPr id="5" name="Right Arrow 4"/>
+          <p:cNvSpPr/>
+          <p:nvPr/>
+        </p:nvSpPr>
+        <p:spPr>
+          <a:xfrm rot="10800000">
+            <a:off x="5937373" y="3543014"/>
+            <a:ext cx="894944" cy="223736"/>
+          </a:xfrm>
+          <a:prstGeom prst="rightArrow">
+            <a:avLst/>
+          </a:prstGeom>
+          <a:solidFill>
+            <a:schemeClr val="accent2">
+              <a:alpha val="50000"/>
+            </a:schemeClr>
+          </a:solidFill>
+          <a:ln>
+            <a:noFill/>
+          </a:ln>
+        </p:spPr>
+        <p:style>
+          <a:lnRef idx="0">
+            <a:scrgbClr r="0" g="0" b="0"/>
+          </a:lnRef>
+          <a:fillRef idx="0">
+            <a:scrgbClr r="0" g="0" b="0"/>
+          </a:fillRef>
+          <a:effectRef idx="0">
+            <a:scrgbClr r="0" g="0" b="0"/>
+          </a:effectRef>
+          <a:fontRef idx="minor">
+            <a:schemeClr val="lt1"/>
+          </a:fontRef>
+        </p:style>
+        <p:txBody>
+          <a:bodyPr rtlCol="0" anchor="ctr"/>
+          <a:lstStyle/>
+          <a:p>
+            <a:pPr algn="ctr"/>
+            <a:endParaRPr lang="en-US"/>
+          </a:p>
+        </p:txBody>
+      </p:sp>
+      <p:sp>
+        <p:nvSpPr>
+          <p:cNvPr id="6" name="Right Arrow 5"/>
+          <p:cNvSpPr/>
+          <p:nvPr/>
+        </p:nvSpPr>
+        <p:spPr>
+          <a:xfrm rot="10800000">
+            <a:off x="5937374" y="3875335"/>
+            <a:ext cx="894944" cy="223736"/>
+          </a:xfrm>
+          <a:prstGeom prst="rightArrow">
+            <a:avLst/>
+          </a:prstGeom>
+          <a:solidFill>
+            <a:schemeClr val="accent2">
+              <a:alpha val="50000"/>
+            </a:schemeClr>
+          </a:solidFill>
+          <a:ln>
+            <a:noFill/>
+          </a:ln>
+        </p:spPr>
+        <p:style>
+          <a:lnRef idx="0">
+            <a:scrgbClr r="0" g="0" b="0"/>
+          </a:lnRef>
+          <a:fillRef idx="0">
+            <a:scrgbClr r="0" g="0" b="0"/>
+          </a:fillRef>
+          <a:effectRef idx="0">
+            <a:scrgbClr r="0" g="0" b="0"/>
+          </a:effectRef>
+          <a:fontRef idx="minor">
+            <a:schemeClr val="lt1"/>
+          </a:fontRef>
+        </p:style>
+        <p:txBody>
+          <a:bodyPr rtlCol="0" anchor="ctr"/>
+          <a:lstStyle/>
+          <a:p>
+            <a:pPr algn="ctr"/>
+            <a:endParaRPr lang="en-US"/>
+          </a:p>
+        </p:txBody>
+      </p:sp>
+      <p:sp>
+        <p:nvSpPr>
+          <p:cNvPr id="7" name="TextBox 6"/>
+          <p:cNvSpPr txBox="1"/>
+          <p:nvPr/>
+        </p:nvSpPr>
+        <p:spPr>
+          <a:xfrm>
+            <a:off x="2961878" y="3431132"/>
+            <a:ext cx="3017173" cy="400110"/>
+          </a:xfrm>
+          <a:prstGeom prst="rect">
+            <a:avLst/>
+          </a:prstGeom>
+          <a:noFill/>
+        </p:spPr>
+        <p:txBody>
+          <a:bodyPr wrap="none" rtlCol="0">
+            <a:spAutoFit/>
+          </a:bodyPr>
+          <a:lstStyle/>
+          <a:p>
+            <a:r>
+              <a:rPr lang="fa-IR" sz="2000" dirty="0" smtClean="0">
+                <a:cs typeface="B Nazanin" panose="00000400000000000000" pitchFamily="2" charset="-78"/>
+              </a:rPr>
+              <a:t>مکان </a:t>
+            </a:r>
+            <a:r>
+              <a:rPr lang="fa-IR" sz="2000" dirty="0">
+                <a:cs typeface="B Nazanin" panose="00000400000000000000" pitchFamily="2" charset="-78"/>
+              </a:rPr>
+              <a:t>هر کاراکتر را مشخص می </a:t>
+            </a:r>
+            <a:r>
+              <a:rPr lang="fa-IR" sz="2000" dirty="0" smtClean="0">
+                <a:cs typeface="B Nazanin" panose="00000400000000000000" pitchFamily="2" charset="-78"/>
+              </a:rPr>
+              <a:t>کند.</a:t>
+            </a:r>
+            <a:endParaRPr lang="en-US" sz="2000" dirty="0"/>
+          </a:p>
+        </p:txBody>
+      </p:sp>
+      <p:sp>
+        <p:nvSpPr>
+          <p:cNvPr id="12" name="TextBox 11"/>
+          <p:cNvSpPr txBox="1"/>
+          <p:nvPr/>
+        </p:nvSpPr>
+        <p:spPr>
+          <a:xfrm>
+            <a:off x="2379989" y="3787148"/>
+            <a:ext cx="3557384" cy="400110"/>
+          </a:xfrm>
+          <a:prstGeom prst="rect">
+            <a:avLst/>
+          </a:prstGeom>
+          <a:noFill/>
+        </p:spPr>
+        <p:txBody>
+          <a:bodyPr wrap="none" rtlCol="0">
+            <a:spAutoFit/>
+          </a:bodyPr>
+          <a:lstStyle/>
+          <a:p>
+            <a:r>
+              <a:rPr lang="fa-IR" sz="2000" dirty="0" smtClean="0">
+                <a:cs typeface="B Nazanin" panose="00000400000000000000" pitchFamily="2" charset="-78"/>
+              </a:rPr>
+              <a:t>برای </a:t>
+            </a:r>
+            <a:r>
+              <a:rPr lang="fa-IR" sz="2000" dirty="0">
+                <a:cs typeface="B Nazanin" panose="00000400000000000000" pitchFamily="2" charset="-78"/>
+              </a:rPr>
+              <a:t>گروه </a:t>
+            </a:r>
+            <a:r>
+              <a:rPr lang="fa-IR" sz="2000" dirty="0" smtClean="0">
+                <a:cs typeface="B Nazanin" panose="00000400000000000000" pitchFamily="2" charset="-78"/>
+              </a:rPr>
+              <a:t>بندی کاراکترها استفاده می شوند</a:t>
+            </a:r>
+            <a:endParaRPr lang="en-US" sz="2000" dirty="0"/>
+          </a:p>
+        </p:txBody>
+      </p:sp>
+    </p:spTree>
+    <p:extLst>
+      <p:ext uri="{BB962C8B-B14F-4D97-AF65-F5344CB8AC3E}">
+        <p14:creationId xmlns:p14="http://schemas.microsoft.com/office/powerpoint/2010/main" val="2891467218"/>
+      </p:ext>
+    </p:extLst>
+  </p:cSld>
+  <p:clrMapOvr>
+    <a:masterClrMapping/>
+  </p:clrMapOvr>
+  <p:timing>
+    <p:tnLst>
+      <p:par>
+        <p:cTn id="1" dur="indefinite" restart="never" nodeType="tmRoot">
+          <p:childTnLst>
+            <p:seq concurrent="1" nextAc="seek">
+              <p:cTn id="2" dur="indefinite" nodeType="mainSeq">
+                <p:childTnLst>
+                  <p:par>
+                    <p:cTn id="3" fill="hold">
+                      <p:stCondLst>
+                        <p:cond delay="indefinite"/>
+                      </p:stCondLst>
+                      <p:childTnLst>
+                        <p:par>
+                          <p:cTn id="4" fill="hold">
+                            <p:stCondLst>
+                              <p:cond delay="0"/>
+                            </p:stCondLst>
+                            <p:childTnLst>
+                              <p:par>
+                                <p:cTn id="5" presetID="10" presetClass="entr" presetSubtype="0" fill="hold" nodeType="clickEffect">
+                                  <p:stCondLst>
+                                    <p:cond delay="0"/>
+                                  </p:stCondLst>
+                                  <p:childTnLst>
+                                    <p:set>
+                                      <p:cBhvr>
+                                        <p:cTn id="6" dur="1" fill="hold">
+                                          <p:stCondLst>
+                                            <p:cond delay="0"/>
+                                          </p:stCondLst>
+                                        </p:cTn>
+                                        <p:tgtEl>
+                                          <p:spTgt spid="3">
+                                            <p:txEl>
+                                              <p:pRg st="0" end="0"/>
+                                            </p:txEl>
+                                          </p:spTgt>
+                                        </p:tgtEl>
+                                        <p:attrNameLst>
+                                          <p:attrName>style.visibility</p:attrName>
+                                        </p:attrNameLst>
+                                      </p:cBhvr>
+                                      <p:to>
+                                        <p:strVal val="visible"/>
+                                      </p:to>
+                                    </p:set>
+                                    <p:animEffect transition="in" filter="fade">
+                                      <p:cBhvr>
+                                        <p:cTn id="7" dur="500"/>
+                                        <p:tgtEl>
+                                          <p:spTgt spid="3">
+                                            <p:txEl>
+                                              <p:pRg st="0" end="0"/>
+                                            </p:txEl>
+                                          </p:spTgt>
+                                        </p:tgtEl>
+                                      </p:cBhvr>
+                                    </p:animEffect>
+                                  </p:childTnLst>
+                                </p:cTn>
+                              </p:par>
+                            </p:childTnLst>
+                          </p:cTn>
+                        </p:par>
+                      </p:childTnLst>
+                    </p:cTn>
+                  </p:par>
+                  <p:par>
+                    <p:cTn id="8" fill="hold">
+                      <p:stCondLst>
+                        <p:cond delay="indefinite"/>
+                      </p:stCondLst>
+                      <p:childTnLst>
+                        <p:par>
+                          <p:cTn id="9" fill="hold">
+                            <p:stCondLst>
+                              <p:cond delay="0"/>
+                            </p:stCondLst>
+                            <p:childTnLst>
+                              <p:par>
+                                <p:cTn id="10" presetID="10" presetClass="entr" presetSubtype="0" fill="hold" nodeType="clickEffect">
+                                  <p:stCondLst>
+                                    <p:cond delay="0"/>
+                                  </p:stCondLst>
+                                  <p:childTnLst>
+                                    <p:set>
+                                      <p:cBhvr>
+                                        <p:cTn id="11" dur="1" fill="hold">
+                                          <p:stCondLst>
+                                            <p:cond delay="0"/>
+                                          </p:stCondLst>
+                                        </p:cTn>
+                                        <p:tgtEl>
+                                          <p:spTgt spid="3">
+                                            <p:txEl>
+                                              <p:pRg st="1" end="1"/>
+                                            </p:txEl>
+                                          </p:spTgt>
+                                        </p:tgtEl>
+                                        <p:attrNameLst>
+                                          <p:attrName>style.visibility</p:attrName>
+                                        </p:attrNameLst>
+                                      </p:cBhvr>
+                                      <p:to>
+                                        <p:strVal val="visible"/>
+                                      </p:to>
+                                    </p:set>
+                                    <p:animEffect transition="in" filter="fade">
+                                      <p:cBhvr>
+                                        <p:cTn id="12" dur="500"/>
+                                        <p:tgtEl>
+                                          <p:spTgt spid="3">
+                                            <p:txEl>
+                                              <p:pRg st="1" end="1"/>
+                                            </p:txEl>
+                                          </p:spTgt>
+                                        </p:tgtEl>
+                                      </p:cBhvr>
+                                    </p:animEffect>
+                                  </p:childTnLst>
+                                </p:cTn>
+                              </p:par>
+                            </p:childTnLst>
+                          </p:cTn>
+                        </p:par>
+                      </p:childTnLst>
+                    </p:cTn>
+                  </p:par>
+                  <p:par>
+                    <p:cTn id="13" fill="hold">
+                      <p:stCondLst>
+                        <p:cond delay="indefinite"/>
+                      </p:stCondLst>
+                      <p:childTnLst>
+                        <p:par>
+                          <p:cTn id="14" fill="hold">
+                            <p:stCondLst>
+                              <p:cond delay="0"/>
+                            </p:stCondLst>
+                            <p:childTnLst>
+                              <p:par>
+                                <p:cTn id="15" presetID="10" presetClass="entr" presetSubtype="0" fill="hold" nodeType="clickEffect">
+                                  <p:stCondLst>
+                                    <p:cond delay="0"/>
+                                  </p:stCondLst>
+                                  <p:childTnLst>
+                                    <p:set>
+                                      <p:cBhvr>
+                                        <p:cTn id="16" dur="1" fill="hold">
+                                          <p:stCondLst>
+                                            <p:cond delay="0"/>
+                                          </p:stCondLst>
+                                        </p:cTn>
+                                        <p:tgtEl>
+                                          <p:spTgt spid="3">
+                                            <p:txEl>
+                                              <p:pRg st="2" end="2"/>
+                                            </p:txEl>
+                                          </p:spTgt>
+                                        </p:tgtEl>
+                                        <p:attrNameLst>
+                                          <p:attrName>style.visibility</p:attrName>
+                                        </p:attrNameLst>
+                                      </p:cBhvr>
+                                      <p:to>
+                                        <p:strVal val="visible"/>
+                                      </p:to>
+                                    </p:set>
+                                    <p:animEffect transition="in" filter="fade">
+                                      <p:cBhvr>
+                                        <p:cTn id="17" dur="500"/>
+                                        <p:tgtEl>
+                                          <p:spTgt spid="3">
+                                            <p:txEl>
+                                              <p:pRg st="2" end="2"/>
+                                            </p:txEl>
+                                          </p:spTgt>
+                                        </p:tgtEl>
+                                      </p:cBhvr>
+                                    </p:animEffect>
+                                  </p:childTnLst>
+                                </p:cTn>
+                              </p:par>
+                            </p:childTnLst>
+                          </p:cTn>
+                        </p:par>
+                      </p:childTnLst>
+                    </p:cTn>
+                  </p:par>
+                  <p:par>
+                    <p:cTn id="18" fill="hold">
+                      <p:stCondLst>
+                        <p:cond delay="indefinite"/>
+                      </p:stCondLst>
+                      <p:childTnLst>
+                        <p:par>
+                          <p:cTn id="19" fill="hold">
+                            <p:stCondLst>
+                              <p:cond delay="0"/>
+                            </p:stCondLst>
+                            <p:childTnLst>
+                              <p:par>
+                                <p:cTn id="20" presetID="10" presetClass="entr" presetSubtype="0" fill="hold" nodeType="clickEffect">
+                                  <p:stCondLst>
+                                    <p:cond delay="0"/>
+                                  </p:stCondLst>
+                                  <p:childTnLst>
+                                    <p:set>
+                                      <p:cBhvr>
+                                        <p:cTn id="21" dur="1" fill="hold">
+                                          <p:stCondLst>
+                                            <p:cond delay="0"/>
+                                          </p:stCondLst>
+                                        </p:cTn>
+                                        <p:tgtEl>
+                                          <p:spTgt spid="3">
+                                            <p:txEl>
+                                              <p:pRg st="3" end="3"/>
+                                            </p:txEl>
+                                          </p:spTgt>
+                                        </p:tgtEl>
+                                        <p:attrNameLst>
+                                          <p:attrName>style.visibility</p:attrName>
+                                        </p:attrNameLst>
+                                      </p:cBhvr>
+                                      <p:to>
+                                        <p:strVal val="visible"/>
+                                      </p:to>
+                                    </p:set>
+                                    <p:animEffect transition="in" filter="fade">
+                                      <p:cBhvr>
+                                        <p:cTn id="22" dur="500"/>
+                                        <p:tgtEl>
+                                          <p:spTgt spid="3">
+                                            <p:txEl>
+                                              <p:pRg st="3" end="3"/>
+                                            </p:txEl>
+                                          </p:spTgt>
+                                        </p:tgtEl>
+                                      </p:cBhvr>
+                                    </p:animEffect>
+                                  </p:childTnLst>
+                                </p:cTn>
+                              </p:par>
+                            </p:childTnLst>
+                          </p:cTn>
+                        </p:par>
+                      </p:childTnLst>
+                    </p:cTn>
+                  </p:par>
+                  <p:par>
+                    <p:cTn id="23" fill="hold">
+                      <p:stCondLst>
+                        <p:cond delay="indefinite"/>
+                      </p:stCondLst>
+                      <p:childTnLst>
+                        <p:par>
+                          <p:cTn id="24" fill="hold">
+                            <p:stCondLst>
+                              <p:cond delay="0"/>
+                            </p:stCondLst>
+                            <p:childTnLst>
+                              <p:par>
+                                <p:cTn id="25" presetID="10" presetClass="entr" presetSubtype="0" fill="hold" nodeType="clickEffect">
+                                  <p:stCondLst>
+                                    <p:cond delay="0"/>
+                                  </p:stCondLst>
+                                  <p:childTnLst>
+                                    <p:set>
+                                      <p:cBhvr>
+                                        <p:cTn id="26" dur="1" fill="hold">
+                                          <p:stCondLst>
+                                            <p:cond delay="0"/>
+                                          </p:stCondLst>
+                                        </p:cTn>
+                                        <p:tgtEl>
+                                          <p:spTgt spid="3">
+                                            <p:txEl>
+                                              <p:pRg st="4" end="4"/>
+                                            </p:txEl>
+                                          </p:spTgt>
+                                        </p:tgtEl>
+                                        <p:attrNameLst>
+                                          <p:attrName>style.visibility</p:attrName>
+                                        </p:attrNameLst>
+                                      </p:cBhvr>
+                                      <p:to>
+                                        <p:strVal val="visible"/>
+                                      </p:to>
+                                    </p:set>
+                                    <p:animEffect transition="in" filter="fade">
+                                      <p:cBhvr>
+                                        <p:cTn id="27" dur="500"/>
+                                        <p:tgtEl>
+                                          <p:spTgt spid="3">
+                                            <p:txEl>
+                                              <p:pRg st="4" end="4"/>
+                                            </p:txEl>
+                                          </p:spTgt>
+                                        </p:tgtEl>
+                                      </p:cBhvr>
+                                    </p:animEffect>
+                                  </p:childTnLst>
+                                </p:cTn>
+                              </p:par>
+                            </p:childTnLst>
+                          </p:cTn>
+                        </p:par>
+                      </p:childTnLst>
+                    </p:cTn>
+                  </p:par>
+                  <p:par>
+                    <p:cTn id="28" fill="hold">
+                      <p:stCondLst>
+                        <p:cond delay="indefinite"/>
+                      </p:stCondLst>
+                      <p:childTnLst>
+                        <p:par>
+                          <p:cTn id="29" fill="hold">
+                            <p:stCondLst>
+                              <p:cond delay="0"/>
+                            </p:stCondLst>
+                            <p:childTnLst>
+                              <p:par>
+                                <p:cTn id="30" presetID="10" presetClass="entr" presetSubtype="0" fill="hold" grpId="0" nodeType="clickEffect">
+                                  <p:stCondLst>
+                                    <p:cond delay="0"/>
+                                  </p:stCondLst>
+                                  <p:childTnLst>
+                                    <p:set>
+                                      <p:cBhvr>
+                                        <p:cTn id="31" dur="1" fill="hold">
+                                          <p:stCondLst>
+                                            <p:cond delay="0"/>
+                                          </p:stCondLst>
+                                        </p:cTn>
+                                        <p:tgtEl>
+                                          <p:spTgt spid="5"/>
+                                        </p:tgtEl>
+                                        <p:attrNameLst>
+                                          <p:attrName>style.visibility</p:attrName>
+                                        </p:attrNameLst>
+                                      </p:cBhvr>
+                                      <p:to>
+                                        <p:strVal val="visible"/>
+                                      </p:to>
+                                    </p:set>
+                                    <p:animEffect transition="in" filter="fade">
+                                      <p:cBhvr>
+                                        <p:cTn id="32" dur="500"/>
+                                        <p:tgtEl>
+                                          <p:spTgt spid="5"/>
+                                        </p:tgtEl>
+                                      </p:cBhvr>
+                                    </p:animEffect>
+                                  </p:childTnLst>
+                                </p:cTn>
+                              </p:par>
+                            </p:childTnLst>
+                          </p:cTn>
+                        </p:par>
+                      </p:childTnLst>
+                    </p:cTn>
+                  </p:par>
+                  <p:par>
+                    <p:cTn id="33" fill="hold">
+                      <p:stCondLst>
+                        <p:cond delay="indefinite"/>
+                      </p:stCondLst>
+                      <p:childTnLst>
+                        <p:par>
+                          <p:cTn id="34" fill="hold">
+                            <p:stCondLst>
+                              <p:cond delay="0"/>
+                            </p:stCondLst>
+                            <p:childTnLst>
+                              <p:par>
+                                <p:cTn id="35" presetID="10" presetClass="entr" presetSubtype="0" fill="hold" grpId="0" nodeType="clickEffect">
+                                  <p:stCondLst>
+                                    <p:cond delay="0"/>
+                                  </p:stCondLst>
+                                  <p:childTnLst>
+                                    <p:set>
+                                      <p:cBhvr>
+                                        <p:cTn id="36" dur="1" fill="hold">
+                                          <p:stCondLst>
+                                            <p:cond delay="0"/>
+                                          </p:stCondLst>
+                                        </p:cTn>
+                                        <p:tgtEl>
+                                          <p:spTgt spid="7"/>
+                                        </p:tgtEl>
+                                        <p:attrNameLst>
+                                          <p:attrName>style.visibility</p:attrName>
+                                        </p:attrNameLst>
+                                      </p:cBhvr>
+                                      <p:to>
+                                        <p:strVal val="visible"/>
+                                      </p:to>
+                                    </p:set>
+                                    <p:animEffect transition="in" filter="fade">
+                                      <p:cBhvr>
+                                        <p:cTn id="37" dur="500"/>
+                                        <p:tgtEl>
+                                          <p:spTgt spid="7"/>
+                                        </p:tgtEl>
+                                      </p:cBhvr>
+                                    </p:animEffect>
+                                  </p:childTnLst>
+                                </p:cTn>
+                              </p:par>
+                            </p:childTnLst>
+                          </p:cTn>
+                        </p:par>
+                      </p:childTnLst>
+                    </p:cTn>
+                  </p:par>
+                  <p:par>
+                    <p:cTn id="38" fill="hold">
+                      <p:stCondLst>
+                        <p:cond delay="indefinite"/>
+                      </p:stCondLst>
+                      <p:childTnLst>
+                        <p:par>
+                          <p:cTn id="39" fill="hold">
+                            <p:stCondLst>
+                              <p:cond delay="0"/>
+                            </p:stCondLst>
+                            <p:childTnLst>
+                              <p:par>
+                                <p:cTn id="40" presetID="10" presetClass="entr" presetSubtype="0" fill="hold" grpId="0" nodeType="clickEffect">
+                                  <p:stCondLst>
+                                    <p:cond delay="0"/>
+                                  </p:stCondLst>
+                                  <p:childTnLst>
+                                    <p:set>
+                                      <p:cBhvr>
+                                        <p:cTn id="41" dur="1" fill="hold">
+                                          <p:stCondLst>
+                                            <p:cond delay="0"/>
+                                          </p:stCondLst>
+                                        </p:cTn>
+                                        <p:tgtEl>
+                                          <p:spTgt spid="6"/>
+                                        </p:tgtEl>
+                                        <p:attrNameLst>
+                                          <p:attrName>style.visibility</p:attrName>
+                                        </p:attrNameLst>
+                                      </p:cBhvr>
+                                      <p:to>
+                                        <p:strVal val="visible"/>
+                                      </p:to>
+                                    </p:set>
+                                    <p:animEffect transition="in" filter="fade">
+                                      <p:cBhvr>
+                                        <p:cTn id="42" dur="500"/>
+                                        <p:tgtEl>
+                                          <p:spTgt spid="6"/>
+                                        </p:tgtEl>
+                                      </p:cBhvr>
+                                    </p:animEffect>
+                                  </p:childTnLst>
+                                </p:cTn>
+                              </p:par>
+                            </p:childTnLst>
+                          </p:cTn>
+                        </p:par>
+                      </p:childTnLst>
+                    </p:cTn>
+                  </p:par>
+                  <p:par>
+                    <p:cTn id="43" fill="hold">
+                      <p:stCondLst>
+                        <p:cond delay="indefinite"/>
+                      </p:stCondLst>
+                      <p:childTnLst>
+                        <p:par>
+                          <p:cTn id="44" fill="hold">
+                            <p:stCondLst>
+                              <p:cond delay="0"/>
+                            </p:stCondLst>
+                            <p:childTnLst>
+                              <p:par>
+                                <p:cTn id="45" presetID="10" presetClass="entr" presetSubtype="0" fill="hold" grpId="0" nodeType="clickEffect">
+                                  <p:stCondLst>
+                                    <p:cond delay="0"/>
+                                  </p:stCondLst>
+                                  <p:childTnLst>
+                                    <p:set>
+                                      <p:cBhvr>
+                                        <p:cTn id="46" dur="1" fill="hold">
+                                          <p:stCondLst>
+                                            <p:cond delay="0"/>
+                                          </p:stCondLst>
+                                        </p:cTn>
+                                        <p:tgtEl>
+                                          <p:spTgt spid="12"/>
+                                        </p:tgtEl>
+                                        <p:attrNameLst>
+                                          <p:attrName>style.visibility</p:attrName>
+                                        </p:attrNameLst>
+                                      </p:cBhvr>
+                                      <p:to>
+                                        <p:strVal val="visible"/>
+                                      </p:to>
+                                    </p:set>
+                                    <p:animEffect transition="in" filter="fade">
+                                      <p:cBhvr>
+                                        <p:cTn id="47" dur="500"/>
+                                        <p:tgtEl>
+                                          <p:spTgt spid="12"/>
+                                        </p:tgtEl>
+                                      </p:cBhvr>
+                                    </p:animEffect>
+                                  </p:childTnLst>
+                                </p:cTn>
+                              </p:par>
+                            </p:childTnLst>
+                          </p:cTn>
+                        </p:par>
+                      </p:childTnLst>
+                    </p:cTn>
+                  </p:par>
+                  <p:par>
+                    <p:cTn id="48" fill="hold">
+                      <p:stCondLst>
+                        <p:cond delay="indefinite"/>
+                      </p:stCondLst>
+                      <p:childTnLst>
+                        <p:par>
+                          <p:cTn id="49" fill="hold">
+                            <p:stCondLst>
+                              <p:cond delay="0"/>
+                            </p:stCondLst>
+                            <p:childTnLst>
+                              <p:par>
+                                <p:cTn id="50" presetID="10" presetClass="entr" presetSubtype="0" fill="hold" nodeType="clickEffect">
+                                  <p:stCondLst>
+                                    <p:cond delay="0"/>
+                                  </p:stCondLst>
+                                  <p:childTnLst>
+                                    <p:set>
+                                      <p:cBhvr>
+                                        <p:cTn id="51" dur="1" fill="hold">
+                                          <p:stCondLst>
+                                            <p:cond delay="0"/>
+                                          </p:stCondLst>
+                                        </p:cTn>
+                                        <p:tgtEl>
+                                          <p:spTgt spid="3">
+                                            <p:txEl>
+                                              <p:pRg st="6" end="6"/>
+                                            </p:txEl>
+                                          </p:spTgt>
+                                        </p:tgtEl>
+                                        <p:attrNameLst>
+                                          <p:attrName>style.visibility</p:attrName>
+                                        </p:attrNameLst>
+                                      </p:cBhvr>
+                                      <p:to>
+                                        <p:strVal val="visible"/>
+                                      </p:to>
+                                    </p:set>
+                                    <p:animEffect transition="in" filter="fade">
+                                      <p:cBhvr>
+                                        <p:cTn id="52" dur="500"/>
+                                        <p:tgtEl>
+                                          <p:spTgt spid="3">
+                                            <p:txEl>
+                                              <p:pRg st="6" end="6"/>
+                                            </p:txEl>
+                                          </p:spTgt>
+                                        </p:tgtEl>
+                                      </p:cBhvr>
+                                    </p:animEffect>
+                                  </p:childTnLst>
+                                </p:cTn>
+                              </p:par>
+                            </p:childTnLst>
+                          </p:cTn>
+                        </p:par>
+                      </p:childTnLst>
+                    </p:cTn>
+                  </p:par>
+                </p:childTnLst>
+              </p:cTn>
+              <p:prevCondLst>
+                <p:cond evt="onPrev" delay="0">
+                  <p:tgtEl>
+                    <p:sldTgt/>
+                  </p:tgtEl>
+                </p:cond>
+              </p:prevCondLst>
+              <p:nextCondLst>
+                <p:cond evt="onNext" delay="0">
+                  <p:tgtEl>
+                    <p:sldTgt/>
+                  </p:tgtEl>
+                </p:cond>
+              </p:nextCondLst>
+            </p:seq>
+          </p:childTnLst>
+        </p:cTn>
+      </p:par>
+    </p:tnLst>
+    <p:bldLst>
+      <p:bldP spid="5" grpId="0" animBg="1"/>
+      <p:bldP spid="6" grpId="0" animBg="1"/>
+      <p:bldP spid="7" grpId="0"/>
+      <p:bldP spid="12" grpId="0"/>
+    </p:bldLst>
+  </p:timing>
+</p:sld>
+</file>
+
+<file path=ppt/slides/slide25.xml><?xml version="1.0" encoding="utf-8"?>
+<p:sld xmlns:a="http://schemas.openxmlformats.org/drawingml/2006/main" xmlns:r="http://schemas.openxmlformats.org/officeDocument/2006/relationships" xmlns:p="http://schemas.openxmlformats.org/presentationml/2006/main">
+  <p:cSld>
+    <p:spTree>
+      <p:nvGrpSpPr>
+        <p:cNvPr id="1" name=""/>
+        <p:cNvGrpSpPr/>
+        <p:nvPr/>
+      </p:nvGrpSpPr>
+      <p:grpSpPr>
+        <a:xfrm>
+          <a:off x="0" y="0"/>
+          <a:ext cx="0" cy="0"/>
+          <a:chOff x="0" y="0"/>
+          <a:chExt cx="0" cy="0"/>
+        </a:xfrm>
+      </p:grpSpPr>
+      <p:sp>
+        <p:nvSpPr>
+          <p:cNvPr id="2" name="Title 1"/>
+          <p:cNvSpPr>
+            <a:spLocks noGrp="1"/>
+          </p:cNvSpPr>
+          <p:nvPr>
+            <p:ph type="title"/>
+          </p:nvPr>
+        </p:nvSpPr>
+        <p:spPr/>
+        <p:txBody>
+          <a:bodyPr/>
+          <a:lstStyle/>
+          <a:p>
+            <a:pPr algn="r" rtl="1"/>
+            <a:r>
+              <a:rPr lang="fa-IR" dirty="0" smtClean="0">
+                <a:cs typeface="B Nazanin" panose="00000400000000000000" pitchFamily="2" charset="-78"/>
+              </a:rPr>
+              <a:t>معماری</a:t>
+            </a:r>
+            <a:endParaRPr lang="en-US" dirty="0">
+              <a:cs typeface="B Nazanin" panose="00000400000000000000" pitchFamily="2" charset="-78"/>
+            </a:endParaRPr>
+          </a:p>
+        </p:txBody>
+      </p:sp>
+      <p:sp>
+        <p:nvSpPr>
+          <p:cNvPr id="3" name="Content Placeholder 2"/>
+          <p:cNvSpPr>
+            <a:spLocks noGrp="1"/>
+          </p:cNvSpPr>
+          <p:nvPr>
+            <p:ph idx="1"/>
+          </p:nvPr>
+        </p:nvSpPr>
+        <p:spPr/>
+        <p:txBody>
+          <a:bodyPr>
+            <a:normAutofit/>
+          </a:bodyPr>
+          <a:lstStyle/>
+          <a:p>
+            <a:pPr algn="just" rtl="1">
+              <a:lnSpc>
+                <a:spcPct val="200000"/>
+              </a:lnSpc>
+              <a:buFont typeface="Wingdings" panose="05000000000000000000" pitchFamily="2" charset="2"/>
+              <a:buChar char="Ø"/>
+            </a:pPr>
+            <a:r>
+              <a:rPr lang="fa-IR" sz="2400" dirty="0">
+                <a:cs typeface="B Nazanin" panose="00000400000000000000" pitchFamily="2" charset="-78"/>
+              </a:rPr>
+              <a:t>شبکه پایه این روش، یک شبکه </a:t>
+            </a:r>
+            <a:r>
+              <a:rPr lang="fa-IR" sz="2400" b="1" dirty="0">
+                <a:cs typeface="B Nazanin" panose="00000400000000000000" pitchFamily="2" charset="-78"/>
+              </a:rPr>
+              <a:t>کاملا کانوولوشنی </a:t>
+            </a:r>
+            <a:r>
+              <a:rPr lang="fa-IR" sz="2400" dirty="0">
+                <a:cs typeface="B Nazanin" panose="00000400000000000000" pitchFamily="2" charset="-78"/>
+              </a:rPr>
+              <a:t>بر اساس</a:t>
+            </a:r>
+            <a:r>
+              <a:rPr lang="fa-IR" sz="2400" b="1" dirty="0">
+                <a:cs typeface="B Nazanin" panose="00000400000000000000" pitchFamily="2" charset="-78"/>
+              </a:rPr>
+              <a:t> </a:t>
+            </a:r>
+            <a:r>
+              <a:rPr lang="en-US" sz="2400" b="1" dirty="0">
+                <a:cs typeface="B Nazanin" panose="00000400000000000000" pitchFamily="2" charset="-78"/>
+              </a:rPr>
+              <a:t>VGG-16</a:t>
+            </a:r>
+            <a:r>
+              <a:rPr lang="fa-IR" sz="2400" dirty="0">
+                <a:cs typeface="B Nazanin" panose="00000400000000000000" pitchFamily="2" charset="-78"/>
+              </a:rPr>
+              <a:t> می باشد</a:t>
+            </a:r>
+            <a:r>
+              <a:rPr lang="fa-IR" sz="2400" dirty="0" smtClean="0">
+                <a:cs typeface="B Nazanin" panose="00000400000000000000" pitchFamily="2" charset="-78"/>
+              </a:rPr>
+              <a:t>.</a:t>
+            </a:r>
+          </a:p>
+          <a:p>
+            <a:pPr algn="just" rtl="1">
+              <a:lnSpc>
+                <a:spcPct val="200000"/>
+              </a:lnSpc>
+              <a:buFont typeface="Wingdings" panose="05000000000000000000" pitchFamily="2" charset="2"/>
+              <a:buChar char="Ø"/>
+            </a:pPr>
+            <a:r>
+              <a:rPr lang="fa-IR" sz="2400" dirty="0" smtClean="0">
+                <a:cs typeface="B Nazanin" panose="00000400000000000000" pitchFamily="2" charset="-78"/>
+              </a:rPr>
+              <a:t> </a:t>
+            </a:r>
+            <a:r>
+              <a:rPr lang="fa-IR" sz="2400" dirty="0">
+                <a:cs typeface="B Nazanin" panose="00000400000000000000" pitchFamily="2" charset="-78"/>
+              </a:rPr>
+              <a:t>این شبکه دارای </a:t>
+            </a:r>
+            <a:r>
+              <a:rPr lang="en-US" sz="2400" b="1" dirty="0">
+                <a:cs typeface="B Nazanin" panose="00000400000000000000" pitchFamily="2" charset="-78"/>
+              </a:rPr>
+              <a:t>skip connection</a:t>
+            </a:r>
+            <a:r>
+              <a:rPr lang="fa-IR" sz="2400" b="1" dirty="0">
+                <a:cs typeface="B Nazanin" panose="00000400000000000000" pitchFamily="2" charset="-78"/>
+              </a:rPr>
+              <a:t> </a:t>
+            </a:r>
+            <a:r>
+              <a:rPr lang="fa-IR" sz="2400" dirty="0">
+                <a:cs typeface="B Nazanin" panose="00000400000000000000" pitchFamily="2" charset="-78"/>
+              </a:rPr>
+              <a:t>در قسمت </a:t>
+            </a:r>
+            <a:r>
+              <a:rPr lang="en-US" sz="2400" dirty="0">
+                <a:cs typeface="B Nazanin" panose="00000400000000000000" pitchFamily="2" charset="-78"/>
+              </a:rPr>
+              <a:t>decoding</a:t>
+            </a:r>
+            <a:r>
+              <a:rPr lang="fa-IR" sz="2400" dirty="0">
+                <a:cs typeface="B Nazanin" panose="00000400000000000000" pitchFamily="2" charset="-78"/>
+              </a:rPr>
+              <a:t> می باشد که شبیه شبکه </a:t>
+            </a:r>
+            <a:r>
+              <a:rPr lang="en-US" sz="2400" dirty="0">
+                <a:cs typeface="B Nazanin" panose="00000400000000000000" pitchFamily="2" charset="-78"/>
+              </a:rPr>
+              <a:t>U-Net</a:t>
+            </a:r>
+            <a:r>
+              <a:rPr lang="fa-IR" sz="2400" dirty="0">
+                <a:cs typeface="B Nazanin" panose="00000400000000000000" pitchFamily="2" charset="-78"/>
+              </a:rPr>
+              <a:t>، ویژگی های سطح پایین را نیز در نظر می گیرد. </a:t>
+            </a:r>
+            <a:endParaRPr lang="fa-IR" sz="2400" dirty="0" smtClean="0">
+              <a:cs typeface="B Nazanin" panose="00000400000000000000" pitchFamily="2" charset="-78"/>
+            </a:endParaRPr>
+          </a:p>
+          <a:p>
+            <a:pPr algn="just" rtl="1">
+              <a:lnSpc>
+                <a:spcPct val="200000"/>
+              </a:lnSpc>
+              <a:buFont typeface="Wingdings" panose="05000000000000000000" pitchFamily="2" charset="2"/>
+              <a:buChar char="Ø"/>
+            </a:pPr>
+            <a:r>
+              <a:rPr lang="fa-IR" sz="2400" dirty="0" smtClean="0">
+                <a:cs typeface="B Nazanin" panose="00000400000000000000" pitchFamily="2" charset="-78"/>
+              </a:rPr>
+              <a:t>خروجی </a:t>
+            </a:r>
+            <a:r>
+              <a:rPr lang="fa-IR" sz="2400" dirty="0">
+                <a:cs typeface="B Nazanin" panose="00000400000000000000" pitchFamily="2" charset="-78"/>
+              </a:rPr>
+              <a:t>این شبکه دارای دو کانال است که شامل دو امتیاز، </a:t>
+            </a:r>
+            <a:r>
+              <a:rPr lang="en-US" sz="2400" b="1" dirty="0">
+                <a:cs typeface="B Nazanin" panose="00000400000000000000" pitchFamily="2" charset="-78"/>
+              </a:rPr>
+              <a:t>region score</a:t>
+            </a:r>
+            <a:r>
+              <a:rPr lang="fa-IR" sz="2400" dirty="0">
+                <a:cs typeface="B Nazanin" panose="00000400000000000000" pitchFamily="2" charset="-78"/>
+              </a:rPr>
+              <a:t> و </a:t>
+            </a:r>
+            <a:r>
+              <a:rPr lang="en-US" sz="2400" b="1" dirty="0">
+                <a:cs typeface="B Nazanin" panose="00000400000000000000" pitchFamily="2" charset="-78"/>
+              </a:rPr>
+              <a:t>affinity score</a:t>
+            </a:r>
+            <a:r>
+              <a:rPr lang="fa-IR" sz="2400" b="1" dirty="0">
+                <a:cs typeface="B Nazanin" panose="00000400000000000000" pitchFamily="2" charset="-78"/>
+              </a:rPr>
+              <a:t> </a:t>
+            </a:r>
+            <a:r>
+              <a:rPr lang="fa-IR" sz="2400" dirty="0">
+                <a:cs typeface="B Nazanin" panose="00000400000000000000" pitchFamily="2" charset="-78"/>
+              </a:rPr>
+              <a:t>می باشد.</a:t>
+            </a:r>
+            <a:endParaRPr lang="en-US" sz="2400" dirty="0">
+              <a:cs typeface="B Nazanin" panose="00000400000000000000" pitchFamily="2" charset="-78"/>
+            </a:endParaRPr>
+          </a:p>
+          <a:p>
+            <a:pPr algn="just"/>
+            <a:endParaRPr lang="en-US" sz="2400" dirty="0">
+              <a:cs typeface="B Nazanin" panose="00000400000000000000" pitchFamily="2" charset="-78"/>
+            </a:endParaRPr>
+          </a:p>
+        </p:txBody>
+      </p:sp>
+      <p:sp>
+        <p:nvSpPr>
+          <p:cNvPr id="4" name="Slide Number Placeholder 3"/>
+          <p:cNvSpPr>
+            <a:spLocks noGrp="1"/>
+          </p:cNvSpPr>
+          <p:nvPr>
+            <p:ph type="sldNum" sz="quarter" idx="12"/>
+          </p:nvPr>
+        </p:nvSpPr>
+        <p:spPr/>
+        <p:txBody>
+          <a:bodyPr/>
+          <a:lstStyle/>
+          <a:p>
+            <a:fld id="{18087783-62FF-446C-A2E4-4C6B0B0DE16F}" type="slidenum">
+              <a:rPr lang="en-US" smtClean="0"/>
+              <a:t>25</a:t>
+            </a:fld>
+            <a:endParaRPr lang="en-US"/>
+          </a:p>
+        </p:txBody>
+      </p:sp>
+    </p:spTree>
+    <p:extLst>
+      <p:ext uri="{BB962C8B-B14F-4D97-AF65-F5344CB8AC3E}">
+        <p14:creationId xmlns:p14="http://schemas.microsoft.com/office/powerpoint/2010/main" val="4258239680"/>
+      </p:ext>
+    </p:extLst>
+  </p:cSld>
+  <p:clrMapOvr>
+    <a:masterClrMapping/>
+  </p:clrMapOvr>
+  <p:timing>
+    <p:tnLst>
+      <p:par>
+        <p:cTn id="1" dur="indefinite" restart="never" nodeType="tmRoot">
+          <p:childTnLst>
+            <p:seq concurrent="1" nextAc="seek">
+              <p:cTn id="2" dur="indefinite" nodeType="mainSeq">
+                <p:childTnLst>
+                  <p:par>
+                    <p:cTn id="3" fill="hold">
+                      <p:stCondLst>
+                        <p:cond delay="indefinite"/>
+                      </p:stCondLst>
+                      <p:childTnLst>
+                        <p:par>
+                          <p:cTn id="4" fill="hold">
+                            <p:stCondLst>
+                              <p:cond delay="0"/>
+                            </p:stCondLst>
+                            <p:childTnLst>
+                              <p:par>
+                                <p:cTn id="5" presetID="10" presetClass="entr" presetSubtype="0" fill="hold" nodeType="clickEffect">
+                                  <p:stCondLst>
+                                    <p:cond delay="0"/>
+                                  </p:stCondLst>
+                                  <p:childTnLst>
+                                    <p:set>
+                                      <p:cBhvr>
+                                        <p:cTn id="6" dur="1" fill="hold">
+                                          <p:stCondLst>
+                                            <p:cond delay="0"/>
+                                          </p:stCondLst>
+                                        </p:cTn>
+                                        <p:tgtEl>
+                                          <p:spTgt spid="3">
+                                            <p:txEl>
+                                              <p:pRg st="0" end="0"/>
+                                            </p:txEl>
+                                          </p:spTgt>
+                                        </p:tgtEl>
+                                        <p:attrNameLst>
+                                          <p:attrName>style.visibility</p:attrName>
+                                        </p:attrNameLst>
+                                      </p:cBhvr>
+                                      <p:to>
+                                        <p:strVal val="visible"/>
+                                      </p:to>
+                                    </p:set>
+                                    <p:animEffect transition="in" filter="fade">
+                                      <p:cBhvr>
+                                        <p:cTn id="7" dur="500"/>
+                                        <p:tgtEl>
+                                          <p:spTgt spid="3">
+                                            <p:txEl>
+                                              <p:pRg st="0" end="0"/>
+                                            </p:txEl>
+                                          </p:spTgt>
+                                        </p:tgtEl>
+                                      </p:cBhvr>
+                                    </p:animEffect>
+                                  </p:childTnLst>
+                                </p:cTn>
+                              </p:par>
+                            </p:childTnLst>
+                          </p:cTn>
+                        </p:par>
+                      </p:childTnLst>
+                    </p:cTn>
+                  </p:par>
+                  <p:par>
+                    <p:cTn id="8" fill="hold">
+                      <p:stCondLst>
+                        <p:cond delay="indefinite"/>
+                      </p:stCondLst>
+                      <p:childTnLst>
+                        <p:par>
+                          <p:cTn id="9" fill="hold">
+                            <p:stCondLst>
+                              <p:cond delay="0"/>
+                            </p:stCondLst>
+                            <p:childTnLst>
+                              <p:par>
+                                <p:cTn id="10" presetID="10" presetClass="entr" presetSubtype="0" fill="hold" nodeType="clickEffect">
+                                  <p:stCondLst>
+                                    <p:cond delay="0"/>
+                                  </p:stCondLst>
+                                  <p:childTnLst>
+                                    <p:set>
+                                      <p:cBhvr>
+                                        <p:cTn id="11" dur="1" fill="hold">
+                                          <p:stCondLst>
+                                            <p:cond delay="0"/>
+                                          </p:stCondLst>
+                                        </p:cTn>
+                                        <p:tgtEl>
+                                          <p:spTgt spid="3">
+                                            <p:txEl>
+                                              <p:pRg st="1" end="1"/>
+                                            </p:txEl>
+                                          </p:spTgt>
+                                        </p:tgtEl>
+                                        <p:attrNameLst>
+                                          <p:attrName>style.visibility</p:attrName>
+                                        </p:attrNameLst>
+                                      </p:cBhvr>
+                                      <p:to>
+                                        <p:strVal val="visible"/>
+                                      </p:to>
+                                    </p:set>
+                                    <p:animEffect transition="in" filter="fade">
+                                      <p:cBhvr>
+                                        <p:cTn id="12" dur="500"/>
+                                        <p:tgtEl>
+                                          <p:spTgt spid="3">
+                                            <p:txEl>
+                                              <p:pRg st="1" end="1"/>
+                                            </p:txEl>
+                                          </p:spTgt>
+                                        </p:tgtEl>
+                                      </p:cBhvr>
+                                    </p:animEffect>
+                                  </p:childTnLst>
+                                </p:cTn>
+                              </p:par>
+                            </p:childTnLst>
+                          </p:cTn>
+                        </p:par>
+                      </p:childTnLst>
+                    </p:cTn>
+                  </p:par>
+                  <p:par>
+                    <p:cTn id="13" fill="hold">
+                      <p:stCondLst>
+                        <p:cond delay="indefinite"/>
+                      </p:stCondLst>
+                      <p:childTnLst>
+                        <p:par>
+                          <p:cTn id="14" fill="hold">
+                            <p:stCondLst>
+                              <p:cond delay="0"/>
+                            </p:stCondLst>
+                            <p:childTnLst>
+                              <p:par>
+                                <p:cTn id="15" presetID="10" presetClass="entr" presetSubtype="0" fill="hold" nodeType="clickEffect">
+                                  <p:stCondLst>
+                                    <p:cond delay="0"/>
+                                  </p:stCondLst>
+                                  <p:childTnLst>
+                                    <p:set>
+                                      <p:cBhvr>
+                                        <p:cTn id="16" dur="1" fill="hold">
+                                          <p:stCondLst>
+                                            <p:cond delay="0"/>
+                                          </p:stCondLst>
+                                        </p:cTn>
+                                        <p:tgtEl>
+                                          <p:spTgt spid="3">
+                                            <p:txEl>
+                                              <p:pRg st="2" end="2"/>
+                                            </p:txEl>
+                                          </p:spTgt>
+                                        </p:tgtEl>
+                                        <p:attrNameLst>
+                                          <p:attrName>style.visibility</p:attrName>
+                                        </p:attrNameLst>
+                                      </p:cBhvr>
+                                      <p:to>
+                                        <p:strVal val="visible"/>
+                                      </p:to>
+                                    </p:set>
+                                    <p:animEffect transition="in" filter="fade">
+                                      <p:cBhvr>
+                                        <p:cTn id="17" dur="500"/>
+                                        <p:tgtEl>
+                                          <p:spTgt spid="3">
+                                            <p:txEl>
+                                              <p:pRg st="2" end="2"/>
+                                            </p:txEl>
+                                          </p:spTgt>
+                                        </p:tgtEl>
+                                      </p:cBhvr>
+                                    </p:animEffect>
+                                  </p:childTnLst>
+                                </p:cTn>
+                              </p:par>
+                            </p:childTnLst>
+                          </p:cTn>
+                        </p:par>
+                      </p:childTnLst>
+                    </p:cTn>
+                  </p:par>
+                </p:childTnLst>
+              </p:cTn>
+              <p:prevCondLst>
+                <p:cond evt="onPrev" delay="0">
+                  <p:tgtEl>
+                    <p:sldTgt/>
+                  </p:tgtEl>
+                </p:cond>
+              </p:prevCondLst>
+              <p:nextCondLst>
+                <p:cond evt="onNext" delay="0">
+                  <p:tgtEl>
+                    <p:sldTgt/>
+                  </p:tgtEl>
+                </p:cond>
+              </p:nextCondLst>
+            </p:seq>
+          </p:childTnLst>
+        </p:cTn>
+      </p:par>
+    </p:tnLst>
+  </p:timing>
+</p:sld>
+</file>
+
+<file path=ppt/slides/slide26.xml><?xml version="1.0" encoding="utf-8"?>
+<p:sld xmlns:a="http://schemas.openxmlformats.org/drawingml/2006/main" xmlns:r="http://schemas.openxmlformats.org/officeDocument/2006/relationships" xmlns:p="http://schemas.openxmlformats.org/presentationml/2006/main">
+  <p:cSld>
+    <p:spTree>
+      <p:nvGrpSpPr>
+        <p:cNvPr id="1" name=""/>
+        <p:cNvGrpSpPr/>
+        <p:nvPr/>
+      </p:nvGrpSpPr>
+      <p:grpSpPr>
+        <a:xfrm>
+          <a:off x="0" y="0"/>
+          <a:ext cx="0" cy="0"/>
+          <a:chOff x="0" y="0"/>
+          <a:chExt cx="0" cy="0"/>
+        </a:xfrm>
+      </p:grpSpPr>
+      <p:sp>
+        <p:nvSpPr>
+          <p:cNvPr id="2" name="Slide Number Placeholder 1"/>
+          <p:cNvSpPr>
+            <a:spLocks noGrp="1"/>
+          </p:cNvSpPr>
+          <p:nvPr>
+            <p:ph type="sldNum" sz="quarter" idx="12"/>
+          </p:nvPr>
+        </p:nvSpPr>
+        <p:spPr/>
+        <p:txBody>
+          <a:bodyPr/>
+          <a:lstStyle/>
+          <a:p>
+            <a:fld id="{18087783-62FF-446C-A2E4-4C6B0B0DE16F}" type="slidenum">
+              <a:rPr lang="en-US" smtClean="0"/>
+              <a:t>26</a:t>
+            </a:fld>
+            <a:endParaRPr lang="en-US"/>
+          </a:p>
+        </p:txBody>
+      </p:sp>
+      <p:pic>
+        <p:nvPicPr>
+          <p:cNvPr id="3" name="Content Placeholder 4"/>
+          <p:cNvPicPr>
+            <a:picLocks/>
+          </p:cNvPicPr>
+          <p:nvPr/>
+        </p:nvPicPr>
+        <p:blipFill>
+          <a:blip r:embed="rId2"/>
+          <a:stretch>
+            <a:fillRect/>
+          </a:stretch>
+        </p:blipFill>
+        <p:spPr>
+          <a:xfrm>
+            <a:off x="2826329" y="77930"/>
+            <a:ext cx="6255326" cy="6244936"/>
+          </a:xfrm>
+          <a:prstGeom prst="rect">
+            <a:avLst/>
+          </a:prstGeom>
+        </p:spPr>
+      </p:pic>
+    </p:spTree>
+    <p:extLst>
+      <p:ext uri="{BB962C8B-B14F-4D97-AF65-F5344CB8AC3E}">
+        <p14:creationId xmlns:p14="http://schemas.microsoft.com/office/powerpoint/2010/main" val="4268613976"/>
+      </p:ext>
+    </p:extLst>
+  </p:cSld>
+  <p:clrMapOvr>
+    <a:masterClrMapping/>
+  </p:clrMapOvr>
+  <p:timing>
+    <p:tnLst>
+      <p:par>
+        <p:cTn id="1" dur="indefinite" restart="never" nodeType="tmRoot">
+          <p:childTnLst>
+            <p:seq concurrent="1" nextAc="seek">
+              <p:cTn id="2" dur="indefinite" nodeType="mainSeq">
+                <p:childTnLst>
+                  <p:par>
+                    <p:cTn id="3" fill="hold">
+                      <p:stCondLst>
+                        <p:cond delay="indefinite"/>
+                      </p:stCondLst>
+                      <p:childTnLst>
+                        <p:par>
+                          <p:cTn id="4" fill="hold">
+                            <p:stCondLst>
+                              <p:cond delay="0"/>
+                            </p:stCondLst>
+                            <p:childTnLst>
+                              <p:par>
+                                <p:cTn id="5" presetID="10" presetClass="entr" presetSubtype="0" fill="hold" nodeType="clickEffect">
+                                  <p:stCondLst>
+                                    <p:cond delay="0"/>
+                                  </p:stCondLst>
+                                  <p:childTnLst>
+                                    <p:set>
+                                      <p:cBhvr>
+                                        <p:cTn id="6" dur="1" fill="hold">
+                                          <p:stCondLst>
+                                            <p:cond delay="0"/>
+                                          </p:stCondLst>
+                                        </p:cTn>
+                                        <p:tgtEl>
+                                          <p:spTgt spid="3"/>
+                                        </p:tgtEl>
+                                        <p:attrNameLst>
+                                          <p:attrName>style.visibility</p:attrName>
+                                        </p:attrNameLst>
+                                      </p:cBhvr>
+                                      <p:to>
+                                        <p:strVal val="visible"/>
+                                      </p:to>
+                                    </p:set>
+                                    <p:animEffect transition="in" filter="fade">
+                                      <p:cBhvr>
+                                        <p:cTn id="7" dur="500"/>
+                                        <p:tgtEl>
+                                          <p:spTgt spid="3"/>
+                                        </p:tgtEl>
+                                      </p:cBhvr>
+                                    </p:animEffect>
+                                  </p:childTnLst>
+                                </p:cTn>
+                              </p:par>
+                            </p:childTnLst>
+                          </p:cTn>
+                        </p:par>
+                      </p:childTnLst>
+                    </p:cTn>
+                  </p:par>
+                </p:childTnLst>
+              </p:cTn>
+              <p:prevCondLst>
+                <p:cond evt="onPrev" delay="0">
+                  <p:tgtEl>
+                    <p:sldTgt/>
+                  </p:tgtEl>
+                </p:cond>
+              </p:prevCondLst>
+              <p:nextCondLst>
+                <p:cond evt="onNext" delay="0">
+                  <p:tgtEl>
+                    <p:sldTgt/>
+                  </p:tgtEl>
+                </p:cond>
+              </p:nextCondLst>
+            </p:seq>
+          </p:childTnLst>
+        </p:cTn>
+      </p:par>
+    </p:tnLst>
+  </p:timing>
+</p:sld>
+</file>
+
+<file path=ppt/slides/slide27.xml><?xml version="1.0" encoding="utf-8"?>
+<p:sld xmlns:a="http://schemas.openxmlformats.org/drawingml/2006/main" xmlns:r="http://schemas.openxmlformats.org/officeDocument/2006/relationships" xmlns:p="http://schemas.openxmlformats.org/presentationml/2006/main">
+  <p:cSld>
+    <p:spTree>
+      <p:nvGrpSpPr>
+        <p:cNvPr id="1" name=""/>
+        <p:cNvGrpSpPr/>
+        <p:nvPr/>
+      </p:nvGrpSpPr>
+      <p:grpSpPr>
+        <a:xfrm>
+          <a:off x="0" y="0"/>
+          <a:ext cx="0" cy="0"/>
+          <a:chOff x="0" y="0"/>
+          <a:chExt cx="0" cy="0"/>
+        </a:xfrm>
+      </p:grpSpPr>
+      <p:sp>
+        <p:nvSpPr>
+          <p:cNvPr id="2" name="Title 1"/>
+          <p:cNvSpPr>
+            <a:spLocks noGrp="1"/>
+          </p:cNvSpPr>
+          <p:nvPr>
+            <p:ph type="title"/>
+          </p:nvPr>
+        </p:nvSpPr>
+        <p:spPr/>
+        <p:txBody>
+          <a:bodyPr/>
+          <a:lstStyle/>
+          <a:p>
+            <a:pPr algn="r" rtl="1"/>
+            <a:r>
+              <a:rPr lang="en-US" b="1" dirty="0"/>
+              <a:t>Training</a:t>
+            </a:r>
+            <a:endParaRPr lang="en-US" dirty="0"/>
+          </a:p>
+        </p:txBody>
+      </p:sp>
+      <p:sp>
+        <p:nvSpPr>
+          <p:cNvPr id="4" name="Slide Number Placeholder 3"/>
+          <p:cNvSpPr>
+            <a:spLocks noGrp="1"/>
+          </p:cNvSpPr>
+          <p:nvPr>
+            <p:ph type="sldNum" sz="quarter" idx="12"/>
+          </p:nvPr>
+        </p:nvSpPr>
+        <p:spPr/>
+        <p:txBody>
+          <a:bodyPr/>
+          <a:lstStyle/>
+          <a:p>
+            <a:fld id="{18087783-62FF-446C-A2E4-4C6B0B0DE16F}" type="slidenum">
+              <a:rPr lang="en-US" smtClean="0"/>
+              <a:t>27</a:t>
+            </a:fld>
+            <a:endParaRPr lang="en-US"/>
+          </a:p>
+        </p:txBody>
+      </p:sp>
+      <p:sp>
+        <p:nvSpPr>
+          <p:cNvPr id="6" name="Content Placeholder 5"/>
+          <p:cNvSpPr>
+            <a:spLocks noGrp="1"/>
+          </p:cNvSpPr>
+          <p:nvPr>
+            <p:ph idx="1"/>
+          </p:nvPr>
+        </p:nvSpPr>
+        <p:spPr/>
+        <p:txBody>
+          <a:bodyPr>
+            <a:normAutofit/>
+          </a:bodyPr>
+          <a:lstStyle/>
+          <a:p>
+            <a:pPr algn="r" rtl="1">
+              <a:lnSpc>
+                <a:spcPct val="150000"/>
+              </a:lnSpc>
+            </a:pPr>
+            <a:r>
+              <a:rPr lang="fa-IR" sz="2400" dirty="0" smtClean="0">
+                <a:cs typeface="B Nazanin" panose="00000400000000000000" pitchFamily="2" charset="-78"/>
+              </a:rPr>
+              <a:t>یادگیری </a:t>
+            </a:r>
+            <a:r>
+              <a:rPr lang="fa-IR" sz="2400" dirty="0">
+                <a:cs typeface="B Nazanin" panose="00000400000000000000" pitchFamily="2" charset="-78"/>
+              </a:rPr>
+              <a:t>این روش دارای دو بخش زیر است :</a:t>
+            </a:r>
+            <a:endParaRPr lang="en-US" sz="2400" dirty="0">
+              <a:cs typeface="B Nazanin" panose="00000400000000000000" pitchFamily="2" charset="-78"/>
+            </a:endParaRPr>
+          </a:p>
+          <a:p>
+            <a:pPr marL="749808" lvl="1" indent="-457200" algn="r" rtl="1">
+              <a:lnSpc>
+                <a:spcPct val="150000"/>
+              </a:lnSpc>
+              <a:buFont typeface="+mj-lt"/>
+              <a:buAutoNum type="arabicPeriod"/>
+            </a:pPr>
+            <a:r>
+              <a:rPr lang="en-US" sz="2400" dirty="0">
+                <a:cs typeface="B Nazanin" panose="00000400000000000000" pitchFamily="2" charset="-78"/>
+              </a:rPr>
+              <a:t>Ground Truth Label </a:t>
+            </a:r>
+            <a:r>
+              <a:rPr lang="en-US" sz="2400" dirty="0" smtClean="0">
+                <a:cs typeface="B Nazanin" panose="00000400000000000000" pitchFamily="2" charset="-78"/>
+              </a:rPr>
+              <a:t>Generation</a:t>
+            </a:r>
+            <a:endParaRPr lang="en-US" sz="2400" dirty="0">
+              <a:cs typeface="B Nazanin" panose="00000400000000000000" pitchFamily="2" charset="-78"/>
+            </a:endParaRPr>
+          </a:p>
+          <a:p>
+            <a:pPr marL="749808" lvl="1" indent="-457200" algn="r" rtl="1">
+              <a:lnSpc>
+                <a:spcPct val="150000"/>
+              </a:lnSpc>
+              <a:buFont typeface="+mj-lt"/>
+              <a:buAutoNum type="arabicPeriod"/>
+            </a:pPr>
+            <a:r>
+              <a:rPr lang="en-US" sz="2400" dirty="0">
+                <a:cs typeface="B Nazanin" panose="00000400000000000000" pitchFamily="2" charset="-78"/>
+              </a:rPr>
+              <a:t>Weakly-Supervised Learning</a:t>
+            </a:r>
+          </a:p>
+          <a:p>
+            <a:pPr marL="0" indent="0" algn="r">
+              <a:lnSpc>
+                <a:spcPct val="150000"/>
+              </a:lnSpc>
+              <a:buNone/>
+            </a:pPr>
+            <a:endParaRPr lang="en-US" sz="2400" dirty="0">
+              <a:cs typeface="B Nazanin" panose="00000400000000000000" pitchFamily="2" charset="-78"/>
+            </a:endParaRPr>
+          </a:p>
+        </p:txBody>
+      </p:sp>
+    </p:spTree>
+    <p:extLst>
+      <p:ext uri="{BB962C8B-B14F-4D97-AF65-F5344CB8AC3E}">
+        <p14:creationId xmlns:p14="http://schemas.microsoft.com/office/powerpoint/2010/main" val="4229139829"/>
+      </p:ext>
+    </p:extLst>
+  </p:cSld>
+  <p:clrMapOvr>
+    <a:masterClrMapping/>
+  </p:clrMapOvr>
+  <p:timing>
+    <p:tnLst>
+      <p:par>
+        <p:cTn id="1" dur="indefinite" restart="never" nodeType="tmRoot">
+          <p:childTnLst>
+            <p:seq concurrent="1" nextAc="seek">
+              <p:cTn id="2" dur="indefinite" nodeType="mainSeq">
+                <p:childTnLst>
+                  <p:par>
+                    <p:cTn id="3" fill="hold">
+                      <p:stCondLst>
+                        <p:cond delay="indefinite"/>
+                      </p:stCondLst>
+                      <p:childTnLst>
+                        <p:par>
+                          <p:cTn id="4" fill="hold">
+                            <p:stCondLst>
+                              <p:cond delay="0"/>
+                            </p:stCondLst>
+                            <p:childTnLst>
+                              <p:par>
+                                <p:cTn id="5" presetID="10" presetClass="entr" presetSubtype="0" fill="hold" nodeType="clickEffect">
+                                  <p:stCondLst>
+                                    <p:cond delay="0"/>
+                                  </p:stCondLst>
+                                  <p:childTnLst>
+                                    <p:set>
+                                      <p:cBhvr>
+                                        <p:cTn id="6" dur="1" fill="hold">
+                                          <p:stCondLst>
+                                            <p:cond delay="0"/>
+                                          </p:stCondLst>
+                                        </p:cTn>
+                                        <p:tgtEl>
+                                          <p:spTgt spid="6">
+                                            <p:txEl>
+                                              <p:pRg st="0" end="0"/>
+                                            </p:txEl>
+                                          </p:spTgt>
+                                        </p:tgtEl>
+                                        <p:attrNameLst>
+                                          <p:attrName>style.visibility</p:attrName>
+                                        </p:attrNameLst>
+                                      </p:cBhvr>
+                                      <p:to>
+                                        <p:strVal val="visible"/>
+                                      </p:to>
+                                    </p:set>
+                                    <p:animEffect transition="in" filter="fade">
+                                      <p:cBhvr>
+                                        <p:cTn id="7" dur="500"/>
+                                        <p:tgtEl>
+                                          <p:spTgt spid="6">
+                                            <p:txEl>
+                                              <p:pRg st="0" end="0"/>
+                                            </p:txEl>
+                                          </p:spTgt>
+                                        </p:tgtEl>
+                                      </p:cBhvr>
+                                    </p:animEffect>
+                                  </p:childTnLst>
+                                </p:cTn>
+                              </p:par>
+                            </p:childTnLst>
+                          </p:cTn>
+                        </p:par>
+                      </p:childTnLst>
+                    </p:cTn>
+                  </p:par>
+                  <p:par>
+                    <p:cTn id="8" fill="hold">
+                      <p:stCondLst>
+                        <p:cond delay="indefinite"/>
+                      </p:stCondLst>
+                      <p:childTnLst>
+                        <p:par>
+                          <p:cTn id="9" fill="hold">
+                            <p:stCondLst>
+                              <p:cond delay="0"/>
+                            </p:stCondLst>
+                            <p:childTnLst>
+                              <p:par>
+                                <p:cTn id="10" presetID="10" presetClass="entr" presetSubtype="0" fill="hold" nodeType="clickEffect">
+                                  <p:stCondLst>
+                                    <p:cond delay="0"/>
+                                  </p:stCondLst>
+                                  <p:childTnLst>
+                                    <p:set>
+                                      <p:cBhvr>
+                                        <p:cTn id="11" dur="1" fill="hold">
+                                          <p:stCondLst>
+                                            <p:cond delay="0"/>
+                                          </p:stCondLst>
+                                        </p:cTn>
+                                        <p:tgtEl>
+                                          <p:spTgt spid="6">
+                                            <p:txEl>
+                                              <p:pRg st="1" end="1"/>
+                                            </p:txEl>
+                                          </p:spTgt>
+                                        </p:tgtEl>
+                                        <p:attrNameLst>
+                                          <p:attrName>style.visibility</p:attrName>
+                                        </p:attrNameLst>
+                                      </p:cBhvr>
+                                      <p:to>
+                                        <p:strVal val="visible"/>
+                                      </p:to>
+                                    </p:set>
+                                    <p:animEffect transition="in" filter="fade">
+                                      <p:cBhvr>
+                                        <p:cTn id="12" dur="500"/>
+                                        <p:tgtEl>
+                                          <p:spTgt spid="6">
+                                            <p:txEl>
+                                              <p:pRg st="1" end="1"/>
+                                            </p:txEl>
+                                          </p:spTgt>
+                                        </p:tgtEl>
+                                      </p:cBhvr>
+                                    </p:animEffect>
+                                  </p:childTnLst>
+                                </p:cTn>
+                              </p:par>
+                            </p:childTnLst>
+                          </p:cTn>
+                        </p:par>
+                      </p:childTnLst>
+                    </p:cTn>
+                  </p:par>
+                  <p:par>
+                    <p:cTn id="13" fill="hold">
+                      <p:stCondLst>
+                        <p:cond delay="indefinite"/>
+                      </p:stCondLst>
+                      <p:childTnLst>
+                        <p:par>
+                          <p:cTn id="14" fill="hold">
+                            <p:stCondLst>
+                              <p:cond delay="0"/>
+                            </p:stCondLst>
+                            <p:childTnLst>
+                              <p:par>
+                                <p:cTn id="15" presetID="10" presetClass="entr" presetSubtype="0" fill="hold" nodeType="clickEffect">
+                                  <p:stCondLst>
+                                    <p:cond delay="0"/>
+                                  </p:stCondLst>
+                                  <p:childTnLst>
+                                    <p:set>
+                                      <p:cBhvr>
+                                        <p:cTn id="16" dur="1" fill="hold">
+                                          <p:stCondLst>
+                                            <p:cond delay="0"/>
+                                          </p:stCondLst>
+                                        </p:cTn>
+                                        <p:tgtEl>
+                                          <p:spTgt spid="6">
+                                            <p:txEl>
+                                              <p:pRg st="2" end="2"/>
+                                            </p:txEl>
+                                          </p:spTgt>
+                                        </p:tgtEl>
+                                        <p:attrNameLst>
+                                          <p:attrName>style.visibility</p:attrName>
+                                        </p:attrNameLst>
+                                      </p:cBhvr>
+                                      <p:to>
+                                        <p:strVal val="visible"/>
+                                      </p:to>
+                                    </p:set>
+                                    <p:animEffect transition="in" filter="fade">
+                                      <p:cBhvr>
+                                        <p:cTn id="17" dur="500"/>
+                                        <p:tgtEl>
+                                          <p:spTgt spid="6">
+                                            <p:txEl>
+                                              <p:pRg st="2" end="2"/>
+                                            </p:txEl>
+                                          </p:spTgt>
+                                        </p:tgtEl>
+                                      </p:cBhvr>
+                                    </p:animEffect>
+                                  </p:childTnLst>
+                                </p:cTn>
+                              </p:par>
+                            </p:childTnLst>
+                          </p:cTn>
+                        </p:par>
+                      </p:childTnLst>
+                    </p:cTn>
+                  </p:par>
+                </p:childTnLst>
+              </p:cTn>
+              <p:prevCondLst>
+                <p:cond evt="onPrev" delay="0">
+                  <p:tgtEl>
+                    <p:sldTgt/>
+                  </p:tgtEl>
+                </p:cond>
+              </p:prevCondLst>
+              <p:nextCondLst>
+                <p:cond evt="onNext" delay="0">
+                  <p:tgtEl>
+                    <p:sldTgt/>
+                  </p:tgtEl>
+                </p:cond>
+              </p:nextCondLst>
+            </p:seq>
+          </p:childTnLst>
+        </p:cTn>
+      </p:par>
+    </p:tnLst>
+  </p:timing>
+</p:sld>
+</file>
+
+<file path=ppt/slides/slide28.xml><?xml version="1.0" encoding="utf-8"?>
+<p:sld xmlns:a="http://schemas.openxmlformats.org/drawingml/2006/main" xmlns:r="http://schemas.openxmlformats.org/officeDocument/2006/relationships" xmlns:p="http://schemas.openxmlformats.org/presentationml/2006/main">
+  <p:cSld>
+    <p:spTree>
+      <p:nvGrpSpPr>
+        <p:cNvPr id="1" name=""/>
+        <p:cNvGrpSpPr/>
+        <p:nvPr/>
+      </p:nvGrpSpPr>
+      <p:grpSpPr>
+        <a:xfrm>
+          <a:off x="0" y="0"/>
+          <a:ext cx="0" cy="0"/>
+          <a:chOff x="0" y="0"/>
+          <a:chExt cx="0" cy="0"/>
+        </a:xfrm>
+      </p:grpSpPr>
+      <p:sp>
+        <p:nvSpPr>
+          <p:cNvPr id="2" name="Title 1"/>
+          <p:cNvSpPr>
+            <a:spLocks noGrp="1"/>
+          </p:cNvSpPr>
+          <p:nvPr>
+            <p:ph type="title"/>
+          </p:nvPr>
+        </p:nvSpPr>
+        <p:spPr/>
+        <p:txBody>
+          <a:bodyPr>
+            <a:normAutofit/>
+          </a:bodyPr>
+          <a:lstStyle/>
+          <a:p>
+            <a:pPr lvl="1" algn="r" rtl="1">
+              <a:lnSpc>
+                <a:spcPct val="85000"/>
+              </a:lnSpc>
+              <a:spcBef>
+                <a:spcPct val="0"/>
+              </a:spcBef>
+            </a:pPr>
+            <a:r>
+              <a:rPr lang="en-US" sz="4800" dirty="0" smtClean="0">
+                <a:solidFill>
+                  <a:schemeClr val="tx1">
+                    <a:lumMod val="75000"/>
+                    <a:lumOff val="25000"/>
+                  </a:schemeClr>
+                </a:solidFill>
+                <a:latin typeface="+mj-lt"/>
+                <a:cs typeface="B Nazanin" panose="00000400000000000000" pitchFamily="2" charset="-78"/>
+              </a:rPr>
+              <a:t>Ground Truth Label Generation .1</a:t>
+            </a:r>
+            <a:endParaRPr lang="en-US" sz="4800" dirty="0">
+              <a:solidFill>
+                <a:schemeClr val="tx1">
+                  <a:lumMod val="75000"/>
+                  <a:lumOff val="25000"/>
+                </a:schemeClr>
+              </a:solidFill>
+              <a:latin typeface="+mj-lt"/>
+              <a:cs typeface="B Nazanin" panose="00000400000000000000" pitchFamily="2" charset="-78"/>
+            </a:endParaRPr>
+          </a:p>
+        </p:txBody>
+      </p:sp>
+      <p:sp>
+        <p:nvSpPr>
+          <p:cNvPr id="3" name="Content Placeholder 2"/>
+          <p:cNvSpPr>
+            <a:spLocks noGrp="1"/>
+          </p:cNvSpPr>
+          <p:nvPr>
+            <p:ph idx="1"/>
+          </p:nvPr>
+        </p:nvSpPr>
+        <p:spPr/>
+        <p:txBody>
+          <a:bodyPr/>
+          <a:lstStyle/>
+          <a:p>
+            <a:pPr algn="r" rtl="1">
+              <a:lnSpc>
+                <a:spcPct val="200000"/>
+              </a:lnSpc>
+              <a:buFont typeface="Wingdings" panose="05000000000000000000" pitchFamily="2" charset="2"/>
+              <a:buChar char="Ø"/>
+            </a:pPr>
+            <a:r>
+              <a:rPr lang="fa-IR" sz="2400" dirty="0">
+                <a:cs typeface="B Nazanin" panose="00000400000000000000" pitchFamily="2" charset="-78"/>
+              </a:rPr>
+              <a:t>در این بخش به ازای هر عکس، باتوجه به </a:t>
+            </a:r>
+            <a:r>
+              <a:rPr lang="en-US" sz="2400" dirty="0">
+                <a:cs typeface="B Nazanin" panose="00000400000000000000" pitchFamily="2" charset="-78"/>
+              </a:rPr>
+              <a:t>region score</a:t>
+            </a:r>
+            <a:r>
+              <a:rPr lang="fa-IR" sz="2400" dirty="0">
+                <a:cs typeface="B Nazanin" panose="00000400000000000000" pitchFamily="2" charset="-78"/>
+              </a:rPr>
+              <a:t> و </a:t>
+            </a:r>
+            <a:r>
+              <a:rPr lang="en-US" sz="2400" dirty="0">
+                <a:cs typeface="B Nazanin" panose="00000400000000000000" pitchFamily="2" charset="-78"/>
+              </a:rPr>
+              <a:t>affinity score</a:t>
+            </a:r>
+            <a:r>
+              <a:rPr lang="fa-IR" sz="2400" dirty="0">
+                <a:cs typeface="B Nazanin" panose="00000400000000000000" pitchFamily="2" charset="-78"/>
+              </a:rPr>
+              <a:t>، برای </a:t>
+            </a:r>
+            <a:r>
+              <a:rPr lang="en-US" sz="2400" dirty="0">
+                <a:cs typeface="B Nazanin" panose="00000400000000000000" pitchFamily="2" charset="-78"/>
+              </a:rPr>
+              <a:t>bounding box</a:t>
+            </a:r>
+            <a:r>
+              <a:rPr lang="fa-IR" sz="2400" dirty="0">
+                <a:cs typeface="B Nazanin" panose="00000400000000000000" pitchFamily="2" charset="-78"/>
+              </a:rPr>
+              <a:t> هر کاراکتر یک برچسب تولید می شود</a:t>
+            </a:r>
+            <a:r>
+              <a:rPr lang="fa-IR" sz="2400" dirty="0" smtClean="0">
+                <a:cs typeface="B Nazanin" panose="00000400000000000000" pitchFamily="2" charset="-78"/>
+              </a:rPr>
+              <a:t>.</a:t>
+            </a:r>
+            <a:endParaRPr lang="en-US" sz="2400" dirty="0" smtClean="0">
+              <a:cs typeface="B Nazanin" panose="00000400000000000000" pitchFamily="2" charset="-78"/>
+            </a:endParaRPr>
+          </a:p>
+          <a:p>
+            <a:pPr algn="r" rtl="1">
+              <a:lnSpc>
+                <a:spcPct val="200000"/>
+              </a:lnSpc>
+              <a:buFont typeface="Wingdings" panose="05000000000000000000" pitchFamily="2" charset="2"/>
+              <a:buChar char="Ø"/>
+            </a:pPr>
+            <a:r>
+              <a:rPr lang="fa-IR" sz="2400" dirty="0" smtClean="0">
+                <a:cs typeface="B Nazanin" panose="00000400000000000000" pitchFamily="2" charset="-78"/>
+              </a:rPr>
+              <a:t> </a:t>
+            </a:r>
+            <a:r>
+              <a:rPr lang="en-US" sz="2400" dirty="0">
+                <a:cs typeface="B Nazanin" panose="00000400000000000000" pitchFamily="2" charset="-78"/>
+              </a:rPr>
+              <a:t>region score</a:t>
+            </a:r>
+            <a:r>
+              <a:rPr lang="fa-IR" sz="2400" dirty="0">
+                <a:cs typeface="B Nazanin" panose="00000400000000000000" pitchFamily="2" charset="-78"/>
+              </a:rPr>
+              <a:t> احتمال مرکز کاراکتر بودن هر پیکسل را نشان می </a:t>
+            </a:r>
+            <a:r>
+              <a:rPr lang="fa-IR" sz="2400" dirty="0" smtClean="0">
+                <a:cs typeface="B Nazanin" panose="00000400000000000000" pitchFamily="2" charset="-78"/>
+              </a:rPr>
+              <a:t>دهد</a:t>
+            </a:r>
+            <a:r>
+              <a:rPr lang="en-US" sz="2400" dirty="0" smtClean="0">
+                <a:cs typeface="B Nazanin" panose="00000400000000000000" pitchFamily="2" charset="-78"/>
+              </a:rPr>
+              <a:t>.</a:t>
+            </a:r>
+            <a:r>
+              <a:rPr lang="fa-IR" sz="2400" dirty="0" smtClean="0">
+                <a:cs typeface="B Nazanin" panose="00000400000000000000" pitchFamily="2" charset="-78"/>
+              </a:rPr>
+              <a:t> </a:t>
+            </a:r>
+            <a:endParaRPr lang="en-US" sz="2400" dirty="0" smtClean="0">
+              <a:cs typeface="B Nazanin" panose="00000400000000000000" pitchFamily="2" charset="-78"/>
+            </a:endParaRPr>
+          </a:p>
+          <a:p>
+            <a:pPr algn="r" rtl="1">
+              <a:lnSpc>
+                <a:spcPct val="200000"/>
+              </a:lnSpc>
+              <a:buFont typeface="Wingdings" panose="05000000000000000000" pitchFamily="2" charset="2"/>
+              <a:buChar char="Ø"/>
+            </a:pPr>
+            <a:r>
+              <a:rPr lang="fa-IR" sz="2400" dirty="0" smtClean="0">
+                <a:cs typeface="B Nazanin" panose="00000400000000000000" pitchFamily="2" charset="-78"/>
+              </a:rPr>
+              <a:t> </a:t>
+            </a:r>
+            <a:r>
+              <a:rPr lang="en-US" sz="2400" dirty="0">
+                <a:cs typeface="B Nazanin" panose="00000400000000000000" pitchFamily="2" charset="-78"/>
+              </a:rPr>
+              <a:t>affinity score</a:t>
+            </a:r>
+            <a:r>
+              <a:rPr lang="fa-IR" sz="2400" dirty="0">
+                <a:cs typeface="B Nazanin" panose="00000400000000000000" pitchFamily="2" charset="-78"/>
+              </a:rPr>
+              <a:t>  برای هر پیکسل، احتمال اینکه مرکز بین دو کاراکتر مجاور باشد را بازنمایی می نماید. </a:t>
+            </a:r>
+            <a:endParaRPr lang="en-US" sz="2400" dirty="0">
+              <a:cs typeface="B Nazanin" panose="00000400000000000000" pitchFamily="2" charset="-78"/>
+            </a:endParaRPr>
+          </a:p>
+          <a:p>
+            <a:pPr algn="r"/>
+            <a:endParaRPr lang="en-US" dirty="0">
+              <a:cs typeface="B Nazanin" panose="00000400000000000000" pitchFamily="2" charset="-78"/>
+            </a:endParaRPr>
+          </a:p>
+        </p:txBody>
+      </p:sp>
+      <p:sp>
+        <p:nvSpPr>
+          <p:cNvPr id="4" name="Slide Number Placeholder 3"/>
+          <p:cNvSpPr>
+            <a:spLocks noGrp="1"/>
+          </p:cNvSpPr>
+          <p:nvPr>
+            <p:ph type="sldNum" sz="quarter" idx="12"/>
+          </p:nvPr>
+        </p:nvSpPr>
+        <p:spPr/>
+        <p:txBody>
+          <a:bodyPr/>
+          <a:lstStyle/>
+          <a:p>
+            <a:fld id="{18087783-62FF-446C-A2E4-4C6B0B0DE16F}" type="slidenum">
+              <a:rPr lang="en-US" smtClean="0"/>
+              <a:t>28</a:t>
+            </a:fld>
+            <a:endParaRPr lang="en-US"/>
+          </a:p>
+        </p:txBody>
+      </p:sp>
+    </p:spTree>
+    <p:extLst>
+      <p:ext uri="{BB962C8B-B14F-4D97-AF65-F5344CB8AC3E}">
+        <p14:creationId xmlns:p14="http://schemas.microsoft.com/office/powerpoint/2010/main" val="3722333669"/>
+      </p:ext>
+    </p:extLst>
+  </p:cSld>
+  <p:clrMapOvr>
+    <a:masterClrMapping/>
+  </p:clrMapOvr>
+  <p:timing>
+    <p:tnLst>
+      <p:par>
+        <p:cTn id="1" dur="indefinite" restart="never" nodeType="tmRoot">
+          <p:childTnLst>
+            <p:seq concurrent="1" nextAc="seek">
+              <p:cTn id="2" dur="indefinite" nodeType="mainSeq">
+                <p:childTnLst>
+                  <p:par>
+                    <p:cTn id="3" fill="hold">
+                      <p:stCondLst>
+                        <p:cond delay="indefinite"/>
+                      </p:stCondLst>
+                      <p:childTnLst>
+                        <p:par>
+                          <p:cTn id="4" fill="hold">
+                            <p:stCondLst>
+                              <p:cond delay="0"/>
+                            </p:stCondLst>
+                            <p:childTnLst>
+                              <p:par>
+                                <p:cTn id="5" presetID="10" presetClass="entr" presetSubtype="0" fill="hold" nodeType="clickEffect">
+                                  <p:stCondLst>
+                                    <p:cond delay="0"/>
+                                  </p:stCondLst>
+                                  <p:childTnLst>
+                                    <p:set>
+                                      <p:cBhvr>
+                                        <p:cTn id="6" dur="1" fill="hold">
+                                          <p:stCondLst>
+                                            <p:cond delay="0"/>
+                                          </p:stCondLst>
+                                        </p:cTn>
+                                        <p:tgtEl>
+                                          <p:spTgt spid="3">
+                                            <p:txEl>
+                                              <p:pRg st="0" end="0"/>
+                                            </p:txEl>
+                                          </p:spTgt>
+                                        </p:tgtEl>
+                                        <p:attrNameLst>
+                                          <p:attrName>style.visibility</p:attrName>
+                                        </p:attrNameLst>
+                                      </p:cBhvr>
+                                      <p:to>
+                                        <p:strVal val="visible"/>
+                                      </p:to>
+                                    </p:set>
+                                    <p:animEffect transition="in" filter="fade">
+                                      <p:cBhvr>
+                                        <p:cTn id="7" dur="500"/>
+                                        <p:tgtEl>
+                                          <p:spTgt spid="3">
+                                            <p:txEl>
+                                              <p:pRg st="0" end="0"/>
+                                            </p:txEl>
+                                          </p:spTgt>
+                                        </p:tgtEl>
+                                      </p:cBhvr>
+                                    </p:animEffect>
+                                  </p:childTnLst>
+                                </p:cTn>
+                              </p:par>
+                            </p:childTnLst>
+                          </p:cTn>
+                        </p:par>
+                      </p:childTnLst>
+                    </p:cTn>
+                  </p:par>
+                  <p:par>
+                    <p:cTn id="8" fill="hold">
+                      <p:stCondLst>
+                        <p:cond delay="indefinite"/>
+                      </p:stCondLst>
+                      <p:childTnLst>
+                        <p:par>
+                          <p:cTn id="9" fill="hold">
+                            <p:stCondLst>
+                              <p:cond delay="0"/>
+                            </p:stCondLst>
+                            <p:childTnLst>
+                              <p:par>
+                                <p:cTn id="10" presetID="10" presetClass="entr" presetSubtype="0" fill="hold" nodeType="clickEffect">
+                                  <p:stCondLst>
+                                    <p:cond delay="0"/>
+                                  </p:stCondLst>
+                                  <p:childTnLst>
+                                    <p:set>
+                                      <p:cBhvr>
+                                        <p:cTn id="11" dur="1" fill="hold">
+                                          <p:stCondLst>
+                                            <p:cond delay="0"/>
+                                          </p:stCondLst>
+                                        </p:cTn>
+                                        <p:tgtEl>
+                                          <p:spTgt spid="3">
+                                            <p:txEl>
+                                              <p:pRg st="1" end="1"/>
+                                            </p:txEl>
+                                          </p:spTgt>
+                                        </p:tgtEl>
+                                        <p:attrNameLst>
+                                          <p:attrName>style.visibility</p:attrName>
+                                        </p:attrNameLst>
+                                      </p:cBhvr>
+                                      <p:to>
+                                        <p:strVal val="visible"/>
+                                      </p:to>
+                                    </p:set>
+                                    <p:animEffect transition="in" filter="fade">
+                                      <p:cBhvr>
+                                        <p:cTn id="12" dur="500"/>
+                                        <p:tgtEl>
+                                          <p:spTgt spid="3">
+                                            <p:txEl>
+                                              <p:pRg st="1" end="1"/>
+                                            </p:txEl>
+                                          </p:spTgt>
+                                        </p:tgtEl>
+                                      </p:cBhvr>
+                                    </p:animEffect>
+                                  </p:childTnLst>
+                                </p:cTn>
+                              </p:par>
+                            </p:childTnLst>
+                          </p:cTn>
+                        </p:par>
+                      </p:childTnLst>
+                    </p:cTn>
+                  </p:par>
+                  <p:par>
+                    <p:cTn id="13" fill="hold">
+                      <p:stCondLst>
+                        <p:cond delay="indefinite"/>
+                      </p:stCondLst>
+                      <p:childTnLst>
+                        <p:par>
+                          <p:cTn id="14" fill="hold">
+                            <p:stCondLst>
+                              <p:cond delay="0"/>
+                            </p:stCondLst>
+                            <p:childTnLst>
+                              <p:par>
+                                <p:cTn id="15" presetID="10" presetClass="entr" presetSubtype="0" fill="hold" nodeType="clickEffect">
+                                  <p:stCondLst>
+                                    <p:cond delay="0"/>
+                                  </p:stCondLst>
+                                  <p:childTnLst>
+                                    <p:set>
+                                      <p:cBhvr>
+                                        <p:cTn id="16" dur="1" fill="hold">
+                                          <p:stCondLst>
+                                            <p:cond delay="0"/>
+                                          </p:stCondLst>
+                                        </p:cTn>
+                                        <p:tgtEl>
+                                          <p:spTgt spid="3">
+                                            <p:txEl>
+                                              <p:pRg st="2" end="2"/>
+                                            </p:txEl>
+                                          </p:spTgt>
+                                        </p:tgtEl>
+                                        <p:attrNameLst>
+                                          <p:attrName>style.visibility</p:attrName>
+                                        </p:attrNameLst>
+                                      </p:cBhvr>
+                                      <p:to>
+                                        <p:strVal val="visible"/>
+                                      </p:to>
+                                    </p:set>
+                                    <p:animEffect transition="in" filter="fade">
+                                      <p:cBhvr>
+                                        <p:cTn id="17" dur="500"/>
+                                        <p:tgtEl>
+                                          <p:spTgt spid="3">
+                                            <p:txEl>
+                                              <p:pRg st="2" end="2"/>
+                                            </p:txEl>
+                                          </p:spTgt>
+                                        </p:tgtEl>
+                                      </p:cBhvr>
+                                    </p:animEffect>
+                                  </p:childTnLst>
+                                </p:cTn>
+                              </p:par>
+                            </p:childTnLst>
+                          </p:cTn>
+                        </p:par>
+                      </p:childTnLst>
+                    </p:cTn>
+                  </p:par>
+                </p:childTnLst>
+              </p:cTn>
+              <p:prevCondLst>
+                <p:cond evt="onPrev" delay="0">
+                  <p:tgtEl>
+                    <p:sldTgt/>
+                  </p:tgtEl>
+                </p:cond>
+              </p:prevCondLst>
+              <p:nextCondLst>
+                <p:cond evt="onNext" delay="0">
+                  <p:tgtEl>
+                    <p:sldTgt/>
+                  </p:tgtEl>
+                </p:cond>
+              </p:nextCondLst>
+            </p:seq>
+          </p:childTnLst>
+        </p:cTn>
+      </p:par>
+    </p:tnLst>
+  </p:timing>
+</p:sld>
+</file>
+
+<file path=ppt/slides/slide29.xml><?xml version="1.0" encoding="utf-8"?>
+<p:sld xmlns:a="http://schemas.openxmlformats.org/drawingml/2006/main" xmlns:r="http://schemas.openxmlformats.org/officeDocument/2006/relationships" xmlns:p="http://schemas.openxmlformats.org/presentationml/2006/main">
+  <p:cSld>
+    <p:spTree>
+      <p:nvGrpSpPr>
+        <p:cNvPr id="1" name=""/>
+        <p:cNvGrpSpPr/>
+        <p:nvPr/>
+      </p:nvGrpSpPr>
+      <p:grpSpPr>
+        <a:xfrm>
+          <a:off x="0" y="0"/>
+          <a:ext cx="0" cy="0"/>
+          <a:chOff x="0" y="0"/>
+          <a:chExt cx="0" cy="0"/>
+        </a:xfrm>
+      </p:grpSpPr>
+      <p:sp>
+        <p:nvSpPr>
+          <p:cNvPr id="2" name="Title 1"/>
+          <p:cNvSpPr>
+            <a:spLocks noGrp="1"/>
+          </p:cNvSpPr>
+          <p:nvPr>
+            <p:ph type="title"/>
+          </p:nvPr>
+        </p:nvSpPr>
+        <p:spPr/>
+        <p:txBody>
+          <a:bodyPr/>
+          <a:lstStyle/>
+          <a:p>
+            <a:pPr algn="r" rtl="1"/>
+            <a:r>
+              <a:rPr lang="en-US" dirty="0">
+                <a:cs typeface="B Nazanin" panose="00000400000000000000" pitchFamily="2" charset="-78"/>
+              </a:rPr>
+              <a:t>Ground Truth Label Generation .1</a:t>
+            </a:r>
+            <a:endParaRPr lang="en-US" dirty="0"/>
+          </a:p>
+        </p:txBody>
+      </p:sp>
+      <p:sp>
+        <p:nvSpPr>
+          <p:cNvPr id="4" name="Slide Number Placeholder 3"/>
+          <p:cNvSpPr>
+            <a:spLocks noGrp="1"/>
+          </p:cNvSpPr>
+          <p:nvPr>
+            <p:ph type="sldNum" sz="quarter" idx="12"/>
+          </p:nvPr>
+        </p:nvSpPr>
+        <p:spPr/>
+        <p:txBody>
+          <a:bodyPr/>
+          <a:lstStyle/>
+          <a:p>
+            <a:fld id="{18087783-62FF-446C-A2E4-4C6B0B0DE16F}" type="slidenum">
+              <a:rPr lang="en-US" smtClean="0"/>
+              <a:t>29</a:t>
+            </a:fld>
+            <a:endParaRPr lang="en-US"/>
+          </a:p>
+        </p:txBody>
+      </p:sp>
+      <p:pic>
+        <p:nvPicPr>
+          <p:cNvPr id="5" name="Content Placeholder 4"/>
+          <p:cNvPicPr>
+            <a:picLocks noGrp="1"/>
+          </p:cNvPicPr>
+          <p:nvPr>
+            <p:ph idx="1"/>
+          </p:nvPr>
+        </p:nvPicPr>
+        <p:blipFill>
+          <a:blip r:embed="rId2"/>
+          <a:stretch>
+            <a:fillRect/>
+          </a:stretch>
+        </p:blipFill>
+        <p:spPr>
+          <a:xfrm>
+            <a:off x="743990" y="2337521"/>
+            <a:ext cx="10764980" cy="3720378"/>
+          </a:xfrm>
+          <a:prstGeom prst="rect">
+            <a:avLst/>
+          </a:prstGeom>
+        </p:spPr>
+      </p:pic>
+    </p:spTree>
+    <p:extLst>
+      <p:ext uri="{BB962C8B-B14F-4D97-AF65-F5344CB8AC3E}">
+        <p14:creationId xmlns:p14="http://schemas.microsoft.com/office/powerpoint/2010/main" val="3367226200"/>
+      </p:ext>
+    </p:extLst>
+  </p:cSld>
+  <p:clrMapOvr>
+    <a:masterClrMapping/>
+  </p:clrMapOvr>
+  <p:timing>
+    <p:tnLst>
+      <p:par>
+        <p:cTn id="1" dur="indefinite" restart="never" nodeType="tmRoot">
+          <p:childTnLst>
+            <p:seq concurrent="1" nextAc="seek">
+              <p:cTn id="2" dur="indefinite" nodeType="mainSeq">
+                <p:childTnLst>
+                  <p:par>
+                    <p:cTn id="3" fill="hold">
+                      <p:stCondLst>
+                        <p:cond delay="indefinite"/>
+                      </p:stCondLst>
+                      <p:childTnLst>
+                        <p:par>
+                          <p:cTn id="4" fill="hold">
+                            <p:stCondLst>
+                              <p:cond delay="0"/>
+                            </p:stCondLst>
+                            <p:childTnLst>
+                              <p:par>
+                                <p:cTn id="5" presetID="10" presetClass="entr" presetSubtype="0" fill="hold" nodeType="clickEffect">
+                                  <p:stCondLst>
+                                    <p:cond delay="0"/>
+                                  </p:stCondLst>
+                                  <p:childTnLst>
+                                    <p:set>
+                                      <p:cBhvr>
+                                        <p:cTn id="6" dur="1" fill="hold">
+                                          <p:stCondLst>
+                                            <p:cond delay="0"/>
+                                          </p:stCondLst>
+                                        </p:cTn>
+                                        <p:tgtEl>
+                                          <p:spTgt spid="5"/>
+                                        </p:tgtEl>
+                                        <p:attrNameLst>
+                                          <p:attrName>style.visibility</p:attrName>
+                                        </p:attrNameLst>
+                                      </p:cBhvr>
+                                      <p:to>
+                                        <p:strVal val="visible"/>
+                                      </p:to>
+                                    </p:set>
+                                    <p:animEffect transition="in" filter="fade">
+                                      <p:cBhvr>
+                                        <p:cTn id="7" dur="500"/>
+                                        <p:tgtEl>
+                                          <p:spTgt spid="5"/>
+                                        </p:tgtEl>
+                                      </p:cBhvr>
+                                    </p:animEffect>
+                                  </p:childTnLst>
+                                </p:cTn>
+                              </p:par>
+                            </p:childTnLst>
+                          </p:cTn>
+                        </p:par>
+                      </p:childTnLst>
+                    </p:cTn>
+                  </p:par>
+                </p:childTnLst>
+              </p:cTn>
+              <p:prevCondLst>
+                <p:cond evt="onPrev" delay="0">
+                  <p:tgtEl>
+                    <p:sldTgt/>
+                  </p:tgtEl>
+                </p:cond>
+              </p:prevCondLst>
+              <p:nextCondLst>
+                <p:cond evt="onNext" delay="0">
+                  <p:tgtEl>
+                    <p:sldTgt/>
+                  </p:tgtEl>
+                </p:cond>
+              </p:nextCondLst>
+            </p:seq>
+          </p:childTnLst>
+        </p:cTn>
+      </p:par>
+    </p:tnLst>
+  </p:timing>
+</p:sld>
+</file>
+
 <file path=ppt/slides/slide3.xml><?xml version="1.0" encoding="utf-8"?>
 <p:sld xmlns:a="http://schemas.openxmlformats.org/drawingml/2006/main" xmlns:r="http://schemas.openxmlformats.org/officeDocument/2006/relationships" xmlns:p="http://schemas.openxmlformats.org/presentationml/2006/main">
   <p:cSld>
@@ -20802,7 +23652,13 @@
               <a:rPr lang="fa-IR" sz="3000" dirty="0">
                 <a:cs typeface="B Nazanin" panose="00000400000000000000" pitchFamily="2" charset="-78"/>
               </a:rPr>
-              <a:t>بهبود پیشنهادات </a:t>
+              <a:t>بهبود </a:t>
+            </a:r>
+            <a:r>
+              <a:rPr lang="fa-IR" sz="3000" dirty="0" smtClean="0">
+                <a:cs typeface="B Nazanin" panose="00000400000000000000" pitchFamily="2" charset="-78"/>
+              </a:rPr>
+              <a:t>پیشنهادها </a:t>
             </a:r>
             <a:r>
               <a:rPr lang="fa-IR" sz="3000" dirty="0" smtClean="0">
@@ -21037,6 +23893,1062 @@
 </p:sld>
 </file>
 
+<file path=ppt/slides/slide30.xml><?xml version="1.0" encoding="utf-8"?>
+<p:sld xmlns:a="http://schemas.openxmlformats.org/drawingml/2006/main" xmlns:r="http://schemas.openxmlformats.org/officeDocument/2006/relationships" xmlns:p="http://schemas.openxmlformats.org/presentationml/2006/main">
+  <p:cSld>
+    <p:spTree>
+      <p:nvGrpSpPr>
+        <p:cNvPr id="1" name=""/>
+        <p:cNvGrpSpPr/>
+        <p:nvPr/>
+      </p:nvGrpSpPr>
+      <p:grpSpPr>
+        <a:xfrm>
+          <a:off x="0" y="0"/>
+          <a:ext cx="0" cy="0"/>
+          <a:chOff x="0" y="0"/>
+          <a:chExt cx="0" cy="0"/>
+        </a:xfrm>
+      </p:grpSpPr>
+      <p:sp>
+        <p:nvSpPr>
+          <p:cNvPr id="2" name="Title 1"/>
+          <p:cNvSpPr>
+            <a:spLocks noGrp="1"/>
+          </p:cNvSpPr>
+          <p:nvPr>
+            <p:ph type="title"/>
+          </p:nvPr>
+        </p:nvSpPr>
+        <p:spPr/>
+        <p:txBody>
+          <a:bodyPr/>
+          <a:lstStyle/>
+          <a:p>
+            <a:pPr algn="r"/>
+            <a:r>
+              <a:rPr lang="en-US" dirty="0">
+                <a:cs typeface="B Nazanin" panose="00000400000000000000" pitchFamily="2" charset="-78"/>
+              </a:rPr>
+              <a:t>Ground Truth Label Generation .1</a:t>
+            </a:r>
+            <a:endParaRPr lang="en-US" dirty="0"/>
+          </a:p>
+        </p:txBody>
+      </p:sp>
+      <p:sp>
+        <p:nvSpPr>
+          <p:cNvPr id="3" name="Content Placeholder 2"/>
+          <p:cNvSpPr>
+            <a:spLocks noGrp="1"/>
+          </p:cNvSpPr>
+          <p:nvPr>
+            <p:ph idx="1"/>
+          </p:nvPr>
+        </p:nvSpPr>
+        <p:spPr/>
+        <p:txBody>
+          <a:bodyPr/>
+          <a:lstStyle/>
+          <a:p>
+            <a:pPr algn="r" rtl="1"/>
+            <a:r>
+              <a:rPr lang="fa-IR" sz="2400" dirty="0">
+                <a:cs typeface="B Nazanin" panose="00000400000000000000" pitchFamily="2" charset="-78"/>
+              </a:rPr>
+              <a:t>برای تخمین زدن و تولید </a:t>
+            </a:r>
+            <a:r>
+              <a:rPr lang="en-US" sz="2400" dirty="0">
+                <a:cs typeface="B Nazanin" panose="00000400000000000000" pitchFamily="2" charset="-78"/>
+              </a:rPr>
+              <a:t>ground truth</a:t>
+            </a:r>
+            <a:r>
+              <a:rPr lang="fa-IR" sz="2400" dirty="0">
+                <a:cs typeface="B Nazanin" panose="00000400000000000000" pitchFamily="2" charset="-78"/>
+              </a:rPr>
+              <a:t> </a:t>
+            </a:r>
+            <a:r>
+              <a:rPr lang="fa-IR" sz="2400" dirty="0" smtClean="0">
+                <a:cs typeface="B Nazanin" panose="00000400000000000000" pitchFamily="2" charset="-78"/>
+              </a:rPr>
+              <a:t>برای</a:t>
+            </a:r>
+            <a:r>
+              <a:rPr lang="en-US" sz="2400" dirty="0" smtClean="0">
+                <a:cs typeface="B Nazanin" panose="00000400000000000000" pitchFamily="2" charset="-78"/>
+              </a:rPr>
+              <a:t>region </a:t>
+            </a:r>
+            <a:r>
+              <a:rPr lang="en-US" sz="2400" dirty="0">
+                <a:cs typeface="B Nazanin" panose="00000400000000000000" pitchFamily="2" charset="-78"/>
+              </a:rPr>
+              <a:t>score</a:t>
+            </a:r>
+            <a:r>
+              <a:rPr lang="fa-IR" sz="2400" dirty="0">
+                <a:cs typeface="B Nazanin" panose="00000400000000000000" pitchFamily="2" charset="-78"/>
+              </a:rPr>
+              <a:t> و </a:t>
+            </a:r>
+            <a:r>
+              <a:rPr lang="en-US" sz="2400" dirty="0">
+                <a:cs typeface="B Nazanin" panose="00000400000000000000" pitchFamily="2" charset="-78"/>
+              </a:rPr>
+              <a:t>affinity score</a:t>
+            </a:r>
+            <a:r>
+              <a:rPr lang="fa-IR" sz="2400" dirty="0">
+                <a:cs typeface="B Nazanin" panose="00000400000000000000" pitchFamily="2" charset="-78"/>
+              </a:rPr>
+              <a:t>، از سه مرحله استفاده می شود :</a:t>
+            </a:r>
+            <a:endParaRPr lang="en-US" sz="2400" dirty="0">
+              <a:cs typeface="B Nazanin" panose="00000400000000000000" pitchFamily="2" charset="-78"/>
+            </a:endParaRPr>
+          </a:p>
+          <a:p>
+            <a:pPr marL="457200" lvl="0" indent="-457200" algn="r" rtl="1">
+              <a:buFont typeface="+mj-lt"/>
+              <a:buAutoNum type="arabicPeriod"/>
+            </a:pPr>
+            <a:r>
+              <a:rPr lang="fa-IR" sz="2400" dirty="0">
+                <a:cs typeface="B Nazanin" panose="00000400000000000000" pitchFamily="2" charset="-78"/>
+              </a:rPr>
+              <a:t>آماده سازی یک نقشه گوسی دو بعدی</a:t>
+            </a:r>
+            <a:endParaRPr lang="en-US" sz="2400" dirty="0">
+              <a:cs typeface="B Nazanin" panose="00000400000000000000" pitchFamily="2" charset="-78"/>
+            </a:endParaRPr>
+          </a:p>
+          <a:p>
+            <a:pPr marL="457200" lvl="0" indent="-457200" algn="r" rtl="1">
+              <a:buFont typeface="+mj-lt"/>
+              <a:buAutoNum type="arabicPeriod"/>
+            </a:pPr>
+            <a:r>
+              <a:rPr lang="fa-IR" sz="2400" dirty="0">
+                <a:cs typeface="B Nazanin" panose="00000400000000000000" pitchFamily="2" charset="-78"/>
+              </a:rPr>
+              <a:t>محاسبه یک تبدیل </a:t>
+            </a:r>
+            <a:r>
+              <a:rPr lang="en-US" sz="2400" dirty="0">
+                <a:cs typeface="B Nazanin" panose="00000400000000000000" pitchFamily="2" charset="-78"/>
+              </a:rPr>
+              <a:t>perspective </a:t>
+            </a:r>
+            <a:r>
+              <a:rPr lang="fa-IR" sz="2400" dirty="0">
+                <a:cs typeface="B Nazanin" panose="00000400000000000000" pitchFamily="2" charset="-78"/>
+              </a:rPr>
+              <a:t>بین نقشه گوسی ناحیه ای و هر </a:t>
+            </a:r>
+            <a:r>
+              <a:rPr lang="en-US" sz="2400" dirty="0">
+                <a:cs typeface="B Nazanin" panose="00000400000000000000" pitchFamily="2" charset="-78"/>
+              </a:rPr>
+              <a:t>box</a:t>
+            </a:r>
+            <a:r>
+              <a:rPr lang="fa-IR" sz="2400" dirty="0">
+                <a:cs typeface="B Nazanin" panose="00000400000000000000" pitchFamily="2" charset="-78"/>
+              </a:rPr>
+              <a:t> کاراکتر</a:t>
+            </a:r>
+            <a:endParaRPr lang="en-US" sz="2400" dirty="0">
+              <a:cs typeface="B Nazanin" panose="00000400000000000000" pitchFamily="2" charset="-78"/>
+            </a:endParaRPr>
+          </a:p>
+          <a:p>
+            <a:pPr marL="457200" lvl="0" indent="-457200" algn="r" rtl="1">
+              <a:buFont typeface="+mj-lt"/>
+              <a:buAutoNum type="arabicPeriod"/>
+            </a:pPr>
+            <a:r>
+              <a:rPr lang="fa-IR" sz="2400" dirty="0">
+                <a:cs typeface="B Nazanin" panose="00000400000000000000" pitchFamily="2" charset="-78"/>
+              </a:rPr>
+              <a:t>نگاشت هر توزیع گوسی به </a:t>
+            </a:r>
+            <a:r>
+              <a:rPr lang="en-US" sz="2400" dirty="0">
+                <a:cs typeface="B Nazanin" panose="00000400000000000000" pitchFamily="2" charset="-78"/>
+              </a:rPr>
+              <a:t>box</a:t>
+            </a:r>
+            <a:r>
+              <a:rPr lang="fa-IR" sz="2400" dirty="0">
+                <a:cs typeface="B Nazanin" panose="00000400000000000000" pitchFamily="2" charset="-78"/>
+              </a:rPr>
+              <a:t> هر ناحیه</a:t>
+            </a:r>
+            <a:endParaRPr lang="en-US" sz="2400" dirty="0">
+              <a:cs typeface="B Nazanin" panose="00000400000000000000" pitchFamily="2" charset="-78"/>
+            </a:endParaRPr>
+          </a:p>
+          <a:p>
+            <a:pPr algn="r"/>
+            <a:endParaRPr lang="en-US" dirty="0">
+              <a:cs typeface="B Nazanin" panose="00000400000000000000" pitchFamily="2" charset="-78"/>
+            </a:endParaRPr>
+          </a:p>
+        </p:txBody>
+      </p:sp>
+      <p:sp>
+        <p:nvSpPr>
+          <p:cNvPr id="4" name="Slide Number Placeholder 3"/>
+          <p:cNvSpPr>
+            <a:spLocks noGrp="1"/>
+          </p:cNvSpPr>
+          <p:nvPr>
+            <p:ph type="sldNum" sz="quarter" idx="12"/>
+          </p:nvPr>
+        </p:nvSpPr>
+        <p:spPr/>
+        <p:txBody>
+          <a:bodyPr/>
+          <a:lstStyle/>
+          <a:p>
+            <a:fld id="{18087783-62FF-446C-A2E4-4C6B0B0DE16F}" type="slidenum">
+              <a:rPr lang="en-US" smtClean="0"/>
+              <a:t>30</a:t>
+            </a:fld>
+            <a:endParaRPr lang="en-US"/>
+          </a:p>
+        </p:txBody>
+      </p:sp>
+    </p:spTree>
+    <p:extLst>
+      <p:ext uri="{BB962C8B-B14F-4D97-AF65-F5344CB8AC3E}">
+        <p14:creationId xmlns:p14="http://schemas.microsoft.com/office/powerpoint/2010/main" val="1108825624"/>
+      </p:ext>
+    </p:extLst>
+  </p:cSld>
+  <p:clrMapOvr>
+    <a:masterClrMapping/>
+  </p:clrMapOvr>
+  <p:timing>
+    <p:tnLst>
+      <p:par>
+        <p:cTn id="1" dur="indefinite" restart="never" nodeType="tmRoot">
+          <p:childTnLst>
+            <p:seq concurrent="1" nextAc="seek">
+              <p:cTn id="2" dur="indefinite" nodeType="mainSeq">
+                <p:childTnLst>
+                  <p:par>
+                    <p:cTn id="3" fill="hold">
+                      <p:stCondLst>
+                        <p:cond delay="indefinite"/>
+                      </p:stCondLst>
+                      <p:childTnLst>
+                        <p:par>
+                          <p:cTn id="4" fill="hold">
+                            <p:stCondLst>
+                              <p:cond delay="0"/>
+                            </p:stCondLst>
+                            <p:childTnLst>
+                              <p:par>
+                                <p:cTn id="5" presetID="10" presetClass="entr" presetSubtype="0" fill="hold" nodeType="clickEffect">
+                                  <p:stCondLst>
+                                    <p:cond delay="0"/>
+                                  </p:stCondLst>
+                                  <p:childTnLst>
+                                    <p:set>
+                                      <p:cBhvr>
+                                        <p:cTn id="6" dur="1" fill="hold">
+                                          <p:stCondLst>
+                                            <p:cond delay="0"/>
+                                          </p:stCondLst>
+                                        </p:cTn>
+                                        <p:tgtEl>
+                                          <p:spTgt spid="3">
+                                            <p:txEl>
+                                              <p:pRg st="0" end="0"/>
+                                            </p:txEl>
+                                          </p:spTgt>
+                                        </p:tgtEl>
+                                        <p:attrNameLst>
+                                          <p:attrName>style.visibility</p:attrName>
+                                        </p:attrNameLst>
+                                      </p:cBhvr>
+                                      <p:to>
+                                        <p:strVal val="visible"/>
+                                      </p:to>
+                                    </p:set>
+                                    <p:animEffect transition="in" filter="fade">
+                                      <p:cBhvr>
+                                        <p:cTn id="7" dur="500"/>
+                                        <p:tgtEl>
+                                          <p:spTgt spid="3">
+                                            <p:txEl>
+                                              <p:pRg st="0" end="0"/>
+                                            </p:txEl>
+                                          </p:spTgt>
+                                        </p:tgtEl>
+                                      </p:cBhvr>
+                                    </p:animEffect>
+                                  </p:childTnLst>
+                                </p:cTn>
+                              </p:par>
+                            </p:childTnLst>
+                          </p:cTn>
+                        </p:par>
+                      </p:childTnLst>
+                    </p:cTn>
+                  </p:par>
+                  <p:par>
+                    <p:cTn id="8" fill="hold">
+                      <p:stCondLst>
+                        <p:cond delay="indefinite"/>
+                      </p:stCondLst>
+                      <p:childTnLst>
+                        <p:par>
+                          <p:cTn id="9" fill="hold">
+                            <p:stCondLst>
+                              <p:cond delay="0"/>
+                            </p:stCondLst>
+                            <p:childTnLst>
+                              <p:par>
+                                <p:cTn id="10" presetID="10" presetClass="entr" presetSubtype="0" fill="hold" nodeType="clickEffect">
+                                  <p:stCondLst>
+                                    <p:cond delay="0"/>
+                                  </p:stCondLst>
+                                  <p:childTnLst>
+                                    <p:set>
+                                      <p:cBhvr>
+                                        <p:cTn id="11" dur="1" fill="hold">
+                                          <p:stCondLst>
+                                            <p:cond delay="0"/>
+                                          </p:stCondLst>
+                                        </p:cTn>
+                                        <p:tgtEl>
+                                          <p:spTgt spid="3">
+                                            <p:txEl>
+                                              <p:pRg st="1" end="1"/>
+                                            </p:txEl>
+                                          </p:spTgt>
+                                        </p:tgtEl>
+                                        <p:attrNameLst>
+                                          <p:attrName>style.visibility</p:attrName>
+                                        </p:attrNameLst>
+                                      </p:cBhvr>
+                                      <p:to>
+                                        <p:strVal val="visible"/>
+                                      </p:to>
+                                    </p:set>
+                                    <p:animEffect transition="in" filter="fade">
+                                      <p:cBhvr>
+                                        <p:cTn id="12" dur="500"/>
+                                        <p:tgtEl>
+                                          <p:spTgt spid="3">
+                                            <p:txEl>
+                                              <p:pRg st="1" end="1"/>
+                                            </p:txEl>
+                                          </p:spTgt>
+                                        </p:tgtEl>
+                                      </p:cBhvr>
+                                    </p:animEffect>
+                                  </p:childTnLst>
+                                </p:cTn>
+                              </p:par>
+                            </p:childTnLst>
+                          </p:cTn>
+                        </p:par>
+                      </p:childTnLst>
+                    </p:cTn>
+                  </p:par>
+                  <p:par>
+                    <p:cTn id="13" fill="hold">
+                      <p:stCondLst>
+                        <p:cond delay="indefinite"/>
+                      </p:stCondLst>
+                      <p:childTnLst>
+                        <p:par>
+                          <p:cTn id="14" fill="hold">
+                            <p:stCondLst>
+                              <p:cond delay="0"/>
+                            </p:stCondLst>
+                            <p:childTnLst>
+                              <p:par>
+                                <p:cTn id="15" presetID="10" presetClass="entr" presetSubtype="0" fill="hold" nodeType="clickEffect">
+                                  <p:stCondLst>
+                                    <p:cond delay="0"/>
+                                  </p:stCondLst>
+                                  <p:childTnLst>
+                                    <p:set>
+                                      <p:cBhvr>
+                                        <p:cTn id="16" dur="1" fill="hold">
+                                          <p:stCondLst>
+                                            <p:cond delay="0"/>
+                                          </p:stCondLst>
+                                        </p:cTn>
+                                        <p:tgtEl>
+                                          <p:spTgt spid="3">
+                                            <p:txEl>
+                                              <p:pRg st="2" end="2"/>
+                                            </p:txEl>
+                                          </p:spTgt>
+                                        </p:tgtEl>
+                                        <p:attrNameLst>
+                                          <p:attrName>style.visibility</p:attrName>
+                                        </p:attrNameLst>
+                                      </p:cBhvr>
+                                      <p:to>
+                                        <p:strVal val="visible"/>
+                                      </p:to>
+                                    </p:set>
+                                    <p:animEffect transition="in" filter="fade">
+                                      <p:cBhvr>
+                                        <p:cTn id="17" dur="500"/>
+                                        <p:tgtEl>
+                                          <p:spTgt spid="3">
+                                            <p:txEl>
+                                              <p:pRg st="2" end="2"/>
+                                            </p:txEl>
+                                          </p:spTgt>
+                                        </p:tgtEl>
+                                      </p:cBhvr>
+                                    </p:animEffect>
+                                  </p:childTnLst>
+                                </p:cTn>
+                              </p:par>
+                            </p:childTnLst>
+                          </p:cTn>
+                        </p:par>
+                      </p:childTnLst>
+                    </p:cTn>
+                  </p:par>
+                  <p:par>
+                    <p:cTn id="18" fill="hold">
+                      <p:stCondLst>
+                        <p:cond delay="indefinite"/>
+                      </p:stCondLst>
+                      <p:childTnLst>
+                        <p:par>
+                          <p:cTn id="19" fill="hold">
+                            <p:stCondLst>
+                              <p:cond delay="0"/>
+                            </p:stCondLst>
+                            <p:childTnLst>
+                              <p:par>
+                                <p:cTn id="20" presetID="10" presetClass="entr" presetSubtype="0" fill="hold" nodeType="clickEffect">
+                                  <p:stCondLst>
+                                    <p:cond delay="0"/>
+                                  </p:stCondLst>
+                                  <p:childTnLst>
+                                    <p:set>
+                                      <p:cBhvr>
+                                        <p:cTn id="21" dur="1" fill="hold">
+                                          <p:stCondLst>
+                                            <p:cond delay="0"/>
+                                          </p:stCondLst>
+                                        </p:cTn>
+                                        <p:tgtEl>
+                                          <p:spTgt spid="3">
+                                            <p:txEl>
+                                              <p:pRg st="3" end="3"/>
+                                            </p:txEl>
+                                          </p:spTgt>
+                                        </p:tgtEl>
+                                        <p:attrNameLst>
+                                          <p:attrName>style.visibility</p:attrName>
+                                        </p:attrNameLst>
+                                      </p:cBhvr>
+                                      <p:to>
+                                        <p:strVal val="visible"/>
+                                      </p:to>
+                                    </p:set>
+                                    <p:animEffect transition="in" filter="fade">
+                                      <p:cBhvr>
+                                        <p:cTn id="22" dur="500"/>
+                                        <p:tgtEl>
+                                          <p:spTgt spid="3">
+                                            <p:txEl>
+                                              <p:pRg st="3" end="3"/>
+                                            </p:txEl>
+                                          </p:spTgt>
+                                        </p:tgtEl>
+                                      </p:cBhvr>
+                                    </p:animEffect>
+                                  </p:childTnLst>
+                                </p:cTn>
+                              </p:par>
+                            </p:childTnLst>
+                          </p:cTn>
+                        </p:par>
+                      </p:childTnLst>
+                    </p:cTn>
+                  </p:par>
+                </p:childTnLst>
+              </p:cTn>
+              <p:prevCondLst>
+                <p:cond evt="onPrev" delay="0">
+                  <p:tgtEl>
+                    <p:sldTgt/>
+                  </p:tgtEl>
+                </p:cond>
+              </p:prevCondLst>
+              <p:nextCondLst>
+                <p:cond evt="onNext" delay="0">
+                  <p:tgtEl>
+                    <p:sldTgt/>
+                  </p:tgtEl>
+                </p:cond>
+              </p:nextCondLst>
+            </p:seq>
+          </p:childTnLst>
+        </p:cTn>
+      </p:par>
+    </p:tnLst>
+  </p:timing>
+</p:sld>
+</file>
+
+<file path=ppt/slides/slide31.xml><?xml version="1.0" encoding="utf-8"?>
+<p:sld xmlns:a="http://schemas.openxmlformats.org/drawingml/2006/main" xmlns:r="http://schemas.openxmlformats.org/officeDocument/2006/relationships" xmlns:p="http://schemas.openxmlformats.org/presentationml/2006/main">
+  <p:cSld>
+    <p:spTree>
+      <p:nvGrpSpPr>
+        <p:cNvPr id="1" name=""/>
+        <p:cNvGrpSpPr/>
+        <p:nvPr/>
+      </p:nvGrpSpPr>
+      <p:grpSpPr>
+        <a:xfrm>
+          <a:off x="0" y="0"/>
+          <a:ext cx="0" cy="0"/>
+          <a:chOff x="0" y="0"/>
+          <a:chExt cx="0" cy="0"/>
+        </a:xfrm>
+      </p:grpSpPr>
+      <p:sp>
+        <p:nvSpPr>
+          <p:cNvPr id="2" name="Title 1"/>
+          <p:cNvSpPr>
+            <a:spLocks noGrp="1"/>
+          </p:cNvSpPr>
+          <p:nvPr>
+            <p:ph type="title"/>
+          </p:nvPr>
+        </p:nvSpPr>
+        <p:spPr/>
+        <p:txBody>
+          <a:bodyPr/>
+          <a:lstStyle/>
+          <a:p>
+            <a:pPr lvl="0" algn="r"/>
+            <a:r>
+              <a:rPr lang="en-US" dirty="0"/>
+              <a:t>Weakly-Supervised </a:t>
+            </a:r>
+            <a:r>
+              <a:rPr lang="en-US" dirty="0" smtClean="0"/>
+              <a:t>Learning</a:t>
+            </a:r>
+            <a:endParaRPr lang="en-US" dirty="0"/>
+          </a:p>
+        </p:txBody>
+      </p:sp>
+      <p:sp>
+        <p:nvSpPr>
+          <p:cNvPr id="3" name="Content Placeholder 2"/>
+          <p:cNvSpPr>
+            <a:spLocks noGrp="1"/>
+          </p:cNvSpPr>
+          <p:nvPr>
+            <p:ph idx="1"/>
+          </p:nvPr>
+        </p:nvSpPr>
+        <p:spPr/>
+        <p:txBody>
+          <a:bodyPr>
+            <a:normAutofit/>
+          </a:bodyPr>
+          <a:lstStyle/>
+          <a:p>
+            <a:pPr algn="just" rtl="1"/>
+            <a:r>
+              <a:rPr lang="fa-IR" dirty="0">
+                <a:cs typeface="B Nazanin" panose="00000400000000000000" pitchFamily="2" charset="-78"/>
+              </a:rPr>
+              <a:t>در این بخش، از تصاویر واقعی که در آن ها فقط </a:t>
+            </a:r>
+            <a:r>
+              <a:rPr lang="en-US" dirty="0">
+                <a:cs typeface="B Nazanin" panose="00000400000000000000" pitchFamily="2" charset="-78"/>
+              </a:rPr>
+              <a:t>box</a:t>
+            </a:r>
+            <a:r>
+              <a:rPr lang="fa-IR" dirty="0">
+                <a:cs typeface="B Nazanin" panose="00000400000000000000" pitchFamily="2" charset="-78"/>
+              </a:rPr>
+              <a:t> متن ها مشخص شده است، استفاده کرده و </a:t>
+            </a:r>
+            <a:r>
+              <a:rPr lang="en-US" dirty="0">
+                <a:cs typeface="B Nazanin" panose="00000400000000000000" pitchFamily="2" charset="-78"/>
+              </a:rPr>
+              <a:t>box</a:t>
+            </a:r>
+            <a:r>
+              <a:rPr lang="fa-IR" dirty="0">
+                <a:cs typeface="B Nazanin" panose="00000400000000000000" pitchFamily="2" charset="-78"/>
+              </a:rPr>
+              <a:t> کاراکتر های آن متن را به دست می آورد. با این یادگیری، با استفاده از</a:t>
+            </a:r>
+            <a:r>
+              <a:rPr lang="en-US" dirty="0">
+                <a:cs typeface="B Nazanin" panose="00000400000000000000" pitchFamily="2" charset="-78"/>
+              </a:rPr>
+              <a:t>region score</a:t>
+            </a:r>
+            <a:r>
+              <a:rPr lang="fa-IR" dirty="0">
+                <a:cs typeface="B Nazanin" panose="00000400000000000000" pitchFamily="2" charset="-78"/>
+              </a:rPr>
+              <a:t> که برای هر بخش از تصویر بریده شده متن به دست می آید، می توان </a:t>
+            </a:r>
+            <a:r>
+              <a:rPr lang="en-US" dirty="0">
+                <a:cs typeface="B Nazanin" panose="00000400000000000000" pitchFamily="2" charset="-78"/>
+              </a:rPr>
+              <a:t>bounding box</a:t>
+            </a:r>
+            <a:r>
+              <a:rPr lang="fa-IR" dirty="0">
+                <a:cs typeface="B Nazanin" panose="00000400000000000000" pitchFamily="2" charset="-78"/>
+              </a:rPr>
+              <a:t> را برای هر کاراکتر در تصاویر واقعی به عنوان برچسب تولید کرد. </a:t>
+            </a:r>
+            <a:endParaRPr lang="en-US" dirty="0">
+              <a:cs typeface="B Nazanin" panose="00000400000000000000" pitchFamily="2" charset="-78"/>
+            </a:endParaRPr>
+          </a:p>
+        </p:txBody>
+      </p:sp>
+      <p:sp>
+        <p:nvSpPr>
+          <p:cNvPr id="4" name="Slide Number Placeholder 3"/>
+          <p:cNvSpPr>
+            <a:spLocks noGrp="1"/>
+          </p:cNvSpPr>
+          <p:nvPr>
+            <p:ph type="sldNum" sz="quarter" idx="12"/>
+          </p:nvPr>
+        </p:nvSpPr>
+        <p:spPr/>
+        <p:txBody>
+          <a:bodyPr/>
+          <a:lstStyle/>
+          <a:p>
+            <a:fld id="{18087783-62FF-446C-A2E4-4C6B0B0DE16F}" type="slidenum">
+              <a:rPr lang="en-US" smtClean="0"/>
+              <a:t>31</a:t>
+            </a:fld>
+            <a:endParaRPr lang="en-US"/>
+          </a:p>
+        </p:txBody>
+      </p:sp>
+      <p:pic>
+        <p:nvPicPr>
+          <p:cNvPr id="5" name="Picture 4"/>
+          <p:cNvPicPr/>
+          <p:nvPr/>
+        </p:nvPicPr>
+        <p:blipFill>
+          <a:blip r:embed="rId2"/>
+          <a:stretch>
+            <a:fillRect/>
+          </a:stretch>
+        </p:blipFill>
+        <p:spPr>
+          <a:xfrm>
+            <a:off x="1097280" y="2781206"/>
+            <a:ext cx="8087593" cy="3505295"/>
+          </a:xfrm>
+          <a:prstGeom prst="rect">
+            <a:avLst/>
+          </a:prstGeom>
+        </p:spPr>
+      </p:pic>
+    </p:spTree>
+    <p:extLst>
+      <p:ext uri="{BB962C8B-B14F-4D97-AF65-F5344CB8AC3E}">
+        <p14:creationId xmlns:p14="http://schemas.microsoft.com/office/powerpoint/2010/main" val="3702173842"/>
+      </p:ext>
+    </p:extLst>
+  </p:cSld>
+  <p:clrMapOvr>
+    <a:masterClrMapping/>
+  </p:clrMapOvr>
+  <p:timing>
+    <p:tnLst>
+      <p:par>
+        <p:cTn id="1" dur="indefinite" restart="never" nodeType="tmRoot">
+          <p:childTnLst>
+            <p:seq concurrent="1" nextAc="seek">
+              <p:cTn id="2" dur="indefinite" nodeType="mainSeq">
+                <p:childTnLst>
+                  <p:par>
+                    <p:cTn id="3" fill="hold">
+                      <p:stCondLst>
+                        <p:cond delay="indefinite"/>
+                      </p:stCondLst>
+                      <p:childTnLst>
+                        <p:par>
+                          <p:cTn id="4" fill="hold">
+                            <p:stCondLst>
+                              <p:cond delay="0"/>
+                            </p:stCondLst>
+                            <p:childTnLst>
+                              <p:par>
+                                <p:cTn id="5" presetID="10" presetClass="entr" presetSubtype="0" fill="hold" nodeType="clickEffect">
+                                  <p:stCondLst>
+                                    <p:cond delay="0"/>
+                                  </p:stCondLst>
+                                  <p:childTnLst>
+                                    <p:set>
+                                      <p:cBhvr>
+                                        <p:cTn id="6" dur="1" fill="hold">
+                                          <p:stCondLst>
+                                            <p:cond delay="0"/>
+                                          </p:stCondLst>
+                                        </p:cTn>
+                                        <p:tgtEl>
+                                          <p:spTgt spid="3">
+                                            <p:txEl>
+                                              <p:pRg st="0" end="0"/>
+                                            </p:txEl>
+                                          </p:spTgt>
+                                        </p:tgtEl>
+                                        <p:attrNameLst>
+                                          <p:attrName>style.visibility</p:attrName>
+                                        </p:attrNameLst>
+                                      </p:cBhvr>
+                                      <p:to>
+                                        <p:strVal val="visible"/>
+                                      </p:to>
+                                    </p:set>
+                                    <p:animEffect transition="in" filter="fade">
+                                      <p:cBhvr>
+                                        <p:cTn id="7" dur="500"/>
+                                        <p:tgtEl>
+                                          <p:spTgt spid="3">
+                                            <p:txEl>
+                                              <p:pRg st="0" end="0"/>
+                                            </p:txEl>
+                                          </p:spTgt>
+                                        </p:tgtEl>
+                                      </p:cBhvr>
+                                    </p:animEffect>
+                                  </p:childTnLst>
+                                </p:cTn>
+                              </p:par>
+                            </p:childTnLst>
+                          </p:cTn>
+                        </p:par>
+                      </p:childTnLst>
+                    </p:cTn>
+                  </p:par>
+                  <p:par>
+                    <p:cTn id="8" fill="hold">
+                      <p:stCondLst>
+                        <p:cond delay="indefinite"/>
+                      </p:stCondLst>
+                      <p:childTnLst>
+                        <p:par>
+                          <p:cTn id="9" fill="hold">
+                            <p:stCondLst>
+                              <p:cond delay="0"/>
+                            </p:stCondLst>
+                            <p:childTnLst>
+                              <p:par>
+                                <p:cTn id="10" presetID="10" presetClass="entr" presetSubtype="0" fill="hold" nodeType="clickEffect">
+                                  <p:stCondLst>
+                                    <p:cond delay="0"/>
+                                  </p:stCondLst>
+                                  <p:childTnLst>
+                                    <p:set>
+                                      <p:cBhvr>
+                                        <p:cTn id="11" dur="1" fill="hold">
+                                          <p:stCondLst>
+                                            <p:cond delay="0"/>
+                                          </p:stCondLst>
+                                        </p:cTn>
+                                        <p:tgtEl>
+                                          <p:spTgt spid="5"/>
+                                        </p:tgtEl>
+                                        <p:attrNameLst>
+                                          <p:attrName>style.visibility</p:attrName>
+                                        </p:attrNameLst>
+                                      </p:cBhvr>
+                                      <p:to>
+                                        <p:strVal val="visible"/>
+                                      </p:to>
+                                    </p:set>
+                                    <p:animEffect transition="in" filter="fade">
+                                      <p:cBhvr>
+                                        <p:cTn id="12" dur="500"/>
+                                        <p:tgtEl>
+                                          <p:spTgt spid="5"/>
+                                        </p:tgtEl>
+                                      </p:cBhvr>
+                                    </p:animEffect>
+                                  </p:childTnLst>
+                                </p:cTn>
+                              </p:par>
+                            </p:childTnLst>
+                          </p:cTn>
+                        </p:par>
+                      </p:childTnLst>
+                    </p:cTn>
+                  </p:par>
+                </p:childTnLst>
+              </p:cTn>
+              <p:prevCondLst>
+                <p:cond evt="onPrev" delay="0">
+                  <p:tgtEl>
+                    <p:sldTgt/>
+                  </p:tgtEl>
+                </p:cond>
+              </p:prevCondLst>
+              <p:nextCondLst>
+                <p:cond evt="onNext" delay="0">
+                  <p:tgtEl>
+                    <p:sldTgt/>
+                  </p:tgtEl>
+                </p:cond>
+              </p:nextCondLst>
+            </p:seq>
+          </p:childTnLst>
+        </p:cTn>
+      </p:par>
+    </p:tnLst>
+  </p:timing>
+</p:sld>
+</file>
+
+<file path=ppt/slides/slide32.xml><?xml version="1.0" encoding="utf-8"?>
+<p:sld xmlns:a="http://schemas.openxmlformats.org/drawingml/2006/main" xmlns:r="http://schemas.openxmlformats.org/officeDocument/2006/relationships" xmlns:p="http://schemas.openxmlformats.org/presentationml/2006/main">
+  <p:cSld>
+    <p:spTree>
+      <p:nvGrpSpPr>
+        <p:cNvPr id="1" name=""/>
+        <p:cNvGrpSpPr/>
+        <p:nvPr/>
+      </p:nvGrpSpPr>
+      <p:grpSpPr>
+        <a:xfrm>
+          <a:off x="0" y="0"/>
+          <a:ext cx="0" cy="0"/>
+          <a:chOff x="0" y="0"/>
+          <a:chExt cx="0" cy="0"/>
+        </a:xfrm>
+      </p:grpSpPr>
+      <p:sp>
+        <p:nvSpPr>
+          <p:cNvPr id="2" name="Title 1"/>
+          <p:cNvSpPr>
+            <a:spLocks noGrp="1"/>
+          </p:cNvSpPr>
+          <p:nvPr>
+            <p:ph type="title"/>
+          </p:nvPr>
+        </p:nvSpPr>
+        <p:spPr/>
+        <p:txBody>
+          <a:bodyPr/>
+          <a:lstStyle/>
+          <a:p>
+            <a:pPr algn="r" rtl="1"/>
+            <a:r>
+              <a:rPr lang="en-US" dirty="0"/>
+              <a:t>Weakly-Supervised Learning</a:t>
+            </a:r>
+          </a:p>
+        </p:txBody>
+      </p:sp>
+      <p:sp>
+        <p:nvSpPr>
+          <p:cNvPr id="3" name="Content Placeholder 2"/>
+          <p:cNvSpPr>
+            <a:spLocks noGrp="1"/>
+          </p:cNvSpPr>
+          <p:nvPr>
+            <p:ph idx="1"/>
+          </p:nvPr>
+        </p:nvSpPr>
+        <p:spPr/>
+        <p:txBody>
+          <a:bodyPr>
+            <a:normAutofit/>
+          </a:bodyPr>
+          <a:lstStyle/>
+          <a:p>
+            <a:pPr algn="r" rtl="1"/>
+            <a:r>
+              <a:rPr lang="fa-IR" sz="2400" dirty="0">
+                <a:cs typeface="B Nazanin" panose="00000400000000000000" pitchFamily="2" charset="-78"/>
+              </a:rPr>
+              <a:t>روند جداسازی کاراکترها دارای 4 مرحله است:</a:t>
+            </a:r>
+            <a:endParaRPr lang="en-US" sz="2400" dirty="0">
+              <a:cs typeface="B Nazanin" panose="00000400000000000000" pitchFamily="2" charset="-78"/>
+            </a:endParaRPr>
+          </a:p>
+          <a:p>
+            <a:pPr lvl="0" algn="r" rtl="1"/>
+            <a:r>
+              <a:rPr lang="fa-IR" sz="2400" dirty="0">
+                <a:cs typeface="B Nazanin" panose="00000400000000000000" pitchFamily="2" charset="-78"/>
+              </a:rPr>
+              <a:t>بخش های دارای متن از تصویر ورودی بریده  می شود.</a:t>
+            </a:r>
+            <a:endParaRPr lang="en-US" sz="2400" dirty="0">
+              <a:cs typeface="B Nazanin" panose="00000400000000000000" pitchFamily="2" charset="-78"/>
+            </a:endParaRPr>
+          </a:p>
+          <a:p>
+            <a:pPr lvl="0" algn="r" rtl="1"/>
+            <a:r>
+              <a:rPr lang="fa-IR" sz="2400" dirty="0">
+                <a:cs typeface="B Nazanin" panose="00000400000000000000" pitchFamily="2" charset="-78"/>
+              </a:rPr>
+              <a:t>مدل برای پیش بینی </a:t>
+            </a:r>
+            <a:r>
+              <a:rPr lang="en-US" sz="2400" dirty="0">
+                <a:cs typeface="B Nazanin" panose="00000400000000000000" pitchFamily="2" charset="-78"/>
+              </a:rPr>
+              <a:t>region score</a:t>
+            </a:r>
+            <a:r>
+              <a:rPr lang="fa-IR" sz="2400" dirty="0">
+                <a:cs typeface="B Nazanin" panose="00000400000000000000" pitchFamily="2" charset="-78"/>
+              </a:rPr>
+              <a:t> آموزش می بیند.</a:t>
+            </a:r>
+            <a:endParaRPr lang="en-US" sz="2400" dirty="0">
+              <a:cs typeface="B Nazanin" panose="00000400000000000000" pitchFamily="2" charset="-78"/>
+            </a:endParaRPr>
+          </a:p>
+          <a:p>
+            <a:pPr lvl="0" algn="r" rtl="1"/>
+            <a:r>
+              <a:rPr lang="fa-IR" sz="2400" dirty="0">
+                <a:cs typeface="B Nazanin" panose="00000400000000000000" pitchFamily="2" charset="-78"/>
+              </a:rPr>
+              <a:t>الگوریتم </a:t>
+            </a:r>
+            <a:r>
+              <a:rPr lang="en-US" sz="2400" dirty="0" err="1">
+                <a:cs typeface="B Nazanin" panose="00000400000000000000" pitchFamily="2" charset="-78"/>
+              </a:rPr>
+              <a:t>watershid</a:t>
+            </a:r>
+            <a:r>
+              <a:rPr lang="fa-IR" sz="2400" dirty="0">
+                <a:cs typeface="B Nazanin" panose="00000400000000000000" pitchFamily="2" charset="-78"/>
+              </a:rPr>
+              <a:t> برای جداسازی ناحیه های کاراکتر استفاده می شود.</a:t>
+            </a:r>
+            <a:endParaRPr lang="en-US" sz="2400" dirty="0">
+              <a:cs typeface="B Nazanin" panose="00000400000000000000" pitchFamily="2" charset="-78"/>
+            </a:endParaRPr>
+          </a:p>
+          <a:p>
+            <a:pPr lvl="0" algn="r" rtl="1"/>
+            <a:r>
+              <a:rPr lang="fa-IR" sz="2400" dirty="0">
+                <a:cs typeface="B Nazanin" panose="00000400000000000000" pitchFamily="2" charset="-78"/>
+              </a:rPr>
+              <a:t>مختصات </a:t>
+            </a:r>
+            <a:r>
+              <a:rPr lang="en-US" sz="2400" dirty="0">
+                <a:cs typeface="B Nazanin" panose="00000400000000000000" pitchFamily="2" charset="-78"/>
+              </a:rPr>
+              <a:t>box</a:t>
+            </a:r>
+            <a:r>
+              <a:rPr lang="fa-IR" sz="2400" dirty="0">
+                <a:cs typeface="B Nazanin" panose="00000400000000000000" pitchFamily="2" charset="-78"/>
+              </a:rPr>
+              <a:t> کاراکترها با استفاده از تبدیل معکوس مرحله جداسازی، بر روی تصویر اصلی مشخص می شود.</a:t>
+            </a:r>
+            <a:endParaRPr lang="en-US" sz="2400" dirty="0">
+              <a:cs typeface="B Nazanin" panose="00000400000000000000" pitchFamily="2" charset="-78"/>
+            </a:endParaRPr>
+          </a:p>
+          <a:p>
+            <a:pPr algn="r" rtl="1"/>
+            <a:r>
+              <a:rPr lang="fa-IR" sz="2400" dirty="0">
+                <a:cs typeface="B Nazanin" panose="00000400000000000000" pitchFamily="2" charset="-78"/>
+              </a:rPr>
+              <a:t>این مراحل را در تصویر زیر می توان مشاهده کرد :</a:t>
+            </a:r>
+            <a:endParaRPr lang="en-US" sz="2400" dirty="0">
+              <a:cs typeface="B Nazanin" panose="00000400000000000000" pitchFamily="2" charset="-78"/>
+            </a:endParaRPr>
+          </a:p>
+          <a:p>
+            <a:pPr algn="r"/>
+            <a:endParaRPr lang="en-US" sz="2400" dirty="0">
+              <a:cs typeface="B Nazanin" panose="00000400000000000000" pitchFamily="2" charset="-78"/>
+            </a:endParaRPr>
+          </a:p>
+        </p:txBody>
+      </p:sp>
+      <p:sp>
+        <p:nvSpPr>
+          <p:cNvPr id="4" name="Slide Number Placeholder 3"/>
+          <p:cNvSpPr>
+            <a:spLocks noGrp="1"/>
+          </p:cNvSpPr>
+          <p:nvPr>
+            <p:ph type="sldNum" sz="quarter" idx="12"/>
+          </p:nvPr>
+        </p:nvSpPr>
+        <p:spPr/>
+        <p:txBody>
+          <a:bodyPr/>
+          <a:lstStyle/>
+          <a:p>
+            <a:fld id="{18087783-62FF-446C-A2E4-4C6B0B0DE16F}" type="slidenum">
+              <a:rPr lang="en-US" smtClean="0"/>
+              <a:t>32</a:t>
+            </a:fld>
+            <a:endParaRPr lang="en-US"/>
+          </a:p>
+        </p:txBody>
+      </p:sp>
+    </p:spTree>
+    <p:extLst>
+      <p:ext uri="{BB962C8B-B14F-4D97-AF65-F5344CB8AC3E}">
+        <p14:creationId xmlns:p14="http://schemas.microsoft.com/office/powerpoint/2010/main" val="3630603514"/>
+      </p:ext>
+    </p:extLst>
+  </p:cSld>
+  <p:clrMapOvr>
+    <a:masterClrMapping/>
+  </p:clrMapOvr>
+  <p:timing>
+    <p:tnLst>
+      <p:par>
+        <p:cTn id="1" dur="indefinite" restart="never" nodeType="tmRoot"/>
+      </p:par>
+    </p:tnLst>
+  </p:timing>
+</p:sld>
+</file>
+
 <file path=ppt/slides/slide4.xml><?xml version="1.0" encoding="utf-8"?>
 <p:sld xmlns:a="http://schemas.openxmlformats.org/drawingml/2006/main" xmlns:r="http://schemas.openxmlformats.org/officeDocument/2006/relationships" xmlns:p="http://schemas.openxmlformats.org/presentationml/2006/main">
   <p:cSld>
@@ -21107,13 +25019,19 @@
               <a:rPr lang="fa-IR" sz="2800" dirty="0" smtClean="0">
                 <a:cs typeface="B Nazanin" panose="00000400000000000000" pitchFamily="2" charset="-78"/>
               </a:rPr>
-              <a:t> ایده‌ی </a:t>
+              <a:t> </a:t>
+            </a:r>
+            <a:r>
+              <a:rPr lang="fa-IR" sz="2800" dirty="0" smtClean="0">
+                <a:cs typeface="B Nazanin" panose="00000400000000000000" pitchFamily="2" charset="-78"/>
+              </a:rPr>
+              <a:t>ایده‌ای که </a:t>
             </a:r>
             <a:r>
               <a:rPr lang="fa-IR" sz="2800" dirty="0">
                 <a:cs typeface="B Nazanin" panose="00000400000000000000" pitchFamily="2" charset="-78"/>
               </a:rPr>
-              <a:t>که در این مقاله مطرح </a:t>
+              <a:t>در این مقاله مطرح </a:t>
             </a:r>
             <a:r>
               <a:rPr lang="fa-IR" sz="2800" dirty="0" smtClean="0">
@@ -21898,7 +25816,7 @@
               <a:rPr lang="fa-IR" sz="2800" dirty="0" smtClean="0">
                 <a:cs typeface="B Nazanin" panose="00000400000000000000" pitchFamily="2" charset="-78"/>
               </a:rPr>
-              <a:t>بلاک‌های </a:t>
+              <a:t>بلوک‌های </a:t>
             </a:r>
             <a:r>
               <a:rPr lang="en-US" sz="2800" b="1" dirty="0">

--- a/Text Localization.pptx
+++ b/Text Localization.pptx
@@ -235,7 +235,7 @@
           <a:p>
             <a:fld id="{4F9118E2-E8E4-4118-8AA7-9FADDC448679}" type="datetimeFigureOut">
               <a:rPr lang="en-US" smtClean="0"/>
-              <a:t>2/1/2020</a:t>
+              <a:t>2/2/2020</a:t>
             </a:fld>
             <a:endParaRPr lang="en-US"/>
           </a:p>
@@ -729,7 +729,7 @@
           <a:p>
             <a:fld id="{5628DAC7-6A3D-45C9-8106-EB714EB502FD}" type="datetime1">
               <a:rPr lang="en-US" smtClean="0"/>
-              <a:t>2/1/2020</a:t>
+              <a:t>2/2/2020</a:t>
             </a:fld>
             <a:endParaRPr lang="en-US"/>
           </a:p>
@@ -937,7 +937,7 @@
           <a:p>
             <a:fld id="{E17050C7-CDD4-4FF9-A6B5-B52EF3743369}" type="datetime1">
               <a:rPr lang="en-US" smtClean="0"/>
-              <a:t>2/1/2020</a:t>
+              <a:t>2/2/2020</a:t>
             </a:fld>
             <a:endParaRPr lang="en-US"/>
           </a:p>
@@ -1193,7 +1193,7 @@
           <a:p>
             <a:fld id="{6C56D9B6-4C7C-4948-BE18-53525478D9C6}" type="datetime1">
               <a:rPr lang="en-US" smtClean="0"/>
-              <a:t>2/1/2020</a:t>
+              <a:t>2/2/2020</a:t>
             </a:fld>
             <a:endParaRPr lang="en-US"/>
           </a:p>
@@ -1363,7 +1363,7 @@
           <a:p>
             <a:fld id="{0B75E5B4-A3EE-4C02-BEDA-61A29471B3B1}" type="datetime1">
               <a:rPr lang="en-US" smtClean="0"/>
-              <a:t>2/1/2020</a:t>
+              <a:t>2/2/2020</a:t>
             </a:fld>
             <a:endParaRPr lang="en-US"/>
           </a:p>
@@ -1706,7 +1706,7 @@
           <a:p>
             <a:fld id="{63407D2F-57C5-47A6-8222-E8DDDAC55C30}" type="datetime1">
               <a:rPr lang="en-US" smtClean="0"/>
-              <a:t>2/1/2020</a:t>
+              <a:t>2/2/2020</a:t>
             </a:fld>
             <a:endParaRPr lang="en-US"/>
           </a:p>
@@ -1981,7 +1981,7 @@
           <a:p>
             <a:fld id="{8EFE5EE5-B0C8-43A0-B1AF-4D1B91DAF481}" type="datetime1">
               <a:rPr lang="en-US" smtClean="0"/>
-              <a:t>2/1/2020</a:t>
+              <a:t>2/2/2020</a:t>
             </a:fld>
             <a:endParaRPr lang="en-US"/>
           </a:p>
@@ -2360,7 +2360,7 @@
           <a:p>
             <a:fld id="{EFBA16A5-1E4B-4B74-B740-999CDC82ABB6}" type="datetime1">
               <a:rPr lang="en-US" smtClean="0"/>
-              <a:t>2/1/2020</a:t>
+              <a:t>2/2/2020</a:t>
             </a:fld>
             <a:endParaRPr lang="en-US"/>
           </a:p>
@@ -2478,7 +2478,7 @@
           <a:p>
             <a:fld id="{4CEE7E94-10BE-407B-8985-6A5B2C98297D}" type="datetime1">
               <a:rPr lang="en-US" smtClean="0"/>
-              <a:t>2/1/2020</a:t>
+              <a:t>2/2/2020</a:t>
             </a:fld>
             <a:endParaRPr lang="en-US"/>
           </a:p>
@@ -2649,7 +2649,7 @@
           <a:p>
             <a:fld id="{4FB83262-7D5C-4C2F-93DA-C30830DBB861}" type="datetime1">
               <a:rPr lang="en-US" smtClean="0"/>
-              <a:t>2/1/2020</a:t>
+              <a:t>2/2/2020</a:t>
             </a:fld>
             <a:endParaRPr lang="en-US"/>
           </a:p>
@@ -3003,7 +3003,7 @@
           <a:p>
             <a:fld id="{6D5C66F1-92C6-4CE5-9037-05ACD45DFA3A}" type="datetime1">
               <a:rPr lang="en-US" smtClean="0"/>
-              <a:t>2/1/2020</a:t>
+              <a:t>2/2/2020</a:t>
             </a:fld>
             <a:endParaRPr lang="en-US"/>
           </a:p>
@@ -3380,7 +3380,7 @@
           <a:p>
             <a:fld id="{539DA7BA-CEA3-4C75-87D6-C7C8088A9BE6}" type="datetime1">
               <a:rPr lang="en-US" smtClean="0"/>
-              <a:t>2/1/2020</a:t>
+              <a:t>2/2/2020</a:t>
             </a:fld>
             <a:endParaRPr lang="en-US"/>
           </a:p>
@@ -3667,7 +3667,7 @@
           <a:p>
             <a:fld id="{C05A0ECF-AE02-49A0-876C-B6F19C40C5A6}" type="datetime1">
               <a:rPr lang="en-US" smtClean="0"/>
-              <a:t>2/1/2020</a:t>
+              <a:t>2/2/2020</a:t>
             </a:fld>
             <a:endParaRPr lang="en-US"/>
           </a:p>
@@ -8946,7 +8946,25 @@
                 </a:solidFill>
                 <a:cs typeface="B Nazanin" panose="00000400000000000000" pitchFamily="2" charset="-78"/>
               </a:rPr>
-              <a:t>ایجاد توازن بین ترم </a:t>
+              <a:t>ایجاد توازن بین </a:t>
+            </a:r>
+            <a:r>
+              <a:rPr lang="ar-SA" dirty="0" smtClean="0">
+                <a:solidFill>
+                  <a:srgbClr val="FF0000"/>
+                </a:solidFill>
+                <a:cs typeface="B Nazanin" panose="00000400000000000000" pitchFamily="2" charset="-78"/>
+              </a:rPr>
+              <a:t>ترم</a:t>
+            </a:r>
+            <a:r>
+              <a:rPr lang="fa-IR" dirty="0" smtClean="0">
+                <a:solidFill>
+                  <a:srgbClr val="FF0000"/>
+                </a:solidFill>
+                <a:cs typeface="B Nazanin" panose="00000400000000000000" pitchFamily="2" charset="-78"/>
+              </a:rPr>
+              <a:t>‌</a:t>
             </a:r>
             <a:r>
               <a:rPr lang="ar-SA" dirty="0" smtClean="0">
@@ -9060,7 +9078,43 @@
                 </a:solidFill>
                 <a:cs typeface="B Nazanin" panose="00000400000000000000" pitchFamily="2" charset="-78"/>
               </a:rPr>
-              <a:t>خطای طبقه بندی متن / غیر متن</a:t>
+              <a:t>خطای </a:t>
+            </a:r>
+            <a:r>
+              <a:rPr lang="ar-SA" dirty="0" smtClean="0">
+                <a:solidFill>
+                  <a:srgbClr val="00B050"/>
+                </a:solidFill>
+                <a:cs typeface="B Nazanin" panose="00000400000000000000" pitchFamily="2" charset="-78"/>
+              </a:rPr>
+              <a:t>طبقه</a:t>
+            </a:r>
+            <a:r>
+              <a:rPr lang="fa-IR" dirty="0" smtClean="0">
+                <a:solidFill>
+                  <a:srgbClr val="00B050"/>
+                </a:solidFill>
+                <a:cs typeface="B Nazanin" panose="00000400000000000000" pitchFamily="2" charset="-78"/>
+              </a:rPr>
+              <a:t>‌</a:t>
+            </a:r>
+            <a:r>
+              <a:rPr lang="ar-SA" dirty="0" smtClean="0">
+                <a:solidFill>
+                  <a:srgbClr val="00B050"/>
+                </a:solidFill>
+                <a:cs typeface="B Nazanin" panose="00000400000000000000" pitchFamily="2" charset="-78"/>
+              </a:rPr>
+              <a:t>بندی </a:t>
+            </a:r>
+            <a:r>
+              <a:rPr lang="ar-SA" dirty="0">
+                <a:solidFill>
+                  <a:srgbClr val="00B050"/>
+                </a:solidFill>
+                <a:cs typeface="B Nazanin" panose="00000400000000000000" pitchFamily="2" charset="-78"/>
+              </a:rPr>
+              <a:t>متن / غیر متن</a:t>
             </a:r>
             <a:endParaRPr lang="en-US" dirty="0">
               <a:solidFill>
@@ -26863,8 +26917,8 @@
           </a:p>
         </p:txBody>
       </p:sp>
-      <mc:AlternateContent xmlns:mc="http://schemas.openxmlformats.org/markup-compatibility/2006">
-        <mc:Choice xmlns:a14="http://schemas.microsoft.com/office/drawing/2010/main" Requires="a14">
+      <mc:AlternateContent xmlns:mc="http://schemas.openxmlformats.org/markup-compatibility/2006" xmlns:a14="http://schemas.microsoft.com/office/drawing/2010/main">
+        <mc:Choice Requires="a14">
           <p:sp>
             <p:nvSpPr>
               <p:cNvPr id="6" name="Rectangle 5"/>
@@ -26886,6 +26940,7 @@
               </a:bodyPr>
               <a:lstStyle/>
               <a:p>
+                <a:pPr/>
                 <a14:m>
                   <m:oMathPara xmlns:m="http://schemas.openxmlformats.org/officeDocument/2006/math">
                     <m:oMathParaPr>
@@ -26895,7 +26950,7 @@
                       <m:sSub>
                         <m:sSubPr>
                           <m:ctrlPr>
-                            <a:rPr lang="en-US">
+                            <a:rPr lang="en-US" i="1">
                               <a:latin typeface="Cambria Math" panose="02040503050406030204" pitchFamily="18" charset="0"/>
                             </a:rPr>
                           </m:ctrlPr>
@@ -27183,7 +27238,7 @@
             </p:txBody>
           </p:sp>
         </mc:Choice>
-        <mc:Fallback>
+        <mc:Fallback xmlns="">
           <p:sp>
             <p:nvSpPr>
               <p:cNvPr id="6" name="Rectangle 5"/>
@@ -27222,8 +27277,8 @@
           </p:sp>
         </mc:Fallback>
       </mc:AlternateContent>
-      <mc:AlternateContent xmlns:mc="http://schemas.openxmlformats.org/markup-compatibility/2006">
-        <mc:Choice xmlns:a14="http://schemas.microsoft.com/office/drawing/2010/main" Requires="a14">
+      <mc:AlternateContent xmlns:mc="http://schemas.openxmlformats.org/markup-compatibility/2006" xmlns:a14="http://schemas.microsoft.com/office/drawing/2010/main">
+        <mc:Choice Requires="a14">
           <p:sp>
             <p:nvSpPr>
               <p:cNvPr id="7" name="Rectangle 6"/>
@@ -27245,6 +27300,7 @@
               </a:bodyPr>
               <a:lstStyle/>
               <a:p>
+                <a:pPr/>
                 <a14:m>
                   <m:oMathPara xmlns:m="http://schemas.openxmlformats.org/officeDocument/2006/math">
                     <m:oMathParaPr>
@@ -27624,7 +27680,7 @@
             </p:txBody>
           </p:sp>
         </mc:Choice>
-        <mc:Fallback>
+        <mc:Fallback xmlns="">
           <p:sp>
             <p:nvSpPr>
               <p:cNvPr id="7" name="Rectangle 6"/>
@@ -27663,8 +27719,8 @@
           </p:sp>
         </mc:Fallback>
       </mc:AlternateContent>
-      <mc:AlternateContent xmlns:mc="http://schemas.openxmlformats.org/markup-compatibility/2006">
-        <mc:Choice xmlns:a14="http://schemas.microsoft.com/office/drawing/2010/main" Requires="a14">
+      <mc:AlternateContent xmlns:mc="http://schemas.openxmlformats.org/markup-compatibility/2006" xmlns:a14="http://schemas.microsoft.com/office/drawing/2010/main">
+        <mc:Choice Requires="a14">
           <p:sp>
             <p:nvSpPr>
               <p:cNvPr id="8" name="Rectangle 7"/>
@@ -27686,6 +27742,7 @@
               </a:bodyPr>
               <a:lstStyle/>
               <a:p>
+                <a:pPr/>
                 <a14:m>
                   <m:oMathPara xmlns:m="http://schemas.openxmlformats.org/officeDocument/2006/math">
                     <m:oMathParaPr>
@@ -27695,7 +27752,7 @@
                       <m:sSub>
                         <m:sSubPr>
                           <m:ctrlPr>
-                            <a:rPr lang="en-US">
+                            <a:rPr lang="en-US" i="1">
                               <a:latin typeface="Cambria Math" panose="02040503050406030204" pitchFamily="18" charset="0"/>
                             </a:rPr>
                           </m:ctrlPr>
@@ -27906,7 +27963,7 @@
             </p:txBody>
           </p:sp>
         </mc:Choice>
-        <mc:Fallback>
+        <mc:Fallback xmlns="">
           <p:sp>
             <p:nvSpPr>
               <p:cNvPr id="8" name="Rectangle 7"/>

--- a/Text Localization.pptx
+++ b/Text Localization.pptx
@@ -5,7 +5,7 @@
     <p:sldMasterId id="2147483696" r:id="rId1"/>
   </p:sldMasterIdLst>
   <p:notesMasterIdLst>
-    <p:notesMasterId r:id="rId41"/>
+    <p:notesMasterId r:id="rId43"/>
   </p:notesMasterIdLst>
   <p:sldIdLst>
     <p:sldId id="272" r:id="rId2"/>
@@ -47,6 +47,8 @@
     <p:sldId id="344" r:id="rId38"/>
     <p:sldId id="343" r:id="rId39"/>
     <p:sldId id="345" r:id="rId40"/>
+    <p:sldId id="353" r:id="rId41"/>
+    <p:sldId id="354" r:id="rId42"/>
   </p:sldIdLst>
   <p:sldSz cx="12192000" cy="6858000"/>
   <p:notesSz cx="6858000" cy="9144000"/>
@@ -235,7 +237,7 @@
           <a:p>
             <a:fld id="{4F9118E2-E8E4-4118-8AA7-9FADDC448679}" type="datetimeFigureOut">
               <a:rPr lang="en-US" smtClean="0"/>
-              <a:t>2/2/2020</a:t>
+              <a:t>2/4/2020</a:t>
             </a:fld>
             <a:endParaRPr lang="en-US"/>
           </a:p>
@@ -729,7 +731,7 @@
           <a:p>
             <a:fld id="{5628DAC7-6A3D-45C9-8106-EB714EB502FD}" type="datetime1">
               <a:rPr lang="en-US" smtClean="0"/>
-              <a:t>2/2/2020</a:t>
+              <a:t>2/4/2020</a:t>
             </a:fld>
             <a:endParaRPr lang="en-US"/>
           </a:p>
@@ -937,7 +939,7 @@
           <a:p>
             <a:fld id="{E17050C7-CDD4-4FF9-A6B5-B52EF3743369}" type="datetime1">
               <a:rPr lang="en-US" smtClean="0"/>
-              <a:t>2/2/2020</a:t>
+              <a:t>2/4/2020</a:t>
             </a:fld>
             <a:endParaRPr lang="en-US"/>
           </a:p>
@@ -1193,7 +1195,7 @@
           <a:p>
             <a:fld id="{6C56D9B6-4C7C-4948-BE18-53525478D9C6}" type="datetime1">
               <a:rPr lang="en-US" smtClean="0"/>
-              <a:t>2/2/2020</a:t>
+              <a:t>2/4/2020</a:t>
             </a:fld>
             <a:endParaRPr lang="en-US"/>
           </a:p>
@@ -1363,7 +1365,7 @@
           <a:p>
             <a:fld id="{0B75E5B4-A3EE-4C02-BEDA-61A29471B3B1}" type="datetime1">
               <a:rPr lang="en-US" smtClean="0"/>
-              <a:t>2/2/2020</a:t>
+              <a:t>2/4/2020</a:t>
             </a:fld>
             <a:endParaRPr lang="en-US"/>
           </a:p>
@@ -1706,7 +1708,7 @@
           <a:p>
             <a:fld id="{63407D2F-57C5-47A6-8222-E8DDDAC55C30}" type="datetime1">
               <a:rPr lang="en-US" smtClean="0"/>
-              <a:t>2/2/2020</a:t>
+              <a:t>2/4/2020</a:t>
             </a:fld>
             <a:endParaRPr lang="en-US"/>
           </a:p>
@@ -1981,7 +1983,7 @@
           <a:p>
             <a:fld id="{8EFE5EE5-B0C8-43A0-B1AF-4D1B91DAF481}" type="datetime1">
               <a:rPr lang="en-US" smtClean="0"/>
-              <a:t>2/2/2020</a:t>
+              <a:t>2/4/2020</a:t>
             </a:fld>
             <a:endParaRPr lang="en-US"/>
           </a:p>
@@ -2360,7 +2362,7 @@
           <a:p>
             <a:fld id="{EFBA16A5-1E4B-4B74-B740-999CDC82ABB6}" type="datetime1">
               <a:rPr lang="en-US" smtClean="0"/>
-              <a:t>2/2/2020</a:t>
+              <a:t>2/4/2020</a:t>
             </a:fld>
             <a:endParaRPr lang="en-US"/>
           </a:p>
@@ -2478,7 +2480,7 @@
           <a:p>
             <a:fld id="{4CEE7E94-10BE-407B-8985-6A5B2C98297D}" type="datetime1">
               <a:rPr lang="en-US" smtClean="0"/>
-              <a:t>2/2/2020</a:t>
+              <a:t>2/4/2020</a:t>
             </a:fld>
             <a:endParaRPr lang="en-US"/>
           </a:p>
@@ -2649,7 +2651,7 @@
           <a:p>
             <a:fld id="{4FB83262-7D5C-4C2F-93DA-C30830DBB861}" type="datetime1">
               <a:rPr lang="en-US" smtClean="0"/>
-              <a:t>2/2/2020</a:t>
+              <a:t>2/4/2020</a:t>
             </a:fld>
             <a:endParaRPr lang="en-US"/>
           </a:p>
@@ -3003,7 +3005,7 @@
           <a:p>
             <a:fld id="{6D5C66F1-92C6-4CE5-9037-05ACD45DFA3A}" type="datetime1">
               <a:rPr lang="en-US" smtClean="0"/>
-              <a:t>2/2/2020</a:t>
+              <a:t>2/4/2020</a:t>
             </a:fld>
             <a:endParaRPr lang="en-US"/>
           </a:p>
@@ -3380,7 +3382,7 @@
           <a:p>
             <a:fld id="{539DA7BA-CEA3-4C75-87D6-C7C8088A9BE6}" type="datetime1">
               <a:rPr lang="en-US" smtClean="0"/>
-              <a:t>2/2/2020</a:t>
+              <a:t>2/4/2020</a:t>
             </a:fld>
             <a:endParaRPr lang="en-US"/>
           </a:p>
@@ -3667,7 +3669,7 @@
           <a:p>
             <a:fld id="{C05A0ECF-AE02-49A0-876C-B6F19C40C5A6}" type="datetime1">
               <a:rPr lang="en-US" smtClean="0"/>
-              <a:t>2/2/2020</a:t>
+              <a:t>2/4/2020</a:t>
             </a:fld>
             <a:endParaRPr lang="en-US"/>
           </a:p>
@@ -9486,7 +9488,7 @@
         </p:nvSpPr>
         <p:spPr>
           <a:xfrm>
-            <a:off x="3053415" y="2943594"/>
+            <a:off x="3053415" y="2978319"/>
             <a:ext cx="2652928" cy="369332"/>
           </a:xfrm>
           <a:prstGeom prst="rect">
@@ -9527,7 +9529,7 @@
         </p:nvSpPr>
         <p:spPr>
           <a:xfrm>
-            <a:off x="5740989" y="2912499"/>
+            <a:off x="5740989" y="2970374"/>
             <a:ext cx="1828702" cy="369332"/>
           </a:xfrm>
           <a:prstGeom prst="rect">
@@ -10204,172 +10206,14 @@
                             </p:stCondLst>
                             <p:childTnLst>
                               <p:par>
-                                <p:cTn id="44" presetID="10" presetClass="exit" presetSubtype="0" fill="hold" grpId="1" nodeType="clickEffect">
-                                  <p:stCondLst>
-                                    <p:cond delay="0"/>
-                                  </p:stCondLst>
-                                  <p:childTnLst>
-                                    <p:animEffect transition="out" filter="fade">
-                                      <p:cBhvr>
-                                        <p:cTn id="45" dur="500"/>
-                                        <p:tgtEl>
-                                          <p:spTgt spid="27"/>
-                                        </p:tgtEl>
-                                      </p:cBhvr>
-                                    </p:animEffect>
-                                    <p:set>
-                                      <p:cBhvr>
-                                        <p:cTn id="46" dur="1" fill="hold">
-                                          <p:stCondLst>
-                                            <p:cond delay="499"/>
-                                          </p:stCondLst>
-                                        </p:cTn>
-                                        <p:tgtEl>
-                                          <p:spTgt spid="27"/>
-                                        </p:tgtEl>
-                                        <p:attrNameLst>
-                                          <p:attrName>style.visibility</p:attrName>
-                                        </p:attrNameLst>
-                                      </p:cBhvr>
-                                      <p:to>
-                                        <p:strVal val="hidden"/>
-                                      </p:to>
-                                    </p:set>
-                                  </p:childTnLst>
-                                </p:cTn>
-                              </p:par>
-                              <p:par>
-                                <p:cTn id="47" presetID="10" presetClass="exit" presetSubtype="0" fill="hold" grpId="1" nodeType="withEffect">
-                                  <p:stCondLst>
-                                    <p:cond delay="0"/>
-                                  </p:stCondLst>
-                                  <p:childTnLst>
-                                    <p:animEffect transition="out" filter="fade">
-                                      <p:cBhvr>
-                                        <p:cTn id="48" dur="500"/>
-                                        <p:tgtEl>
-                                          <p:spTgt spid="8"/>
-                                        </p:tgtEl>
-                                      </p:cBhvr>
-                                    </p:animEffect>
-                                    <p:set>
-                                      <p:cBhvr>
-                                        <p:cTn id="49" dur="1" fill="hold">
-                                          <p:stCondLst>
-                                            <p:cond delay="499"/>
-                                          </p:stCondLst>
-                                        </p:cTn>
-                                        <p:tgtEl>
-                                          <p:spTgt spid="8"/>
-                                        </p:tgtEl>
-                                        <p:attrNameLst>
-                                          <p:attrName>style.visibility</p:attrName>
-                                        </p:attrNameLst>
-                                      </p:cBhvr>
-                                      <p:to>
-                                        <p:strVal val="hidden"/>
-                                      </p:to>
-                                    </p:set>
-                                  </p:childTnLst>
-                                </p:cTn>
-                              </p:par>
-                              <p:par>
-                                <p:cTn id="50" presetID="10" presetClass="exit" presetSubtype="0" fill="hold" grpId="1" nodeType="withEffect">
-                                  <p:stCondLst>
-                                    <p:cond delay="0"/>
-                                  </p:stCondLst>
-                                  <p:childTnLst>
-                                    <p:animEffect transition="out" filter="fade">
-                                      <p:cBhvr>
-                                        <p:cTn id="51" dur="500"/>
-                                        <p:tgtEl>
-                                          <p:spTgt spid="13"/>
-                                        </p:tgtEl>
-                                      </p:cBhvr>
-                                    </p:animEffect>
-                                    <p:set>
-                                      <p:cBhvr>
-                                        <p:cTn id="52" dur="1" fill="hold">
-                                          <p:stCondLst>
-                                            <p:cond delay="499"/>
-                                          </p:stCondLst>
-                                        </p:cTn>
-                                        <p:tgtEl>
-                                          <p:spTgt spid="13"/>
-                                        </p:tgtEl>
-                                        <p:attrNameLst>
-                                          <p:attrName>style.visibility</p:attrName>
-                                        </p:attrNameLst>
-                                      </p:cBhvr>
-                                      <p:to>
-                                        <p:strVal val="hidden"/>
-                                      </p:to>
-                                    </p:set>
-                                  </p:childTnLst>
-                                </p:cTn>
-                              </p:par>
-                              <p:par>
-                                <p:cTn id="53" presetID="10" presetClass="exit" presetSubtype="0" fill="hold" grpId="1" nodeType="withEffect">
-                                  <p:stCondLst>
-                                    <p:cond delay="0"/>
-                                  </p:stCondLst>
-                                  <p:childTnLst>
-                                    <p:animEffect transition="out" filter="fade">
-                                      <p:cBhvr>
-                                        <p:cTn id="54" dur="500"/>
-                                        <p:tgtEl>
-                                          <p:spTgt spid="14"/>
-                                        </p:tgtEl>
-                                      </p:cBhvr>
-                                    </p:animEffect>
-                                    <p:set>
-                                      <p:cBhvr>
-                                        <p:cTn id="55" dur="1" fill="hold">
-                                          <p:stCondLst>
-                                            <p:cond delay="499"/>
-                                          </p:stCondLst>
-                                        </p:cTn>
-                                        <p:tgtEl>
-                                          <p:spTgt spid="14"/>
-                                        </p:tgtEl>
-                                        <p:attrNameLst>
-                                          <p:attrName>style.visibility</p:attrName>
-                                        </p:attrNameLst>
-                                      </p:cBhvr>
-                                      <p:to>
-                                        <p:strVal val="hidden"/>
-                                      </p:to>
-                                    </p:set>
-                                  </p:childTnLst>
-                                </p:cTn>
-                              </p:par>
-                            </p:childTnLst>
-                          </p:cTn>
-                        </p:par>
-                      </p:childTnLst>
-                    </p:cTn>
-                  </p:par>
-                  <p:par>
-                    <p:cTn id="56" fill="hold">
-                      <p:stCondLst>
-                        <p:cond delay="indefinite"/>
-                      </p:stCondLst>
-                      <p:childTnLst>
-                        <p:par>
-                          <p:cTn id="57" fill="hold">
-                            <p:stCondLst>
-                              <p:cond delay="0"/>
-                            </p:stCondLst>
-                            <p:childTnLst>
-                              <p:par>
-                                <p:cTn id="58" presetID="10" presetClass="entr" presetSubtype="0" fill="hold" grpId="0" nodeType="clickEffect">
+                                <p:cTn id="44" presetID="10" presetClass="entr" presetSubtype="0" fill="hold" grpId="0" nodeType="clickEffect">
                                   <p:stCondLst>
                                     <p:cond delay="0"/>
                                   </p:stCondLst>
                                   <p:childTnLst>
                                     <p:set>
                                       <p:cBhvr>
-                                        <p:cTn id="59" dur="1" fill="hold">
+                                        <p:cTn id="45" dur="1" fill="hold">
                                           <p:stCondLst>
                                             <p:cond delay="0"/>
                                           </p:stCondLst>
@@ -10387,7 +10231,7 @@
                                     </p:set>
                                     <p:animEffect transition="in" filter="fade">
                                       <p:cBhvr>
-                                        <p:cTn id="60" dur="500"/>
+                                        <p:cTn id="46" dur="500"/>
                                         <p:tgtEl>
                                           <p:spTgt spid="38"/>
                                         </p:tgtEl>
@@ -10397,14 +10241,14 @@
                                 </p:cTn>
                               </p:par>
                               <p:par>
-                                <p:cTn id="61" presetID="10" presetClass="entr" presetSubtype="0" fill="hold" grpId="0" nodeType="withEffect">
+                                <p:cTn id="47" presetID="10" presetClass="entr" presetSubtype="0" fill="hold" grpId="0" nodeType="withEffect">
                                   <p:stCondLst>
                                     <p:cond delay="0"/>
                                   </p:stCondLst>
                                   <p:childTnLst>
                                     <p:set>
                                       <p:cBhvr>
-                                        <p:cTn id="62" dur="1" fill="hold">
+                                        <p:cTn id="48" dur="1" fill="hold">
                                           <p:stCondLst>
                                             <p:cond delay="0"/>
                                           </p:stCondLst>
@@ -10422,7 +10266,7 @@
                                     </p:set>
                                     <p:animEffect transition="in" filter="fade">
                                       <p:cBhvr>
-                                        <p:cTn id="63" dur="500"/>
+                                        <p:cTn id="49" dur="500"/>
                                         <p:tgtEl>
                                           <p:spTgt spid="29"/>
                                         </p:tgtEl>
@@ -10438,84 +10282,242 @@
                     </p:cTn>
                   </p:par>
                   <p:par>
-                    <p:cTn id="64" fill="hold">
+                    <p:cTn id="50" fill="hold">
                       <p:stCondLst>
                         <p:cond delay="indefinite"/>
                       </p:stCondLst>
                       <p:childTnLst>
                         <p:par>
-                          <p:cTn id="65" fill="hold">
+                          <p:cTn id="51" fill="hold">
                             <p:stCondLst>
                               <p:cond delay="0"/>
                             </p:stCondLst>
                             <p:childTnLst>
                               <p:par>
-                                <p:cTn id="66" presetID="10" presetClass="exit" presetSubtype="0" fill="hold" grpId="1" nodeType="clickEffect">
+                                <p:cTn id="52" presetID="10" presetClass="entr" presetSubtype="0" fill="hold" grpId="0" nodeType="clickEffect">
                                   <p:stCondLst>
                                     <p:cond delay="0"/>
                                   </p:stCondLst>
                                   <p:childTnLst>
-                                    <p:animEffect transition="out" filter="fade">
-                                      <p:cBhvr>
-                                        <p:cTn id="67" dur="500"/>
-                                        <p:tgtEl>
-                                          <p:spTgt spid="38"/>
-                                        </p:tgtEl>
-                                      </p:cBhvr>
-                                    </p:animEffect>
                                     <p:set>
                                       <p:cBhvr>
-                                        <p:cTn id="68" dur="1" fill="hold">
+                                        <p:cTn id="53" dur="1" fill="hold">
                                           <p:stCondLst>
-                                            <p:cond delay="499"/>
+                                            <p:cond delay="0"/>
                                           </p:stCondLst>
                                         </p:cTn>
                                         <p:tgtEl>
-                                          <p:spTgt spid="38"/>
+                                          <p:spTgt spid="28"/>
                                         </p:tgtEl>
                                         <p:attrNameLst>
                                           <p:attrName>style.visibility</p:attrName>
                                         </p:attrNameLst>
                                       </p:cBhvr>
                                       <p:to>
-                                        <p:strVal val="hidden"/>
+                                        <p:strVal val="visible"/>
                                       </p:to>
                                     </p:set>
+                                    <p:animEffect transition="in" filter="fade">
+                                      <p:cBhvr>
+                                        <p:cTn id="54" dur="500"/>
+                                        <p:tgtEl>
+                                          <p:spTgt spid="28"/>
+                                        </p:tgtEl>
+                                      </p:cBhvr>
+                                    </p:animEffect>
                                   </p:childTnLst>
                                 </p:cTn>
                               </p:par>
                               <p:par>
-                                <p:cTn id="69" presetID="10" presetClass="exit" presetSubtype="0" fill="hold" grpId="1" nodeType="withEffect">
+                                <p:cTn id="55" presetID="10" presetClass="entr" presetSubtype="0" fill="hold" grpId="0" nodeType="withEffect">
                                   <p:stCondLst>
                                     <p:cond delay="0"/>
                                   </p:stCondLst>
                                   <p:childTnLst>
-                                    <p:animEffect transition="out" filter="fade">
-                                      <p:cBhvr>
-                                        <p:cTn id="70" dur="500"/>
-                                        <p:tgtEl>
-                                          <p:spTgt spid="29"/>
-                                        </p:tgtEl>
-                                      </p:cBhvr>
-                                    </p:animEffect>
                                     <p:set>
                                       <p:cBhvr>
-                                        <p:cTn id="71" dur="1" fill="hold">
+                                        <p:cTn id="56" dur="1" fill="hold">
                                           <p:stCondLst>
-                                            <p:cond delay="499"/>
+                                            <p:cond delay="0"/>
                                           </p:stCondLst>
                                         </p:cTn>
                                         <p:tgtEl>
-                                          <p:spTgt spid="29"/>
+                                          <p:spTgt spid="33"/>
                                         </p:tgtEl>
                                         <p:attrNameLst>
                                           <p:attrName>style.visibility</p:attrName>
                                         </p:attrNameLst>
                                       </p:cBhvr>
                                       <p:to>
-                                        <p:strVal val="hidden"/>
+                                        <p:strVal val="visible"/>
                                       </p:to>
                                     </p:set>
+                                    <p:animEffect transition="in" filter="fade">
+                                      <p:cBhvr>
+                                        <p:cTn id="57" dur="500"/>
+                                        <p:tgtEl>
+                                          <p:spTgt spid="33"/>
+                                        </p:tgtEl>
+                                      </p:cBhvr>
+                                    </p:animEffect>
+                                  </p:childTnLst>
+                                </p:cTn>
+                              </p:par>
+                            </p:childTnLst>
+                          </p:cTn>
+                        </p:par>
+                      </p:childTnLst>
+                    </p:cTn>
+                  </p:par>
+                  <p:par>
+                    <p:cTn id="58" fill="hold">
+                      <p:stCondLst>
+                        <p:cond delay="indefinite"/>
+                      </p:stCondLst>
+                      <p:childTnLst>
+                        <p:par>
+                          <p:cTn id="59" fill="hold">
+                            <p:stCondLst>
+                              <p:cond delay="0"/>
+                            </p:stCondLst>
+                            <p:childTnLst>
+                              <p:par>
+                                <p:cTn id="60" presetID="10" presetClass="entr" presetSubtype="0" fill="hold" grpId="0" nodeType="clickEffect">
+                                  <p:stCondLst>
+                                    <p:cond delay="0"/>
+                                  </p:stCondLst>
+                                  <p:childTnLst>
+                                    <p:set>
+                                      <p:cBhvr>
+                                        <p:cTn id="61" dur="1" fill="hold">
+                                          <p:stCondLst>
+                                            <p:cond delay="0"/>
+                                          </p:stCondLst>
+                                        </p:cTn>
+                                        <p:tgtEl>
+                                          <p:spTgt spid="40"/>
+                                        </p:tgtEl>
+                                        <p:attrNameLst>
+                                          <p:attrName>style.visibility</p:attrName>
+                                        </p:attrNameLst>
+                                      </p:cBhvr>
+                                      <p:to>
+                                        <p:strVal val="visible"/>
+                                      </p:to>
+                                    </p:set>
+                                    <p:animEffect transition="in" filter="fade">
+                                      <p:cBhvr>
+                                        <p:cTn id="62" dur="500"/>
+                                        <p:tgtEl>
+                                          <p:spTgt spid="40"/>
+                                        </p:tgtEl>
+                                      </p:cBhvr>
+                                    </p:animEffect>
+                                  </p:childTnLst>
+                                </p:cTn>
+                              </p:par>
+                              <p:par>
+                                <p:cTn id="63" presetID="10" presetClass="entr" presetSubtype="0" fill="hold" grpId="0" nodeType="withEffect">
+                                  <p:stCondLst>
+                                    <p:cond delay="0"/>
+                                  </p:stCondLst>
+                                  <p:childTnLst>
+                                    <p:set>
+                                      <p:cBhvr>
+                                        <p:cTn id="64" dur="1" fill="hold">
+                                          <p:stCondLst>
+                                            <p:cond delay="0"/>
+                                          </p:stCondLst>
+                                        </p:cTn>
+                                        <p:tgtEl>
+                                          <p:spTgt spid="39"/>
+                                        </p:tgtEl>
+                                        <p:attrNameLst>
+                                          <p:attrName>style.visibility</p:attrName>
+                                        </p:attrNameLst>
+                                      </p:cBhvr>
+                                      <p:to>
+                                        <p:strVal val="visible"/>
+                                      </p:to>
+                                    </p:set>
+                                    <p:animEffect transition="in" filter="fade">
+                                      <p:cBhvr>
+                                        <p:cTn id="65" dur="500"/>
+                                        <p:tgtEl>
+                                          <p:spTgt spid="39"/>
+                                        </p:tgtEl>
+                                      </p:cBhvr>
+                                    </p:animEffect>
+                                  </p:childTnLst>
+                                </p:cTn>
+                              </p:par>
+                              <p:par>
+                                <p:cTn id="66" presetID="10" presetClass="entr" presetSubtype="0" fill="hold" grpId="0" nodeType="withEffect">
+                                  <p:stCondLst>
+                                    <p:cond delay="0"/>
+                                  </p:stCondLst>
+                                  <p:childTnLst>
+                                    <p:set>
+                                      <p:cBhvr>
+                                        <p:cTn id="67" dur="1" fill="hold">
+                                          <p:stCondLst>
+                                            <p:cond delay="0"/>
+                                          </p:stCondLst>
+                                        </p:cTn>
+                                        <p:tgtEl>
+                                          <p:spTgt spid="41"/>
+                                        </p:tgtEl>
+                                        <p:attrNameLst>
+                                          <p:attrName>style.visibility</p:attrName>
+                                        </p:attrNameLst>
+                                      </p:cBhvr>
+                                      <p:to>
+                                        <p:strVal val="visible"/>
+                                      </p:to>
+                                    </p:set>
+                                    <p:animEffect transition="in" filter="fade">
+                                      <p:cBhvr>
+                                        <p:cTn id="68" dur="500"/>
+                                        <p:tgtEl>
+                                          <p:spTgt spid="41"/>
+                                        </p:tgtEl>
+                                      </p:cBhvr>
+                                    </p:animEffect>
+                                  </p:childTnLst>
+                                </p:cTn>
+                              </p:par>
+                              <p:par>
+                                <p:cTn id="69" presetID="10" presetClass="entr" presetSubtype="0" fill="hold" grpId="0" nodeType="withEffect">
+                                  <p:stCondLst>
+                                    <p:cond delay="0"/>
+                                  </p:stCondLst>
+                                  <p:childTnLst>
+                                    <p:set>
+                                      <p:cBhvr>
+                                        <p:cTn id="70" dur="1" fill="hold">
+                                          <p:stCondLst>
+                                            <p:cond delay="0"/>
+                                          </p:stCondLst>
+                                        </p:cTn>
+                                        <p:tgtEl>
+                                          <p:spTgt spid="42"/>
+                                        </p:tgtEl>
+                                        <p:attrNameLst>
+                                          <p:attrName>style.visibility</p:attrName>
+                                        </p:attrNameLst>
+                                      </p:cBhvr>
+                                      <p:to>
+                                        <p:strVal val="visible"/>
+                                      </p:to>
+                                    </p:set>
+                                    <p:animEffect transition="in" filter="fade">
+                                      <p:cBhvr>
+                                        <p:cTn id="71" dur="500"/>
+                                        <p:tgtEl>
+                                          <p:spTgt spid="42"/>
+                                        </p:tgtEl>
+                                      </p:cBhvr>
+                                    </p:animEffect>
                                   </p:childTnLst>
                                 </p:cTn>
                               </p:par>
@@ -10551,7 +10553,7 @@
                                           </p:stCondLst>
                                         </p:cTn>
                                         <p:tgtEl>
-                                          <p:spTgt spid="28"/>
+                                          <p:spTgt spid="30"/>
                                         </p:tgtEl>
                                         <p:attrNameLst>
                                           <p:attrName>style.visibility</p:attrName>
@@ -10565,7 +10567,7 @@
                                       <p:cBhvr>
                                         <p:cTn id="76" dur="500"/>
                                         <p:tgtEl>
-                                          <p:spTgt spid="28"/>
+                                          <p:spTgt spid="30"/>
                                         </p:tgtEl>
                                       </p:cBhvr>
                                     </p:animEffect>
@@ -10586,7 +10588,7 @@
                                           </p:stCondLst>
                                         </p:cTn>
                                         <p:tgtEl>
-                                          <p:spTgt spid="33"/>
+                                          <p:spTgt spid="34"/>
                                         </p:tgtEl>
                                         <p:attrNameLst>
                                           <p:attrName>style.visibility</p:attrName>
@@ -10600,7 +10602,7 @@
                                       <p:cBhvr>
                                         <p:cTn id="79" dur="500"/>
                                         <p:tgtEl>
-                                          <p:spTgt spid="33"/>
+                                          <p:spTgt spid="34"/>
                                         </p:tgtEl>
                                       </p:cBhvr>
                                     </p:animEffect>
@@ -10626,72 +10628,142 @@
                             </p:stCondLst>
                             <p:childTnLst>
                               <p:par>
-                                <p:cTn id="82" presetID="10" presetClass="exit" presetSubtype="0" fill="hold" grpId="1" nodeType="clickEffect">
+                                <p:cTn id="82" presetID="10" presetClass="entr" presetSubtype="0" fill="hold" grpId="0" nodeType="clickEffect">
                                   <p:stCondLst>
                                     <p:cond delay="0"/>
                                   </p:stCondLst>
                                   <p:childTnLst>
-                                    <p:animEffect transition="out" filter="fade">
-                                      <p:cBhvr>
-                                        <p:cTn id="83" dur="500"/>
-                                        <p:tgtEl>
-                                          <p:spTgt spid="33"/>
-                                        </p:tgtEl>
-                                      </p:cBhvr>
-                                    </p:animEffect>
                                     <p:set>
                                       <p:cBhvr>
-                                        <p:cTn id="84" dur="1" fill="hold">
+                                        <p:cTn id="83" dur="1" fill="hold">
                                           <p:stCondLst>
-                                            <p:cond delay="499"/>
+                                            <p:cond delay="0"/>
                                           </p:stCondLst>
                                         </p:cTn>
                                         <p:tgtEl>
-                                          <p:spTgt spid="33"/>
+                                          <p:spTgt spid="43"/>
                                         </p:tgtEl>
                                         <p:attrNameLst>
                                           <p:attrName>style.visibility</p:attrName>
                                         </p:attrNameLst>
                                       </p:cBhvr>
                                       <p:to>
-                                        <p:strVal val="hidden"/>
+                                        <p:strVal val="visible"/>
                                       </p:to>
                                     </p:set>
+                                    <p:animEffect transition="in" filter="fade">
+                                      <p:cBhvr>
+                                        <p:cTn id="84" dur="500"/>
+                                        <p:tgtEl>
+                                          <p:spTgt spid="43"/>
+                                        </p:tgtEl>
+                                      </p:cBhvr>
+                                    </p:animEffect>
                                   </p:childTnLst>
                                 </p:cTn>
                               </p:par>
                               <p:par>
-                                <p:cTn id="85" presetID="10" presetClass="exit" presetSubtype="0" fill="hold" grpId="1" nodeType="withEffect">
+                                <p:cTn id="85" presetID="10" presetClass="entr" presetSubtype="0" fill="hold" grpId="0" nodeType="withEffect">
                                   <p:stCondLst>
                                     <p:cond delay="0"/>
                                   </p:stCondLst>
                                   <p:childTnLst>
-                                    <p:animEffect transition="out" filter="fade">
-                                      <p:cBhvr>
-                                        <p:cTn id="86" dur="500"/>
-                                        <p:tgtEl>
-                                          <p:spTgt spid="28"/>
-                                        </p:tgtEl>
-                                      </p:cBhvr>
-                                    </p:animEffect>
                                     <p:set>
                                       <p:cBhvr>
-                                        <p:cTn id="87" dur="1" fill="hold">
+                                        <p:cTn id="86" dur="1" fill="hold">
                                           <p:stCondLst>
-                                            <p:cond delay="499"/>
+                                            <p:cond delay="0"/>
                                           </p:stCondLst>
                                         </p:cTn>
                                         <p:tgtEl>
-                                          <p:spTgt spid="28"/>
+                                          <p:spTgt spid="44"/>
                                         </p:tgtEl>
                                         <p:attrNameLst>
                                           <p:attrName>style.visibility</p:attrName>
                                         </p:attrNameLst>
                                       </p:cBhvr>
                                       <p:to>
-                                        <p:strVal val="hidden"/>
+                                        <p:strVal val="visible"/>
                                       </p:to>
                                     </p:set>
+                                    <p:animEffect transition="in" filter="fade">
+                                      <p:cBhvr>
+                                        <p:cTn id="87" dur="500"/>
+                                        <p:tgtEl>
+                                          <p:spTgt spid="44"/>
+                                        </p:tgtEl>
+                                      </p:cBhvr>
+                                    </p:animEffect>
+                                  </p:childTnLst>
+                                </p:cTn>
+                              </p:par>
+                              <p:par>
+                                <p:cTn id="88" presetID="10" presetClass="entr" presetSubtype="0" fill="hold" grpId="0" nodeType="withEffect">
+                                  <p:stCondLst>
+                                    <p:cond delay="0"/>
+                                  </p:stCondLst>
+                                  <p:childTnLst>
+                                    <p:set>
+                                      <p:cBhvr>
+                                        <p:cTn id="89" dur="1" fill="hold">
+                                          <p:stCondLst>
+                                            <p:cond delay="0"/>
+                                          </p:stCondLst>
+                                        </p:cTn>
+                                        <p:tgtEl>
+                                          <p:spTgt spid="45"/>
+                                        </p:tgtEl>
+                                        <p:attrNameLst>
+                                          <p:attrName>style.visibility</p:attrName>
+                                        </p:attrNameLst>
+                                      </p:cBhvr>
+                                      <p:to>
+                                        <p:strVal val="visible"/>
+                                      </p:to>
+                                    </p:set>
+                                    <p:animEffect transition="in" filter="fade">
+                                      <p:cBhvr>
+                                        <p:cTn id="90" dur="500"/>
+                                        <p:tgtEl>
+                                          <p:spTgt spid="45"/>
+                                        </p:tgtEl>
+                                      </p:cBhvr>
+                                    </p:animEffect>
+                                  </p:childTnLst>
+                                </p:cTn>
+                              </p:par>
+                              <p:par>
+                                <p:cTn id="91" presetID="10" presetClass="entr" presetSubtype="0" fill="hold" grpId="0" nodeType="withEffect">
+                                  <p:stCondLst>
+                                    <p:cond delay="0"/>
+                                  </p:stCondLst>
+                                  <p:childTnLst>
+                                    <p:set>
+                                      <p:cBhvr>
+                                        <p:cTn id="92" dur="1" fill="hold">
+                                          <p:stCondLst>
+                                            <p:cond delay="0"/>
+                                          </p:stCondLst>
+                                        </p:cTn>
+                                        <p:tgtEl>
+                                          <p:spTgt spid="46"/>
+                                        </p:tgtEl>
+                                        <p:attrNameLst>
+                                          <p:attrName>style.visibility</p:attrName>
+                                        </p:attrNameLst>
+                                      </p:cBhvr>
+                                      <p:to>
+                                        <p:strVal val="visible"/>
+                                      </p:to>
+                                    </p:set>
+                                    <p:animEffect transition="in" filter="fade">
+                                      <p:cBhvr>
+                                        <p:cTn id="93" dur="500"/>
+                                        <p:tgtEl>
+                                          <p:spTgt spid="46"/>
+                                        </p:tgtEl>
+                                      </p:cBhvr>
+                                    </p:animEffect>
                                   </p:childTnLst>
                                 </p:cTn>
                               </p:par>
@@ -10702,32 +10774,32 @@
                     </p:cTn>
                   </p:par>
                   <p:par>
-                    <p:cTn id="88" fill="hold">
+                    <p:cTn id="94" fill="hold">
                       <p:stCondLst>
                         <p:cond delay="indefinite"/>
                       </p:stCondLst>
                       <p:childTnLst>
                         <p:par>
-                          <p:cTn id="89" fill="hold">
+                          <p:cTn id="95" fill="hold">
                             <p:stCondLst>
                               <p:cond delay="0"/>
                             </p:stCondLst>
                             <p:childTnLst>
                               <p:par>
-                                <p:cTn id="90" presetID="10" presetClass="entr" presetSubtype="0" fill="hold" grpId="0" nodeType="clickEffect">
+                                <p:cTn id="96" presetID="10" presetClass="entr" presetSubtype="0" fill="hold" grpId="0" nodeType="clickEffect">
                                   <p:stCondLst>
                                     <p:cond delay="0"/>
                                   </p:stCondLst>
                                   <p:childTnLst>
                                     <p:set>
                                       <p:cBhvr>
-                                        <p:cTn id="91" dur="1" fill="hold">
+                                        <p:cTn id="97" dur="1" fill="hold">
                                           <p:stCondLst>
                                             <p:cond delay="0"/>
                                           </p:stCondLst>
                                         </p:cTn>
                                         <p:tgtEl>
-                                          <p:spTgt spid="40"/>
+                                          <p:spTgt spid="31"/>
                                         </p:tgtEl>
                                         <p:attrNameLst>
                                           <p:attrName>style.visibility</p:attrName>
@@ -10739,79 +10811,9 @@
                                     </p:set>
                                     <p:animEffect transition="in" filter="fade">
                                       <p:cBhvr>
-                                        <p:cTn id="92" dur="500"/>
-                                        <p:tgtEl>
-                                          <p:spTgt spid="40"/>
-                                        </p:tgtEl>
-                                      </p:cBhvr>
-                                    </p:animEffect>
-                                  </p:childTnLst>
-                                </p:cTn>
-                              </p:par>
-                              <p:par>
-                                <p:cTn id="93" presetID="10" presetClass="entr" presetSubtype="0" fill="hold" grpId="0" nodeType="withEffect">
-                                  <p:stCondLst>
-                                    <p:cond delay="0"/>
-                                  </p:stCondLst>
-                                  <p:childTnLst>
-                                    <p:set>
-                                      <p:cBhvr>
-                                        <p:cTn id="94" dur="1" fill="hold">
-                                          <p:stCondLst>
-                                            <p:cond delay="0"/>
-                                          </p:stCondLst>
-                                        </p:cTn>
-                                        <p:tgtEl>
-                                          <p:spTgt spid="39"/>
-                                        </p:tgtEl>
-                                        <p:attrNameLst>
-                                          <p:attrName>style.visibility</p:attrName>
-                                        </p:attrNameLst>
-                                      </p:cBhvr>
-                                      <p:to>
-                                        <p:strVal val="visible"/>
-                                      </p:to>
-                                    </p:set>
-                                    <p:animEffect transition="in" filter="fade">
-                                      <p:cBhvr>
-                                        <p:cTn id="95" dur="500"/>
-                                        <p:tgtEl>
-                                          <p:spTgt spid="39"/>
-                                        </p:tgtEl>
-                                      </p:cBhvr>
-                                    </p:animEffect>
-                                  </p:childTnLst>
-                                </p:cTn>
-                              </p:par>
-                              <p:par>
-                                <p:cTn id="96" presetID="10" presetClass="entr" presetSubtype="0" fill="hold" grpId="0" nodeType="withEffect">
-                                  <p:stCondLst>
-                                    <p:cond delay="0"/>
-                                  </p:stCondLst>
-                                  <p:childTnLst>
-                                    <p:set>
-                                      <p:cBhvr>
-                                        <p:cTn id="97" dur="1" fill="hold">
-                                          <p:stCondLst>
-                                            <p:cond delay="0"/>
-                                          </p:stCondLst>
-                                        </p:cTn>
-                                        <p:tgtEl>
-                                          <p:spTgt spid="41"/>
-                                        </p:tgtEl>
-                                        <p:attrNameLst>
-                                          <p:attrName>style.visibility</p:attrName>
-                                        </p:attrNameLst>
-                                      </p:cBhvr>
-                                      <p:to>
-                                        <p:strVal val="visible"/>
-                                      </p:to>
-                                    </p:set>
-                                    <p:animEffect transition="in" filter="fade">
-                                      <p:cBhvr>
                                         <p:cTn id="98" dur="500"/>
                                         <p:tgtEl>
-                                          <p:spTgt spid="41"/>
+                                          <p:spTgt spid="31"/>
                                         </p:tgtEl>
                                       </p:cBhvr>
                                     </p:animEffect>
@@ -10832,7 +10834,7 @@
                                           </p:stCondLst>
                                         </p:cTn>
                                         <p:tgtEl>
-                                          <p:spTgt spid="42"/>
+                                          <p:spTgt spid="35"/>
                                         </p:tgtEl>
                                         <p:attrNameLst>
                                           <p:attrName>style.visibility</p:attrName>
@@ -10846,836 +10848,10 @@
                                       <p:cBhvr>
                                         <p:cTn id="101" dur="500"/>
                                         <p:tgtEl>
-                                          <p:spTgt spid="42"/>
+                                          <p:spTgt spid="35"/>
                                         </p:tgtEl>
                                       </p:cBhvr>
                                     </p:animEffect>
-                                  </p:childTnLst>
-                                </p:cTn>
-                              </p:par>
-                            </p:childTnLst>
-                          </p:cTn>
-                        </p:par>
-                      </p:childTnLst>
-                    </p:cTn>
-                  </p:par>
-                  <p:par>
-                    <p:cTn id="102" fill="hold">
-                      <p:stCondLst>
-                        <p:cond delay="indefinite"/>
-                      </p:stCondLst>
-                      <p:childTnLst>
-                        <p:par>
-                          <p:cTn id="103" fill="hold">
-                            <p:stCondLst>
-                              <p:cond delay="0"/>
-                            </p:stCondLst>
-                            <p:childTnLst>
-                              <p:par>
-                                <p:cTn id="104" presetID="10" presetClass="exit" presetSubtype="0" fill="hold" grpId="1" nodeType="clickEffect">
-                                  <p:stCondLst>
-                                    <p:cond delay="0"/>
-                                  </p:stCondLst>
-                                  <p:childTnLst>
-                                    <p:animEffect transition="out" filter="fade">
-                                      <p:cBhvr>
-                                        <p:cTn id="105" dur="500"/>
-                                        <p:tgtEl>
-                                          <p:spTgt spid="41"/>
-                                        </p:tgtEl>
-                                      </p:cBhvr>
-                                    </p:animEffect>
-                                    <p:set>
-                                      <p:cBhvr>
-                                        <p:cTn id="106" dur="1" fill="hold">
-                                          <p:stCondLst>
-                                            <p:cond delay="499"/>
-                                          </p:stCondLst>
-                                        </p:cTn>
-                                        <p:tgtEl>
-                                          <p:spTgt spid="41"/>
-                                        </p:tgtEl>
-                                        <p:attrNameLst>
-                                          <p:attrName>style.visibility</p:attrName>
-                                        </p:attrNameLst>
-                                      </p:cBhvr>
-                                      <p:to>
-                                        <p:strVal val="hidden"/>
-                                      </p:to>
-                                    </p:set>
-                                  </p:childTnLst>
-                                </p:cTn>
-                              </p:par>
-                              <p:par>
-                                <p:cTn id="107" presetID="10" presetClass="exit" presetSubtype="0" fill="hold" grpId="1" nodeType="withEffect">
-                                  <p:stCondLst>
-                                    <p:cond delay="0"/>
-                                  </p:stCondLst>
-                                  <p:childTnLst>
-                                    <p:animEffect transition="out" filter="fade">
-                                      <p:cBhvr>
-                                        <p:cTn id="108" dur="500"/>
-                                        <p:tgtEl>
-                                          <p:spTgt spid="39"/>
-                                        </p:tgtEl>
-                                      </p:cBhvr>
-                                    </p:animEffect>
-                                    <p:set>
-                                      <p:cBhvr>
-                                        <p:cTn id="109" dur="1" fill="hold">
-                                          <p:stCondLst>
-                                            <p:cond delay="499"/>
-                                          </p:stCondLst>
-                                        </p:cTn>
-                                        <p:tgtEl>
-                                          <p:spTgt spid="39"/>
-                                        </p:tgtEl>
-                                        <p:attrNameLst>
-                                          <p:attrName>style.visibility</p:attrName>
-                                        </p:attrNameLst>
-                                      </p:cBhvr>
-                                      <p:to>
-                                        <p:strVal val="hidden"/>
-                                      </p:to>
-                                    </p:set>
-                                  </p:childTnLst>
-                                </p:cTn>
-                              </p:par>
-                              <p:par>
-                                <p:cTn id="110" presetID="10" presetClass="exit" presetSubtype="0" fill="hold" grpId="1" nodeType="withEffect">
-                                  <p:stCondLst>
-                                    <p:cond delay="0"/>
-                                  </p:stCondLst>
-                                  <p:childTnLst>
-                                    <p:animEffect transition="out" filter="fade">
-                                      <p:cBhvr>
-                                        <p:cTn id="111" dur="500"/>
-                                        <p:tgtEl>
-                                          <p:spTgt spid="40"/>
-                                        </p:tgtEl>
-                                      </p:cBhvr>
-                                    </p:animEffect>
-                                    <p:set>
-                                      <p:cBhvr>
-                                        <p:cTn id="112" dur="1" fill="hold">
-                                          <p:stCondLst>
-                                            <p:cond delay="499"/>
-                                          </p:stCondLst>
-                                        </p:cTn>
-                                        <p:tgtEl>
-                                          <p:spTgt spid="40"/>
-                                        </p:tgtEl>
-                                        <p:attrNameLst>
-                                          <p:attrName>style.visibility</p:attrName>
-                                        </p:attrNameLst>
-                                      </p:cBhvr>
-                                      <p:to>
-                                        <p:strVal val="hidden"/>
-                                      </p:to>
-                                    </p:set>
-                                  </p:childTnLst>
-                                </p:cTn>
-                              </p:par>
-                              <p:par>
-                                <p:cTn id="113" presetID="10" presetClass="exit" presetSubtype="0" fill="hold" grpId="1" nodeType="withEffect">
-                                  <p:stCondLst>
-                                    <p:cond delay="0"/>
-                                  </p:stCondLst>
-                                  <p:childTnLst>
-                                    <p:animEffect transition="out" filter="fade">
-                                      <p:cBhvr>
-                                        <p:cTn id="114" dur="500"/>
-                                        <p:tgtEl>
-                                          <p:spTgt spid="42"/>
-                                        </p:tgtEl>
-                                      </p:cBhvr>
-                                    </p:animEffect>
-                                    <p:set>
-                                      <p:cBhvr>
-                                        <p:cTn id="115" dur="1" fill="hold">
-                                          <p:stCondLst>
-                                            <p:cond delay="499"/>
-                                          </p:stCondLst>
-                                        </p:cTn>
-                                        <p:tgtEl>
-                                          <p:spTgt spid="42"/>
-                                        </p:tgtEl>
-                                        <p:attrNameLst>
-                                          <p:attrName>style.visibility</p:attrName>
-                                        </p:attrNameLst>
-                                      </p:cBhvr>
-                                      <p:to>
-                                        <p:strVal val="hidden"/>
-                                      </p:to>
-                                    </p:set>
-                                  </p:childTnLst>
-                                </p:cTn>
-                              </p:par>
-                            </p:childTnLst>
-                          </p:cTn>
-                        </p:par>
-                      </p:childTnLst>
-                    </p:cTn>
-                  </p:par>
-                  <p:par>
-                    <p:cTn id="116" fill="hold">
-                      <p:stCondLst>
-                        <p:cond delay="indefinite"/>
-                      </p:stCondLst>
-                      <p:childTnLst>
-                        <p:par>
-                          <p:cTn id="117" fill="hold">
-                            <p:stCondLst>
-                              <p:cond delay="0"/>
-                            </p:stCondLst>
-                            <p:childTnLst>
-                              <p:par>
-                                <p:cTn id="118" presetID="10" presetClass="entr" presetSubtype="0" fill="hold" grpId="0" nodeType="clickEffect">
-                                  <p:stCondLst>
-                                    <p:cond delay="0"/>
-                                  </p:stCondLst>
-                                  <p:childTnLst>
-                                    <p:set>
-                                      <p:cBhvr>
-                                        <p:cTn id="119" dur="1" fill="hold">
-                                          <p:stCondLst>
-                                            <p:cond delay="0"/>
-                                          </p:stCondLst>
-                                        </p:cTn>
-                                        <p:tgtEl>
-                                          <p:spTgt spid="30"/>
-                                        </p:tgtEl>
-                                        <p:attrNameLst>
-                                          <p:attrName>style.visibility</p:attrName>
-                                        </p:attrNameLst>
-                                      </p:cBhvr>
-                                      <p:to>
-                                        <p:strVal val="visible"/>
-                                      </p:to>
-                                    </p:set>
-                                    <p:animEffect transition="in" filter="fade">
-                                      <p:cBhvr>
-                                        <p:cTn id="120" dur="500"/>
-                                        <p:tgtEl>
-                                          <p:spTgt spid="30"/>
-                                        </p:tgtEl>
-                                      </p:cBhvr>
-                                    </p:animEffect>
-                                  </p:childTnLst>
-                                </p:cTn>
-                              </p:par>
-                              <p:par>
-                                <p:cTn id="121" presetID="10" presetClass="entr" presetSubtype="0" fill="hold" grpId="0" nodeType="withEffect">
-                                  <p:stCondLst>
-                                    <p:cond delay="0"/>
-                                  </p:stCondLst>
-                                  <p:childTnLst>
-                                    <p:set>
-                                      <p:cBhvr>
-                                        <p:cTn id="122" dur="1" fill="hold">
-                                          <p:stCondLst>
-                                            <p:cond delay="0"/>
-                                          </p:stCondLst>
-                                        </p:cTn>
-                                        <p:tgtEl>
-                                          <p:spTgt spid="34"/>
-                                        </p:tgtEl>
-                                        <p:attrNameLst>
-                                          <p:attrName>style.visibility</p:attrName>
-                                        </p:attrNameLst>
-                                      </p:cBhvr>
-                                      <p:to>
-                                        <p:strVal val="visible"/>
-                                      </p:to>
-                                    </p:set>
-                                    <p:animEffect transition="in" filter="fade">
-                                      <p:cBhvr>
-                                        <p:cTn id="123" dur="500"/>
-                                        <p:tgtEl>
-                                          <p:spTgt spid="34"/>
-                                        </p:tgtEl>
-                                      </p:cBhvr>
-                                    </p:animEffect>
-                                  </p:childTnLst>
-                                </p:cTn>
-                              </p:par>
-                            </p:childTnLst>
-                          </p:cTn>
-                        </p:par>
-                      </p:childTnLst>
-                    </p:cTn>
-                  </p:par>
-                  <p:par>
-                    <p:cTn id="124" fill="hold">
-                      <p:stCondLst>
-                        <p:cond delay="indefinite"/>
-                      </p:stCondLst>
-                      <p:childTnLst>
-                        <p:par>
-                          <p:cTn id="125" fill="hold">
-                            <p:stCondLst>
-                              <p:cond delay="0"/>
-                            </p:stCondLst>
-                            <p:childTnLst>
-                              <p:par>
-                                <p:cTn id="126" presetID="10" presetClass="exit" presetSubtype="0" fill="hold" grpId="1" nodeType="clickEffect">
-                                  <p:stCondLst>
-                                    <p:cond delay="0"/>
-                                  </p:stCondLst>
-                                  <p:childTnLst>
-                                    <p:animEffect transition="out" filter="fade">
-                                      <p:cBhvr>
-                                        <p:cTn id="127" dur="500"/>
-                                        <p:tgtEl>
-                                          <p:spTgt spid="34"/>
-                                        </p:tgtEl>
-                                      </p:cBhvr>
-                                    </p:animEffect>
-                                    <p:set>
-                                      <p:cBhvr>
-                                        <p:cTn id="128" dur="1" fill="hold">
-                                          <p:stCondLst>
-                                            <p:cond delay="499"/>
-                                          </p:stCondLst>
-                                        </p:cTn>
-                                        <p:tgtEl>
-                                          <p:spTgt spid="34"/>
-                                        </p:tgtEl>
-                                        <p:attrNameLst>
-                                          <p:attrName>style.visibility</p:attrName>
-                                        </p:attrNameLst>
-                                      </p:cBhvr>
-                                      <p:to>
-                                        <p:strVal val="hidden"/>
-                                      </p:to>
-                                    </p:set>
-                                  </p:childTnLst>
-                                </p:cTn>
-                              </p:par>
-                              <p:par>
-                                <p:cTn id="129" presetID="10" presetClass="exit" presetSubtype="0" fill="hold" grpId="1" nodeType="withEffect">
-                                  <p:stCondLst>
-                                    <p:cond delay="0"/>
-                                  </p:stCondLst>
-                                  <p:childTnLst>
-                                    <p:animEffect transition="out" filter="fade">
-                                      <p:cBhvr>
-                                        <p:cTn id="130" dur="500"/>
-                                        <p:tgtEl>
-                                          <p:spTgt spid="30"/>
-                                        </p:tgtEl>
-                                      </p:cBhvr>
-                                    </p:animEffect>
-                                    <p:set>
-                                      <p:cBhvr>
-                                        <p:cTn id="131" dur="1" fill="hold">
-                                          <p:stCondLst>
-                                            <p:cond delay="499"/>
-                                          </p:stCondLst>
-                                        </p:cTn>
-                                        <p:tgtEl>
-                                          <p:spTgt spid="30"/>
-                                        </p:tgtEl>
-                                        <p:attrNameLst>
-                                          <p:attrName>style.visibility</p:attrName>
-                                        </p:attrNameLst>
-                                      </p:cBhvr>
-                                      <p:to>
-                                        <p:strVal val="hidden"/>
-                                      </p:to>
-                                    </p:set>
-                                  </p:childTnLst>
-                                </p:cTn>
-                              </p:par>
-                            </p:childTnLst>
-                          </p:cTn>
-                        </p:par>
-                      </p:childTnLst>
-                    </p:cTn>
-                  </p:par>
-                  <p:par>
-                    <p:cTn id="132" fill="hold">
-                      <p:stCondLst>
-                        <p:cond delay="indefinite"/>
-                      </p:stCondLst>
-                      <p:childTnLst>
-                        <p:par>
-                          <p:cTn id="133" fill="hold">
-                            <p:stCondLst>
-                              <p:cond delay="0"/>
-                            </p:stCondLst>
-                            <p:childTnLst>
-                              <p:par>
-                                <p:cTn id="134" presetID="10" presetClass="entr" presetSubtype="0" fill="hold" grpId="0" nodeType="clickEffect">
-                                  <p:stCondLst>
-                                    <p:cond delay="0"/>
-                                  </p:stCondLst>
-                                  <p:childTnLst>
-                                    <p:set>
-                                      <p:cBhvr>
-                                        <p:cTn id="135" dur="1" fill="hold">
-                                          <p:stCondLst>
-                                            <p:cond delay="0"/>
-                                          </p:stCondLst>
-                                        </p:cTn>
-                                        <p:tgtEl>
-                                          <p:spTgt spid="43"/>
-                                        </p:tgtEl>
-                                        <p:attrNameLst>
-                                          <p:attrName>style.visibility</p:attrName>
-                                        </p:attrNameLst>
-                                      </p:cBhvr>
-                                      <p:to>
-                                        <p:strVal val="visible"/>
-                                      </p:to>
-                                    </p:set>
-                                    <p:animEffect transition="in" filter="fade">
-                                      <p:cBhvr>
-                                        <p:cTn id="136" dur="500"/>
-                                        <p:tgtEl>
-                                          <p:spTgt spid="43"/>
-                                        </p:tgtEl>
-                                      </p:cBhvr>
-                                    </p:animEffect>
-                                  </p:childTnLst>
-                                </p:cTn>
-                              </p:par>
-                              <p:par>
-                                <p:cTn id="137" presetID="10" presetClass="entr" presetSubtype="0" fill="hold" grpId="0" nodeType="withEffect">
-                                  <p:stCondLst>
-                                    <p:cond delay="0"/>
-                                  </p:stCondLst>
-                                  <p:childTnLst>
-                                    <p:set>
-                                      <p:cBhvr>
-                                        <p:cTn id="138" dur="1" fill="hold">
-                                          <p:stCondLst>
-                                            <p:cond delay="0"/>
-                                          </p:stCondLst>
-                                        </p:cTn>
-                                        <p:tgtEl>
-                                          <p:spTgt spid="44"/>
-                                        </p:tgtEl>
-                                        <p:attrNameLst>
-                                          <p:attrName>style.visibility</p:attrName>
-                                        </p:attrNameLst>
-                                      </p:cBhvr>
-                                      <p:to>
-                                        <p:strVal val="visible"/>
-                                      </p:to>
-                                    </p:set>
-                                    <p:animEffect transition="in" filter="fade">
-                                      <p:cBhvr>
-                                        <p:cTn id="139" dur="500"/>
-                                        <p:tgtEl>
-                                          <p:spTgt spid="44"/>
-                                        </p:tgtEl>
-                                      </p:cBhvr>
-                                    </p:animEffect>
-                                  </p:childTnLst>
-                                </p:cTn>
-                              </p:par>
-                              <p:par>
-                                <p:cTn id="140" presetID="10" presetClass="entr" presetSubtype="0" fill="hold" grpId="0" nodeType="withEffect">
-                                  <p:stCondLst>
-                                    <p:cond delay="0"/>
-                                  </p:stCondLst>
-                                  <p:childTnLst>
-                                    <p:set>
-                                      <p:cBhvr>
-                                        <p:cTn id="141" dur="1" fill="hold">
-                                          <p:stCondLst>
-                                            <p:cond delay="0"/>
-                                          </p:stCondLst>
-                                        </p:cTn>
-                                        <p:tgtEl>
-                                          <p:spTgt spid="45"/>
-                                        </p:tgtEl>
-                                        <p:attrNameLst>
-                                          <p:attrName>style.visibility</p:attrName>
-                                        </p:attrNameLst>
-                                      </p:cBhvr>
-                                      <p:to>
-                                        <p:strVal val="visible"/>
-                                      </p:to>
-                                    </p:set>
-                                    <p:animEffect transition="in" filter="fade">
-                                      <p:cBhvr>
-                                        <p:cTn id="142" dur="500"/>
-                                        <p:tgtEl>
-                                          <p:spTgt spid="45"/>
-                                        </p:tgtEl>
-                                      </p:cBhvr>
-                                    </p:animEffect>
-                                  </p:childTnLst>
-                                </p:cTn>
-                              </p:par>
-                              <p:par>
-                                <p:cTn id="143" presetID="10" presetClass="entr" presetSubtype="0" fill="hold" grpId="0" nodeType="withEffect">
-                                  <p:stCondLst>
-                                    <p:cond delay="0"/>
-                                  </p:stCondLst>
-                                  <p:childTnLst>
-                                    <p:set>
-                                      <p:cBhvr>
-                                        <p:cTn id="144" dur="1" fill="hold">
-                                          <p:stCondLst>
-                                            <p:cond delay="0"/>
-                                          </p:stCondLst>
-                                        </p:cTn>
-                                        <p:tgtEl>
-                                          <p:spTgt spid="46"/>
-                                        </p:tgtEl>
-                                        <p:attrNameLst>
-                                          <p:attrName>style.visibility</p:attrName>
-                                        </p:attrNameLst>
-                                      </p:cBhvr>
-                                      <p:to>
-                                        <p:strVal val="visible"/>
-                                      </p:to>
-                                    </p:set>
-                                    <p:animEffect transition="in" filter="fade">
-                                      <p:cBhvr>
-                                        <p:cTn id="145" dur="500"/>
-                                        <p:tgtEl>
-                                          <p:spTgt spid="46"/>
-                                        </p:tgtEl>
-                                      </p:cBhvr>
-                                    </p:animEffect>
-                                  </p:childTnLst>
-                                </p:cTn>
-                              </p:par>
-                            </p:childTnLst>
-                          </p:cTn>
-                        </p:par>
-                      </p:childTnLst>
-                    </p:cTn>
-                  </p:par>
-                  <p:par>
-                    <p:cTn id="146" fill="hold">
-                      <p:stCondLst>
-                        <p:cond delay="indefinite"/>
-                      </p:stCondLst>
-                      <p:childTnLst>
-                        <p:par>
-                          <p:cTn id="147" fill="hold">
-                            <p:stCondLst>
-                              <p:cond delay="0"/>
-                            </p:stCondLst>
-                            <p:childTnLst>
-                              <p:par>
-                                <p:cTn id="148" presetID="10" presetClass="exit" presetSubtype="0" fill="hold" grpId="1" nodeType="clickEffect">
-                                  <p:stCondLst>
-                                    <p:cond delay="0"/>
-                                  </p:stCondLst>
-                                  <p:childTnLst>
-                                    <p:animEffect transition="out" filter="fade">
-                                      <p:cBhvr>
-                                        <p:cTn id="149" dur="500"/>
-                                        <p:tgtEl>
-                                          <p:spTgt spid="43"/>
-                                        </p:tgtEl>
-                                      </p:cBhvr>
-                                    </p:animEffect>
-                                    <p:set>
-                                      <p:cBhvr>
-                                        <p:cTn id="150" dur="1" fill="hold">
-                                          <p:stCondLst>
-                                            <p:cond delay="499"/>
-                                          </p:stCondLst>
-                                        </p:cTn>
-                                        <p:tgtEl>
-                                          <p:spTgt spid="43"/>
-                                        </p:tgtEl>
-                                        <p:attrNameLst>
-                                          <p:attrName>style.visibility</p:attrName>
-                                        </p:attrNameLst>
-                                      </p:cBhvr>
-                                      <p:to>
-                                        <p:strVal val="hidden"/>
-                                      </p:to>
-                                    </p:set>
-                                  </p:childTnLst>
-                                </p:cTn>
-                              </p:par>
-                              <p:par>
-                                <p:cTn id="151" presetID="10" presetClass="exit" presetSubtype="0" fill="hold" grpId="1" nodeType="withEffect">
-                                  <p:stCondLst>
-                                    <p:cond delay="0"/>
-                                  </p:stCondLst>
-                                  <p:childTnLst>
-                                    <p:animEffect transition="out" filter="fade">
-                                      <p:cBhvr>
-                                        <p:cTn id="152" dur="500"/>
-                                        <p:tgtEl>
-                                          <p:spTgt spid="44"/>
-                                        </p:tgtEl>
-                                      </p:cBhvr>
-                                    </p:animEffect>
-                                    <p:set>
-                                      <p:cBhvr>
-                                        <p:cTn id="153" dur="1" fill="hold">
-                                          <p:stCondLst>
-                                            <p:cond delay="499"/>
-                                          </p:stCondLst>
-                                        </p:cTn>
-                                        <p:tgtEl>
-                                          <p:spTgt spid="44"/>
-                                        </p:tgtEl>
-                                        <p:attrNameLst>
-                                          <p:attrName>style.visibility</p:attrName>
-                                        </p:attrNameLst>
-                                      </p:cBhvr>
-                                      <p:to>
-                                        <p:strVal val="hidden"/>
-                                      </p:to>
-                                    </p:set>
-                                  </p:childTnLst>
-                                </p:cTn>
-                              </p:par>
-                              <p:par>
-                                <p:cTn id="154" presetID="10" presetClass="exit" presetSubtype="0" fill="hold" grpId="1" nodeType="withEffect">
-                                  <p:stCondLst>
-                                    <p:cond delay="0"/>
-                                  </p:stCondLst>
-                                  <p:childTnLst>
-                                    <p:animEffect transition="out" filter="fade">
-                                      <p:cBhvr>
-                                        <p:cTn id="155" dur="500"/>
-                                        <p:tgtEl>
-                                          <p:spTgt spid="45"/>
-                                        </p:tgtEl>
-                                      </p:cBhvr>
-                                    </p:animEffect>
-                                    <p:set>
-                                      <p:cBhvr>
-                                        <p:cTn id="156" dur="1" fill="hold">
-                                          <p:stCondLst>
-                                            <p:cond delay="499"/>
-                                          </p:stCondLst>
-                                        </p:cTn>
-                                        <p:tgtEl>
-                                          <p:spTgt spid="45"/>
-                                        </p:tgtEl>
-                                        <p:attrNameLst>
-                                          <p:attrName>style.visibility</p:attrName>
-                                        </p:attrNameLst>
-                                      </p:cBhvr>
-                                      <p:to>
-                                        <p:strVal val="hidden"/>
-                                      </p:to>
-                                    </p:set>
-                                  </p:childTnLst>
-                                </p:cTn>
-                              </p:par>
-                              <p:par>
-                                <p:cTn id="157" presetID="10" presetClass="exit" presetSubtype="0" fill="hold" grpId="1" nodeType="withEffect">
-                                  <p:stCondLst>
-                                    <p:cond delay="0"/>
-                                  </p:stCondLst>
-                                  <p:childTnLst>
-                                    <p:animEffect transition="out" filter="fade">
-                                      <p:cBhvr>
-                                        <p:cTn id="158" dur="500"/>
-                                        <p:tgtEl>
-                                          <p:spTgt spid="46"/>
-                                        </p:tgtEl>
-                                      </p:cBhvr>
-                                    </p:animEffect>
-                                    <p:set>
-                                      <p:cBhvr>
-                                        <p:cTn id="159" dur="1" fill="hold">
-                                          <p:stCondLst>
-                                            <p:cond delay="499"/>
-                                          </p:stCondLst>
-                                        </p:cTn>
-                                        <p:tgtEl>
-                                          <p:spTgt spid="46"/>
-                                        </p:tgtEl>
-                                        <p:attrNameLst>
-                                          <p:attrName>style.visibility</p:attrName>
-                                        </p:attrNameLst>
-                                      </p:cBhvr>
-                                      <p:to>
-                                        <p:strVal val="hidden"/>
-                                      </p:to>
-                                    </p:set>
-                                  </p:childTnLst>
-                                </p:cTn>
-                              </p:par>
-                            </p:childTnLst>
-                          </p:cTn>
-                        </p:par>
-                      </p:childTnLst>
-                    </p:cTn>
-                  </p:par>
-                  <p:par>
-                    <p:cTn id="160" fill="hold">
-                      <p:stCondLst>
-                        <p:cond delay="indefinite"/>
-                      </p:stCondLst>
-                      <p:childTnLst>
-                        <p:par>
-                          <p:cTn id="161" fill="hold">
-                            <p:stCondLst>
-                              <p:cond delay="0"/>
-                            </p:stCondLst>
-                            <p:childTnLst>
-                              <p:par>
-                                <p:cTn id="162" presetID="10" presetClass="entr" presetSubtype="0" fill="hold" grpId="0" nodeType="clickEffect">
-                                  <p:stCondLst>
-                                    <p:cond delay="0"/>
-                                  </p:stCondLst>
-                                  <p:childTnLst>
-                                    <p:set>
-                                      <p:cBhvr>
-                                        <p:cTn id="163" dur="1" fill="hold">
-                                          <p:stCondLst>
-                                            <p:cond delay="0"/>
-                                          </p:stCondLst>
-                                        </p:cTn>
-                                        <p:tgtEl>
-                                          <p:spTgt spid="31"/>
-                                        </p:tgtEl>
-                                        <p:attrNameLst>
-                                          <p:attrName>style.visibility</p:attrName>
-                                        </p:attrNameLst>
-                                      </p:cBhvr>
-                                      <p:to>
-                                        <p:strVal val="visible"/>
-                                      </p:to>
-                                    </p:set>
-                                    <p:animEffect transition="in" filter="fade">
-                                      <p:cBhvr>
-                                        <p:cTn id="164" dur="500"/>
-                                        <p:tgtEl>
-                                          <p:spTgt spid="31"/>
-                                        </p:tgtEl>
-                                      </p:cBhvr>
-                                    </p:animEffect>
-                                  </p:childTnLst>
-                                </p:cTn>
-                              </p:par>
-                              <p:par>
-                                <p:cTn id="165" presetID="10" presetClass="entr" presetSubtype="0" fill="hold" grpId="0" nodeType="withEffect">
-                                  <p:stCondLst>
-                                    <p:cond delay="0"/>
-                                  </p:stCondLst>
-                                  <p:childTnLst>
-                                    <p:set>
-                                      <p:cBhvr>
-                                        <p:cTn id="166" dur="1" fill="hold">
-                                          <p:stCondLst>
-                                            <p:cond delay="0"/>
-                                          </p:stCondLst>
-                                        </p:cTn>
-                                        <p:tgtEl>
-                                          <p:spTgt spid="35"/>
-                                        </p:tgtEl>
-                                        <p:attrNameLst>
-                                          <p:attrName>style.visibility</p:attrName>
-                                        </p:attrNameLst>
-                                      </p:cBhvr>
-                                      <p:to>
-                                        <p:strVal val="visible"/>
-                                      </p:to>
-                                    </p:set>
-                                    <p:animEffect transition="in" filter="fade">
-                                      <p:cBhvr>
-                                        <p:cTn id="167" dur="500"/>
-                                        <p:tgtEl>
-                                          <p:spTgt spid="35"/>
-                                        </p:tgtEl>
-                                      </p:cBhvr>
-                                    </p:animEffect>
-                                  </p:childTnLst>
-                                </p:cTn>
-                              </p:par>
-                            </p:childTnLst>
-                          </p:cTn>
-                        </p:par>
-                      </p:childTnLst>
-                    </p:cTn>
-                  </p:par>
-                  <p:par>
-                    <p:cTn id="168" fill="hold">
-                      <p:stCondLst>
-                        <p:cond delay="indefinite"/>
-                      </p:stCondLst>
-                      <p:childTnLst>
-                        <p:par>
-                          <p:cTn id="169" fill="hold">
-                            <p:stCondLst>
-                              <p:cond delay="0"/>
-                            </p:stCondLst>
-                            <p:childTnLst>
-                              <p:par>
-                                <p:cTn id="170" presetID="10" presetClass="exit" presetSubtype="0" fill="hold" grpId="1" nodeType="clickEffect">
-                                  <p:stCondLst>
-                                    <p:cond delay="0"/>
-                                  </p:stCondLst>
-                                  <p:childTnLst>
-                                    <p:animEffect transition="out" filter="fade">
-                                      <p:cBhvr>
-                                        <p:cTn id="171" dur="500"/>
-                                        <p:tgtEl>
-                                          <p:spTgt spid="31"/>
-                                        </p:tgtEl>
-                                      </p:cBhvr>
-                                    </p:animEffect>
-                                    <p:set>
-                                      <p:cBhvr>
-                                        <p:cTn id="172" dur="1" fill="hold">
-                                          <p:stCondLst>
-                                            <p:cond delay="499"/>
-                                          </p:stCondLst>
-                                        </p:cTn>
-                                        <p:tgtEl>
-                                          <p:spTgt spid="31"/>
-                                        </p:tgtEl>
-                                        <p:attrNameLst>
-                                          <p:attrName>style.visibility</p:attrName>
-                                        </p:attrNameLst>
-                                      </p:cBhvr>
-                                      <p:to>
-                                        <p:strVal val="hidden"/>
-                                      </p:to>
-                                    </p:set>
-                                  </p:childTnLst>
-                                </p:cTn>
-                              </p:par>
-                              <p:par>
-                                <p:cTn id="173" presetID="10" presetClass="exit" presetSubtype="0" fill="hold" grpId="1" nodeType="withEffect">
-                                  <p:stCondLst>
-                                    <p:cond delay="0"/>
-                                  </p:stCondLst>
-                                  <p:childTnLst>
-                                    <p:animEffect transition="out" filter="fade">
-                                      <p:cBhvr>
-                                        <p:cTn id="174" dur="500"/>
-                                        <p:tgtEl>
-                                          <p:spTgt spid="35"/>
-                                        </p:tgtEl>
-                                      </p:cBhvr>
-                                    </p:animEffect>
-                                    <p:set>
-                                      <p:cBhvr>
-                                        <p:cTn id="175" dur="1" fill="hold">
-                                          <p:stCondLst>
-                                            <p:cond delay="499"/>
-                                          </p:stCondLst>
-                                        </p:cTn>
-                                        <p:tgtEl>
-                                          <p:spTgt spid="35"/>
-                                        </p:tgtEl>
-                                        <p:attrNameLst>
-                                          <p:attrName>style.visibility</p:attrName>
-                                        </p:attrNameLst>
-                                      </p:cBhvr>
-                                      <p:to>
-                                        <p:strVal val="hidden"/>
-                                      </p:to>
-                                    </p:set>
                                   </p:childTnLst>
                                 </p:cTn>
                               </p:par>
@@ -11711,45 +10887,25 @@
       <p:bldP spid="6" grpId="0"/>
       <p:bldP spid="7" grpId="0"/>
       <p:bldP spid="8" grpId="0" animBg="1"/>
-      <p:bldP spid="8" grpId="1" animBg="1"/>
       <p:bldP spid="13" grpId="0" animBg="1"/>
-      <p:bldP spid="13" grpId="1" animBg="1"/>
       <p:bldP spid="14" grpId="0" animBg="1"/>
-      <p:bldP spid="14" grpId="1" animBg="1"/>
       <p:bldP spid="27" grpId="0"/>
-      <p:bldP spid="27" grpId="1"/>
       <p:bldP spid="28" grpId="0" animBg="1"/>
-      <p:bldP spid="28" grpId="1" animBg="1"/>
       <p:bldP spid="29" grpId="0"/>
-      <p:bldP spid="29" grpId="1"/>
       <p:bldP spid="30" grpId="0" animBg="1"/>
-      <p:bldP spid="30" grpId="1" animBg="1"/>
       <p:bldP spid="31" grpId="0" animBg="1"/>
-      <p:bldP spid="31" grpId="1" animBg="1"/>
       <p:bldP spid="33" grpId="0"/>
-      <p:bldP spid="33" grpId="1"/>
       <p:bldP spid="34" grpId="0"/>
-      <p:bldP spid="34" grpId="1"/>
       <p:bldP spid="35" grpId="0"/>
-      <p:bldP spid="35" grpId="1"/>
       <p:bldP spid="38" grpId="0" animBg="1"/>
-      <p:bldP spid="38" grpId="1" animBg="1"/>
       <p:bldP spid="39" grpId="0" animBg="1"/>
-      <p:bldP spid="39" grpId="1" animBg="1"/>
       <p:bldP spid="40" grpId="0" animBg="1"/>
-      <p:bldP spid="40" grpId="1" animBg="1"/>
       <p:bldP spid="41" grpId="0"/>
-      <p:bldP spid="41" grpId="1"/>
       <p:bldP spid="42" grpId="0"/>
-      <p:bldP spid="42" grpId="1"/>
       <p:bldP spid="43" grpId="0" animBg="1"/>
-      <p:bldP spid="43" grpId="1" animBg="1"/>
       <p:bldP spid="44" grpId="0" animBg="1"/>
-      <p:bldP spid="44" grpId="1" animBg="1"/>
       <p:bldP spid="45" grpId="0"/>
-      <p:bldP spid="45" grpId="1"/>
       <p:bldP spid="46" grpId="0"/>
-      <p:bldP spid="46" grpId="1"/>
     </p:bldLst>
   </p:timing>
 </p:sld>
@@ -13469,7 +12625,13 @@
               <a:rPr lang="fa-IR" sz="2400" dirty="0" smtClean="0">
                 <a:cs typeface="B Nazanin" panose="00000400000000000000" pitchFamily="2" charset="-78"/>
               </a:rPr>
-              <a:t>میشود.</a:t>
+              <a:t>می‌شود</a:t>
+            </a:r>
+            <a:r>
+              <a:rPr lang="fa-IR" sz="2400" dirty="0" smtClean="0">
+                <a:cs typeface="B Nazanin" panose="00000400000000000000" pitchFamily="2" charset="-78"/>
+              </a:rPr>
+              <a:t>.</a:t>
             </a:r>
           </a:p>
           <a:p>
@@ -13484,7 +12646,31 @@
               <a:rPr lang="fa-IR" sz="2400" dirty="0">
                 <a:cs typeface="B Nazanin" panose="00000400000000000000" pitchFamily="2" charset="-78"/>
               </a:rPr>
-              <a:t>به منظور ساخت قمست اتصال در ماژول </a:t>
+              <a:t>به منظور ساخت </a:t>
+            </a:r>
+            <a:r>
+              <a:rPr lang="fa-IR" sz="2400" dirty="0" smtClean="0">
+                <a:cs typeface="B Nazanin" panose="00000400000000000000" pitchFamily="2" charset="-78"/>
+              </a:rPr>
+              <a:t>قس</a:t>
+            </a:r>
+            <a:r>
+              <a:rPr lang="fa-IR" sz="2400" dirty="0">
+                <a:cs typeface="B Nazanin" panose="00000400000000000000" pitchFamily="2" charset="-78"/>
+              </a:rPr>
+              <a:t>م</a:t>
+            </a:r>
+            <a:r>
+              <a:rPr lang="fa-IR" sz="2400" dirty="0" smtClean="0">
+                <a:cs typeface="B Nazanin" panose="00000400000000000000" pitchFamily="2" charset="-78"/>
+              </a:rPr>
+              <a:t>ت </a:t>
+            </a:r>
+            <a:r>
+              <a:rPr lang="fa-IR" sz="2400" dirty="0">
+                <a:cs typeface="B Nazanin" panose="00000400000000000000" pitchFamily="2" charset="-78"/>
+              </a:rPr>
+              <a:t>اتصال در ماژول </a:t>
             </a:r>
             <a:r>
               <a:rPr lang="en-US" sz="2400" dirty="0">
@@ -15643,8 +14829,8 @@
           </a:p>
         </p:txBody>
       </p:sp>
-      <mc:AlternateContent xmlns:mc="http://schemas.openxmlformats.org/markup-compatibility/2006" xmlns:a14="http://schemas.microsoft.com/office/drawing/2010/main">
-        <mc:Choice Requires="a14">
+      <mc:AlternateContent xmlns:mc="http://schemas.openxmlformats.org/markup-compatibility/2006">
+        <mc:Choice xmlns:a14="http://schemas.microsoft.com/office/drawing/2010/main" Requires="a14">
           <p:sp>
             <p:nvSpPr>
               <p:cNvPr id="3" name="Content Placeholder 2"/>
@@ -16054,16 +15240,16 @@
                   </m:oMath>
                 </a14:m>
                 <a:r>
-                  <a:rPr lang="fa-IR" sz="2400" dirty="0">
+                  <a:rPr lang="fa-IR" sz="2400" dirty="0" smtClean="0">
                     <a:solidFill>
                       <a:srgbClr val="00B050"/>
                     </a:solidFill>
                     <a:cs typeface="B Nazanin" panose="00000400000000000000" pitchFamily="2" charset="-78"/>
                   </a:rPr>
-                  <a:t> </a:t>
+                  <a:t>* </a:t>
                 </a:r>
                 <a:r>
-                  <a:rPr lang="en-US" sz="2400" dirty="0">
+                  <a:rPr lang="en-US" sz="2400" dirty="0" smtClean="0">
                     <a:solidFill>
                       <a:srgbClr val="00B050"/>
                     </a:solidFill>
@@ -16114,7 +15300,7 @@
             </p:txBody>
           </p:sp>
         </mc:Choice>
-        <mc:Fallback xmlns="">
+        <mc:Fallback>
           <p:sp>
             <p:nvSpPr>
               <p:cNvPr id="3" name="Content Placeholder 2"/>
@@ -18615,7 +17801,7 @@
         </p:nvSpPr>
         <p:spPr>
           <a:xfrm>
-            <a:off x="4858340" y="5196946"/>
+            <a:off x="4764082" y="4236555"/>
             <a:ext cx="2496196" cy="400110"/>
           </a:xfrm>
           <a:prstGeom prst="rect">
@@ -18917,7 +18103,7 @@
         </p:nvSpPr>
         <p:spPr>
           <a:xfrm>
-            <a:off x="7978385" y="5160370"/>
+            <a:off x="8104353" y="4289234"/>
             <a:ext cx="963725" cy="400110"/>
           </a:xfrm>
           <a:prstGeom prst="rect">
@@ -19191,72 +18377,72 @@
                             </p:stCondLst>
                             <p:childTnLst>
                               <p:par>
-                                <p:cTn id="23" presetID="10" presetClass="exit" presetSubtype="0" fill="hold" grpId="1" nodeType="clickEffect">
+                                <p:cTn id="23" presetID="10" presetClass="entr" presetSubtype="0" fill="hold" grpId="0" nodeType="clickEffect">
                                   <p:stCondLst>
                                     <p:cond delay="0"/>
                                   </p:stCondLst>
                                   <p:childTnLst>
-                                    <p:animEffect transition="out" filter="fade">
-                                      <p:cBhvr>
-                                        <p:cTn id="24" dur="500"/>
-                                        <p:tgtEl>
-                                          <p:spTgt spid="6"/>
-                                        </p:tgtEl>
-                                      </p:cBhvr>
-                                    </p:animEffect>
                                     <p:set>
                                       <p:cBhvr>
-                                        <p:cTn id="25" dur="1" fill="hold">
+                                        <p:cTn id="24" dur="1" fill="hold">
                                           <p:stCondLst>
-                                            <p:cond delay="499"/>
+                                            <p:cond delay="0"/>
                                           </p:stCondLst>
                                         </p:cTn>
                                         <p:tgtEl>
-                                          <p:spTgt spid="6"/>
+                                          <p:spTgt spid="8"/>
                                         </p:tgtEl>
                                         <p:attrNameLst>
                                           <p:attrName>style.visibility</p:attrName>
                                         </p:attrNameLst>
                                       </p:cBhvr>
                                       <p:to>
-                                        <p:strVal val="hidden"/>
+                                        <p:strVal val="visible"/>
                                       </p:to>
                                     </p:set>
+                                    <p:animEffect transition="in" filter="fade">
+                                      <p:cBhvr>
+                                        <p:cTn id="25" dur="500"/>
+                                        <p:tgtEl>
+                                          <p:spTgt spid="8"/>
+                                        </p:tgtEl>
+                                      </p:cBhvr>
+                                    </p:animEffect>
                                   </p:childTnLst>
                                 </p:cTn>
                               </p:par>
                               <p:par>
-                                <p:cTn id="26" presetID="10" presetClass="exit" presetSubtype="0" fill="hold" grpId="1" nodeType="withEffect">
+                                <p:cTn id="26" presetID="10" presetClass="entr" presetSubtype="0" fill="hold" grpId="0" nodeType="withEffect">
                                   <p:stCondLst>
                                     <p:cond delay="0"/>
                                   </p:stCondLst>
                                   <p:childTnLst>
-                                    <p:animEffect transition="out" filter="fade">
-                                      <p:cBhvr>
-                                        <p:cTn id="27" dur="500"/>
-                                        <p:tgtEl>
-                                          <p:spTgt spid="7"/>
-                                        </p:tgtEl>
-                                      </p:cBhvr>
-                                    </p:animEffect>
                                     <p:set>
                                       <p:cBhvr>
-                                        <p:cTn id="28" dur="1" fill="hold">
+                                        <p:cTn id="27" dur="1" fill="hold">
                                           <p:stCondLst>
-                                            <p:cond delay="499"/>
+                                            <p:cond delay="0"/>
                                           </p:stCondLst>
                                         </p:cTn>
                                         <p:tgtEl>
-                                          <p:spTgt spid="7"/>
+                                          <p:spTgt spid="9"/>
                                         </p:tgtEl>
                                         <p:attrNameLst>
                                           <p:attrName>style.visibility</p:attrName>
                                         </p:attrNameLst>
                                       </p:cBhvr>
                                       <p:to>
-                                        <p:strVal val="hidden"/>
+                                        <p:strVal val="visible"/>
                                       </p:to>
                                     </p:set>
+                                    <p:animEffect transition="in" filter="fade">
+                                      <p:cBhvr>
+                                        <p:cTn id="28" dur="500"/>
+                                        <p:tgtEl>
+                                          <p:spTgt spid="9"/>
+                                        </p:tgtEl>
+                                      </p:cBhvr>
+                                    </p:animEffect>
                                   </p:childTnLst>
                                 </p:cTn>
                               </p:par>
@@ -19292,7 +18478,7 @@
                                           </p:stCondLst>
                                         </p:cTn>
                                         <p:tgtEl>
-                                          <p:spTgt spid="8"/>
+                                          <p:spTgt spid="10"/>
                                         </p:tgtEl>
                                         <p:attrNameLst>
                                           <p:attrName>style.visibility</p:attrName>
@@ -19306,7 +18492,7 @@
                                       <p:cBhvr>
                                         <p:cTn id="33" dur="500"/>
                                         <p:tgtEl>
-                                          <p:spTgt spid="8"/>
+                                          <p:spTgt spid="10"/>
                                         </p:tgtEl>
                                       </p:cBhvr>
                                     </p:animEffect>
@@ -19327,7 +18513,7 @@
                                           </p:stCondLst>
                                         </p:cTn>
                                         <p:tgtEl>
-                                          <p:spTgt spid="9"/>
+                                          <p:spTgt spid="11"/>
                                         </p:tgtEl>
                                         <p:attrNameLst>
                                           <p:attrName>style.visibility</p:attrName>
@@ -19341,7 +18527,7 @@
                                       <p:cBhvr>
                                         <p:cTn id="36" dur="500"/>
                                         <p:tgtEl>
-                                          <p:spTgt spid="9"/>
+                                          <p:spTgt spid="11"/>
                                         </p:tgtEl>
                                       </p:cBhvr>
                                     </p:animEffect>
@@ -19367,108 +18553,20 @@
                             </p:stCondLst>
                             <p:childTnLst>
                               <p:par>
-                                <p:cTn id="39" presetID="10" presetClass="exit" presetSubtype="0" fill="hold" grpId="1" nodeType="clickEffect">
-                                  <p:stCondLst>
-                                    <p:cond delay="0"/>
-                                  </p:stCondLst>
-                                  <p:childTnLst>
-                                    <p:animEffect transition="out" filter="fade">
-                                      <p:cBhvr>
-                                        <p:cTn id="40" dur="500"/>
-                                        <p:tgtEl>
-                                          <p:spTgt spid="8"/>
-                                        </p:tgtEl>
-                                      </p:cBhvr>
-                                    </p:animEffect>
-                                    <p:set>
-                                      <p:cBhvr>
-                                        <p:cTn id="41" dur="1" fill="hold">
-                                          <p:stCondLst>
-                                            <p:cond delay="499"/>
-                                          </p:stCondLst>
-                                        </p:cTn>
-                                        <p:tgtEl>
-                                          <p:spTgt spid="8"/>
-                                        </p:tgtEl>
-                                        <p:attrNameLst>
-                                          <p:attrName>style.visibility</p:attrName>
-                                        </p:attrNameLst>
-                                      </p:cBhvr>
-                                      <p:to>
-                                        <p:strVal val="hidden"/>
-                                      </p:to>
-                                    </p:set>
-                                  </p:childTnLst>
-                                </p:cTn>
-                              </p:par>
-                              <p:par>
-                                <p:cTn id="42" presetID="10" presetClass="exit" presetSubtype="0" fill="hold" grpId="1" nodeType="withEffect">
-                                  <p:stCondLst>
-                                    <p:cond delay="0"/>
-                                  </p:stCondLst>
-                                  <p:childTnLst>
-                                    <p:animEffect transition="out" filter="fade">
-                                      <p:cBhvr>
-                                        <p:cTn id="43" dur="500"/>
-                                        <p:tgtEl>
-                                          <p:spTgt spid="9"/>
-                                        </p:tgtEl>
-                                      </p:cBhvr>
-                                    </p:animEffect>
-                                    <p:set>
-                                      <p:cBhvr>
-                                        <p:cTn id="44" dur="1" fill="hold">
-                                          <p:stCondLst>
-                                            <p:cond delay="499"/>
-                                          </p:stCondLst>
-                                        </p:cTn>
-                                        <p:tgtEl>
-                                          <p:spTgt spid="9"/>
-                                        </p:tgtEl>
-                                        <p:attrNameLst>
-                                          <p:attrName>style.visibility</p:attrName>
-                                        </p:attrNameLst>
-                                      </p:cBhvr>
-                                      <p:to>
-                                        <p:strVal val="hidden"/>
-                                      </p:to>
-                                    </p:set>
-                                  </p:childTnLst>
-                                </p:cTn>
-                              </p:par>
-                            </p:childTnLst>
-                          </p:cTn>
-                        </p:par>
-                      </p:childTnLst>
-                    </p:cTn>
-                  </p:par>
-                  <p:par>
-                    <p:cTn id="45" fill="hold">
-                      <p:stCondLst>
-                        <p:cond delay="indefinite"/>
-                      </p:stCondLst>
-                      <p:childTnLst>
-                        <p:par>
-                          <p:cTn id="46" fill="hold">
-                            <p:stCondLst>
-                              <p:cond delay="0"/>
-                            </p:stCondLst>
-                            <p:childTnLst>
-                              <p:par>
-                                <p:cTn id="47" presetID="10" presetClass="entr" presetSubtype="0" fill="hold" grpId="0" nodeType="clickEffect">
+                                <p:cTn id="39" presetID="10" presetClass="entr" presetSubtype="0" fill="hold" grpId="0" nodeType="clickEffect">
                                   <p:stCondLst>
                                     <p:cond delay="0"/>
                                   </p:stCondLst>
                                   <p:childTnLst>
                                     <p:set>
                                       <p:cBhvr>
-                                        <p:cTn id="48" dur="1" fill="hold">
+                                        <p:cTn id="40" dur="1" fill="hold">
                                           <p:stCondLst>
                                             <p:cond delay="0"/>
                                           </p:stCondLst>
                                         </p:cTn>
                                         <p:tgtEl>
-                                          <p:spTgt spid="10"/>
+                                          <p:spTgt spid="12"/>
                                         </p:tgtEl>
                                         <p:attrNameLst>
                                           <p:attrName>style.visibility</p:attrName>
@@ -19480,44 +18578,9 @@
                                     </p:set>
                                     <p:animEffect transition="in" filter="fade">
                                       <p:cBhvr>
-                                        <p:cTn id="49" dur="500"/>
-                                        <p:tgtEl>
-                                          <p:spTgt spid="10"/>
-                                        </p:tgtEl>
-                                      </p:cBhvr>
-                                    </p:animEffect>
-                                  </p:childTnLst>
-                                </p:cTn>
-                              </p:par>
-                              <p:par>
-                                <p:cTn id="50" presetID="10" presetClass="entr" presetSubtype="0" fill="hold" grpId="0" nodeType="withEffect">
-                                  <p:stCondLst>
-                                    <p:cond delay="0"/>
-                                  </p:stCondLst>
-                                  <p:childTnLst>
-                                    <p:set>
-                                      <p:cBhvr>
-                                        <p:cTn id="51" dur="1" fill="hold">
-                                          <p:stCondLst>
-                                            <p:cond delay="0"/>
-                                          </p:stCondLst>
-                                        </p:cTn>
-                                        <p:tgtEl>
-                                          <p:spTgt spid="11"/>
-                                        </p:tgtEl>
-                                        <p:attrNameLst>
-                                          <p:attrName>style.visibility</p:attrName>
-                                        </p:attrNameLst>
-                                      </p:cBhvr>
-                                      <p:to>
-                                        <p:strVal val="visible"/>
-                                      </p:to>
-                                    </p:set>
-                                    <p:animEffect transition="in" filter="fade">
-                                      <p:cBhvr>
-                                        <p:cTn id="52" dur="500"/>
-                                        <p:tgtEl>
-                                          <p:spTgt spid="11"/>
+                                        <p:cTn id="41" dur="500"/>
+                                        <p:tgtEl>
+                                          <p:spTgt spid="12"/>
                                         </p:tgtEl>
                                       </p:cBhvr>
                                     </p:animEffect>
@@ -19531,120 +18594,32 @@
                     </p:cTn>
                   </p:par>
                   <p:par>
-                    <p:cTn id="53" fill="hold">
+                    <p:cTn id="42" fill="hold">
                       <p:stCondLst>
                         <p:cond delay="indefinite"/>
                       </p:stCondLst>
                       <p:childTnLst>
                         <p:par>
-                          <p:cTn id="54" fill="hold">
+                          <p:cTn id="43" fill="hold">
                             <p:stCondLst>
                               <p:cond delay="0"/>
                             </p:stCondLst>
                             <p:childTnLst>
                               <p:par>
-                                <p:cTn id="55" presetID="10" presetClass="exit" presetSubtype="0" fill="hold" grpId="1" nodeType="clickEffect">
-                                  <p:stCondLst>
-                                    <p:cond delay="0"/>
-                                  </p:stCondLst>
-                                  <p:childTnLst>
-                                    <p:animEffect transition="out" filter="fade">
-                                      <p:cBhvr>
-                                        <p:cTn id="56" dur="500"/>
-                                        <p:tgtEl>
-                                          <p:spTgt spid="10"/>
-                                        </p:tgtEl>
-                                      </p:cBhvr>
-                                    </p:animEffect>
-                                    <p:set>
-                                      <p:cBhvr>
-                                        <p:cTn id="57" dur="1" fill="hold">
-                                          <p:stCondLst>
-                                            <p:cond delay="499"/>
-                                          </p:stCondLst>
-                                        </p:cTn>
-                                        <p:tgtEl>
-                                          <p:spTgt spid="10"/>
-                                        </p:tgtEl>
-                                        <p:attrNameLst>
-                                          <p:attrName>style.visibility</p:attrName>
-                                        </p:attrNameLst>
-                                      </p:cBhvr>
-                                      <p:to>
-                                        <p:strVal val="hidden"/>
-                                      </p:to>
-                                    </p:set>
-                                  </p:childTnLst>
-                                </p:cTn>
-                              </p:par>
-                              <p:par>
-                                <p:cTn id="58" presetID="10" presetClass="exit" presetSubtype="0" fill="hold" grpId="1" nodeType="withEffect">
-                                  <p:stCondLst>
-                                    <p:cond delay="0"/>
-                                  </p:stCondLst>
-                                  <p:childTnLst>
-                                    <p:animEffect transition="out" filter="fade">
-                                      <p:cBhvr>
-                                        <p:cTn id="59" dur="500"/>
-                                        <p:tgtEl>
-                                          <p:spTgt spid="11"/>
-                                        </p:tgtEl>
-                                      </p:cBhvr>
-                                    </p:animEffect>
-                                    <p:set>
-                                      <p:cBhvr>
-                                        <p:cTn id="60" dur="1" fill="hold">
-                                          <p:stCondLst>
-                                            <p:cond delay="499"/>
-                                          </p:stCondLst>
-                                        </p:cTn>
-                                        <p:tgtEl>
-                                          <p:spTgt spid="11"/>
-                                        </p:tgtEl>
-                                        <p:attrNameLst>
-                                          <p:attrName>style.visibility</p:attrName>
-                                        </p:attrNameLst>
-                                      </p:cBhvr>
-                                      <p:to>
-                                        <p:strVal val="hidden"/>
-                                      </p:to>
-                                    </p:set>
-                                  </p:childTnLst>
-                                </p:cTn>
-                              </p:par>
-                            </p:childTnLst>
-                          </p:cTn>
-                        </p:par>
-                      </p:childTnLst>
-                    </p:cTn>
-                  </p:par>
-                  <p:par>
-                    <p:cTn id="61" fill="hold">
-                      <p:stCondLst>
-                        <p:cond delay="indefinite"/>
-                      </p:stCondLst>
-                      <p:childTnLst>
-                        <p:par>
-                          <p:cTn id="62" fill="hold">
-                            <p:stCondLst>
-                              <p:cond delay="0"/>
-                            </p:stCondLst>
-                            <p:childTnLst>
-                              <p:par>
-                                <p:cTn id="63" presetID="10" presetClass="entr" presetSubtype="0" fill="hold" grpId="0" nodeType="clickEffect">
+                                <p:cTn id="44" presetID="10" presetClass="entr" presetSubtype="0" fill="hold" grpId="0" nodeType="clickEffect">
                                   <p:stCondLst>
                                     <p:cond delay="0"/>
                                   </p:stCondLst>
                                   <p:childTnLst>
                                     <p:set>
                                       <p:cBhvr>
-                                        <p:cTn id="64" dur="1" fill="hold">
+                                        <p:cTn id="45" dur="1" fill="hold">
                                           <p:stCondLst>
                                             <p:cond delay="0"/>
                                           </p:stCondLst>
                                         </p:cTn>
                                         <p:tgtEl>
-                                          <p:spTgt spid="12"/>
+                                          <p:spTgt spid="16"/>
                                         </p:tgtEl>
                                         <p:attrNameLst>
                                           <p:attrName>style.visibility</p:attrName>
@@ -19656,9 +18631,44 @@
                                     </p:set>
                                     <p:animEffect transition="in" filter="fade">
                                       <p:cBhvr>
-                                        <p:cTn id="65" dur="500"/>
-                                        <p:tgtEl>
-                                          <p:spTgt spid="12"/>
+                                        <p:cTn id="46" dur="500"/>
+                                        <p:tgtEl>
+                                          <p:spTgt spid="16"/>
+                                        </p:tgtEl>
+                                      </p:cBhvr>
+                                    </p:animEffect>
+                                  </p:childTnLst>
+                                </p:cTn>
+                              </p:par>
+                              <p:par>
+                                <p:cTn id="47" presetID="10" presetClass="entr" presetSubtype="0" fill="hold" grpId="0" nodeType="withEffect">
+                                  <p:stCondLst>
+                                    <p:cond delay="0"/>
+                                  </p:stCondLst>
+                                  <p:childTnLst>
+                                    <p:set>
+                                      <p:cBhvr>
+                                        <p:cTn id="48" dur="1" fill="hold">
+                                          <p:stCondLst>
+                                            <p:cond delay="0"/>
+                                          </p:stCondLst>
+                                        </p:cTn>
+                                        <p:tgtEl>
+                                          <p:spTgt spid="13"/>
+                                        </p:tgtEl>
+                                        <p:attrNameLst>
+                                          <p:attrName>style.visibility</p:attrName>
+                                        </p:attrNameLst>
+                                      </p:cBhvr>
+                                      <p:to>
+                                        <p:strVal val="visible"/>
+                                      </p:to>
+                                    </p:set>
+                                    <p:animEffect transition="in" filter="fade">
+                                      <p:cBhvr>
+                                        <p:cTn id="49" dur="500"/>
+                                        <p:tgtEl>
+                                          <p:spTgt spid="13"/>
                                         </p:tgtEl>
                                       </p:cBhvr>
                                     </p:animEffect>
@@ -19672,32 +18682,32 @@
                     </p:cTn>
                   </p:par>
                   <p:par>
-                    <p:cTn id="66" fill="hold">
+                    <p:cTn id="50" fill="hold">
                       <p:stCondLst>
                         <p:cond delay="indefinite"/>
                       </p:stCondLst>
                       <p:childTnLst>
                         <p:par>
-                          <p:cTn id="67" fill="hold">
+                          <p:cTn id="51" fill="hold">
                             <p:stCondLst>
                               <p:cond delay="0"/>
                             </p:stCondLst>
                             <p:childTnLst>
                               <p:par>
-                                <p:cTn id="68" presetID="10" presetClass="entr" presetSubtype="0" fill="hold" grpId="0" nodeType="clickEffect">
+                                <p:cTn id="52" presetID="10" presetClass="entr" presetSubtype="0" fill="hold" grpId="0" nodeType="clickEffect">
                                   <p:stCondLst>
                                     <p:cond delay="0"/>
                                   </p:stCondLst>
                                   <p:childTnLst>
                                     <p:set>
                                       <p:cBhvr>
-                                        <p:cTn id="69" dur="1" fill="hold">
+                                        <p:cTn id="53" dur="1" fill="hold">
                                           <p:stCondLst>
                                             <p:cond delay="0"/>
                                           </p:stCondLst>
                                         </p:cTn>
                                         <p:tgtEl>
-                                          <p:spTgt spid="16"/>
+                                          <p:spTgt spid="17"/>
                                         </p:tgtEl>
                                         <p:attrNameLst>
                                           <p:attrName>style.visibility</p:attrName>
@@ -19709,9 +18719,9 @@
                                     </p:set>
                                     <p:animEffect transition="in" filter="fade">
                                       <p:cBhvr>
-                                        <p:cTn id="70" dur="500"/>
-                                        <p:tgtEl>
-                                          <p:spTgt spid="16"/>
+                                        <p:cTn id="54" dur="500"/>
+                                        <p:tgtEl>
+                                          <p:spTgt spid="17"/>
                                         </p:tgtEl>
                                       </p:cBhvr>
                                     </p:animEffect>
@@ -19719,20 +18729,20 @@
                                 </p:cTn>
                               </p:par>
                               <p:par>
-                                <p:cTn id="71" presetID="10" presetClass="entr" presetSubtype="0" fill="hold" grpId="0" nodeType="withEffect">
+                                <p:cTn id="55" presetID="10" presetClass="entr" presetSubtype="0" fill="hold" grpId="0" nodeType="withEffect">
                                   <p:stCondLst>
                                     <p:cond delay="0"/>
                                   </p:stCondLst>
                                   <p:childTnLst>
                                     <p:set>
                                       <p:cBhvr>
-                                        <p:cTn id="72" dur="1" fill="hold">
+                                        <p:cTn id="56" dur="1" fill="hold">
                                           <p:stCondLst>
                                             <p:cond delay="0"/>
                                           </p:stCondLst>
                                         </p:cTn>
                                         <p:tgtEl>
-                                          <p:spTgt spid="13"/>
+                                          <p:spTgt spid="18"/>
                                         </p:tgtEl>
                                         <p:attrNameLst>
                                           <p:attrName>style.visibility</p:attrName>
@@ -19744,9 +18754,9 @@
                                     </p:set>
                                     <p:animEffect transition="in" filter="fade">
                                       <p:cBhvr>
-                                        <p:cTn id="73" dur="500"/>
-                                        <p:tgtEl>
-                                          <p:spTgt spid="13"/>
+                                        <p:cTn id="57" dur="500"/>
+                                        <p:tgtEl>
+                                          <p:spTgt spid="18"/>
                                         </p:tgtEl>
                                       </p:cBhvr>
                                     </p:animEffect>
@@ -19760,120 +18770,32 @@
                     </p:cTn>
                   </p:par>
                   <p:par>
-                    <p:cTn id="74" fill="hold">
+                    <p:cTn id="58" fill="hold">
                       <p:stCondLst>
                         <p:cond delay="indefinite"/>
                       </p:stCondLst>
                       <p:childTnLst>
                         <p:par>
-                          <p:cTn id="75" fill="hold">
+                          <p:cTn id="59" fill="hold">
                             <p:stCondLst>
                               <p:cond delay="0"/>
                             </p:stCondLst>
                             <p:childTnLst>
                               <p:par>
-                                <p:cTn id="76" presetID="10" presetClass="exit" presetSubtype="0" fill="hold" grpId="1" nodeType="clickEffect">
-                                  <p:stCondLst>
-                                    <p:cond delay="0"/>
-                                  </p:stCondLst>
-                                  <p:childTnLst>
-                                    <p:animEffect transition="out" filter="fade">
-                                      <p:cBhvr>
-                                        <p:cTn id="77" dur="500"/>
-                                        <p:tgtEl>
-                                          <p:spTgt spid="16"/>
-                                        </p:tgtEl>
-                                      </p:cBhvr>
-                                    </p:animEffect>
-                                    <p:set>
-                                      <p:cBhvr>
-                                        <p:cTn id="78" dur="1" fill="hold">
-                                          <p:stCondLst>
-                                            <p:cond delay="499"/>
-                                          </p:stCondLst>
-                                        </p:cTn>
-                                        <p:tgtEl>
-                                          <p:spTgt spid="16"/>
-                                        </p:tgtEl>
-                                        <p:attrNameLst>
-                                          <p:attrName>style.visibility</p:attrName>
-                                        </p:attrNameLst>
-                                      </p:cBhvr>
-                                      <p:to>
-                                        <p:strVal val="hidden"/>
-                                      </p:to>
-                                    </p:set>
-                                  </p:childTnLst>
-                                </p:cTn>
-                              </p:par>
-                              <p:par>
-                                <p:cTn id="79" presetID="10" presetClass="exit" presetSubtype="0" fill="hold" grpId="1" nodeType="withEffect">
-                                  <p:stCondLst>
-                                    <p:cond delay="0"/>
-                                  </p:stCondLst>
-                                  <p:childTnLst>
-                                    <p:animEffect transition="out" filter="fade">
-                                      <p:cBhvr>
-                                        <p:cTn id="80" dur="500"/>
-                                        <p:tgtEl>
-                                          <p:spTgt spid="13"/>
-                                        </p:tgtEl>
-                                      </p:cBhvr>
-                                    </p:animEffect>
-                                    <p:set>
-                                      <p:cBhvr>
-                                        <p:cTn id="81" dur="1" fill="hold">
-                                          <p:stCondLst>
-                                            <p:cond delay="499"/>
-                                          </p:stCondLst>
-                                        </p:cTn>
-                                        <p:tgtEl>
-                                          <p:spTgt spid="13"/>
-                                        </p:tgtEl>
-                                        <p:attrNameLst>
-                                          <p:attrName>style.visibility</p:attrName>
-                                        </p:attrNameLst>
-                                      </p:cBhvr>
-                                      <p:to>
-                                        <p:strVal val="hidden"/>
-                                      </p:to>
-                                    </p:set>
-                                  </p:childTnLst>
-                                </p:cTn>
-                              </p:par>
-                            </p:childTnLst>
-                          </p:cTn>
-                        </p:par>
-                      </p:childTnLst>
-                    </p:cTn>
-                  </p:par>
-                  <p:par>
-                    <p:cTn id="82" fill="hold">
-                      <p:stCondLst>
-                        <p:cond delay="indefinite"/>
-                      </p:stCondLst>
-                      <p:childTnLst>
-                        <p:par>
-                          <p:cTn id="83" fill="hold">
-                            <p:stCondLst>
-                              <p:cond delay="0"/>
-                            </p:stCondLst>
-                            <p:childTnLst>
-                              <p:par>
-                                <p:cTn id="84" presetID="10" presetClass="entr" presetSubtype="0" fill="hold" grpId="0" nodeType="clickEffect">
+                                <p:cTn id="60" presetID="10" presetClass="entr" presetSubtype="0" fill="hold" grpId="0" nodeType="clickEffect">
                                   <p:stCondLst>
                                     <p:cond delay="0"/>
                                   </p:stCondLst>
                                   <p:childTnLst>
                                     <p:set>
                                       <p:cBhvr>
-                                        <p:cTn id="85" dur="1" fill="hold">
+                                        <p:cTn id="61" dur="1" fill="hold">
                                           <p:stCondLst>
                                             <p:cond delay="0"/>
                                           </p:stCondLst>
                                         </p:cTn>
                                         <p:tgtEl>
-                                          <p:spTgt spid="17"/>
+                                          <p:spTgt spid="19"/>
                                         </p:tgtEl>
                                         <p:attrNameLst>
                                           <p:attrName>style.visibility</p:attrName>
@@ -19885,9 +18807,9 @@
                                     </p:set>
                                     <p:animEffect transition="in" filter="fade">
                                       <p:cBhvr>
-                                        <p:cTn id="86" dur="500"/>
-                                        <p:tgtEl>
-                                          <p:spTgt spid="17"/>
+                                        <p:cTn id="62" dur="500"/>
+                                        <p:tgtEl>
+                                          <p:spTgt spid="19"/>
                                         </p:tgtEl>
                                       </p:cBhvr>
                                     </p:animEffect>
@@ -19895,20 +18817,20 @@
                                 </p:cTn>
                               </p:par>
                               <p:par>
-                                <p:cTn id="87" presetID="10" presetClass="entr" presetSubtype="0" fill="hold" grpId="0" nodeType="withEffect">
+                                <p:cTn id="63" presetID="10" presetClass="entr" presetSubtype="0" fill="hold" grpId="0" nodeType="withEffect">
                                   <p:stCondLst>
                                     <p:cond delay="0"/>
                                   </p:stCondLst>
                                   <p:childTnLst>
                                     <p:set>
                                       <p:cBhvr>
-                                        <p:cTn id="88" dur="1" fill="hold">
+                                        <p:cTn id="64" dur="1" fill="hold">
                                           <p:stCondLst>
                                             <p:cond delay="0"/>
                                           </p:stCondLst>
                                         </p:cTn>
                                         <p:tgtEl>
-                                          <p:spTgt spid="18"/>
+                                          <p:spTgt spid="14"/>
                                         </p:tgtEl>
                                         <p:attrNameLst>
                                           <p:attrName>style.visibility</p:attrName>
@@ -19920,276 +18842,12 @@
                                     </p:set>
                                     <p:animEffect transition="in" filter="fade">
                                       <p:cBhvr>
-                                        <p:cTn id="89" dur="500"/>
-                                        <p:tgtEl>
-                                          <p:spTgt spid="18"/>
+                                        <p:cTn id="65" dur="500"/>
+                                        <p:tgtEl>
+                                          <p:spTgt spid="14"/>
                                         </p:tgtEl>
                                       </p:cBhvr>
                                     </p:animEffect>
-                                  </p:childTnLst>
-                                </p:cTn>
-                              </p:par>
-                            </p:childTnLst>
-                          </p:cTn>
-                        </p:par>
-                      </p:childTnLst>
-                    </p:cTn>
-                  </p:par>
-                  <p:par>
-                    <p:cTn id="90" fill="hold">
-                      <p:stCondLst>
-                        <p:cond delay="indefinite"/>
-                      </p:stCondLst>
-                      <p:childTnLst>
-                        <p:par>
-                          <p:cTn id="91" fill="hold">
-                            <p:stCondLst>
-                              <p:cond delay="0"/>
-                            </p:stCondLst>
-                            <p:childTnLst>
-                              <p:par>
-                                <p:cTn id="92" presetID="10" presetClass="exit" presetSubtype="0" fill="hold" grpId="1" nodeType="clickEffect">
-                                  <p:stCondLst>
-                                    <p:cond delay="0"/>
-                                  </p:stCondLst>
-                                  <p:childTnLst>
-                                    <p:animEffect transition="out" filter="fade">
-                                      <p:cBhvr>
-                                        <p:cTn id="93" dur="500"/>
-                                        <p:tgtEl>
-                                          <p:spTgt spid="17"/>
-                                        </p:tgtEl>
-                                      </p:cBhvr>
-                                    </p:animEffect>
-                                    <p:set>
-                                      <p:cBhvr>
-                                        <p:cTn id="94" dur="1" fill="hold">
-                                          <p:stCondLst>
-                                            <p:cond delay="499"/>
-                                          </p:stCondLst>
-                                        </p:cTn>
-                                        <p:tgtEl>
-                                          <p:spTgt spid="17"/>
-                                        </p:tgtEl>
-                                        <p:attrNameLst>
-                                          <p:attrName>style.visibility</p:attrName>
-                                        </p:attrNameLst>
-                                      </p:cBhvr>
-                                      <p:to>
-                                        <p:strVal val="hidden"/>
-                                      </p:to>
-                                    </p:set>
-                                  </p:childTnLst>
-                                </p:cTn>
-                              </p:par>
-                              <p:par>
-                                <p:cTn id="95" presetID="10" presetClass="exit" presetSubtype="0" fill="hold" grpId="1" nodeType="withEffect">
-                                  <p:stCondLst>
-                                    <p:cond delay="0"/>
-                                  </p:stCondLst>
-                                  <p:childTnLst>
-                                    <p:animEffect transition="out" filter="fade">
-                                      <p:cBhvr>
-                                        <p:cTn id="96" dur="500"/>
-                                        <p:tgtEl>
-                                          <p:spTgt spid="18"/>
-                                        </p:tgtEl>
-                                      </p:cBhvr>
-                                    </p:animEffect>
-                                    <p:set>
-                                      <p:cBhvr>
-                                        <p:cTn id="97" dur="1" fill="hold">
-                                          <p:stCondLst>
-                                            <p:cond delay="499"/>
-                                          </p:stCondLst>
-                                        </p:cTn>
-                                        <p:tgtEl>
-                                          <p:spTgt spid="18"/>
-                                        </p:tgtEl>
-                                        <p:attrNameLst>
-                                          <p:attrName>style.visibility</p:attrName>
-                                        </p:attrNameLst>
-                                      </p:cBhvr>
-                                      <p:to>
-                                        <p:strVal val="hidden"/>
-                                      </p:to>
-                                    </p:set>
-                                  </p:childTnLst>
-                                </p:cTn>
-                              </p:par>
-                            </p:childTnLst>
-                          </p:cTn>
-                        </p:par>
-                      </p:childTnLst>
-                    </p:cTn>
-                  </p:par>
-                  <p:par>
-                    <p:cTn id="98" fill="hold">
-                      <p:stCondLst>
-                        <p:cond delay="indefinite"/>
-                      </p:stCondLst>
-                      <p:childTnLst>
-                        <p:par>
-                          <p:cTn id="99" fill="hold">
-                            <p:stCondLst>
-                              <p:cond delay="0"/>
-                            </p:stCondLst>
-                            <p:childTnLst>
-                              <p:par>
-                                <p:cTn id="100" presetID="10" presetClass="entr" presetSubtype="0" fill="hold" grpId="0" nodeType="clickEffect">
-                                  <p:stCondLst>
-                                    <p:cond delay="0"/>
-                                  </p:stCondLst>
-                                  <p:childTnLst>
-                                    <p:set>
-                                      <p:cBhvr>
-                                        <p:cTn id="101" dur="1" fill="hold">
-                                          <p:stCondLst>
-                                            <p:cond delay="0"/>
-                                          </p:stCondLst>
-                                        </p:cTn>
-                                        <p:tgtEl>
-                                          <p:spTgt spid="19"/>
-                                        </p:tgtEl>
-                                        <p:attrNameLst>
-                                          <p:attrName>style.visibility</p:attrName>
-                                        </p:attrNameLst>
-                                      </p:cBhvr>
-                                      <p:to>
-                                        <p:strVal val="visible"/>
-                                      </p:to>
-                                    </p:set>
-                                    <p:animEffect transition="in" filter="fade">
-                                      <p:cBhvr>
-                                        <p:cTn id="102" dur="500"/>
-                                        <p:tgtEl>
-                                          <p:spTgt spid="19"/>
-                                        </p:tgtEl>
-                                      </p:cBhvr>
-                                    </p:animEffect>
-                                  </p:childTnLst>
-                                </p:cTn>
-                              </p:par>
-                              <p:par>
-                                <p:cTn id="103" presetID="10" presetClass="entr" presetSubtype="0" fill="hold" grpId="0" nodeType="withEffect">
-                                  <p:stCondLst>
-                                    <p:cond delay="0"/>
-                                  </p:stCondLst>
-                                  <p:childTnLst>
-                                    <p:set>
-                                      <p:cBhvr>
-                                        <p:cTn id="104" dur="1" fill="hold">
-                                          <p:stCondLst>
-                                            <p:cond delay="0"/>
-                                          </p:stCondLst>
-                                        </p:cTn>
-                                        <p:tgtEl>
-                                          <p:spTgt spid="14"/>
-                                        </p:tgtEl>
-                                        <p:attrNameLst>
-                                          <p:attrName>style.visibility</p:attrName>
-                                        </p:attrNameLst>
-                                      </p:cBhvr>
-                                      <p:to>
-                                        <p:strVal val="visible"/>
-                                      </p:to>
-                                    </p:set>
-                                    <p:animEffect transition="in" filter="fade">
-                                      <p:cBhvr>
-                                        <p:cTn id="105" dur="500"/>
-                                        <p:tgtEl>
-                                          <p:spTgt spid="14"/>
-                                        </p:tgtEl>
-                                      </p:cBhvr>
-                                    </p:animEffect>
-                                  </p:childTnLst>
-                                </p:cTn>
-                              </p:par>
-                            </p:childTnLst>
-                          </p:cTn>
-                        </p:par>
-                      </p:childTnLst>
-                    </p:cTn>
-                  </p:par>
-                  <p:par>
-                    <p:cTn id="106" fill="hold">
-                      <p:stCondLst>
-                        <p:cond delay="indefinite"/>
-                      </p:stCondLst>
-                      <p:childTnLst>
-                        <p:par>
-                          <p:cTn id="107" fill="hold">
-                            <p:stCondLst>
-                              <p:cond delay="0"/>
-                            </p:stCondLst>
-                            <p:childTnLst>
-                              <p:par>
-                                <p:cTn id="108" presetID="10" presetClass="exit" presetSubtype="0" fill="hold" grpId="1" nodeType="clickEffect">
-                                  <p:stCondLst>
-                                    <p:cond delay="0"/>
-                                  </p:stCondLst>
-                                  <p:childTnLst>
-                                    <p:animEffect transition="out" filter="fade">
-                                      <p:cBhvr>
-                                        <p:cTn id="109" dur="500"/>
-                                        <p:tgtEl>
-                                          <p:spTgt spid="19"/>
-                                        </p:tgtEl>
-                                      </p:cBhvr>
-                                    </p:animEffect>
-                                    <p:set>
-                                      <p:cBhvr>
-                                        <p:cTn id="110" dur="1" fill="hold">
-                                          <p:stCondLst>
-                                            <p:cond delay="499"/>
-                                          </p:stCondLst>
-                                        </p:cTn>
-                                        <p:tgtEl>
-                                          <p:spTgt spid="19"/>
-                                        </p:tgtEl>
-                                        <p:attrNameLst>
-                                          <p:attrName>style.visibility</p:attrName>
-                                        </p:attrNameLst>
-                                      </p:cBhvr>
-                                      <p:to>
-                                        <p:strVal val="hidden"/>
-                                      </p:to>
-                                    </p:set>
-                                  </p:childTnLst>
-                                </p:cTn>
-                              </p:par>
-                              <p:par>
-                                <p:cTn id="111" presetID="10" presetClass="exit" presetSubtype="0" fill="hold" grpId="1" nodeType="withEffect">
-                                  <p:stCondLst>
-                                    <p:cond delay="0"/>
-                                  </p:stCondLst>
-                                  <p:childTnLst>
-                                    <p:animEffect transition="out" filter="fade">
-                                      <p:cBhvr>
-                                        <p:cTn id="112" dur="500"/>
-                                        <p:tgtEl>
-                                          <p:spTgt spid="14"/>
-                                        </p:tgtEl>
-                                      </p:cBhvr>
-                                    </p:animEffect>
-                                    <p:set>
-                                      <p:cBhvr>
-                                        <p:cTn id="113" dur="1" fill="hold">
-                                          <p:stCondLst>
-                                            <p:cond delay="499"/>
-                                          </p:stCondLst>
-                                        </p:cTn>
-                                        <p:tgtEl>
-                                          <p:spTgt spid="14"/>
-                                        </p:tgtEl>
-                                        <p:attrNameLst>
-                                          <p:attrName>style.visibility</p:attrName>
-                                        </p:attrNameLst>
-                                      </p:cBhvr>
-                                      <p:to>
-                                        <p:strVal val="hidden"/>
-                                      </p:to>
-                                    </p:set>
                                   </p:childTnLst>
                                 </p:cTn>
                               </p:par>
@@ -20223,30 +18881,18 @@
     <p:bldLst>
       <p:bldP spid="5" grpId="0"/>
       <p:bldP spid="6" grpId="0" animBg="1"/>
-      <p:bldP spid="6" grpId="1" animBg="1"/>
       <p:bldP spid="7" grpId="0"/>
-      <p:bldP spid="7" grpId="1"/>
       <p:bldP spid="8" grpId="0" animBg="1"/>
-      <p:bldP spid="8" grpId="1" animBg="1"/>
       <p:bldP spid="9" grpId="0"/>
-      <p:bldP spid="9" grpId="1"/>
       <p:bldP spid="10" grpId="0" animBg="1"/>
-      <p:bldP spid="10" grpId="1" animBg="1"/>
       <p:bldP spid="11" grpId="0"/>
-      <p:bldP spid="11" grpId="1"/>
       <p:bldP spid="12" grpId="0"/>
       <p:bldP spid="13" grpId="0"/>
-      <p:bldP spid="13" grpId="1"/>
       <p:bldP spid="14" grpId="0" animBg="1"/>
-      <p:bldP spid="14" grpId="1" animBg="1"/>
       <p:bldP spid="16" grpId="0" animBg="1"/>
-      <p:bldP spid="16" grpId="1" animBg="1"/>
       <p:bldP spid="17" grpId="0" animBg="1"/>
-      <p:bldP spid="17" grpId="1" animBg="1"/>
       <p:bldP spid="18" grpId="0"/>
-      <p:bldP spid="18" grpId="1"/>
       <p:bldP spid="19" grpId="0"/>
-      <p:bldP spid="19" grpId="1"/>
     </p:bldLst>
   </p:timing>
 </p:sld>
@@ -30416,7 +29062,19 @@
               <a:rPr lang="fa-IR" sz="2400" dirty="0">
                 <a:cs typeface="B Nazanin" panose="00000400000000000000" pitchFamily="2" charset="-78"/>
               </a:rPr>
-              <a:t>این روش یک چند ضلعی محصور برای هر متن موجود در تصویر می توان تولید کرد.</a:t>
+              <a:t>این روش یک چند ضلعی </a:t>
+            </a:r>
+            <a:r>
+              <a:rPr lang="fa-IR" sz="2400" dirty="0" smtClean="0">
+                <a:cs typeface="B Nazanin" panose="00000400000000000000" pitchFamily="2" charset="-78"/>
+              </a:rPr>
+              <a:t>برای </a:t>
+            </a:r>
+            <a:r>
+              <a:rPr lang="fa-IR" sz="2400" dirty="0">
+                <a:cs typeface="B Nazanin" panose="00000400000000000000" pitchFamily="2" charset="-78"/>
+              </a:rPr>
+              <a:t>هر متن موجود در تصویر می توان تولید کرد.</a:t>
             </a:r>
             <a:endParaRPr lang="en-US" sz="2400" dirty="0">
               <a:cs typeface="B Nazanin" panose="00000400000000000000" pitchFamily="2" charset="-78"/>
@@ -31123,6 +29781,3552 @@
                                           <p:spTgt spid="3">
                                             <p:txEl>
                                               <p:pRg st="4" end="4"/>
+                                            </p:txEl>
+                                          </p:spTgt>
+                                        </p:tgtEl>
+                                      </p:cBhvr>
+                                    </p:animEffect>
+                                  </p:childTnLst>
+                                </p:cTn>
+                              </p:par>
+                            </p:childTnLst>
+                          </p:cTn>
+                        </p:par>
+                      </p:childTnLst>
+                    </p:cTn>
+                  </p:par>
+                </p:childTnLst>
+              </p:cTn>
+              <p:prevCondLst>
+                <p:cond evt="onPrev" delay="0">
+                  <p:tgtEl>
+                    <p:sldTgt/>
+                  </p:tgtEl>
+                </p:cond>
+              </p:prevCondLst>
+              <p:nextCondLst>
+                <p:cond evt="onNext" delay="0">
+                  <p:tgtEl>
+                    <p:sldTgt/>
+                  </p:tgtEl>
+                </p:cond>
+              </p:nextCondLst>
+            </p:seq>
+          </p:childTnLst>
+        </p:cTn>
+      </p:par>
+    </p:tnLst>
+  </p:timing>
+</p:sld>
+</file>
+
+<file path=ppt/slides/slide40.xml><?xml version="1.0" encoding="utf-8"?>
+<p:sld xmlns:a="http://schemas.openxmlformats.org/drawingml/2006/main" xmlns:r="http://schemas.openxmlformats.org/officeDocument/2006/relationships" xmlns:p="http://schemas.openxmlformats.org/presentationml/2006/main">
+  <p:cSld>
+    <p:spTree>
+      <p:nvGrpSpPr>
+        <p:cNvPr id="1" name=""/>
+        <p:cNvGrpSpPr/>
+        <p:nvPr/>
+      </p:nvGrpSpPr>
+      <p:grpSpPr>
+        <a:xfrm>
+          <a:off x="0" y="0"/>
+          <a:ext cx="0" cy="0"/>
+          <a:chOff x="0" y="0"/>
+          <a:chExt cx="0" cy="0"/>
+        </a:xfrm>
+      </p:grpSpPr>
+      <p:sp>
+        <p:nvSpPr>
+          <p:cNvPr id="2" name="Title 1"/>
+          <p:cNvSpPr>
+            <a:spLocks noGrp="1"/>
+          </p:cNvSpPr>
+          <p:nvPr>
+            <p:ph type="title"/>
+          </p:nvPr>
+        </p:nvSpPr>
+        <p:spPr/>
+        <p:txBody>
+          <a:bodyPr/>
+          <a:lstStyle/>
+          <a:p>
+            <a:pPr algn="r" rtl="1"/>
+            <a:r>
+              <a:rPr lang="fa-IR" dirty="0" smtClean="0">
+                <a:cs typeface="B Nazanin" panose="00000400000000000000" pitchFamily="2" charset="-78"/>
+              </a:rPr>
+              <a:t>ارزیابی</a:t>
+            </a:r>
+            <a:endParaRPr lang="en-US" dirty="0">
+              <a:cs typeface="B Nazanin" panose="00000400000000000000" pitchFamily="2" charset="-78"/>
+            </a:endParaRPr>
+          </a:p>
+        </p:txBody>
+      </p:sp>
+      <p:graphicFrame>
+        <p:nvGraphicFramePr>
+          <p:cNvPr id="5" name="Content Placeholder 4"/>
+          <p:cNvGraphicFramePr>
+            <a:graphicFrameLocks noGrp="1"/>
+          </p:cNvGraphicFramePr>
+          <p:nvPr>
+            <p:ph idx="1"/>
+            <p:extLst>
+              <p:ext uri="{D42A27DB-BD31-4B8C-83A1-F6EECF244321}">
+                <p14:modId xmlns:p14="http://schemas.microsoft.com/office/powerpoint/2010/main" val="2000694086"/>
+              </p:ext>
+            </p:extLst>
+          </p:nvPr>
+        </p:nvGraphicFramePr>
+        <p:xfrm>
+          <a:off x="1687589" y="2361234"/>
+          <a:ext cx="8877782" cy="3139996"/>
+        </p:xfrm>
+        <a:graphic>
+          <a:graphicData uri="http://schemas.openxmlformats.org/drawingml/2006/table">
+            <a:tbl>
+              <a:tblPr rtl="1" firstRow="1" firstCol="1" bandRow="1">
+                <a:tableStyleId>{5940675A-B579-460E-94D1-54222C63F5DA}</a:tableStyleId>
+              </a:tblPr>
+              <a:tblGrid>
+                <a:gridCol w="535009">
+                  <a:extLst>
+                    <a:ext uri="{9D8B030D-6E8A-4147-A177-3AD203B41FA5}">
+                      <a16:colId xmlns:a16="http://schemas.microsoft.com/office/drawing/2014/main" val="2245690940"/>
+                    </a:ext>
+                  </a:extLst>
+                </a:gridCol>
+                <a:gridCol w="535009">
+                  <a:extLst>
+                    <a:ext uri="{9D8B030D-6E8A-4147-A177-3AD203B41FA5}">
+                      <a16:colId xmlns:a16="http://schemas.microsoft.com/office/drawing/2014/main" val="1626460830"/>
+                    </a:ext>
+                  </a:extLst>
+                </a:gridCol>
+                <a:gridCol w="535009">
+                  <a:extLst>
+                    <a:ext uri="{9D8B030D-6E8A-4147-A177-3AD203B41FA5}">
+                      <a16:colId xmlns:a16="http://schemas.microsoft.com/office/drawing/2014/main" val="2740177027"/>
+                    </a:ext>
+                  </a:extLst>
+                </a:gridCol>
+                <a:gridCol w="535947">
+                  <a:extLst>
+                    <a:ext uri="{9D8B030D-6E8A-4147-A177-3AD203B41FA5}">
+                      <a16:colId xmlns:a16="http://schemas.microsoft.com/office/drawing/2014/main" val="3236029721"/>
+                    </a:ext>
+                  </a:extLst>
+                </a:gridCol>
+                <a:gridCol w="535947">
+                  <a:extLst>
+                    <a:ext uri="{9D8B030D-6E8A-4147-A177-3AD203B41FA5}">
+                      <a16:colId xmlns:a16="http://schemas.microsoft.com/office/drawing/2014/main" val="3311141715"/>
+                    </a:ext>
+                  </a:extLst>
+                </a:gridCol>
+                <a:gridCol w="535947">
+                  <a:extLst>
+                    <a:ext uri="{9D8B030D-6E8A-4147-A177-3AD203B41FA5}">
+                      <a16:colId xmlns:a16="http://schemas.microsoft.com/office/drawing/2014/main" val="1276360948"/>
+                    </a:ext>
+                  </a:extLst>
+                </a:gridCol>
+                <a:gridCol w="535947">
+                  <a:extLst>
+                    <a:ext uri="{9D8B030D-6E8A-4147-A177-3AD203B41FA5}">
+                      <a16:colId xmlns:a16="http://schemas.microsoft.com/office/drawing/2014/main" val="3142685594"/>
+                    </a:ext>
+                  </a:extLst>
+                </a:gridCol>
+                <a:gridCol w="535947">
+                  <a:extLst>
+                    <a:ext uri="{9D8B030D-6E8A-4147-A177-3AD203B41FA5}">
+                      <a16:colId xmlns:a16="http://schemas.microsoft.com/office/drawing/2014/main" val="225287246"/>
+                    </a:ext>
+                  </a:extLst>
+                </a:gridCol>
+                <a:gridCol w="536883">
+                  <a:extLst>
+                    <a:ext uri="{9D8B030D-6E8A-4147-A177-3AD203B41FA5}">
+                      <a16:colId xmlns:a16="http://schemas.microsoft.com/office/drawing/2014/main" val="921405680"/>
+                    </a:ext>
+                  </a:extLst>
+                </a:gridCol>
+                <a:gridCol w="539694">
+                  <a:extLst>
+                    <a:ext uri="{9D8B030D-6E8A-4147-A177-3AD203B41FA5}">
+                      <a16:colId xmlns:a16="http://schemas.microsoft.com/office/drawing/2014/main" val="338574054"/>
+                    </a:ext>
+                  </a:extLst>
+                </a:gridCol>
+                <a:gridCol w="539694">
+                  <a:extLst>
+                    <a:ext uri="{9D8B030D-6E8A-4147-A177-3AD203B41FA5}">
+                      <a16:colId xmlns:a16="http://schemas.microsoft.com/office/drawing/2014/main" val="2468370591"/>
+                    </a:ext>
+                  </a:extLst>
+                </a:gridCol>
+                <a:gridCol w="539694">
+                  <a:extLst>
+                    <a:ext uri="{9D8B030D-6E8A-4147-A177-3AD203B41FA5}">
+                      <a16:colId xmlns:a16="http://schemas.microsoft.com/office/drawing/2014/main" val="2566494802"/>
+                    </a:ext>
+                  </a:extLst>
+                </a:gridCol>
+                <a:gridCol w="539694">
+                  <a:extLst>
+                    <a:ext uri="{9D8B030D-6E8A-4147-A177-3AD203B41FA5}">
+                      <a16:colId xmlns:a16="http://schemas.microsoft.com/office/drawing/2014/main" val="438099180"/>
+                    </a:ext>
+                  </a:extLst>
+                </a:gridCol>
+                <a:gridCol w="539694">
+                  <a:extLst>
+                    <a:ext uri="{9D8B030D-6E8A-4147-A177-3AD203B41FA5}">
+                      <a16:colId xmlns:a16="http://schemas.microsoft.com/office/drawing/2014/main" val="1383248411"/>
+                    </a:ext>
+                  </a:extLst>
+                </a:gridCol>
+                <a:gridCol w="539694">
+                  <a:extLst>
+                    <a:ext uri="{9D8B030D-6E8A-4147-A177-3AD203B41FA5}">
+                      <a16:colId xmlns:a16="http://schemas.microsoft.com/office/drawing/2014/main" val="2218556038"/>
+                    </a:ext>
+                  </a:extLst>
+                </a:gridCol>
+                <a:gridCol w="817973">
+                  <a:extLst>
+                    <a:ext uri="{9D8B030D-6E8A-4147-A177-3AD203B41FA5}">
+                      <a16:colId xmlns:a16="http://schemas.microsoft.com/office/drawing/2014/main" val="241629681"/>
+                    </a:ext>
+                  </a:extLst>
+                </a:gridCol>
+              </a:tblGrid>
+              <a:tr h="627999">
+                <a:tc gridSpan="3">
+                  <a:txBody>
+                    <a:bodyPr/>
+                    <a:lstStyle/>
+                    <a:p>
+                      <a:pPr marL="0" marR="0" indent="0" algn="ctr" rtl="1">
+                        <a:spcBef>
+                          <a:spcPts val="0"/>
+                        </a:spcBef>
+                        <a:spcAft>
+                          <a:spcPts val="0"/>
+                        </a:spcAft>
+                      </a:pPr>
+                      <a:r>
+                        <a:rPr lang="en-US" sz="1800" kern="1200" dirty="0" smtClean="0">
+                          <a:solidFill>
+                            <a:schemeClr val="tx1"/>
+                          </a:solidFill>
+                          <a:effectLst/>
+                          <a:latin typeface="+mn-lt"/>
+                          <a:ea typeface="+mn-ea"/>
+                          <a:cs typeface="+mn-cs"/>
+                        </a:rPr>
+                        <a:t>MSRA-TD500</a:t>
+                      </a:r>
+                      <a:endParaRPr lang="en-US" sz="1600" dirty="0">
+                        <a:effectLst/>
+                      </a:endParaRPr>
+                    </a:p>
+                  </a:txBody>
+                  <a:tcPr marL="68580" marR="68580" marT="0" marB="0" anchor="ctr">
+                    <a:lnR w="28575" cap="flat" cmpd="sng" algn="ctr">
+                      <a:solidFill>
+                        <a:schemeClr val="tx1"/>
+                      </a:solidFill>
+                      <a:prstDash val="solid"/>
+                      <a:round/>
+                      <a:headEnd type="none" w="med" len="med"/>
+                      <a:tailEnd type="none" w="med" len="med"/>
+                    </a:lnR>
+                  </a:tcPr>
+                </a:tc>
+                <a:tc hMerge="1">
+                  <a:txBody>
+                    <a:bodyPr/>
+                    <a:lstStyle/>
+                    <a:p>
+                      <a:endParaRPr lang="en-US"/>
+                    </a:p>
+                  </a:txBody>
+                  <a:tcPr/>
+                </a:tc>
+                <a:tc hMerge="1">
+                  <a:txBody>
+                    <a:bodyPr/>
+                    <a:lstStyle/>
+                    <a:p>
+                      <a:endParaRPr lang="en-US"/>
+                    </a:p>
+                  </a:txBody>
+                  <a:tcPr/>
+                </a:tc>
+                <a:tc gridSpan="3">
+                  <a:txBody>
+                    <a:bodyPr/>
+                    <a:lstStyle/>
+                    <a:p>
+                      <a:pPr marL="0" marR="0" indent="0" algn="ctr" rtl="1">
+                        <a:spcBef>
+                          <a:spcPts val="0"/>
+                        </a:spcBef>
+                        <a:spcAft>
+                          <a:spcPts val="0"/>
+                        </a:spcAft>
+                      </a:pPr>
+                      <a:r>
+                        <a:rPr lang="en-US" sz="1600" dirty="0">
+                          <a:effectLst/>
+                        </a:rPr>
+                        <a:t>CTW-1500</a:t>
+                      </a:r>
+                      <a:endParaRPr lang="en-US" sz="2000" dirty="0">
+                        <a:effectLst/>
+                        <a:latin typeface="Calibri" panose="020F0502020204030204" pitchFamily="34" charset="0"/>
+                        <a:ea typeface="Calibri" panose="020F0502020204030204" pitchFamily="34" charset="0"/>
+                        <a:cs typeface="B Nazanin" panose="00000400000000000000" pitchFamily="2" charset="-78"/>
+                      </a:endParaRPr>
+                    </a:p>
+                  </a:txBody>
+                  <a:tcPr marL="68580" marR="68580" marT="0" marB="0" anchor="ctr">
+                    <a:lnL w="28575" cap="flat" cmpd="sng" algn="ctr">
+                      <a:solidFill>
+                        <a:schemeClr val="tx1"/>
+                      </a:solidFill>
+                      <a:prstDash val="solid"/>
+                      <a:round/>
+                      <a:headEnd type="none" w="med" len="med"/>
+                      <a:tailEnd type="none" w="med" len="med"/>
+                    </a:lnL>
+                    <a:lnR w="28575" cap="flat" cmpd="sng" algn="ctr">
+                      <a:solidFill>
+                        <a:schemeClr val="tx1"/>
+                      </a:solidFill>
+                      <a:prstDash val="solid"/>
+                      <a:round/>
+                      <a:headEnd type="none" w="med" len="med"/>
+                      <a:tailEnd type="none" w="med" len="med"/>
+                    </a:lnR>
+                  </a:tcPr>
+                </a:tc>
+                <a:tc hMerge="1">
+                  <a:txBody>
+                    <a:bodyPr/>
+                    <a:lstStyle/>
+                    <a:p>
+                      <a:endParaRPr lang="en-US"/>
+                    </a:p>
+                  </a:txBody>
+                  <a:tcPr/>
+                </a:tc>
+                <a:tc hMerge="1">
+                  <a:txBody>
+                    <a:bodyPr/>
+                    <a:lstStyle/>
+                    <a:p>
+                      <a:endParaRPr lang="en-US"/>
+                    </a:p>
+                  </a:txBody>
+                  <a:tcPr/>
+                </a:tc>
+                <a:tc gridSpan="3">
+                  <a:txBody>
+                    <a:bodyPr/>
+                    <a:lstStyle/>
+                    <a:p>
+                      <a:pPr marL="0" marR="0" indent="0" algn="ctr" rtl="1">
+                        <a:spcBef>
+                          <a:spcPts val="0"/>
+                        </a:spcBef>
+                        <a:spcAft>
+                          <a:spcPts val="0"/>
+                        </a:spcAft>
+                      </a:pPr>
+                      <a:r>
+                        <a:rPr lang="en-US" sz="1600" dirty="0" err="1">
+                          <a:effectLst/>
+                        </a:rPr>
+                        <a:t>TotalText</a:t>
+                      </a:r>
+                      <a:endParaRPr lang="en-US" sz="2000" dirty="0">
+                        <a:effectLst/>
+                        <a:latin typeface="Calibri" panose="020F0502020204030204" pitchFamily="34" charset="0"/>
+                        <a:ea typeface="Calibri" panose="020F0502020204030204" pitchFamily="34" charset="0"/>
+                        <a:cs typeface="B Nazanin" panose="00000400000000000000" pitchFamily="2" charset="-78"/>
+                      </a:endParaRPr>
+                    </a:p>
+                  </a:txBody>
+                  <a:tcPr marL="68580" marR="68580" marT="0" marB="0" anchor="ctr">
+                    <a:lnL w="28575" cap="flat" cmpd="sng" algn="ctr">
+                      <a:solidFill>
+                        <a:schemeClr val="tx1"/>
+                      </a:solidFill>
+                      <a:prstDash val="solid"/>
+                      <a:round/>
+                      <a:headEnd type="none" w="med" len="med"/>
+                      <a:tailEnd type="none" w="med" len="med"/>
+                    </a:lnL>
+                    <a:lnR w="28575" cap="flat" cmpd="sng" algn="ctr">
+                      <a:solidFill>
+                        <a:schemeClr val="tx1"/>
+                      </a:solidFill>
+                      <a:prstDash val="solid"/>
+                      <a:round/>
+                      <a:headEnd type="none" w="med" len="med"/>
+                      <a:tailEnd type="none" w="med" len="med"/>
+                    </a:lnR>
+                  </a:tcPr>
+                </a:tc>
+                <a:tc hMerge="1">
+                  <a:txBody>
+                    <a:bodyPr/>
+                    <a:lstStyle/>
+                    <a:p>
+                      <a:endParaRPr lang="en-US"/>
+                    </a:p>
+                  </a:txBody>
+                  <a:tcPr/>
+                </a:tc>
+                <a:tc hMerge="1">
+                  <a:txBody>
+                    <a:bodyPr/>
+                    <a:lstStyle/>
+                    <a:p>
+                      <a:endParaRPr lang="en-US"/>
+                    </a:p>
+                  </a:txBody>
+                  <a:tcPr/>
+                </a:tc>
+                <a:tc gridSpan="3">
+                  <a:txBody>
+                    <a:bodyPr/>
+                    <a:lstStyle/>
+                    <a:p>
+                      <a:pPr marL="0" marR="0" indent="0" algn="ctr" rtl="1">
+                        <a:spcBef>
+                          <a:spcPts val="0"/>
+                        </a:spcBef>
+                        <a:spcAft>
+                          <a:spcPts val="0"/>
+                        </a:spcAft>
+                      </a:pPr>
+                      <a:r>
+                        <a:rPr lang="en-US" sz="1600" dirty="0">
+                          <a:effectLst/>
+                        </a:rPr>
+                        <a:t>ICDAR2015</a:t>
+                      </a:r>
+                      <a:endParaRPr lang="en-US" sz="2000" dirty="0">
+                        <a:effectLst/>
+                        <a:latin typeface="Calibri" panose="020F0502020204030204" pitchFamily="34" charset="0"/>
+                        <a:ea typeface="Calibri" panose="020F0502020204030204" pitchFamily="34" charset="0"/>
+                        <a:cs typeface="B Nazanin" panose="00000400000000000000" pitchFamily="2" charset="-78"/>
+                      </a:endParaRPr>
+                    </a:p>
+                  </a:txBody>
+                  <a:tcPr marL="68580" marR="68580" marT="0" marB="0" anchor="ctr">
+                    <a:lnL w="28575" cap="flat" cmpd="sng" algn="ctr">
+                      <a:solidFill>
+                        <a:schemeClr val="tx1"/>
+                      </a:solidFill>
+                      <a:prstDash val="solid"/>
+                      <a:round/>
+                      <a:headEnd type="none" w="med" len="med"/>
+                      <a:tailEnd type="none" w="med" len="med"/>
+                    </a:lnL>
+                    <a:lnR w="28575" cap="flat" cmpd="sng" algn="ctr">
+                      <a:solidFill>
+                        <a:schemeClr val="tx1"/>
+                      </a:solidFill>
+                      <a:prstDash val="solid"/>
+                      <a:round/>
+                      <a:headEnd type="none" w="med" len="med"/>
+                      <a:tailEnd type="none" w="med" len="med"/>
+                    </a:lnR>
+                  </a:tcPr>
+                </a:tc>
+                <a:tc hMerge="1">
+                  <a:txBody>
+                    <a:bodyPr/>
+                    <a:lstStyle/>
+                    <a:p>
+                      <a:endParaRPr lang="en-US"/>
+                    </a:p>
+                  </a:txBody>
+                  <a:tcPr/>
+                </a:tc>
+                <a:tc hMerge="1">
+                  <a:txBody>
+                    <a:bodyPr/>
+                    <a:lstStyle/>
+                    <a:p>
+                      <a:endParaRPr lang="en-US"/>
+                    </a:p>
+                  </a:txBody>
+                  <a:tcPr/>
+                </a:tc>
+                <a:tc gridSpan="3">
+                  <a:txBody>
+                    <a:bodyPr/>
+                    <a:lstStyle/>
+                    <a:p>
+                      <a:pPr marL="0" marR="0" indent="0" algn="ctr" rtl="1">
+                        <a:spcBef>
+                          <a:spcPts val="0"/>
+                        </a:spcBef>
+                        <a:spcAft>
+                          <a:spcPts val="0"/>
+                        </a:spcAft>
+                      </a:pPr>
+                      <a:r>
+                        <a:rPr lang="en-US" sz="1600" dirty="0">
+                          <a:effectLst/>
+                        </a:rPr>
+                        <a:t>ICDAR2013</a:t>
+                      </a:r>
+                      <a:endParaRPr lang="en-US" sz="2000" dirty="0">
+                        <a:effectLst/>
+                        <a:latin typeface="Calibri" panose="020F0502020204030204" pitchFamily="34" charset="0"/>
+                        <a:ea typeface="Calibri" panose="020F0502020204030204" pitchFamily="34" charset="0"/>
+                        <a:cs typeface="B Nazanin" panose="00000400000000000000" pitchFamily="2" charset="-78"/>
+                      </a:endParaRPr>
+                    </a:p>
+                  </a:txBody>
+                  <a:tcPr marL="68580" marR="68580" marT="0" marB="0" anchor="ctr">
+                    <a:lnL w="28575" cap="flat" cmpd="sng" algn="ctr">
+                      <a:solidFill>
+                        <a:schemeClr val="tx1"/>
+                      </a:solidFill>
+                      <a:prstDash val="solid"/>
+                      <a:round/>
+                      <a:headEnd type="none" w="med" len="med"/>
+                      <a:tailEnd type="none" w="med" len="med"/>
+                    </a:lnL>
+                    <a:lnR w="28575" cap="flat" cmpd="sng" algn="ctr">
+                      <a:solidFill>
+                        <a:schemeClr val="tx1"/>
+                      </a:solidFill>
+                      <a:prstDash val="solid"/>
+                      <a:round/>
+                      <a:headEnd type="none" w="med" len="med"/>
+                      <a:tailEnd type="none" w="med" len="med"/>
+                    </a:lnR>
+                  </a:tcPr>
+                </a:tc>
+                <a:tc hMerge="1">
+                  <a:txBody>
+                    <a:bodyPr/>
+                    <a:lstStyle/>
+                    <a:p>
+                      <a:endParaRPr lang="en-US"/>
+                    </a:p>
+                  </a:txBody>
+                  <a:tcPr/>
+                </a:tc>
+                <a:tc hMerge="1">
+                  <a:txBody>
+                    <a:bodyPr/>
+                    <a:lstStyle/>
+                    <a:p>
+                      <a:endParaRPr lang="en-US"/>
+                    </a:p>
+                  </a:txBody>
+                  <a:tcPr/>
+                </a:tc>
+                <a:tc rowSpan="2">
+                  <a:txBody>
+                    <a:bodyPr/>
+                    <a:lstStyle/>
+                    <a:p>
+                      <a:pPr marL="0" marR="0" indent="0" algn="ctr" rtl="1">
+                        <a:spcBef>
+                          <a:spcPts val="0"/>
+                        </a:spcBef>
+                        <a:spcAft>
+                          <a:spcPts val="0"/>
+                        </a:spcAft>
+                      </a:pPr>
+                      <a:r>
+                        <a:rPr lang="en-US" sz="1600" dirty="0">
+                          <a:effectLst/>
+                        </a:rPr>
+                        <a:t>Method</a:t>
+                      </a:r>
+                      <a:endParaRPr lang="en-US" sz="2000" dirty="0">
+                        <a:effectLst/>
+                        <a:latin typeface="Calibri" panose="020F0502020204030204" pitchFamily="34" charset="0"/>
+                        <a:ea typeface="Calibri" panose="020F0502020204030204" pitchFamily="34" charset="0"/>
+                        <a:cs typeface="B Nazanin" panose="00000400000000000000" pitchFamily="2" charset="-78"/>
+                      </a:endParaRPr>
+                    </a:p>
+                  </a:txBody>
+                  <a:tcPr marL="68580" marR="68580" marT="0" marB="0" anchor="ctr">
+                    <a:lnL w="28575" cap="flat" cmpd="sng" algn="ctr">
+                      <a:solidFill>
+                        <a:schemeClr val="tx1"/>
+                      </a:solidFill>
+                      <a:prstDash val="solid"/>
+                      <a:round/>
+                      <a:headEnd type="none" w="med" len="med"/>
+                      <a:tailEnd type="none" w="med" len="med"/>
+                    </a:lnL>
+                    <a:lnB w="28575" cap="flat" cmpd="sng" algn="ctr">
+                      <a:solidFill>
+                        <a:schemeClr val="tx1"/>
+                      </a:solidFill>
+                      <a:prstDash val="solid"/>
+                      <a:round/>
+                      <a:headEnd type="none" w="med" len="med"/>
+                      <a:tailEnd type="none" w="med" len="med"/>
+                    </a:lnB>
+                  </a:tcPr>
+                </a:tc>
+                <a:extLst>
+                  <a:ext uri="{0D108BD9-81ED-4DB2-BD59-A6C34878D82A}">
+                    <a16:rowId xmlns:a16="http://schemas.microsoft.com/office/drawing/2014/main" val="918154462"/>
+                  </a:ext>
+                </a:extLst>
+              </a:tr>
+              <a:tr h="314000">
+                <a:tc>
+                  <a:txBody>
+                    <a:bodyPr/>
+                    <a:lstStyle/>
+                    <a:p>
+                      <a:pPr marL="0" marR="0" indent="0" algn="ctr" rtl="1">
+                        <a:spcBef>
+                          <a:spcPts val="0"/>
+                        </a:spcBef>
+                        <a:spcAft>
+                          <a:spcPts val="0"/>
+                        </a:spcAft>
+                      </a:pPr>
+                      <a:r>
+                        <a:rPr lang="en-US" sz="1600" dirty="0">
+                          <a:effectLst/>
+                        </a:rPr>
+                        <a:t>H</a:t>
+                      </a:r>
+                      <a:endParaRPr lang="en-US" sz="2000" dirty="0">
+                        <a:effectLst/>
+                        <a:latin typeface="Calibri" panose="020F0502020204030204" pitchFamily="34" charset="0"/>
+                        <a:ea typeface="Calibri" panose="020F0502020204030204" pitchFamily="34" charset="0"/>
+                        <a:cs typeface="B Nazanin" panose="00000400000000000000" pitchFamily="2" charset="-78"/>
+                      </a:endParaRPr>
+                    </a:p>
+                  </a:txBody>
+                  <a:tcPr marL="68580" marR="68580" marT="0" marB="0" anchor="ctr">
+                    <a:lnB w="28575" cap="flat" cmpd="sng" algn="ctr">
+                      <a:solidFill>
+                        <a:schemeClr val="tx1"/>
+                      </a:solidFill>
+                      <a:prstDash val="solid"/>
+                      <a:round/>
+                      <a:headEnd type="none" w="med" len="med"/>
+                      <a:tailEnd type="none" w="med" len="med"/>
+                    </a:lnB>
+                  </a:tcPr>
+                </a:tc>
+                <a:tc>
+                  <a:txBody>
+                    <a:bodyPr/>
+                    <a:lstStyle/>
+                    <a:p>
+                      <a:pPr marL="0" marR="0" indent="0" algn="ctr" rtl="1">
+                        <a:spcBef>
+                          <a:spcPts val="0"/>
+                        </a:spcBef>
+                        <a:spcAft>
+                          <a:spcPts val="0"/>
+                        </a:spcAft>
+                      </a:pPr>
+                      <a:r>
+                        <a:rPr lang="en-US" sz="1600" dirty="0">
+                          <a:effectLst/>
+                        </a:rPr>
+                        <a:t>P</a:t>
+                      </a:r>
+                      <a:endParaRPr lang="en-US" sz="2000" dirty="0">
+                        <a:effectLst/>
+                        <a:latin typeface="Calibri" panose="020F0502020204030204" pitchFamily="34" charset="0"/>
+                        <a:ea typeface="Calibri" panose="020F0502020204030204" pitchFamily="34" charset="0"/>
+                        <a:cs typeface="B Nazanin" panose="00000400000000000000" pitchFamily="2" charset="-78"/>
+                      </a:endParaRPr>
+                    </a:p>
+                  </a:txBody>
+                  <a:tcPr marL="68580" marR="68580" marT="0" marB="0" anchor="ctr">
+                    <a:lnB w="28575" cap="flat" cmpd="sng" algn="ctr">
+                      <a:solidFill>
+                        <a:schemeClr val="tx1"/>
+                      </a:solidFill>
+                      <a:prstDash val="solid"/>
+                      <a:round/>
+                      <a:headEnd type="none" w="med" len="med"/>
+                      <a:tailEnd type="none" w="med" len="med"/>
+                    </a:lnB>
+                  </a:tcPr>
+                </a:tc>
+                <a:tc>
+                  <a:txBody>
+                    <a:bodyPr/>
+                    <a:lstStyle/>
+                    <a:p>
+                      <a:pPr marL="0" marR="0" indent="0" algn="ctr" rtl="1">
+                        <a:spcBef>
+                          <a:spcPts val="0"/>
+                        </a:spcBef>
+                        <a:spcAft>
+                          <a:spcPts val="0"/>
+                        </a:spcAft>
+                      </a:pPr>
+                      <a:r>
+                        <a:rPr lang="en-US" sz="1600" dirty="0">
+                          <a:effectLst/>
+                        </a:rPr>
+                        <a:t>R</a:t>
+                      </a:r>
+                      <a:endParaRPr lang="en-US" sz="2000" dirty="0">
+                        <a:effectLst/>
+                        <a:latin typeface="Calibri" panose="020F0502020204030204" pitchFamily="34" charset="0"/>
+                        <a:ea typeface="Calibri" panose="020F0502020204030204" pitchFamily="34" charset="0"/>
+                        <a:cs typeface="B Nazanin" panose="00000400000000000000" pitchFamily="2" charset="-78"/>
+                      </a:endParaRPr>
+                    </a:p>
+                  </a:txBody>
+                  <a:tcPr marL="68580" marR="68580" marT="0" marB="0" anchor="ctr">
+                    <a:lnR w="28575" cap="flat" cmpd="sng" algn="ctr">
+                      <a:solidFill>
+                        <a:schemeClr val="tx1"/>
+                      </a:solidFill>
+                      <a:prstDash val="solid"/>
+                      <a:round/>
+                      <a:headEnd type="none" w="med" len="med"/>
+                      <a:tailEnd type="none" w="med" len="med"/>
+                    </a:lnR>
+                    <a:lnB w="28575" cap="flat" cmpd="sng" algn="ctr">
+                      <a:solidFill>
+                        <a:schemeClr val="tx1"/>
+                      </a:solidFill>
+                      <a:prstDash val="solid"/>
+                      <a:round/>
+                      <a:headEnd type="none" w="med" len="med"/>
+                      <a:tailEnd type="none" w="med" len="med"/>
+                    </a:lnB>
+                  </a:tcPr>
+                </a:tc>
+                <a:tc>
+                  <a:txBody>
+                    <a:bodyPr/>
+                    <a:lstStyle/>
+                    <a:p>
+                      <a:pPr marL="0" marR="0" indent="0" algn="ctr" rtl="1">
+                        <a:spcBef>
+                          <a:spcPts val="0"/>
+                        </a:spcBef>
+                        <a:spcAft>
+                          <a:spcPts val="0"/>
+                        </a:spcAft>
+                      </a:pPr>
+                      <a:r>
+                        <a:rPr lang="en-US" sz="1600" dirty="0">
+                          <a:effectLst/>
+                        </a:rPr>
+                        <a:t>H</a:t>
+                      </a:r>
+                      <a:endParaRPr lang="en-US" sz="2000" dirty="0">
+                        <a:effectLst/>
+                        <a:latin typeface="Calibri" panose="020F0502020204030204" pitchFamily="34" charset="0"/>
+                        <a:ea typeface="Calibri" panose="020F0502020204030204" pitchFamily="34" charset="0"/>
+                        <a:cs typeface="B Nazanin" panose="00000400000000000000" pitchFamily="2" charset="-78"/>
+                      </a:endParaRPr>
+                    </a:p>
+                  </a:txBody>
+                  <a:tcPr marL="68580" marR="68580" marT="0" marB="0" anchor="ctr">
+                    <a:lnL w="28575" cap="flat" cmpd="sng" algn="ctr">
+                      <a:solidFill>
+                        <a:schemeClr val="tx1"/>
+                      </a:solidFill>
+                      <a:prstDash val="solid"/>
+                      <a:round/>
+                      <a:headEnd type="none" w="med" len="med"/>
+                      <a:tailEnd type="none" w="med" len="med"/>
+                    </a:lnL>
+                    <a:lnB w="28575" cap="flat" cmpd="sng" algn="ctr">
+                      <a:solidFill>
+                        <a:schemeClr val="tx1"/>
+                      </a:solidFill>
+                      <a:prstDash val="solid"/>
+                      <a:round/>
+                      <a:headEnd type="none" w="med" len="med"/>
+                      <a:tailEnd type="none" w="med" len="med"/>
+                    </a:lnB>
+                  </a:tcPr>
+                </a:tc>
+                <a:tc>
+                  <a:txBody>
+                    <a:bodyPr/>
+                    <a:lstStyle/>
+                    <a:p>
+                      <a:pPr marL="0" marR="0" indent="0" algn="ctr" rtl="1">
+                        <a:spcBef>
+                          <a:spcPts val="0"/>
+                        </a:spcBef>
+                        <a:spcAft>
+                          <a:spcPts val="0"/>
+                        </a:spcAft>
+                      </a:pPr>
+                      <a:r>
+                        <a:rPr lang="en-US" sz="1600" dirty="0">
+                          <a:effectLst/>
+                        </a:rPr>
+                        <a:t>P</a:t>
+                      </a:r>
+                      <a:endParaRPr lang="en-US" sz="2000" dirty="0">
+                        <a:effectLst/>
+                        <a:latin typeface="Calibri" panose="020F0502020204030204" pitchFamily="34" charset="0"/>
+                        <a:ea typeface="Calibri" panose="020F0502020204030204" pitchFamily="34" charset="0"/>
+                        <a:cs typeface="B Nazanin" panose="00000400000000000000" pitchFamily="2" charset="-78"/>
+                      </a:endParaRPr>
+                    </a:p>
+                  </a:txBody>
+                  <a:tcPr marL="68580" marR="68580" marT="0" marB="0" anchor="ctr">
+                    <a:lnB w="28575" cap="flat" cmpd="sng" algn="ctr">
+                      <a:solidFill>
+                        <a:schemeClr val="tx1"/>
+                      </a:solidFill>
+                      <a:prstDash val="solid"/>
+                      <a:round/>
+                      <a:headEnd type="none" w="med" len="med"/>
+                      <a:tailEnd type="none" w="med" len="med"/>
+                    </a:lnB>
+                  </a:tcPr>
+                </a:tc>
+                <a:tc>
+                  <a:txBody>
+                    <a:bodyPr/>
+                    <a:lstStyle/>
+                    <a:p>
+                      <a:pPr marL="0" marR="0" indent="0" algn="ctr" rtl="1">
+                        <a:spcBef>
+                          <a:spcPts val="0"/>
+                        </a:spcBef>
+                        <a:spcAft>
+                          <a:spcPts val="0"/>
+                        </a:spcAft>
+                      </a:pPr>
+                      <a:r>
+                        <a:rPr lang="en-US" sz="1600" dirty="0">
+                          <a:effectLst/>
+                        </a:rPr>
+                        <a:t>R</a:t>
+                      </a:r>
+                      <a:endParaRPr lang="en-US" sz="2000" dirty="0">
+                        <a:effectLst/>
+                        <a:latin typeface="Calibri" panose="020F0502020204030204" pitchFamily="34" charset="0"/>
+                        <a:ea typeface="Calibri" panose="020F0502020204030204" pitchFamily="34" charset="0"/>
+                        <a:cs typeface="B Nazanin" panose="00000400000000000000" pitchFamily="2" charset="-78"/>
+                      </a:endParaRPr>
+                    </a:p>
+                  </a:txBody>
+                  <a:tcPr marL="68580" marR="68580" marT="0" marB="0" anchor="ctr">
+                    <a:lnR w="28575" cap="flat" cmpd="sng" algn="ctr">
+                      <a:solidFill>
+                        <a:schemeClr val="tx1"/>
+                      </a:solidFill>
+                      <a:prstDash val="solid"/>
+                      <a:round/>
+                      <a:headEnd type="none" w="med" len="med"/>
+                      <a:tailEnd type="none" w="med" len="med"/>
+                    </a:lnR>
+                    <a:lnB w="28575" cap="flat" cmpd="sng" algn="ctr">
+                      <a:solidFill>
+                        <a:schemeClr val="tx1"/>
+                      </a:solidFill>
+                      <a:prstDash val="solid"/>
+                      <a:round/>
+                      <a:headEnd type="none" w="med" len="med"/>
+                      <a:tailEnd type="none" w="med" len="med"/>
+                    </a:lnB>
+                  </a:tcPr>
+                </a:tc>
+                <a:tc>
+                  <a:txBody>
+                    <a:bodyPr/>
+                    <a:lstStyle/>
+                    <a:p>
+                      <a:pPr marL="0" marR="0" indent="0" algn="ctr" rtl="1">
+                        <a:spcBef>
+                          <a:spcPts val="0"/>
+                        </a:spcBef>
+                        <a:spcAft>
+                          <a:spcPts val="0"/>
+                        </a:spcAft>
+                      </a:pPr>
+                      <a:r>
+                        <a:rPr lang="en-US" sz="1600" dirty="0">
+                          <a:effectLst/>
+                        </a:rPr>
+                        <a:t>H</a:t>
+                      </a:r>
+                      <a:endParaRPr lang="en-US" sz="2000" dirty="0">
+                        <a:effectLst/>
+                        <a:latin typeface="Calibri" panose="020F0502020204030204" pitchFamily="34" charset="0"/>
+                        <a:ea typeface="Calibri" panose="020F0502020204030204" pitchFamily="34" charset="0"/>
+                        <a:cs typeface="B Nazanin" panose="00000400000000000000" pitchFamily="2" charset="-78"/>
+                      </a:endParaRPr>
+                    </a:p>
+                  </a:txBody>
+                  <a:tcPr marL="68580" marR="68580" marT="0" marB="0" anchor="ctr">
+                    <a:lnL w="28575" cap="flat" cmpd="sng" algn="ctr">
+                      <a:solidFill>
+                        <a:schemeClr val="tx1"/>
+                      </a:solidFill>
+                      <a:prstDash val="solid"/>
+                      <a:round/>
+                      <a:headEnd type="none" w="med" len="med"/>
+                      <a:tailEnd type="none" w="med" len="med"/>
+                    </a:lnL>
+                    <a:lnB w="28575" cap="flat" cmpd="sng" algn="ctr">
+                      <a:solidFill>
+                        <a:schemeClr val="tx1"/>
+                      </a:solidFill>
+                      <a:prstDash val="solid"/>
+                      <a:round/>
+                      <a:headEnd type="none" w="med" len="med"/>
+                      <a:tailEnd type="none" w="med" len="med"/>
+                    </a:lnB>
+                  </a:tcPr>
+                </a:tc>
+                <a:tc>
+                  <a:txBody>
+                    <a:bodyPr/>
+                    <a:lstStyle/>
+                    <a:p>
+                      <a:pPr marL="0" marR="0" indent="0" algn="ctr" rtl="1">
+                        <a:spcBef>
+                          <a:spcPts val="0"/>
+                        </a:spcBef>
+                        <a:spcAft>
+                          <a:spcPts val="0"/>
+                        </a:spcAft>
+                      </a:pPr>
+                      <a:r>
+                        <a:rPr lang="en-US" sz="1600" dirty="0">
+                          <a:effectLst/>
+                        </a:rPr>
+                        <a:t>P</a:t>
+                      </a:r>
+                      <a:endParaRPr lang="en-US" sz="2000" dirty="0">
+                        <a:effectLst/>
+                        <a:latin typeface="Calibri" panose="020F0502020204030204" pitchFamily="34" charset="0"/>
+                        <a:ea typeface="Calibri" panose="020F0502020204030204" pitchFamily="34" charset="0"/>
+                        <a:cs typeface="B Nazanin" panose="00000400000000000000" pitchFamily="2" charset="-78"/>
+                      </a:endParaRPr>
+                    </a:p>
+                  </a:txBody>
+                  <a:tcPr marL="68580" marR="68580" marT="0" marB="0" anchor="ctr">
+                    <a:lnB w="28575" cap="flat" cmpd="sng" algn="ctr">
+                      <a:solidFill>
+                        <a:schemeClr val="tx1"/>
+                      </a:solidFill>
+                      <a:prstDash val="solid"/>
+                      <a:round/>
+                      <a:headEnd type="none" w="med" len="med"/>
+                      <a:tailEnd type="none" w="med" len="med"/>
+                    </a:lnB>
+                  </a:tcPr>
+                </a:tc>
+                <a:tc>
+                  <a:txBody>
+                    <a:bodyPr/>
+                    <a:lstStyle/>
+                    <a:p>
+                      <a:pPr marL="0" marR="0" indent="0" algn="ctr" rtl="1">
+                        <a:spcBef>
+                          <a:spcPts val="0"/>
+                        </a:spcBef>
+                        <a:spcAft>
+                          <a:spcPts val="0"/>
+                        </a:spcAft>
+                      </a:pPr>
+                      <a:r>
+                        <a:rPr lang="en-US" sz="1600" dirty="0">
+                          <a:effectLst/>
+                        </a:rPr>
+                        <a:t>R</a:t>
+                      </a:r>
+                      <a:endParaRPr lang="en-US" sz="2000" dirty="0">
+                        <a:effectLst/>
+                        <a:latin typeface="Calibri" panose="020F0502020204030204" pitchFamily="34" charset="0"/>
+                        <a:ea typeface="Calibri" panose="020F0502020204030204" pitchFamily="34" charset="0"/>
+                        <a:cs typeface="B Nazanin" panose="00000400000000000000" pitchFamily="2" charset="-78"/>
+                      </a:endParaRPr>
+                    </a:p>
+                  </a:txBody>
+                  <a:tcPr marL="68580" marR="68580" marT="0" marB="0" anchor="ctr">
+                    <a:lnR w="28575" cap="flat" cmpd="sng" algn="ctr">
+                      <a:solidFill>
+                        <a:schemeClr val="tx1"/>
+                      </a:solidFill>
+                      <a:prstDash val="solid"/>
+                      <a:round/>
+                      <a:headEnd type="none" w="med" len="med"/>
+                      <a:tailEnd type="none" w="med" len="med"/>
+                    </a:lnR>
+                    <a:lnB w="28575" cap="flat" cmpd="sng" algn="ctr">
+                      <a:solidFill>
+                        <a:schemeClr val="tx1"/>
+                      </a:solidFill>
+                      <a:prstDash val="solid"/>
+                      <a:round/>
+                      <a:headEnd type="none" w="med" len="med"/>
+                      <a:tailEnd type="none" w="med" len="med"/>
+                    </a:lnB>
+                  </a:tcPr>
+                </a:tc>
+                <a:tc>
+                  <a:txBody>
+                    <a:bodyPr/>
+                    <a:lstStyle/>
+                    <a:p>
+                      <a:pPr marL="0" marR="0" indent="0" algn="ctr" rtl="1">
+                        <a:spcBef>
+                          <a:spcPts val="0"/>
+                        </a:spcBef>
+                        <a:spcAft>
+                          <a:spcPts val="0"/>
+                        </a:spcAft>
+                      </a:pPr>
+                      <a:r>
+                        <a:rPr lang="en-US" sz="1600" dirty="0">
+                          <a:effectLst/>
+                        </a:rPr>
+                        <a:t>H</a:t>
+                      </a:r>
+                      <a:endParaRPr lang="en-US" sz="2000" dirty="0">
+                        <a:effectLst/>
+                        <a:latin typeface="Calibri" panose="020F0502020204030204" pitchFamily="34" charset="0"/>
+                        <a:ea typeface="Calibri" panose="020F0502020204030204" pitchFamily="34" charset="0"/>
+                        <a:cs typeface="B Nazanin" panose="00000400000000000000" pitchFamily="2" charset="-78"/>
+                      </a:endParaRPr>
+                    </a:p>
+                  </a:txBody>
+                  <a:tcPr marL="68580" marR="68580" marT="0" marB="0" anchor="ctr">
+                    <a:lnL w="28575" cap="flat" cmpd="sng" algn="ctr">
+                      <a:solidFill>
+                        <a:schemeClr val="tx1"/>
+                      </a:solidFill>
+                      <a:prstDash val="solid"/>
+                      <a:round/>
+                      <a:headEnd type="none" w="med" len="med"/>
+                      <a:tailEnd type="none" w="med" len="med"/>
+                    </a:lnL>
+                    <a:lnB w="28575" cap="flat" cmpd="sng" algn="ctr">
+                      <a:solidFill>
+                        <a:schemeClr val="tx1"/>
+                      </a:solidFill>
+                      <a:prstDash val="solid"/>
+                      <a:round/>
+                      <a:headEnd type="none" w="med" len="med"/>
+                      <a:tailEnd type="none" w="med" len="med"/>
+                    </a:lnB>
+                  </a:tcPr>
+                </a:tc>
+                <a:tc>
+                  <a:txBody>
+                    <a:bodyPr/>
+                    <a:lstStyle/>
+                    <a:p>
+                      <a:pPr marL="0" marR="0" indent="0" algn="ctr" rtl="1">
+                        <a:spcBef>
+                          <a:spcPts val="0"/>
+                        </a:spcBef>
+                        <a:spcAft>
+                          <a:spcPts val="0"/>
+                        </a:spcAft>
+                      </a:pPr>
+                      <a:r>
+                        <a:rPr lang="en-US" sz="1600" dirty="0">
+                          <a:effectLst/>
+                        </a:rPr>
+                        <a:t>P</a:t>
+                      </a:r>
+                      <a:endParaRPr lang="en-US" sz="2000" dirty="0">
+                        <a:effectLst/>
+                        <a:latin typeface="Calibri" panose="020F0502020204030204" pitchFamily="34" charset="0"/>
+                        <a:ea typeface="Calibri" panose="020F0502020204030204" pitchFamily="34" charset="0"/>
+                        <a:cs typeface="B Nazanin" panose="00000400000000000000" pitchFamily="2" charset="-78"/>
+                      </a:endParaRPr>
+                    </a:p>
+                  </a:txBody>
+                  <a:tcPr marL="68580" marR="68580" marT="0" marB="0" anchor="ctr">
+                    <a:lnB w="28575" cap="flat" cmpd="sng" algn="ctr">
+                      <a:solidFill>
+                        <a:schemeClr val="tx1"/>
+                      </a:solidFill>
+                      <a:prstDash val="solid"/>
+                      <a:round/>
+                      <a:headEnd type="none" w="med" len="med"/>
+                      <a:tailEnd type="none" w="med" len="med"/>
+                    </a:lnB>
+                  </a:tcPr>
+                </a:tc>
+                <a:tc>
+                  <a:txBody>
+                    <a:bodyPr/>
+                    <a:lstStyle/>
+                    <a:p>
+                      <a:pPr marL="0" marR="0" indent="0" algn="ctr" rtl="1">
+                        <a:spcBef>
+                          <a:spcPts val="0"/>
+                        </a:spcBef>
+                        <a:spcAft>
+                          <a:spcPts val="0"/>
+                        </a:spcAft>
+                      </a:pPr>
+                      <a:r>
+                        <a:rPr lang="en-US" sz="1600" dirty="0">
+                          <a:effectLst/>
+                        </a:rPr>
+                        <a:t>R</a:t>
+                      </a:r>
+                      <a:endParaRPr lang="en-US" sz="2000" dirty="0">
+                        <a:effectLst/>
+                        <a:latin typeface="Calibri" panose="020F0502020204030204" pitchFamily="34" charset="0"/>
+                        <a:ea typeface="Calibri" panose="020F0502020204030204" pitchFamily="34" charset="0"/>
+                        <a:cs typeface="B Nazanin" panose="00000400000000000000" pitchFamily="2" charset="-78"/>
+                      </a:endParaRPr>
+                    </a:p>
+                  </a:txBody>
+                  <a:tcPr marL="68580" marR="68580" marT="0" marB="0" anchor="ctr">
+                    <a:lnR w="28575" cap="flat" cmpd="sng" algn="ctr">
+                      <a:solidFill>
+                        <a:schemeClr val="tx1"/>
+                      </a:solidFill>
+                      <a:prstDash val="solid"/>
+                      <a:round/>
+                      <a:headEnd type="none" w="med" len="med"/>
+                      <a:tailEnd type="none" w="med" len="med"/>
+                    </a:lnR>
+                    <a:lnB w="28575" cap="flat" cmpd="sng" algn="ctr">
+                      <a:solidFill>
+                        <a:schemeClr val="tx1"/>
+                      </a:solidFill>
+                      <a:prstDash val="solid"/>
+                      <a:round/>
+                      <a:headEnd type="none" w="med" len="med"/>
+                      <a:tailEnd type="none" w="med" len="med"/>
+                    </a:lnB>
+                  </a:tcPr>
+                </a:tc>
+                <a:tc>
+                  <a:txBody>
+                    <a:bodyPr/>
+                    <a:lstStyle/>
+                    <a:p>
+                      <a:pPr marL="0" marR="0" indent="0" algn="ctr" rtl="1">
+                        <a:spcBef>
+                          <a:spcPts val="0"/>
+                        </a:spcBef>
+                        <a:spcAft>
+                          <a:spcPts val="0"/>
+                        </a:spcAft>
+                      </a:pPr>
+                      <a:r>
+                        <a:rPr lang="en-US" sz="1600" dirty="0">
+                          <a:effectLst/>
+                        </a:rPr>
+                        <a:t>H</a:t>
+                      </a:r>
+                      <a:endParaRPr lang="en-US" sz="2000" dirty="0">
+                        <a:effectLst/>
+                        <a:latin typeface="Calibri" panose="020F0502020204030204" pitchFamily="34" charset="0"/>
+                        <a:ea typeface="Calibri" panose="020F0502020204030204" pitchFamily="34" charset="0"/>
+                        <a:cs typeface="B Nazanin" panose="00000400000000000000" pitchFamily="2" charset="-78"/>
+                      </a:endParaRPr>
+                    </a:p>
+                  </a:txBody>
+                  <a:tcPr marL="68580" marR="68580" marT="0" marB="0" anchor="ctr">
+                    <a:lnL w="28575" cap="flat" cmpd="sng" algn="ctr">
+                      <a:solidFill>
+                        <a:schemeClr val="tx1"/>
+                      </a:solidFill>
+                      <a:prstDash val="solid"/>
+                      <a:round/>
+                      <a:headEnd type="none" w="med" len="med"/>
+                      <a:tailEnd type="none" w="med" len="med"/>
+                    </a:lnL>
+                    <a:lnB w="28575" cap="flat" cmpd="sng" algn="ctr">
+                      <a:solidFill>
+                        <a:schemeClr val="tx1"/>
+                      </a:solidFill>
+                      <a:prstDash val="solid"/>
+                      <a:round/>
+                      <a:headEnd type="none" w="med" len="med"/>
+                      <a:tailEnd type="none" w="med" len="med"/>
+                    </a:lnB>
+                  </a:tcPr>
+                </a:tc>
+                <a:tc>
+                  <a:txBody>
+                    <a:bodyPr/>
+                    <a:lstStyle/>
+                    <a:p>
+                      <a:pPr marL="0" marR="0" indent="0" algn="ctr" rtl="1">
+                        <a:spcBef>
+                          <a:spcPts val="0"/>
+                        </a:spcBef>
+                        <a:spcAft>
+                          <a:spcPts val="0"/>
+                        </a:spcAft>
+                      </a:pPr>
+                      <a:r>
+                        <a:rPr lang="en-US" sz="1600" dirty="0">
+                          <a:effectLst/>
+                        </a:rPr>
+                        <a:t>P</a:t>
+                      </a:r>
+                      <a:endParaRPr lang="en-US" sz="2000" dirty="0">
+                        <a:effectLst/>
+                        <a:latin typeface="Calibri" panose="020F0502020204030204" pitchFamily="34" charset="0"/>
+                        <a:ea typeface="Calibri" panose="020F0502020204030204" pitchFamily="34" charset="0"/>
+                        <a:cs typeface="B Nazanin" panose="00000400000000000000" pitchFamily="2" charset="-78"/>
+                      </a:endParaRPr>
+                    </a:p>
+                  </a:txBody>
+                  <a:tcPr marL="68580" marR="68580" marT="0" marB="0" anchor="ctr">
+                    <a:lnB w="28575" cap="flat" cmpd="sng" algn="ctr">
+                      <a:solidFill>
+                        <a:schemeClr val="tx1"/>
+                      </a:solidFill>
+                      <a:prstDash val="solid"/>
+                      <a:round/>
+                      <a:headEnd type="none" w="med" len="med"/>
+                      <a:tailEnd type="none" w="med" len="med"/>
+                    </a:lnB>
+                  </a:tcPr>
+                </a:tc>
+                <a:tc>
+                  <a:txBody>
+                    <a:bodyPr/>
+                    <a:lstStyle/>
+                    <a:p>
+                      <a:pPr marL="0" marR="0" indent="0" algn="ctr" rtl="1">
+                        <a:spcBef>
+                          <a:spcPts val="0"/>
+                        </a:spcBef>
+                        <a:spcAft>
+                          <a:spcPts val="0"/>
+                        </a:spcAft>
+                      </a:pPr>
+                      <a:r>
+                        <a:rPr lang="en-US" sz="1600" dirty="0">
+                          <a:effectLst/>
+                        </a:rPr>
+                        <a:t>R</a:t>
+                      </a:r>
+                      <a:endParaRPr lang="en-US" sz="2000" dirty="0">
+                        <a:effectLst/>
+                        <a:latin typeface="Calibri" panose="020F0502020204030204" pitchFamily="34" charset="0"/>
+                        <a:ea typeface="Calibri" panose="020F0502020204030204" pitchFamily="34" charset="0"/>
+                        <a:cs typeface="B Nazanin" panose="00000400000000000000" pitchFamily="2" charset="-78"/>
+                      </a:endParaRPr>
+                    </a:p>
+                  </a:txBody>
+                  <a:tcPr marL="68580" marR="68580" marT="0" marB="0" anchor="ctr">
+                    <a:lnR w="28575" cap="flat" cmpd="sng" algn="ctr">
+                      <a:solidFill>
+                        <a:schemeClr val="tx1"/>
+                      </a:solidFill>
+                      <a:prstDash val="solid"/>
+                      <a:round/>
+                      <a:headEnd type="none" w="med" len="med"/>
+                      <a:tailEnd type="none" w="med" len="med"/>
+                    </a:lnR>
+                    <a:lnB w="28575" cap="flat" cmpd="sng" algn="ctr">
+                      <a:solidFill>
+                        <a:schemeClr val="tx1"/>
+                      </a:solidFill>
+                      <a:prstDash val="solid"/>
+                      <a:round/>
+                      <a:headEnd type="none" w="med" len="med"/>
+                      <a:tailEnd type="none" w="med" len="med"/>
+                    </a:lnB>
+                  </a:tcPr>
+                </a:tc>
+                <a:tc vMerge="1">
+                  <a:txBody>
+                    <a:bodyPr/>
+                    <a:lstStyle/>
+                    <a:p>
+                      <a:endParaRPr lang="en-US"/>
+                    </a:p>
+                  </a:txBody>
+                  <a:tcPr/>
+                </a:tc>
+                <a:extLst>
+                  <a:ext uri="{0D108BD9-81ED-4DB2-BD59-A6C34878D82A}">
+                    <a16:rowId xmlns:a16="http://schemas.microsoft.com/office/drawing/2014/main" val="595408598"/>
+                  </a:ext>
+                </a:extLst>
+              </a:tr>
+              <a:tr h="627999">
+                <a:tc>
+                  <a:txBody>
+                    <a:bodyPr/>
+                    <a:lstStyle/>
+                    <a:p>
+                      <a:pPr marL="0" marR="0" indent="0" algn="ctr" rtl="0">
+                        <a:spcBef>
+                          <a:spcPts val="0"/>
+                        </a:spcBef>
+                        <a:spcAft>
+                          <a:spcPts val="0"/>
+                        </a:spcAft>
+                      </a:pPr>
+                      <a:r>
+                        <a:rPr lang="en-US" sz="1600">
+                          <a:effectLst/>
+                        </a:rPr>
+                        <a:t>82.9</a:t>
+                      </a:r>
+                      <a:endParaRPr lang="en-US" sz="2000">
+                        <a:effectLst/>
+                        <a:latin typeface="Calibri" panose="020F0502020204030204" pitchFamily="34" charset="0"/>
+                        <a:ea typeface="Calibri" panose="020F0502020204030204" pitchFamily="34" charset="0"/>
+                        <a:cs typeface="B Nazanin" panose="00000400000000000000" pitchFamily="2" charset="-78"/>
+                      </a:endParaRPr>
+                    </a:p>
+                  </a:txBody>
+                  <a:tcPr marL="68580" marR="68580" marT="0" marB="0" anchor="ctr">
+                    <a:lnT w="28575" cap="flat" cmpd="sng" algn="ctr">
+                      <a:solidFill>
+                        <a:schemeClr val="tx1"/>
+                      </a:solidFill>
+                      <a:prstDash val="solid"/>
+                      <a:round/>
+                      <a:headEnd type="none" w="med" len="med"/>
+                      <a:tailEnd type="none" w="med" len="med"/>
+                    </a:lnT>
+                  </a:tcPr>
+                </a:tc>
+                <a:tc>
+                  <a:txBody>
+                    <a:bodyPr/>
+                    <a:lstStyle/>
+                    <a:p>
+                      <a:pPr marL="0" marR="0" indent="0" algn="ctr" rtl="1">
+                        <a:spcBef>
+                          <a:spcPts val="0"/>
+                        </a:spcBef>
+                        <a:spcAft>
+                          <a:spcPts val="0"/>
+                        </a:spcAft>
+                      </a:pPr>
+                      <a:r>
+                        <a:rPr lang="en-US" sz="1600" b="1" dirty="0">
+                          <a:effectLst/>
+                        </a:rPr>
+                        <a:t>88.2</a:t>
+                      </a:r>
+                      <a:endParaRPr lang="en-US" sz="2000" b="1" dirty="0">
+                        <a:effectLst/>
+                        <a:latin typeface="Calibri" panose="020F0502020204030204" pitchFamily="34" charset="0"/>
+                        <a:ea typeface="Calibri" panose="020F0502020204030204" pitchFamily="34" charset="0"/>
+                        <a:cs typeface="B Nazanin" panose="00000400000000000000" pitchFamily="2" charset="-78"/>
+                      </a:endParaRPr>
+                    </a:p>
+                  </a:txBody>
+                  <a:tcPr marL="68580" marR="68580" marT="0" marB="0" anchor="ctr">
+                    <a:lnT w="28575" cap="flat" cmpd="sng" algn="ctr">
+                      <a:solidFill>
+                        <a:schemeClr val="tx1"/>
+                      </a:solidFill>
+                      <a:prstDash val="solid"/>
+                      <a:round/>
+                      <a:headEnd type="none" w="med" len="med"/>
+                      <a:tailEnd type="none" w="med" len="med"/>
+                    </a:lnT>
+                  </a:tcPr>
+                </a:tc>
+                <a:tc>
+                  <a:txBody>
+                    <a:bodyPr/>
+                    <a:lstStyle/>
+                    <a:p>
+                      <a:pPr marL="0" marR="0" indent="0" algn="ctr" rtl="1">
+                        <a:spcBef>
+                          <a:spcPts val="0"/>
+                        </a:spcBef>
+                        <a:spcAft>
+                          <a:spcPts val="0"/>
+                        </a:spcAft>
+                      </a:pPr>
+                      <a:r>
+                        <a:rPr lang="en-US" sz="1600" dirty="0">
+                          <a:effectLst/>
+                        </a:rPr>
+                        <a:t>78.2</a:t>
+                      </a:r>
+                      <a:endParaRPr lang="en-US" sz="2000" dirty="0">
+                        <a:effectLst/>
+                        <a:latin typeface="Calibri" panose="020F0502020204030204" pitchFamily="34" charset="0"/>
+                        <a:ea typeface="Calibri" panose="020F0502020204030204" pitchFamily="34" charset="0"/>
+                        <a:cs typeface="B Nazanin" panose="00000400000000000000" pitchFamily="2" charset="-78"/>
+                      </a:endParaRPr>
+                    </a:p>
+                  </a:txBody>
+                  <a:tcPr marL="68580" marR="68580" marT="0" marB="0" anchor="ctr">
+                    <a:lnR w="28575" cap="flat" cmpd="sng" algn="ctr">
+                      <a:solidFill>
+                        <a:schemeClr val="tx1"/>
+                      </a:solidFill>
+                      <a:prstDash val="solid"/>
+                      <a:round/>
+                      <a:headEnd type="none" w="med" len="med"/>
+                      <a:tailEnd type="none" w="med" len="med"/>
+                    </a:lnR>
+                    <a:lnT w="28575" cap="flat" cmpd="sng" algn="ctr">
+                      <a:solidFill>
+                        <a:schemeClr val="tx1"/>
+                      </a:solidFill>
+                      <a:prstDash val="solid"/>
+                      <a:round/>
+                      <a:headEnd type="none" w="med" len="med"/>
+                      <a:tailEnd type="none" w="med" len="med"/>
+                    </a:lnT>
+                  </a:tcPr>
+                </a:tc>
+                <a:tc>
+                  <a:txBody>
+                    <a:bodyPr/>
+                    <a:lstStyle/>
+                    <a:p>
+                      <a:pPr marL="0" marR="0" indent="0" algn="ctr" rtl="1">
+                        <a:spcBef>
+                          <a:spcPts val="0"/>
+                        </a:spcBef>
+                        <a:spcAft>
+                          <a:spcPts val="0"/>
+                        </a:spcAft>
+                      </a:pPr>
+                      <a:r>
+                        <a:rPr lang="en-US" sz="1600" b="1" dirty="0">
+                          <a:effectLst/>
+                        </a:rPr>
+                        <a:t>83.5</a:t>
+                      </a:r>
+                      <a:endParaRPr lang="en-US" sz="2000" b="1" dirty="0">
+                        <a:effectLst/>
+                        <a:latin typeface="Calibri" panose="020F0502020204030204" pitchFamily="34" charset="0"/>
+                        <a:ea typeface="Calibri" panose="020F0502020204030204" pitchFamily="34" charset="0"/>
+                        <a:cs typeface="B Nazanin" panose="00000400000000000000" pitchFamily="2" charset="-78"/>
+                      </a:endParaRPr>
+                    </a:p>
+                  </a:txBody>
+                  <a:tcPr marL="68580" marR="68580" marT="0" marB="0" anchor="ctr">
+                    <a:lnL w="28575" cap="flat" cmpd="sng" algn="ctr">
+                      <a:solidFill>
+                        <a:schemeClr val="tx1"/>
+                      </a:solidFill>
+                      <a:prstDash val="solid"/>
+                      <a:round/>
+                      <a:headEnd type="none" w="med" len="med"/>
+                      <a:tailEnd type="none" w="med" len="med"/>
+                    </a:lnL>
+                    <a:lnT w="28575" cap="flat" cmpd="sng" algn="ctr">
+                      <a:solidFill>
+                        <a:schemeClr val="tx1"/>
+                      </a:solidFill>
+                      <a:prstDash val="solid"/>
+                      <a:round/>
+                      <a:headEnd type="none" w="med" len="med"/>
+                      <a:tailEnd type="none" w="med" len="med"/>
+                    </a:lnT>
+                  </a:tcPr>
+                </a:tc>
+                <a:tc>
+                  <a:txBody>
+                    <a:bodyPr/>
+                    <a:lstStyle/>
+                    <a:p>
+                      <a:pPr marL="0" marR="0" indent="0" algn="ctr" rtl="0">
+                        <a:spcBef>
+                          <a:spcPts val="0"/>
+                        </a:spcBef>
+                        <a:spcAft>
+                          <a:spcPts val="0"/>
+                        </a:spcAft>
+                      </a:pPr>
+                      <a:r>
+                        <a:rPr lang="en-US" sz="1600" b="1" dirty="0">
+                          <a:effectLst/>
+                        </a:rPr>
+                        <a:t>86.0</a:t>
+                      </a:r>
+                      <a:endParaRPr lang="en-US" sz="2000" b="1" dirty="0">
+                        <a:effectLst/>
+                        <a:latin typeface="Calibri" panose="020F0502020204030204" pitchFamily="34" charset="0"/>
+                        <a:ea typeface="Calibri" panose="020F0502020204030204" pitchFamily="34" charset="0"/>
+                        <a:cs typeface="B Nazanin" panose="00000400000000000000" pitchFamily="2" charset="-78"/>
+                      </a:endParaRPr>
+                    </a:p>
+                  </a:txBody>
+                  <a:tcPr marL="68580" marR="68580" marT="0" marB="0" anchor="ctr">
+                    <a:lnT w="28575" cap="flat" cmpd="sng" algn="ctr">
+                      <a:solidFill>
+                        <a:schemeClr val="tx1"/>
+                      </a:solidFill>
+                      <a:prstDash val="solid"/>
+                      <a:round/>
+                      <a:headEnd type="none" w="med" len="med"/>
+                      <a:tailEnd type="none" w="med" len="med"/>
+                    </a:lnT>
+                  </a:tcPr>
+                </a:tc>
+                <a:tc>
+                  <a:txBody>
+                    <a:bodyPr/>
+                    <a:lstStyle/>
+                    <a:p>
+                      <a:pPr marL="0" marR="0" indent="0" algn="ctr" rtl="0">
+                        <a:spcBef>
+                          <a:spcPts val="0"/>
+                        </a:spcBef>
+                        <a:spcAft>
+                          <a:spcPts val="0"/>
+                        </a:spcAft>
+                      </a:pPr>
+                      <a:r>
+                        <a:rPr lang="en-US" sz="1600" b="1" dirty="0">
+                          <a:effectLst/>
+                        </a:rPr>
+                        <a:t>81.1</a:t>
+                      </a:r>
+                      <a:endParaRPr lang="en-US" sz="2000" b="1" dirty="0">
+                        <a:effectLst/>
+                        <a:latin typeface="Calibri" panose="020F0502020204030204" pitchFamily="34" charset="0"/>
+                        <a:ea typeface="Calibri" panose="020F0502020204030204" pitchFamily="34" charset="0"/>
+                        <a:cs typeface="B Nazanin" panose="00000400000000000000" pitchFamily="2" charset="-78"/>
+                      </a:endParaRPr>
+                    </a:p>
+                  </a:txBody>
+                  <a:tcPr marL="68580" marR="68580" marT="0" marB="0" anchor="ctr">
+                    <a:lnR w="28575" cap="flat" cmpd="sng" algn="ctr">
+                      <a:solidFill>
+                        <a:schemeClr val="tx1"/>
+                      </a:solidFill>
+                      <a:prstDash val="solid"/>
+                      <a:round/>
+                      <a:headEnd type="none" w="med" len="med"/>
+                      <a:tailEnd type="none" w="med" len="med"/>
+                    </a:lnR>
+                    <a:lnT w="28575" cap="flat" cmpd="sng" algn="ctr">
+                      <a:solidFill>
+                        <a:schemeClr val="tx1"/>
+                      </a:solidFill>
+                      <a:prstDash val="solid"/>
+                      <a:round/>
+                      <a:headEnd type="none" w="med" len="med"/>
+                      <a:tailEnd type="none" w="med" len="med"/>
+                    </a:lnT>
+                  </a:tcPr>
+                </a:tc>
+                <a:tc>
+                  <a:txBody>
+                    <a:bodyPr/>
+                    <a:lstStyle/>
+                    <a:p>
+                      <a:pPr marL="0" marR="0" indent="0" algn="ctr" rtl="0">
+                        <a:spcBef>
+                          <a:spcPts val="0"/>
+                        </a:spcBef>
+                        <a:spcAft>
+                          <a:spcPts val="0"/>
+                        </a:spcAft>
+                      </a:pPr>
+                      <a:r>
+                        <a:rPr lang="en-US" sz="1600" b="1" dirty="0">
+                          <a:effectLst/>
+                        </a:rPr>
+                        <a:t>83.6</a:t>
+                      </a:r>
+                      <a:endParaRPr lang="en-US" sz="2000" b="1" dirty="0">
+                        <a:effectLst/>
+                        <a:latin typeface="Calibri" panose="020F0502020204030204" pitchFamily="34" charset="0"/>
+                        <a:ea typeface="Calibri" panose="020F0502020204030204" pitchFamily="34" charset="0"/>
+                        <a:cs typeface="B Nazanin" panose="00000400000000000000" pitchFamily="2" charset="-78"/>
+                      </a:endParaRPr>
+                    </a:p>
+                  </a:txBody>
+                  <a:tcPr marL="68580" marR="68580" marT="0" marB="0" anchor="ctr">
+                    <a:lnL w="28575" cap="flat" cmpd="sng" algn="ctr">
+                      <a:solidFill>
+                        <a:schemeClr val="tx1"/>
+                      </a:solidFill>
+                      <a:prstDash val="solid"/>
+                      <a:round/>
+                      <a:headEnd type="none" w="med" len="med"/>
+                      <a:tailEnd type="none" w="med" len="med"/>
+                    </a:lnL>
+                    <a:lnT w="28575" cap="flat" cmpd="sng" algn="ctr">
+                      <a:solidFill>
+                        <a:schemeClr val="tx1"/>
+                      </a:solidFill>
+                      <a:prstDash val="solid"/>
+                      <a:round/>
+                      <a:headEnd type="none" w="med" len="med"/>
+                      <a:tailEnd type="none" w="med" len="med"/>
+                    </a:lnT>
+                  </a:tcPr>
+                </a:tc>
+                <a:tc>
+                  <a:txBody>
+                    <a:bodyPr/>
+                    <a:lstStyle/>
+                    <a:p>
+                      <a:pPr marL="0" marR="0" indent="0" algn="ctr" rtl="0">
+                        <a:spcBef>
+                          <a:spcPts val="0"/>
+                        </a:spcBef>
+                        <a:spcAft>
+                          <a:spcPts val="0"/>
+                        </a:spcAft>
+                      </a:pPr>
+                      <a:r>
+                        <a:rPr lang="en-US" sz="1600" b="1" dirty="0">
+                          <a:effectLst/>
+                        </a:rPr>
+                        <a:t>87.6</a:t>
+                      </a:r>
+                      <a:endParaRPr lang="en-US" sz="2000" b="1" dirty="0">
+                        <a:effectLst/>
+                        <a:latin typeface="Calibri" panose="020F0502020204030204" pitchFamily="34" charset="0"/>
+                        <a:ea typeface="Calibri" panose="020F0502020204030204" pitchFamily="34" charset="0"/>
+                        <a:cs typeface="B Nazanin" panose="00000400000000000000" pitchFamily="2" charset="-78"/>
+                      </a:endParaRPr>
+                    </a:p>
+                  </a:txBody>
+                  <a:tcPr marL="68580" marR="68580" marT="0" marB="0" anchor="ctr">
+                    <a:lnT w="28575" cap="flat" cmpd="sng" algn="ctr">
+                      <a:solidFill>
+                        <a:schemeClr val="tx1"/>
+                      </a:solidFill>
+                      <a:prstDash val="solid"/>
+                      <a:round/>
+                      <a:headEnd type="none" w="med" len="med"/>
+                      <a:tailEnd type="none" w="med" len="med"/>
+                    </a:lnT>
+                  </a:tcPr>
+                </a:tc>
+                <a:tc>
+                  <a:txBody>
+                    <a:bodyPr/>
+                    <a:lstStyle/>
+                    <a:p>
+                      <a:pPr marL="0" marR="0" indent="0" algn="ctr" rtl="0">
+                        <a:spcBef>
+                          <a:spcPts val="0"/>
+                        </a:spcBef>
+                        <a:spcAft>
+                          <a:spcPts val="0"/>
+                        </a:spcAft>
+                      </a:pPr>
+                      <a:r>
+                        <a:rPr lang="en-US" sz="1600" b="1" dirty="0">
+                          <a:effectLst/>
+                        </a:rPr>
+                        <a:t>79.9</a:t>
+                      </a:r>
+                      <a:endParaRPr lang="en-US" sz="2000" b="1" dirty="0">
+                        <a:effectLst/>
+                        <a:latin typeface="Calibri" panose="020F0502020204030204" pitchFamily="34" charset="0"/>
+                        <a:ea typeface="Calibri" panose="020F0502020204030204" pitchFamily="34" charset="0"/>
+                        <a:cs typeface="B Nazanin" panose="00000400000000000000" pitchFamily="2" charset="-78"/>
+                      </a:endParaRPr>
+                    </a:p>
+                  </a:txBody>
+                  <a:tcPr marL="68580" marR="68580" marT="0" marB="0" anchor="ctr">
+                    <a:lnR w="28575" cap="flat" cmpd="sng" algn="ctr">
+                      <a:solidFill>
+                        <a:schemeClr val="tx1"/>
+                      </a:solidFill>
+                      <a:prstDash val="solid"/>
+                      <a:round/>
+                      <a:headEnd type="none" w="med" len="med"/>
+                      <a:tailEnd type="none" w="med" len="med"/>
+                    </a:lnR>
+                    <a:lnT w="28575" cap="flat" cmpd="sng" algn="ctr">
+                      <a:solidFill>
+                        <a:schemeClr val="tx1"/>
+                      </a:solidFill>
+                      <a:prstDash val="solid"/>
+                      <a:round/>
+                      <a:headEnd type="none" w="med" len="med"/>
+                      <a:tailEnd type="none" w="med" len="med"/>
+                    </a:lnT>
+                  </a:tcPr>
+                </a:tc>
+                <a:tc>
+                  <a:txBody>
+                    <a:bodyPr/>
+                    <a:lstStyle/>
+                    <a:p>
+                      <a:pPr marL="0" marR="0" indent="0" algn="ctr" rtl="0">
+                        <a:spcBef>
+                          <a:spcPts val="0"/>
+                        </a:spcBef>
+                        <a:spcAft>
+                          <a:spcPts val="0"/>
+                        </a:spcAft>
+                      </a:pPr>
+                      <a:r>
+                        <a:rPr lang="en-US" sz="1600">
+                          <a:effectLst/>
+                        </a:rPr>
+                        <a:t>86.9</a:t>
+                      </a:r>
+                      <a:endParaRPr lang="en-US" sz="2000">
+                        <a:effectLst/>
+                        <a:latin typeface="Calibri" panose="020F0502020204030204" pitchFamily="34" charset="0"/>
+                        <a:ea typeface="Calibri" panose="020F0502020204030204" pitchFamily="34" charset="0"/>
+                        <a:cs typeface="B Nazanin" panose="00000400000000000000" pitchFamily="2" charset="-78"/>
+                      </a:endParaRPr>
+                    </a:p>
+                  </a:txBody>
+                  <a:tcPr marL="68580" marR="68580" marT="0" marB="0" anchor="ctr">
+                    <a:lnL w="28575" cap="flat" cmpd="sng" algn="ctr">
+                      <a:solidFill>
+                        <a:schemeClr val="tx1"/>
+                      </a:solidFill>
+                      <a:prstDash val="solid"/>
+                      <a:round/>
+                      <a:headEnd type="none" w="med" len="med"/>
+                      <a:tailEnd type="none" w="med" len="med"/>
+                    </a:lnL>
+                    <a:lnT w="28575" cap="flat" cmpd="sng" algn="ctr">
+                      <a:solidFill>
+                        <a:schemeClr val="tx1"/>
+                      </a:solidFill>
+                      <a:prstDash val="solid"/>
+                      <a:round/>
+                      <a:headEnd type="none" w="med" len="med"/>
+                      <a:tailEnd type="none" w="med" len="med"/>
+                    </a:lnT>
+                  </a:tcPr>
+                </a:tc>
+                <a:tc>
+                  <a:txBody>
+                    <a:bodyPr/>
+                    <a:lstStyle/>
+                    <a:p>
+                      <a:pPr marL="0" marR="0" indent="0" algn="ctr" rtl="0">
+                        <a:spcBef>
+                          <a:spcPts val="0"/>
+                        </a:spcBef>
+                        <a:spcAft>
+                          <a:spcPts val="0"/>
+                        </a:spcAft>
+                      </a:pPr>
+                      <a:r>
+                        <a:rPr lang="en-US" sz="1600" b="1" dirty="0">
+                          <a:effectLst/>
+                        </a:rPr>
+                        <a:t>89.8</a:t>
+                      </a:r>
+                      <a:endParaRPr lang="en-US" sz="2000" b="1" dirty="0">
+                        <a:effectLst/>
+                        <a:latin typeface="Calibri" panose="020F0502020204030204" pitchFamily="34" charset="0"/>
+                        <a:ea typeface="Calibri" panose="020F0502020204030204" pitchFamily="34" charset="0"/>
+                        <a:cs typeface="B Nazanin" panose="00000400000000000000" pitchFamily="2" charset="-78"/>
+                      </a:endParaRPr>
+                    </a:p>
+                  </a:txBody>
+                  <a:tcPr marL="68580" marR="68580" marT="0" marB="0" anchor="ctr">
+                    <a:lnT w="28575" cap="flat" cmpd="sng" algn="ctr">
+                      <a:solidFill>
+                        <a:schemeClr val="tx1"/>
+                      </a:solidFill>
+                      <a:prstDash val="solid"/>
+                      <a:round/>
+                      <a:headEnd type="none" w="med" len="med"/>
+                      <a:tailEnd type="none" w="med" len="med"/>
+                    </a:lnT>
+                  </a:tcPr>
+                </a:tc>
+                <a:tc>
+                  <a:txBody>
+                    <a:bodyPr/>
+                    <a:lstStyle/>
+                    <a:p>
+                      <a:pPr marL="0" marR="0" indent="0" algn="ctr" rtl="0">
+                        <a:spcBef>
+                          <a:spcPts val="0"/>
+                        </a:spcBef>
+                        <a:spcAft>
+                          <a:spcPts val="0"/>
+                        </a:spcAft>
+                      </a:pPr>
+                      <a:r>
+                        <a:rPr lang="en-US" sz="1600" dirty="0">
+                          <a:effectLst/>
+                        </a:rPr>
+                        <a:t>84.3</a:t>
+                      </a:r>
+                      <a:endParaRPr lang="en-US" sz="2000" dirty="0">
+                        <a:effectLst/>
+                        <a:latin typeface="Calibri" panose="020F0502020204030204" pitchFamily="34" charset="0"/>
+                        <a:ea typeface="Calibri" panose="020F0502020204030204" pitchFamily="34" charset="0"/>
+                        <a:cs typeface="B Nazanin" panose="00000400000000000000" pitchFamily="2" charset="-78"/>
+                      </a:endParaRPr>
+                    </a:p>
+                  </a:txBody>
+                  <a:tcPr marL="68580" marR="68580" marT="0" marB="0" anchor="ctr">
+                    <a:lnR w="28575" cap="flat" cmpd="sng" algn="ctr">
+                      <a:solidFill>
+                        <a:schemeClr val="tx1"/>
+                      </a:solidFill>
+                      <a:prstDash val="solid"/>
+                      <a:round/>
+                      <a:headEnd type="none" w="med" len="med"/>
+                      <a:tailEnd type="none" w="med" len="med"/>
+                    </a:lnR>
+                    <a:lnT w="28575" cap="flat" cmpd="sng" algn="ctr">
+                      <a:solidFill>
+                        <a:schemeClr val="tx1"/>
+                      </a:solidFill>
+                      <a:prstDash val="solid"/>
+                      <a:round/>
+                      <a:headEnd type="none" w="med" len="med"/>
+                      <a:tailEnd type="none" w="med" len="med"/>
+                    </a:lnT>
+                  </a:tcPr>
+                </a:tc>
+                <a:tc>
+                  <a:txBody>
+                    <a:bodyPr/>
+                    <a:lstStyle/>
+                    <a:p>
+                      <a:pPr marL="0" marR="0" indent="0" algn="ctr" rtl="0">
+                        <a:spcBef>
+                          <a:spcPts val="0"/>
+                        </a:spcBef>
+                        <a:spcAft>
+                          <a:spcPts val="0"/>
+                        </a:spcAft>
+                      </a:pPr>
+                      <a:r>
+                        <a:rPr lang="en-US" sz="1600" b="1" dirty="0">
+                          <a:effectLst/>
+                        </a:rPr>
+                        <a:t>95.2</a:t>
+                      </a:r>
+                      <a:endParaRPr lang="en-US" sz="2000" b="1" dirty="0">
+                        <a:effectLst/>
+                        <a:latin typeface="Calibri" panose="020F0502020204030204" pitchFamily="34" charset="0"/>
+                        <a:ea typeface="Calibri" panose="020F0502020204030204" pitchFamily="34" charset="0"/>
+                        <a:cs typeface="B Nazanin" panose="00000400000000000000" pitchFamily="2" charset="-78"/>
+                      </a:endParaRPr>
+                    </a:p>
+                  </a:txBody>
+                  <a:tcPr marL="68580" marR="68580" marT="0" marB="0" anchor="ctr">
+                    <a:lnL w="28575" cap="flat" cmpd="sng" algn="ctr">
+                      <a:solidFill>
+                        <a:schemeClr val="tx1"/>
+                      </a:solidFill>
+                      <a:prstDash val="solid"/>
+                      <a:round/>
+                      <a:headEnd type="none" w="med" len="med"/>
+                      <a:tailEnd type="none" w="med" len="med"/>
+                    </a:lnL>
+                    <a:lnR w="28575" cap="flat" cmpd="sng" algn="ctr">
+                      <a:solidFill>
+                        <a:schemeClr val="tx1"/>
+                      </a:solidFill>
+                      <a:prstDash val="solid"/>
+                      <a:round/>
+                      <a:headEnd type="none" w="med" len="med"/>
+                      <a:tailEnd type="none" w="med" len="med"/>
+                    </a:lnR>
+                    <a:lnT w="28575" cap="flat" cmpd="sng" algn="ctr">
+                      <a:solidFill>
+                        <a:schemeClr val="tx1"/>
+                      </a:solidFill>
+                      <a:prstDash val="solid"/>
+                      <a:round/>
+                      <a:headEnd type="none" w="med" len="med"/>
+                      <a:tailEnd type="none" w="med" len="med"/>
+                    </a:lnT>
+                  </a:tcPr>
+                </a:tc>
+                <a:tc>
+                  <a:txBody>
+                    <a:bodyPr/>
+                    <a:lstStyle/>
+                    <a:p>
+                      <a:pPr marL="0" marR="0" indent="0" algn="ctr" rtl="0">
+                        <a:spcBef>
+                          <a:spcPts val="0"/>
+                        </a:spcBef>
+                        <a:spcAft>
+                          <a:spcPts val="0"/>
+                        </a:spcAft>
+                      </a:pPr>
+                      <a:r>
+                        <a:rPr lang="en-US" sz="1600" b="1" dirty="0">
+                          <a:effectLst/>
+                        </a:rPr>
+                        <a:t>97.4</a:t>
+                      </a:r>
+                      <a:endParaRPr lang="en-US" sz="2000" b="1" dirty="0">
+                        <a:effectLst/>
+                        <a:latin typeface="Calibri" panose="020F0502020204030204" pitchFamily="34" charset="0"/>
+                        <a:ea typeface="Calibri" panose="020F0502020204030204" pitchFamily="34" charset="0"/>
+                        <a:cs typeface="B Nazanin" panose="00000400000000000000" pitchFamily="2" charset="-78"/>
+                      </a:endParaRPr>
+                    </a:p>
+                  </a:txBody>
+                  <a:tcPr marL="68580" marR="68580" marT="0" marB="0" anchor="ctr">
+                    <a:lnL w="28575" cap="flat" cmpd="sng" algn="ctr">
+                      <a:solidFill>
+                        <a:schemeClr val="tx1"/>
+                      </a:solidFill>
+                      <a:prstDash val="solid"/>
+                      <a:round/>
+                      <a:headEnd type="none" w="med" len="med"/>
+                      <a:tailEnd type="none" w="med" len="med"/>
+                    </a:lnL>
+                    <a:lnT w="28575" cap="flat" cmpd="sng" algn="ctr">
+                      <a:solidFill>
+                        <a:schemeClr val="tx1"/>
+                      </a:solidFill>
+                      <a:prstDash val="solid"/>
+                      <a:round/>
+                      <a:headEnd type="none" w="med" len="med"/>
+                      <a:tailEnd type="none" w="med" len="med"/>
+                    </a:lnT>
+                  </a:tcPr>
+                </a:tc>
+                <a:tc>
+                  <a:txBody>
+                    <a:bodyPr/>
+                    <a:lstStyle/>
+                    <a:p>
+                      <a:pPr marL="0" marR="0" indent="0" algn="ctr" rtl="0">
+                        <a:spcBef>
+                          <a:spcPts val="0"/>
+                        </a:spcBef>
+                        <a:spcAft>
+                          <a:spcPts val="0"/>
+                        </a:spcAft>
+                      </a:pPr>
+                      <a:r>
+                        <a:rPr lang="en-US" sz="1600" b="1" dirty="0">
+                          <a:effectLst/>
+                        </a:rPr>
+                        <a:t>93.1</a:t>
+                      </a:r>
+                      <a:endParaRPr lang="en-US" sz="2000" b="1" dirty="0">
+                        <a:effectLst/>
+                        <a:latin typeface="Calibri" panose="020F0502020204030204" pitchFamily="34" charset="0"/>
+                        <a:ea typeface="Calibri" panose="020F0502020204030204" pitchFamily="34" charset="0"/>
+                        <a:cs typeface="B Nazanin" panose="00000400000000000000" pitchFamily="2" charset="-78"/>
+                      </a:endParaRPr>
+                    </a:p>
+                  </a:txBody>
+                  <a:tcPr marL="68580" marR="68580" marT="0" marB="0" anchor="ctr">
+                    <a:lnR w="28575" cap="flat" cmpd="sng" algn="ctr">
+                      <a:solidFill>
+                        <a:schemeClr val="tx1"/>
+                      </a:solidFill>
+                      <a:prstDash val="solid"/>
+                      <a:round/>
+                      <a:headEnd type="none" w="med" len="med"/>
+                      <a:tailEnd type="none" w="med" len="med"/>
+                    </a:lnR>
+                    <a:lnT w="28575" cap="flat" cmpd="sng" algn="ctr">
+                      <a:solidFill>
+                        <a:schemeClr val="tx1"/>
+                      </a:solidFill>
+                      <a:prstDash val="solid"/>
+                      <a:round/>
+                      <a:headEnd type="none" w="med" len="med"/>
+                      <a:tailEnd type="none" w="med" len="med"/>
+                    </a:lnT>
+                  </a:tcPr>
+                </a:tc>
+                <a:tc>
+                  <a:txBody>
+                    <a:bodyPr/>
+                    <a:lstStyle/>
+                    <a:p>
+                      <a:pPr marL="0" marR="0" indent="0" algn="ctr" rtl="1">
+                        <a:spcBef>
+                          <a:spcPts val="0"/>
+                        </a:spcBef>
+                        <a:spcAft>
+                          <a:spcPts val="0"/>
+                        </a:spcAft>
+                      </a:pPr>
+                      <a:r>
+                        <a:rPr lang="en-US" sz="1600" dirty="0">
+                          <a:effectLst/>
+                        </a:rPr>
+                        <a:t>CRAFT</a:t>
+                      </a:r>
+                      <a:endParaRPr lang="en-US" sz="2000" dirty="0">
+                        <a:effectLst/>
+                        <a:latin typeface="Calibri" panose="020F0502020204030204" pitchFamily="34" charset="0"/>
+                        <a:ea typeface="Calibri" panose="020F0502020204030204" pitchFamily="34" charset="0"/>
+                        <a:cs typeface="B Nazanin" panose="00000400000000000000" pitchFamily="2" charset="-78"/>
+                      </a:endParaRPr>
+                    </a:p>
+                  </a:txBody>
+                  <a:tcPr marL="68580" marR="68580" marT="0" marB="0" anchor="ctr">
+                    <a:lnL w="28575" cap="flat" cmpd="sng" algn="ctr">
+                      <a:solidFill>
+                        <a:schemeClr val="tx1"/>
+                      </a:solidFill>
+                      <a:prstDash val="solid"/>
+                      <a:round/>
+                      <a:headEnd type="none" w="med" len="med"/>
+                      <a:tailEnd type="none" w="med" len="med"/>
+                    </a:lnL>
+                    <a:lnT w="28575" cap="flat" cmpd="sng" algn="ctr">
+                      <a:solidFill>
+                        <a:schemeClr val="tx1"/>
+                      </a:solidFill>
+                      <a:prstDash val="solid"/>
+                      <a:round/>
+                      <a:headEnd type="none" w="med" len="med"/>
+                      <a:tailEnd type="none" w="med" len="med"/>
+                    </a:lnT>
+                    <a:lnB w="28575" cap="flat" cmpd="sng" algn="ctr">
+                      <a:solidFill>
+                        <a:schemeClr val="tx1"/>
+                      </a:solidFill>
+                      <a:prstDash val="solid"/>
+                      <a:round/>
+                      <a:headEnd type="none" w="med" len="med"/>
+                      <a:tailEnd type="none" w="med" len="med"/>
+                    </a:lnB>
+                  </a:tcPr>
+                </a:tc>
+                <a:extLst>
+                  <a:ext uri="{0D108BD9-81ED-4DB2-BD59-A6C34878D82A}">
+                    <a16:rowId xmlns:a16="http://schemas.microsoft.com/office/drawing/2014/main" val="2019134915"/>
+                  </a:ext>
+                </a:extLst>
+              </a:tr>
+              <a:tr h="627999">
+                <a:tc>
+                  <a:txBody>
+                    <a:bodyPr/>
+                    <a:lstStyle/>
+                    <a:p>
+                      <a:pPr marL="0" marR="0" indent="0" algn="ctr" rtl="1">
+                        <a:spcBef>
+                          <a:spcPts val="0"/>
+                        </a:spcBef>
+                        <a:spcAft>
+                          <a:spcPts val="0"/>
+                        </a:spcAft>
+                      </a:pPr>
+                      <a:r>
+                        <a:rPr lang="ar-SA" sz="1600">
+                          <a:effectLst/>
+                        </a:rPr>
+                        <a:t>-</a:t>
+                      </a:r>
+                      <a:endParaRPr lang="en-US" sz="2000">
+                        <a:effectLst/>
+                        <a:latin typeface="Calibri" panose="020F0502020204030204" pitchFamily="34" charset="0"/>
+                        <a:ea typeface="Calibri" panose="020F0502020204030204" pitchFamily="34" charset="0"/>
+                        <a:cs typeface="B Nazanin" panose="00000400000000000000" pitchFamily="2" charset="-78"/>
+                      </a:endParaRPr>
+                    </a:p>
+                  </a:txBody>
+                  <a:tcPr marL="68580" marR="68580" marT="0" marB="0" anchor="ctr"/>
+                </a:tc>
+                <a:tc>
+                  <a:txBody>
+                    <a:bodyPr/>
+                    <a:lstStyle/>
+                    <a:p>
+                      <a:pPr marL="0" marR="0" indent="0" algn="ctr" rtl="1">
+                        <a:spcBef>
+                          <a:spcPts val="0"/>
+                        </a:spcBef>
+                        <a:spcAft>
+                          <a:spcPts val="0"/>
+                        </a:spcAft>
+                      </a:pPr>
+                      <a:r>
+                        <a:rPr lang="en-US" sz="1600" dirty="0">
+                          <a:effectLst/>
+                        </a:rPr>
+                        <a:t>84.4</a:t>
+                      </a:r>
+                      <a:endParaRPr lang="en-US" sz="2000" dirty="0">
+                        <a:effectLst/>
+                        <a:latin typeface="Calibri" panose="020F0502020204030204" pitchFamily="34" charset="0"/>
+                        <a:ea typeface="Calibri" panose="020F0502020204030204" pitchFamily="34" charset="0"/>
+                        <a:cs typeface="B Nazanin" panose="00000400000000000000" pitchFamily="2" charset="-78"/>
+                      </a:endParaRPr>
+                    </a:p>
+                  </a:txBody>
+                  <a:tcPr marL="68580" marR="68580" marT="0" marB="0" anchor="ctr"/>
+                </a:tc>
+                <a:tc>
+                  <a:txBody>
+                    <a:bodyPr/>
+                    <a:lstStyle/>
+                    <a:p>
+                      <a:pPr marL="0" marR="0" indent="0" algn="ctr" rtl="1">
+                        <a:spcBef>
+                          <a:spcPts val="0"/>
+                        </a:spcBef>
+                        <a:spcAft>
+                          <a:spcPts val="0"/>
+                        </a:spcAft>
+                      </a:pPr>
+                      <a:r>
+                        <a:rPr lang="en-US" sz="1600" b="1" dirty="0">
+                          <a:effectLst/>
+                        </a:rPr>
+                        <a:t>83.8</a:t>
+                      </a:r>
+                      <a:endParaRPr lang="en-US" sz="2000" b="1" dirty="0">
+                        <a:effectLst/>
+                        <a:latin typeface="Calibri" panose="020F0502020204030204" pitchFamily="34" charset="0"/>
+                        <a:ea typeface="Calibri" panose="020F0502020204030204" pitchFamily="34" charset="0"/>
+                        <a:cs typeface="B Nazanin" panose="00000400000000000000" pitchFamily="2" charset="-78"/>
+                      </a:endParaRPr>
+                    </a:p>
+                  </a:txBody>
+                  <a:tcPr marL="68580" marR="68580" marT="0" marB="0" anchor="ctr">
+                    <a:lnR w="28575" cap="flat" cmpd="sng" algn="ctr">
+                      <a:solidFill>
+                        <a:schemeClr val="tx1"/>
+                      </a:solidFill>
+                      <a:prstDash val="solid"/>
+                      <a:round/>
+                      <a:headEnd type="none" w="med" len="med"/>
+                      <a:tailEnd type="none" w="med" len="med"/>
+                    </a:lnR>
+                  </a:tcPr>
+                </a:tc>
+                <a:tc>
+                  <a:txBody>
+                    <a:bodyPr/>
+                    <a:lstStyle/>
+                    <a:p>
+                      <a:pPr marL="0" marR="0" indent="0" algn="ctr" rtl="1">
+                        <a:spcBef>
+                          <a:spcPts val="0"/>
+                        </a:spcBef>
+                        <a:spcAft>
+                          <a:spcPts val="0"/>
+                        </a:spcAft>
+                      </a:pPr>
+                      <a:r>
+                        <a:rPr lang="en-US" sz="1600">
+                          <a:effectLst/>
+                        </a:rPr>
+                        <a:t>-</a:t>
+                      </a:r>
+                      <a:endParaRPr lang="en-US" sz="2000">
+                        <a:effectLst/>
+                        <a:latin typeface="Calibri" panose="020F0502020204030204" pitchFamily="34" charset="0"/>
+                        <a:ea typeface="Calibri" panose="020F0502020204030204" pitchFamily="34" charset="0"/>
+                        <a:cs typeface="B Nazanin" panose="00000400000000000000" pitchFamily="2" charset="-78"/>
+                      </a:endParaRPr>
+                    </a:p>
+                  </a:txBody>
+                  <a:tcPr marL="68580" marR="68580" marT="0" marB="0" anchor="ctr">
+                    <a:lnL w="28575" cap="flat" cmpd="sng" algn="ctr">
+                      <a:solidFill>
+                        <a:schemeClr val="tx1"/>
+                      </a:solidFill>
+                      <a:prstDash val="solid"/>
+                      <a:round/>
+                      <a:headEnd type="none" w="med" len="med"/>
+                      <a:tailEnd type="none" w="med" len="med"/>
+                    </a:lnL>
+                  </a:tcPr>
+                </a:tc>
+                <a:tc>
+                  <a:txBody>
+                    <a:bodyPr/>
+                    <a:lstStyle/>
+                    <a:p>
+                      <a:pPr marL="0" marR="0" indent="0" algn="ctr" rtl="0">
+                        <a:spcBef>
+                          <a:spcPts val="0"/>
+                        </a:spcBef>
+                        <a:spcAft>
+                          <a:spcPts val="0"/>
+                        </a:spcAft>
+                      </a:pPr>
+                      <a:r>
+                        <a:rPr lang="en-US" sz="1600">
+                          <a:effectLst/>
+                        </a:rPr>
+                        <a:t>82.2</a:t>
+                      </a:r>
+                      <a:endParaRPr lang="en-US" sz="2000">
+                        <a:effectLst/>
+                        <a:latin typeface="Calibri" panose="020F0502020204030204" pitchFamily="34" charset="0"/>
+                        <a:ea typeface="Calibri" panose="020F0502020204030204" pitchFamily="34" charset="0"/>
+                        <a:cs typeface="B Nazanin" panose="00000400000000000000" pitchFamily="2" charset="-78"/>
+                      </a:endParaRPr>
+                    </a:p>
+                  </a:txBody>
+                  <a:tcPr marL="68580" marR="68580" marT="0" marB="0" anchor="ctr"/>
+                </a:tc>
+                <a:tc>
+                  <a:txBody>
+                    <a:bodyPr/>
+                    <a:lstStyle/>
+                    <a:p>
+                      <a:pPr marL="0" marR="0" indent="0" algn="ctr" rtl="0">
+                        <a:spcBef>
+                          <a:spcPts val="0"/>
+                        </a:spcBef>
+                        <a:spcAft>
+                          <a:spcPts val="0"/>
+                        </a:spcAft>
+                      </a:pPr>
+                      <a:r>
+                        <a:rPr lang="en-US" sz="1600" dirty="0">
+                          <a:effectLst/>
+                        </a:rPr>
+                        <a:t>72.6</a:t>
+                      </a:r>
+                      <a:endParaRPr lang="en-US" sz="2000" dirty="0">
+                        <a:effectLst/>
+                        <a:latin typeface="Calibri" panose="020F0502020204030204" pitchFamily="34" charset="0"/>
+                        <a:ea typeface="Calibri" panose="020F0502020204030204" pitchFamily="34" charset="0"/>
+                        <a:cs typeface="B Nazanin" panose="00000400000000000000" pitchFamily="2" charset="-78"/>
+                      </a:endParaRPr>
+                    </a:p>
+                  </a:txBody>
+                  <a:tcPr marL="68580" marR="68580" marT="0" marB="0" anchor="ctr">
+                    <a:lnR w="28575" cap="flat" cmpd="sng" algn="ctr">
+                      <a:solidFill>
+                        <a:schemeClr val="tx1"/>
+                      </a:solidFill>
+                      <a:prstDash val="solid"/>
+                      <a:round/>
+                      <a:headEnd type="none" w="med" len="med"/>
+                      <a:tailEnd type="none" w="med" len="med"/>
+                    </a:lnR>
+                  </a:tcPr>
+                </a:tc>
+                <a:tc>
+                  <a:txBody>
+                    <a:bodyPr/>
+                    <a:lstStyle/>
+                    <a:p>
+                      <a:pPr marL="0" marR="0" indent="0" algn="ctr" rtl="0">
+                        <a:spcBef>
+                          <a:spcPts val="0"/>
+                        </a:spcBef>
+                        <a:spcAft>
+                          <a:spcPts val="0"/>
+                        </a:spcAft>
+                      </a:pPr>
+                      <a:r>
+                        <a:rPr lang="en-US" sz="1600">
+                          <a:effectLst/>
+                        </a:rPr>
+                        <a:t>-</a:t>
+                      </a:r>
+                      <a:endParaRPr lang="en-US" sz="2000">
+                        <a:effectLst/>
+                        <a:latin typeface="Calibri" panose="020F0502020204030204" pitchFamily="34" charset="0"/>
+                        <a:ea typeface="Calibri" panose="020F0502020204030204" pitchFamily="34" charset="0"/>
+                        <a:cs typeface="B Nazanin" panose="00000400000000000000" pitchFamily="2" charset="-78"/>
+                      </a:endParaRPr>
+                    </a:p>
+                  </a:txBody>
+                  <a:tcPr marL="68580" marR="68580" marT="0" marB="0" anchor="ctr">
+                    <a:lnL w="28575" cap="flat" cmpd="sng" algn="ctr">
+                      <a:solidFill>
+                        <a:schemeClr val="tx1"/>
+                      </a:solidFill>
+                      <a:prstDash val="solid"/>
+                      <a:round/>
+                      <a:headEnd type="none" w="med" len="med"/>
+                      <a:tailEnd type="none" w="med" len="med"/>
+                    </a:lnL>
+                  </a:tcPr>
+                </a:tc>
+                <a:tc>
+                  <a:txBody>
+                    <a:bodyPr/>
+                    <a:lstStyle/>
+                    <a:p>
+                      <a:pPr marL="0" marR="0" indent="0" algn="ctr" rtl="0">
+                        <a:spcBef>
+                          <a:spcPts val="0"/>
+                        </a:spcBef>
+                        <a:spcAft>
+                          <a:spcPts val="0"/>
+                        </a:spcAft>
+                      </a:pPr>
+                      <a:r>
+                        <a:rPr lang="en-US" sz="1600">
+                          <a:effectLst/>
+                        </a:rPr>
+                        <a:t>84.0</a:t>
+                      </a:r>
+                      <a:endParaRPr lang="en-US" sz="2000">
+                        <a:effectLst/>
+                        <a:latin typeface="Calibri" panose="020F0502020204030204" pitchFamily="34" charset="0"/>
+                        <a:ea typeface="Calibri" panose="020F0502020204030204" pitchFamily="34" charset="0"/>
+                        <a:cs typeface="B Nazanin" panose="00000400000000000000" pitchFamily="2" charset="-78"/>
+                      </a:endParaRPr>
+                    </a:p>
+                  </a:txBody>
+                  <a:tcPr marL="68580" marR="68580" marT="0" marB="0" anchor="ctr"/>
+                </a:tc>
+                <a:tc>
+                  <a:txBody>
+                    <a:bodyPr/>
+                    <a:lstStyle/>
+                    <a:p>
+                      <a:pPr marL="0" marR="0" indent="0" algn="ctr" rtl="0">
+                        <a:spcBef>
+                          <a:spcPts val="0"/>
+                        </a:spcBef>
+                        <a:spcAft>
+                          <a:spcPts val="0"/>
+                        </a:spcAft>
+                      </a:pPr>
+                      <a:r>
+                        <a:rPr lang="en-US" sz="1600" dirty="0">
+                          <a:effectLst/>
+                        </a:rPr>
+                        <a:t>71.3</a:t>
+                      </a:r>
+                      <a:endParaRPr lang="en-US" sz="2000" dirty="0">
+                        <a:effectLst/>
+                        <a:latin typeface="Calibri" panose="020F0502020204030204" pitchFamily="34" charset="0"/>
+                        <a:ea typeface="Calibri" panose="020F0502020204030204" pitchFamily="34" charset="0"/>
+                        <a:cs typeface="B Nazanin" panose="00000400000000000000" pitchFamily="2" charset="-78"/>
+                      </a:endParaRPr>
+                    </a:p>
+                  </a:txBody>
+                  <a:tcPr marL="68580" marR="68580" marT="0" marB="0" anchor="ctr">
+                    <a:lnR w="28575" cap="flat" cmpd="sng" algn="ctr">
+                      <a:solidFill>
+                        <a:schemeClr val="tx1"/>
+                      </a:solidFill>
+                      <a:prstDash val="solid"/>
+                      <a:round/>
+                      <a:headEnd type="none" w="med" len="med"/>
+                      <a:tailEnd type="none" w="med" len="med"/>
+                    </a:lnR>
+                  </a:tcPr>
+                </a:tc>
+                <a:tc>
+                  <a:txBody>
+                    <a:bodyPr/>
+                    <a:lstStyle/>
+                    <a:p>
+                      <a:pPr marL="0" marR="0" indent="0" algn="ctr" rtl="0">
+                        <a:spcBef>
+                          <a:spcPts val="0"/>
+                        </a:spcBef>
+                        <a:spcAft>
+                          <a:spcPts val="0"/>
+                        </a:spcAft>
+                      </a:pPr>
+                      <a:r>
+                        <a:rPr lang="en-US" sz="1600">
+                          <a:effectLst/>
+                        </a:rPr>
+                        <a:t>-</a:t>
+                      </a:r>
+                      <a:endParaRPr lang="en-US" sz="2000">
+                        <a:effectLst/>
+                        <a:latin typeface="Calibri" panose="020F0502020204030204" pitchFamily="34" charset="0"/>
+                        <a:ea typeface="Calibri" panose="020F0502020204030204" pitchFamily="34" charset="0"/>
+                        <a:cs typeface="B Nazanin" panose="00000400000000000000" pitchFamily="2" charset="-78"/>
+                      </a:endParaRPr>
+                    </a:p>
+                  </a:txBody>
+                  <a:tcPr marL="68580" marR="68580" marT="0" marB="0" anchor="ctr">
+                    <a:lnL w="28575" cap="flat" cmpd="sng" algn="ctr">
+                      <a:solidFill>
+                        <a:schemeClr val="tx1"/>
+                      </a:solidFill>
+                      <a:prstDash val="solid"/>
+                      <a:round/>
+                      <a:headEnd type="none" w="med" len="med"/>
+                      <a:tailEnd type="none" w="med" len="med"/>
+                    </a:lnL>
+                  </a:tcPr>
+                </a:tc>
+                <a:tc>
+                  <a:txBody>
+                    <a:bodyPr/>
+                    <a:lstStyle/>
+                    <a:p>
+                      <a:pPr marL="0" marR="0" indent="0" algn="ctr" rtl="0">
+                        <a:spcBef>
+                          <a:spcPts val="0"/>
+                        </a:spcBef>
+                        <a:spcAft>
+                          <a:spcPts val="0"/>
+                        </a:spcAft>
+                      </a:pPr>
+                      <a:r>
+                        <a:rPr lang="en-US" sz="1600">
+                          <a:effectLst/>
+                        </a:rPr>
+                        <a:t>82.9</a:t>
+                      </a:r>
+                      <a:endParaRPr lang="en-US" sz="2000">
+                        <a:effectLst/>
+                        <a:latin typeface="Calibri" panose="020F0502020204030204" pitchFamily="34" charset="0"/>
+                        <a:ea typeface="Calibri" panose="020F0502020204030204" pitchFamily="34" charset="0"/>
+                        <a:cs typeface="B Nazanin" panose="00000400000000000000" pitchFamily="2" charset="-78"/>
+                      </a:endParaRPr>
+                    </a:p>
+                  </a:txBody>
+                  <a:tcPr marL="68580" marR="68580" marT="0" marB="0" anchor="ctr"/>
+                </a:tc>
+                <a:tc>
+                  <a:txBody>
+                    <a:bodyPr/>
+                    <a:lstStyle/>
+                    <a:p>
+                      <a:pPr marL="0" marR="0" indent="0" algn="ctr" rtl="0">
+                        <a:spcBef>
+                          <a:spcPts val="0"/>
+                        </a:spcBef>
+                        <a:spcAft>
+                          <a:spcPts val="0"/>
+                        </a:spcAft>
+                      </a:pPr>
+                      <a:r>
+                        <a:rPr lang="en-US" sz="1600" dirty="0">
+                          <a:effectLst/>
+                        </a:rPr>
+                        <a:t>77.8</a:t>
+                      </a:r>
+                      <a:endParaRPr lang="en-US" sz="2000" dirty="0">
+                        <a:effectLst/>
+                        <a:latin typeface="Calibri" panose="020F0502020204030204" pitchFamily="34" charset="0"/>
+                        <a:ea typeface="Calibri" panose="020F0502020204030204" pitchFamily="34" charset="0"/>
+                        <a:cs typeface="B Nazanin" panose="00000400000000000000" pitchFamily="2" charset="-78"/>
+                      </a:endParaRPr>
+                    </a:p>
+                  </a:txBody>
+                  <a:tcPr marL="68580" marR="68580" marT="0" marB="0" anchor="ctr">
+                    <a:lnR w="28575" cap="flat" cmpd="sng" algn="ctr">
+                      <a:solidFill>
+                        <a:schemeClr val="tx1"/>
+                      </a:solidFill>
+                      <a:prstDash val="solid"/>
+                      <a:round/>
+                      <a:headEnd type="none" w="med" len="med"/>
+                      <a:tailEnd type="none" w="med" len="med"/>
+                    </a:lnR>
+                  </a:tcPr>
+                </a:tc>
+                <a:tc>
+                  <a:txBody>
+                    <a:bodyPr/>
+                    <a:lstStyle/>
+                    <a:p>
+                      <a:pPr marL="0" marR="0" indent="0" algn="ctr" rtl="0">
+                        <a:spcBef>
+                          <a:spcPts val="0"/>
+                        </a:spcBef>
+                        <a:spcAft>
+                          <a:spcPts val="0"/>
+                        </a:spcAft>
+                      </a:pPr>
+                      <a:r>
+                        <a:rPr lang="en-US" sz="1600">
+                          <a:effectLst/>
+                        </a:rPr>
+                        <a:t>-</a:t>
+                      </a:r>
+                      <a:endParaRPr lang="en-US" sz="2000">
+                        <a:effectLst/>
+                        <a:latin typeface="Calibri" panose="020F0502020204030204" pitchFamily="34" charset="0"/>
+                        <a:ea typeface="Calibri" panose="020F0502020204030204" pitchFamily="34" charset="0"/>
+                        <a:cs typeface="B Nazanin" panose="00000400000000000000" pitchFamily="2" charset="-78"/>
+                      </a:endParaRPr>
+                    </a:p>
+                  </a:txBody>
+                  <a:tcPr marL="68580" marR="68580" marT="0" marB="0" anchor="ctr">
+                    <a:lnL w="28575" cap="flat" cmpd="sng" algn="ctr">
+                      <a:solidFill>
+                        <a:schemeClr val="tx1"/>
+                      </a:solidFill>
+                      <a:prstDash val="solid"/>
+                      <a:round/>
+                      <a:headEnd type="none" w="med" len="med"/>
+                      <a:tailEnd type="none" w="med" len="med"/>
+                    </a:lnL>
+                  </a:tcPr>
+                </a:tc>
+                <a:tc>
+                  <a:txBody>
+                    <a:bodyPr/>
+                    <a:lstStyle/>
+                    <a:p>
+                      <a:pPr marL="0" marR="0" indent="0" algn="ctr" rtl="0">
+                        <a:spcBef>
+                          <a:spcPts val="0"/>
+                        </a:spcBef>
+                        <a:spcAft>
+                          <a:spcPts val="0"/>
+                        </a:spcAft>
+                      </a:pPr>
+                      <a:r>
+                        <a:rPr lang="en-US" sz="1600">
+                          <a:effectLst/>
+                        </a:rPr>
+                        <a:t>-</a:t>
+                      </a:r>
+                      <a:endParaRPr lang="en-US" sz="2000">
+                        <a:effectLst/>
+                        <a:latin typeface="Calibri" panose="020F0502020204030204" pitchFamily="34" charset="0"/>
+                        <a:ea typeface="Calibri" panose="020F0502020204030204" pitchFamily="34" charset="0"/>
+                        <a:cs typeface="B Nazanin" panose="00000400000000000000" pitchFamily="2" charset="-78"/>
+                      </a:endParaRPr>
+                    </a:p>
+                  </a:txBody>
+                  <a:tcPr marL="68580" marR="68580" marT="0" marB="0" anchor="ctr"/>
+                </a:tc>
+                <a:tc>
+                  <a:txBody>
+                    <a:bodyPr/>
+                    <a:lstStyle/>
+                    <a:p>
+                      <a:pPr marL="0" marR="0" indent="0" algn="ctr" rtl="0">
+                        <a:spcBef>
+                          <a:spcPts val="0"/>
+                        </a:spcBef>
+                        <a:spcAft>
+                          <a:spcPts val="0"/>
+                        </a:spcAft>
+                      </a:pPr>
+                      <a:r>
+                        <a:rPr lang="en-US" sz="1600" dirty="0">
+                          <a:effectLst/>
+                        </a:rPr>
+                        <a:t>-</a:t>
+                      </a:r>
+                      <a:endParaRPr lang="en-US" sz="2000" dirty="0">
+                        <a:effectLst/>
+                        <a:latin typeface="Calibri" panose="020F0502020204030204" pitchFamily="34" charset="0"/>
+                        <a:ea typeface="Calibri" panose="020F0502020204030204" pitchFamily="34" charset="0"/>
+                        <a:cs typeface="B Nazanin" panose="00000400000000000000" pitchFamily="2" charset="-78"/>
+                      </a:endParaRPr>
+                    </a:p>
+                  </a:txBody>
+                  <a:tcPr marL="68580" marR="68580" marT="0" marB="0" anchor="ctr">
+                    <a:lnR w="28575" cap="flat" cmpd="sng" algn="ctr">
+                      <a:solidFill>
+                        <a:schemeClr val="tx1"/>
+                      </a:solidFill>
+                      <a:prstDash val="solid"/>
+                      <a:round/>
+                      <a:headEnd type="none" w="med" len="med"/>
+                      <a:tailEnd type="none" w="med" len="med"/>
+                    </a:lnR>
+                  </a:tcPr>
+                </a:tc>
+                <a:tc>
+                  <a:txBody>
+                    <a:bodyPr/>
+                    <a:lstStyle/>
+                    <a:p>
+                      <a:pPr marL="0" marR="0" indent="0" algn="ctr" rtl="1">
+                        <a:spcBef>
+                          <a:spcPts val="0"/>
+                        </a:spcBef>
+                        <a:spcAft>
+                          <a:spcPts val="0"/>
+                        </a:spcAft>
+                      </a:pPr>
+                      <a:r>
+                        <a:rPr lang="en-US" sz="1600" dirty="0">
+                          <a:effectLst/>
+                        </a:rPr>
+                        <a:t>PAN</a:t>
+                      </a:r>
+                      <a:endParaRPr lang="en-US" sz="2000" dirty="0">
+                        <a:effectLst/>
+                        <a:latin typeface="Calibri" panose="020F0502020204030204" pitchFamily="34" charset="0"/>
+                        <a:ea typeface="Calibri" panose="020F0502020204030204" pitchFamily="34" charset="0"/>
+                        <a:cs typeface="B Nazanin" panose="00000400000000000000" pitchFamily="2" charset="-78"/>
+                      </a:endParaRPr>
+                    </a:p>
+                  </a:txBody>
+                  <a:tcPr marL="68580" marR="68580" marT="0" marB="0" anchor="ctr">
+                    <a:lnL w="28575" cap="flat" cmpd="sng" algn="ctr">
+                      <a:solidFill>
+                        <a:schemeClr val="tx1"/>
+                      </a:solidFill>
+                      <a:prstDash val="solid"/>
+                      <a:round/>
+                      <a:headEnd type="none" w="med" len="med"/>
+                      <a:tailEnd type="none" w="med" len="med"/>
+                    </a:lnL>
+                    <a:lnT w="28575" cap="flat" cmpd="sng" algn="ctr">
+                      <a:solidFill>
+                        <a:schemeClr val="tx1"/>
+                      </a:solidFill>
+                      <a:prstDash val="solid"/>
+                      <a:round/>
+                      <a:headEnd type="none" w="med" len="med"/>
+                      <a:tailEnd type="none" w="med" len="med"/>
+                    </a:lnT>
+                    <a:lnB w="28575" cap="flat" cmpd="sng" algn="ctr">
+                      <a:solidFill>
+                        <a:schemeClr val="tx1"/>
+                      </a:solidFill>
+                      <a:prstDash val="solid"/>
+                      <a:round/>
+                      <a:headEnd type="none" w="med" len="med"/>
+                      <a:tailEnd type="none" w="med" len="med"/>
+                    </a:lnB>
+                  </a:tcPr>
+                </a:tc>
+                <a:extLst>
+                  <a:ext uri="{0D108BD9-81ED-4DB2-BD59-A6C34878D82A}">
+                    <a16:rowId xmlns:a16="http://schemas.microsoft.com/office/drawing/2014/main" val="368300709"/>
+                  </a:ext>
+                </a:extLst>
+              </a:tr>
+              <a:tr h="941999">
+                <a:tc>
+                  <a:txBody>
+                    <a:bodyPr/>
+                    <a:lstStyle/>
+                    <a:p>
+                      <a:pPr marL="0" marR="0" indent="0" algn="ctr" rtl="0">
+                        <a:spcBef>
+                          <a:spcPts val="0"/>
+                        </a:spcBef>
+                        <a:spcAft>
+                          <a:spcPts val="0"/>
+                        </a:spcAft>
+                      </a:pPr>
+                      <a:r>
+                        <a:rPr lang="en-US" sz="1600" b="1" dirty="0">
+                          <a:effectLst/>
+                        </a:rPr>
+                        <a:t>83.6</a:t>
+                      </a:r>
+                      <a:endParaRPr lang="en-US" sz="2000" b="1" dirty="0">
+                        <a:effectLst/>
+                        <a:latin typeface="Calibri" panose="020F0502020204030204" pitchFamily="34" charset="0"/>
+                        <a:ea typeface="Calibri" panose="020F0502020204030204" pitchFamily="34" charset="0"/>
+                        <a:cs typeface="B Nazanin" panose="00000400000000000000" pitchFamily="2" charset="-78"/>
+                      </a:endParaRPr>
+                    </a:p>
+                  </a:txBody>
+                  <a:tcPr marL="68580" marR="68580" marT="0" marB="0" anchor="ctr"/>
+                </a:tc>
+                <a:tc>
+                  <a:txBody>
+                    <a:bodyPr/>
+                    <a:lstStyle/>
+                    <a:p>
+                      <a:pPr marL="0" marR="0" indent="0" algn="ctr" rtl="1">
+                        <a:spcBef>
+                          <a:spcPts val="0"/>
+                        </a:spcBef>
+                        <a:spcAft>
+                          <a:spcPts val="0"/>
+                        </a:spcAft>
+                      </a:pPr>
+                      <a:r>
+                        <a:rPr lang="en-US" sz="1600">
+                          <a:effectLst/>
+                        </a:rPr>
+                        <a:t>85.2</a:t>
+                      </a:r>
+                      <a:endParaRPr lang="en-US" sz="2000">
+                        <a:effectLst/>
+                        <a:latin typeface="Calibri" panose="020F0502020204030204" pitchFamily="34" charset="0"/>
+                        <a:ea typeface="Calibri" panose="020F0502020204030204" pitchFamily="34" charset="0"/>
+                        <a:cs typeface="B Nazanin" panose="00000400000000000000" pitchFamily="2" charset="-78"/>
+                      </a:endParaRPr>
+                    </a:p>
+                  </a:txBody>
+                  <a:tcPr marL="68580" marR="68580" marT="0" marB="0" anchor="ctr"/>
+                </a:tc>
+                <a:tc>
+                  <a:txBody>
+                    <a:bodyPr/>
+                    <a:lstStyle/>
+                    <a:p>
+                      <a:pPr marL="0" marR="0" indent="0" algn="ctr" rtl="1">
+                        <a:spcBef>
+                          <a:spcPts val="0"/>
+                        </a:spcBef>
+                        <a:spcAft>
+                          <a:spcPts val="0"/>
+                        </a:spcAft>
+                      </a:pPr>
+                      <a:r>
+                        <a:rPr lang="en-US" sz="1600" dirty="0">
+                          <a:effectLst/>
+                        </a:rPr>
+                        <a:t>82.1</a:t>
+                      </a:r>
+                      <a:endParaRPr lang="en-US" sz="2000" dirty="0">
+                        <a:effectLst/>
+                        <a:latin typeface="Calibri" panose="020F0502020204030204" pitchFamily="34" charset="0"/>
+                        <a:ea typeface="Calibri" panose="020F0502020204030204" pitchFamily="34" charset="0"/>
+                        <a:cs typeface="B Nazanin" panose="00000400000000000000" pitchFamily="2" charset="-78"/>
+                      </a:endParaRPr>
+                    </a:p>
+                  </a:txBody>
+                  <a:tcPr marL="68580" marR="68580" marT="0" marB="0" anchor="ctr">
+                    <a:lnR w="28575" cap="flat" cmpd="sng" algn="ctr">
+                      <a:solidFill>
+                        <a:schemeClr val="tx1"/>
+                      </a:solidFill>
+                      <a:prstDash val="solid"/>
+                      <a:round/>
+                      <a:headEnd type="none" w="med" len="med"/>
+                      <a:tailEnd type="none" w="med" len="med"/>
+                    </a:lnR>
+                  </a:tcPr>
+                </a:tc>
+                <a:tc>
+                  <a:txBody>
+                    <a:bodyPr/>
+                    <a:lstStyle/>
+                    <a:p>
+                      <a:pPr marL="0" marR="0" indent="0" algn="ctr" rtl="1">
+                        <a:spcBef>
+                          <a:spcPts val="0"/>
+                        </a:spcBef>
+                        <a:spcAft>
+                          <a:spcPts val="0"/>
+                        </a:spcAft>
+                      </a:pPr>
+                      <a:r>
+                        <a:rPr lang="en-US" sz="1600">
+                          <a:effectLst/>
+                        </a:rPr>
+                        <a:t>80.1</a:t>
+                      </a:r>
+                      <a:endParaRPr lang="en-US" sz="2000">
+                        <a:effectLst/>
+                        <a:latin typeface="Calibri" panose="020F0502020204030204" pitchFamily="34" charset="0"/>
+                        <a:ea typeface="Calibri" panose="020F0502020204030204" pitchFamily="34" charset="0"/>
+                        <a:cs typeface="B Nazanin" panose="00000400000000000000" pitchFamily="2" charset="-78"/>
+                      </a:endParaRPr>
+                    </a:p>
+                  </a:txBody>
+                  <a:tcPr marL="68580" marR="68580" marT="0" marB="0" anchor="ctr">
+                    <a:lnL w="28575" cap="flat" cmpd="sng" algn="ctr">
+                      <a:solidFill>
+                        <a:schemeClr val="tx1"/>
+                      </a:solidFill>
+                      <a:prstDash val="solid"/>
+                      <a:round/>
+                      <a:headEnd type="none" w="med" len="med"/>
+                      <a:tailEnd type="none" w="med" len="med"/>
+                    </a:lnL>
+                  </a:tcPr>
+                </a:tc>
+                <a:tc>
+                  <a:txBody>
+                    <a:bodyPr/>
+                    <a:lstStyle/>
+                    <a:p>
+                      <a:pPr marL="0" marR="0" indent="0" algn="ctr" rtl="0">
+                        <a:spcBef>
+                          <a:spcPts val="0"/>
+                        </a:spcBef>
+                        <a:spcAft>
+                          <a:spcPts val="0"/>
+                        </a:spcAft>
+                      </a:pPr>
+                      <a:r>
+                        <a:rPr lang="en-US" sz="1600">
+                          <a:effectLst/>
+                        </a:rPr>
+                        <a:t>80.1</a:t>
+                      </a:r>
+                      <a:endParaRPr lang="en-US" sz="2000">
+                        <a:effectLst/>
+                        <a:latin typeface="Calibri" panose="020F0502020204030204" pitchFamily="34" charset="0"/>
+                        <a:ea typeface="Calibri" panose="020F0502020204030204" pitchFamily="34" charset="0"/>
+                        <a:cs typeface="B Nazanin" panose="00000400000000000000" pitchFamily="2" charset="-78"/>
+                      </a:endParaRPr>
+                    </a:p>
+                  </a:txBody>
+                  <a:tcPr marL="68580" marR="68580" marT="0" marB="0" anchor="ctr"/>
+                </a:tc>
+                <a:tc>
+                  <a:txBody>
+                    <a:bodyPr/>
+                    <a:lstStyle/>
+                    <a:p>
+                      <a:pPr marL="0" marR="0" indent="0" algn="ctr" rtl="0">
+                        <a:spcBef>
+                          <a:spcPts val="0"/>
+                        </a:spcBef>
+                        <a:spcAft>
+                          <a:spcPts val="0"/>
+                        </a:spcAft>
+                      </a:pPr>
+                      <a:r>
+                        <a:rPr lang="en-US" sz="1600" dirty="0">
+                          <a:effectLst/>
+                        </a:rPr>
+                        <a:t>80.2</a:t>
+                      </a:r>
+                      <a:endParaRPr lang="en-US" sz="2000" dirty="0">
+                        <a:effectLst/>
+                        <a:latin typeface="Calibri" panose="020F0502020204030204" pitchFamily="34" charset="0"/>
+                        <a:ea typeface="Calibri" panose="020F0502020204030204" pitchFamily="34" charset="0"/>
+                        <a:cs typeface="B Nazanin" panose="00000400000000000000" pitchFamily="2" charset="-78"/>
+                      </a:endParaRPr>
+                    </a:p>
+                  </a:txBody>
+                  <a:tcPr marL="68580" marR="68580" marT="0" marB="0" anchor="ctr">
+                    <a:lnR w="28575" cap="flat" cmpd="sng" algn="ctr">
+                      <a:solidFill>
+                        <a:schemeClr val="tx1"/>
+                      </a:solidFill>
+                      <a:prstDash val="solid"/>
+                      <a:round/>
+                      <a:headEnd type="none" w="med" len="med"/>
+                      <a:tailEnd type="none" w="med" len="med"/>
+                    </a:lnR>
+                  </a:tcPr>
+                </a:tc>
+                <a:tc>
+                  <a:txBody>
+                    <a:bodyPr/>
+                    <a:lstStyle/>
+                    <a:p>
+                      <a:pPr marL="0" marR="0" indent="0" algn="ctr" rtl="0">
+                        <a:spcBef>
+                          <a:spcPts val="0"/>
+                        </a:spcBef>
+                        <a:spcAft>
+                          <a:spcPts val="0"/>
+                        </a:spcAft>
+                      </a:pPr>
+                      <a:r>
+                        <a:rPr lang="en-US" sz="1600">
+                          <a:effectLst/>
+                        </a:rPr>
+                        <a:t>78.5</a:t>
+                      </a:r>
+                      <a:endParaRPr lang="en-US" sz="2000">
+                        <a:effectLst/>
+                        <a:latin typeface="Calibri" panose="020F0502020204030204" pitchFamily="34" charset="0"/>
+                        <a:ea typeface="Calibri" panose="020F0502020204030204" pitchFamily="34" charset="0"/>
+                        <a:cs typeface="B Nazanin" panose="00000400000000000000" pitchFamily="2" charset="-78"/>
+                      </a:endParaRPr>
+                    </a:p>
+                  </a:txBody>
+                  <a:tcPr marL="68580" marR="68580" marT="0" marB="0" anchor="ctr">
+                    <a:lnL w="28575" cap="flat" cmpd="sng" algn="ctr">
+                      <a:solidFill>
+                        <a:schemeClr val="tx1"/>
+                      </a:solidFill>
+                      <a:prstDash val="solid"/>
+                      <a:round/>
+                      <a:headEnd type="none" w="med" len="med"/>
+                      <a:tailEnd type="none" w="med" len="med"/>
+                    </a:lnL>
+                  </a:tcPr>
+                </a:tc>
+                <a:tc>
+                  <a:txBody>
+                    <a:bodyPr/>
+                    <a:lstStyle/>
+                    <a:p>
+                      <a:pPr marL="0" marR="0" indent="0" algn="ctr" rtl="0">
+                        <a:spcBef>
+                          <a:spcPts val="0"/>
+                        </a:spcBef>
+                        <a:spcAft>
+                          <a:spcPts val="0"/>
+                        </a:spcAft>
+                      </a:pPr>
+                      <a:r>
+                        <a:rPr lang="en-US" sz="1600" dirty="0">
+                          <a:effectLst/>
+                        </a:rPr>
+                        <a:t>80.9</a:t>
+                      </a:r>
+                      <a:endParaRPr lang="en-US" sz="2000" dirty="0">
+                        <a:effectLst/>
+                        <a:latin typeface="Calibri" panose="020F0502020204030204" pitchFamily="34" charset="0"/>
+                        <a:ea typeface="Calibri" panose="020F0502020204030204" pitchFamily="34" charset="0"/>
+                        <a:cs typeface="B Nazanin" panose="00000400000000000000" pitchFamily="2" charset="-78"/>
+                      </a:endParaRPr>
+                    </a:p>
+                  </a:txBody>
+                  <a:tcPr marL="68580" marR="68580" marT="0" marB="0" anchor="ctr"/>
+                </a:tc>
+                <a:tc>
+                  <a:txBody>
+                    <a:bodyPr/>
+                    <a:lstStyle/>
+                    <a:p>
+                      <a:pPr marL="0" marR="0" indent="0" algn="ctr" rtl="0">
+                        <a:spcBef>
+                          <a:spcPts val="0"/>
+                        </a:spcBef>
+                        <a:spcAft>
+                          <a:spcPts val="0"/>
+                        </a:spcAft>
+                      </a:pPr>
+                      <a:r>
+                        <a:rPr lang="en-US" sz="1600" dirty="0">
+                          <a:effectLst/>
+                        </a:rPr>
+                        <a:t>76.2</a:t>
+                      </a:r>
+                      <a:endParaRPr lang="en-US" sz="2000" dirty="0">
+                        <a:effectLst/>
+                        <a:latin typeface="Calibri" panose="020F0502020204030204" pitchFamily="34" charset="0"/>
+                        <a:ea typeface="Calibri" panose="020F0502020204030204" pitchFamily="34" charset="0"/>
+                        <a:cs typeface="B Nazanin" panose="00000400000000000000" pitchFamily="2" charset="-78"/>
+                      </a:endParaRPr>
+                    </a:p>
+                  </a:txBody>
+                  <a:tcPr marL="68580" marR="68580" marT="0" marB="0" anchor="ctr">
+                    <a:lnR w="28575" cap="flat" cmpd="sng" algn="ctr">
+                      <a:solidFill>
+                        <a:schemeClr val="tx1"/>
+                      </a:solidFill>
+                      <a:prstDash val="solid"/>
+                      <a:round/>
+                      <a:headEnd type="none" w="med" len="med"/>
+                      <a:tailEnd type="none" w="med" len="med"/>
+                    </a:lnR>
+                  </a:tcPr>
+                </a:tc>
+                <a:tc>
+                  <a:txBody>
+                    <a:bodyPr/>
+                    <a:lstStyle/>
+                    <a:p>
+                      <a:pPr marL="0" marR="0" indent="0" algn="ctr" rtl="0">
+                        <a:spcBef>
+                          <a:spcPts val="0"/>
+                        </a:spcBef>
+                        <a:spcAft>
+                          <a:spcPts val="0"/>
+                        </a:spcAft>
+                      </a:pPr>
+                      <a:r>
+                        <a:rPr lang="en-US" sz="1600" b="1" dirty="0">
+                          <a:effectLst/>
+                        </a:rPr>
+                        <a:t>87.6</a:t>
+                      </a:r>
+                      <a:endParaRPr lang="en-US" sz="2000" b="1" dirty="0">
+                        <a:effectLst/>
+                        <a:latin typeface="Calibri" panose="020F0502020204030204" pitchFamily="34" charset="0"/>
+                        <a:ea typeface="Calibri" panose="020F0502020204030204" pitchFamily="34" charset="0"/>
+                        <a:cs typeface="B Nazanin" panose="00000400000000000000" pitchFamily="2" charset="-78"/>
+                      </a:endParaRPr>
+                    </a:p>
+                  </a:txBody>
+                  <a:tcPr marL="68580" marR="68580" marT="0" marB="0" anchor="ctr">
+                    <a:lnL w="28575" cap="flat" cmpd="sng" algn="ctr">
+                      <a:solidFill>
+                        <a:schemeClr val="tx1"/>
+                      </a:solidFill>
+                      <a:prstDash val="solid"/>
+                      <a:round/>
+                      <a:headEnd type="none" w="med" len="med"/>
+                      <a:tailEnd type="none" w="med" len="med"/>
+                    </a:lnL>
+                  </a:tcPr>
+                </a:tc>
+                <a:tc>
+                  <a:txBody>
+                    <a:bodyPr/>
+                    <a:lstStyle/>
+                    <a:p>
+                      <a:pPr marL="0" marR="0" indent="0" algn="ctr" rtl="0">
+                        <a:spcBef>
+                          <a:spcPts val="0"/>
+                        </a:spcBef>
+                        <a:spcAft>
+                          <a:spcPts val="0"/>
+                        </a:spcAft>
+                      </a:pPr>
+                      <a:r>
+                        <a:rPr lang="en-US" sz="1600">
+                          <a:effectLst/>
+                        </a:rPr>
+                        <a:t>89.2</a:t>
+                      </a:r>
+                      <a:endParaRPr lang="en-US" sz="2000">
+                        <a:effectLst/>
+                        <a:latin typeface="Calibri" panose="020F0502020204030204" pitchFamily="34" charset="0"/>
+                        <a:ea typeface="Calibri" panose="020F0502020204030204" pitchFamily="34" charset="0"/>
+                        <a:cs typeface="B Nazanin" panose="00000400000000000000" pitchFamily="2" charset="-78"/>
+                      </a:endParaRPr>
+                    </a:p>
+                  </a:txBody>
+                  <a:tcPr marL="68580" marR="68580" marT="0" marB="0" anchor="ctr"/>
+                </a:tc>
+                <a:tc>
+                  <a:txBody>
+                    <a:bodyPr/>
+                    <a:lstStyle/>
+                    <a:p>
+                      <a:pPr marL="0" marR="0" indent="0" algn="ctr" rtl="0">
+                        <a:spcBef>
+                          <a:spcPts val="0"/>
+                        </a:spcBef>
+                        <a:spcAft>
+                          <a:spcPts val="0"/>
+                        </a:spcAft>
+                      </a:pPr>
+                      <a:r>
+                        <a:rPr lang="en-US" sz="1600" b="1" dirty="0">
+                          <a:effectLst/>
+                        </a:rPr>
+                        <a:t>86.0</a:t>
+                      </a:r>
+                      <a:endParaRPr lang="en-US" sz="2000" b="1" dirty="0">
+                        <a:effectLst/>
+                        <a:latin typeface="Calibri" panose="020F0502020204030204" pitchFamily="34" charset="0"/>
+                        <a:ea typeface="Calibri" panose="020F0502020204030204" pitchFamily="34" charset="0"/>
+                        <a:cs typeface="B Nazanin" panose="00000400000000000000" pitchFamily="2" charset="-78"/>
+                      </a:endParaRPr>
+                    </a:p>
+                  </a:txBody>
+                  <a:tcPr marL="68580" marR="68580" marT="0" marB="0" anchor="ctr">
+                    <a:lnR w="28575" cap="flat" cmpd="sng" algn="ctr">
+                      <a:solidFill>
+                        <a:schemeClr val="tx1"/>
+                      </a:solidFill>
+                      <a:prstDash val="solid"/>
+                      <a:round/>
+                      <a:headEnd type="none" w="med" len="med"/>
+                      <a:tailEnd type="none" w="med" len="med"/>
+                    </a:lnR>
+                  </a:tcPr>
+                </a:tc>
+                <a:tc>
+                  <a:txBody>
+                    <a:bodyPr/>
+                    <a:lstStyle/>
+                    <a:p>
+                      <a:pPr marL="0" marR="0" indent="0" algn="ctr" rtl="0">
+                        <a:spcBef>
+                          <a:spcPts val="0"/>
+                        </a:spcBef>
+                        <a:spcAft>
+                          <a:spcPts val="0"/>
+                        </a:spcAft>
+                      </a:pPr>
+                      <a:r>
+                        <a:rPr lang="en-US" sz="1600">
+                          <a:effectLst/>
+                        </a:rPr>
+                        <a:t>91.7</a:t>
+                      </a:r>
+                      <a:endParaRPr lang="en-US" sz="2000">
+                        <a:effectLst/>
+                        <a:latin typeface="Calibri" panose="020F0502020204030204" pitchFamily="34" charset="0"/>
+                        <a:ea typeface="Calibri" panose="020F0502020204030204" pitchFamily="34" charset="0"/>
+                        <a:cs typeface="B Nazanin" panose="00000400000000000000" pitchFamily="2" charset="-78"/>
+                      </a:endParaRPr>
+                    </a:p>
+                  </a:txBody>
+                  <a:tcPr marL="68580" marR="68580" marT="0" marB="0" anchor="ctr">
+                    <a:lnL w="28575" cap="flat" cmpd="sng" algn="ctr">
+                      <a:solidFill>
+                        <a:schemeClr val="tx1"/>
+                      </a:solidFill>
+                      <a:prstDash val="solid"/>
+                      <a:round/>
+                      <a:headEnd type="none" w="med" len="med"/>
+                      <a:tailEnd type="none" w="med" len="med"/>
+                    </a:lnL>
+                  </a:tcPr>
+                </a:tc>
+                <a:tc>
+                  <a:txBody>
+                    <a:bodyPr/>
+                    <a:lstStyle/>
+                    <a:p>
+                      <a:pPr marL="0" marR="0" indent="0" algn="ctr" rtl="0">
+                        <a:spcBef>
+                          <a:spcPts val="0"/>
+                        </a:spcBef>
+                        <a:spcAft>
+                          <a:spcPts val="0"/>
+                        </a:spcAft>
+                      </a:pPr>
+                      <a:r>
+                        <a:rPr lang="en-US" sz="1600">
+                          <a:effectLst/>
+                        </a:rPr>
+                        <a:t>93.7</a:t>
+                      </a:r>
+                      <a:endParaRPr lang="en-US" sz="2000">
+                        <a:effectLst/>
+                        <a:latin typeface="Calibri" panose="020F0502020204030204" pitchFamily="34" charset="0"/>
+                        <a:ea typeface="Calibri" panose="020F0502020204030204" pitchFamily="34" charset="0"/>
+                        <a:cs typeface="B Nazanin" panose="00000400000000000000" pitchFamily="2" charset="-78"/>
+                      </a:endParaRPr>
+                    </a:p>
+                  </a:txBody>
+                  <a:tcPr marL="68580" marR="68580" marT="0" marB="0" anchor="ctr"/>
+                </a:tc>
+                <a:tc>
+                  <a:txBody>
+                    <a:bodyPr/>
+                    <a:lstStyle/>
+                    <a:p>
+                      <a:pPr marL="0" marR="0" indent="0" algn="ctr" rtl="0">
+                        <a:spcBef>
+                          <a:spcPts val="0"/>
+                        </a:spcBef>
+                        <a:spcAft>
+                          <a:spcPts val="0"/>
+                        </a:spcAft>
+                      </a:pPr>
+                      <a:r>
+                        <a:rPr lang="en-US" sz="1600" dirty="0">
+                          <a:effectLst/>
+                        </a:rPr>
+                        <a:t>89.7</a:t>
+                      </a:r>
+                      <a:endParaRPr lang="en-US" sz="2000" dirty="0">
+                        <a:effectLst/>
+                        <a:latin typeface="Calibri" panose="020F0502020204030204" pitchFamily="34" charset="0"/>
+                        <a:ea typeface="Calibri" panose="020F0502020204030204" pitchFamily="34" charset="0"/>
+                        <a:cs typeface="B Nazanin" panose="00000400000000000000" pitchFamily="2" charset="-78"/>
+                      </a:endParaRPr>
+                    </a:p>
+                  </a:txBody>
+                  <a:tcPr marL="68580" marR="68580" marT="0" marB="0" anchor="ctr">
+                    <a:lnR w="28575" cap="flat" cmpd="sng" algn="ctr">
+                      <a:solidFill>
+                        <a:schemeClr val="tx1"/>
+                      </a:solidFill>
+                      <a:prstDash val="solid"/>
+                      <a:round/>
+                      <a:headEnd type="none" w="med" len="med"/>
+                      <a:tailEnd type="none" w="med" len="med"/>
+                    </a:lnR>
+                  </a:tcPr>
+                </a:tc>
+                <a:tc>
+                  <a:txBody>
+                    <a:bodyPr/>
+                    <a:lstStyle/>
+                    <a:p>
+                      <a:pPr marL="0" marR="0" indent="0" algn="ctr" rtl="1">
+                        <a:spcBef>
+                          <a:spcPts val="0"/>
+                        </a:spcBef>
+                        <a:spcAft>
+                          <a:spcPts val="0"/>
+                        </a:spcAft>
+                      </a:pPr>
+                      <a:r>
+                        <a:rPr lang="en-US" sz="1600" dirty="0">
+                          <a:effectLst/>
+                        </a:rPr>
+                        <a:t>Wang. Et al</a:t>
+                      </a:r>
+                      <a:endParaRPr lang="en-US" sz="2000" dirty="0">
+                        <a:effectLst/>
+                        <a:latin typeface="Calibri" panose="020F0502020204030204" pitchFamily="34" charset="0"/>
+                        <a:ea typeface="Calibri" panose="020F0502020204030204" pitchFamily="34" charset="0"/>
+                        <a:cs typeface="B Nazanin" panose="00000400000000000000" pitchFamily="2" charset="-78"/>
+                      </a:endParaRPr>
+                    </a:p>
+                  </a:txBody>
+                  <a:tcPr marL="68580" marR="68580" marT="0" marB="0" anchor="ctr">
+                    <a:lnL w="28575" cap="flat" cmpd="sng" algn="ctr">
+                      <a:solidFill>
+                        <a:schemeClr val="tx1"/>
+                      </a:solidFill>
+                      <a:prstDash val="solid"/>
+                      <a:round/>
+                      <a:headEnd type="none" w="med" len="med"/>
+                      <a:tailEnd type="none" w="med" len="med"/>
+                    </a:lnL>
+                    <a:lnT w="28575" cap="flat" cmpd="sng" algn="ctr">
+                      <a:solidFill>
+                        <a:schemeClr val="tx1"/>
+                      </a:solidFill>
+                      <a:prstDash val="solid"/>
+                      <a:round/>
+                      <a:headEnd type="none" w="med" len="med"/>
+                      <a:tailEnd type="none" w="med" len="med"/>
+                    </a:lnT>
+                  </a:tcPr>
+                </a:tc>
+                <a:extLst>
+                  <a:ext uri="{0D108BD9-81ED-4DB2-BD59-A6C34878D82A}">
+                    <a16:rowId xmlns:a16="http://schemas.microsoft.com/office/drawing/2014/main" val="2924570988"/>
+                  </a:ext>
+                </a:extLst>
+              </a:tr>
+            </a:tbl>
+          </a:graphicData>
+        </a:graphic>
+      </p:graphicFrame>
+      <p:sp>
+        <p:nvSpPr>
+          <p:cNvPr id="4" name="Slide Number Placeholder 3"/>
+          <p:cNvSpPr>
+            <a:spLocks noGrp="1"/>
+          </p:cNvSpPr>
+          <p:nvPr>
+            <p:ph type="sldNum" sz="quarter" idx="12"/>
+          </p:nvPr>
+        </p:nvSpPr>
+        <p:spPr/>
+        <p:txBody>
+          <a:bodyPr/>
+          <a:lstStyle/>
+          <a:p>
+            <a:fld id="{18087783-62FF-446C-A2E4-4C6B0B0DE16F}" type="slidenum">
+              <a:rPr lang="en-US" smtClean="0"/>
+              <a:t>40</a:t>
+            </a:fld>
+            <a:endParaRPr lang="en-US"/>
+          </a:p>
+        </p:txBody>
+      </p:sp>
+    </p:spTree>
+    <p:extLst>
+      <p:ext uri="{BB962C8B-B14F-4D97-AF65-F5344CB8AC3E}">
+        <p14:creationId xmlns:p14="http://schemas.microsoft.com/office/powerpoint/2010/main" val="883543362"/>
+      </p:ext>
+    </p:extLst>
+  </p:cSld>
+  <p:clrMapOvr>
+    <a:masterClrMapping/>
+  </p:clrMapOvr>
+  <p:timing>
+    <p:tnLst>
+      <p:par>
+        <p:cTn id="1" dur="indefinite" restart="never" nodeType="tmRoot">
+          <p:childTnLst>
+            <p:seq concurrent="1" nextAc="seek">
+              <p:cTn id="2" dur="indefinite" nodeType="mainSeq">
+                <p:childTnLst>
+                  <p:par>
+                    <p:cTn id="3" fill="hold">
+                      <p:stCondLst>
+                        <p:cond delay="indefinite"/>
+                      </p:stCondLst>
+                      <p:childTnLst>
+                        <p:par>
+                          <p:cTn id="4" fill="hold">
+                            <p:stCondLst>
+                              <p:cond delay="0"/>
+                            </p:stCondLst>
+                            <p:childTnLst>
+                              <p:par>
+                                <p:cTn id="5" presetID="10" presetClass="entr" presetSubtype="0" fill="hold" nodeType="clickEffect">
+                                  <p:stCondLst>
+                                    <p:cond delay="0"/>
+                                  </p:stCondLst>
+                                  <p:childTnLst>
+                                    <p:set>
+                                      <p:cBhvr>
+                                        <p:cTn id="6" dur="1" fill="hold">
+                                          <p:stCondLst>
+                                            <p:cond delay="0"/>
+                                          </p:stCondLst>
+                                        </p:cTn>
+                                        <p:tgtEl>
+                                          <p:spTgt spid="5"/>
+                                        </p:tgtEl>
+                                        <p:attrNameLst>
+                                          <p:attrName>style.visibility</p:attrName>
+                                        </p:attrNameLst>
+                                      </p:cBhvr>
+                                      <p:to>
+                                        <p:strVal val="visible"/>
+                                      </p:to>
+                                    </p:set>
+                                    <p:animEffect transition="in" filter="fade">
+                                      <p:cBhvr>
+                                        <p:cTn id="7" dur="500"/>
+                                        <p:tgtEl>
+                                          <p:spTgt spid="5"/>
+                                        </p:tgtEl>
+                                      </p:cBhvr>
+                                    </p:animEffect>
+                                  </p:childTnLst>
+                                </p:cTn>
+                              </p:par>
+                            </p:childTnLst>
+                          </p:cTn>
+                        </p:par>
+                      </p:childTnLst>
+                    </p:cTn>
+                  </p:par>
+                </p:childTnLst>
+              </p:cTn>
+              <p:prevCondLst>
+                <p:cond evt="onPrev" delay="0">
+                  <p:tgtEl>
+                    <p:sldTgt/>
+                  </p:tgtEl>
+                </p:cond>
+              </p:prevCondLst>
+              <p:nextCondLst>
+                <p:cond evt="onNext" delay="0">
+                  <p:tgtEl>
+                    <p:sldTgt/>
+                  </p:tgtEl>
+                </p:cond>
+              </p:nextCondLst>
+            </p:seq>
+          </p:childTnLst>
+        </p:cTn>
+      </p:par>
+    </p:tnLst>
+  </p:timing>
+</p:sld>
+</file>
+
+<file path=ppt/slides/slide41.xml><?xml version="1.0" encoding="utf-8"?>
+<p:sld xmlns:a="http://schemas.openxmlformats.org/drawingml/2006/main" xmlns:r="http://schemas.openxmlformats.org/officeDocument/2006/relationships" xmlns:p="http://schemas.openxmlformats.org/presentationml/2006/main">
+  <p:cSld>
+    <p:spTree>
+      <p:nvGrpSpPr>
+        <p:cNvPr id="1" name=""/>
+        <p:cNvGrpSpPr/>
+        <p:nvPr/>
+      </p:nvGrpSpPr>
+      <p:grpSpPr>
+        <a:xfrm>
+          <a:off x="0" y="0"/>
+          <a:ext cx="0" cy="0"/>
+          <a:chOff x="0" y="0"/>
+          <a:chExt cx="0" cy="0"/>
+        </a:xfrm>
+      </p:grpSpPr>
+      <p:sp>
+        <p:nvSpPr>
+          <p:cNvPr id="2" name="Title 1"/>
+          <p:cNvSpPr>
+            <a:spLocks noGrp="1"/>
+          </p:cNvSpPr>
+          <p:nvPr>
+            <p:ph type="title"/>
+          </p:nvPr>
+        </p:nvSpPr>
+        <p:spPr/>
+        <p:txBody>
+          <a:bodyPr/>
+          <a:lstStyle/>
+          <a:p>
+            <a:pPr algn="r" rtl="1"/>
+            <a:r>
+              <a:rPr lang="fa-IR" dirty="0" smtClean="0">
+                <a:cs typeface="B Nazanin" panose="00000400000000000000" pitchFamily="2" charset="-78"/>
+              </a:rPr>
+              <a:t>بهبود مقاله</a:t>
+            </a:r>
+            <a:endParaRPr lang="en-US" dirty="0">
+              <a:cs typeface="B Nazanin" panose="00000400000000000000" pitchFamily="2" charset="-78"/>
+            </a:endParaRPr>
+          </a:p>
+        </p:txBody>
+      </p:sp>
+      <p:sp>
+        <p:nvSpPr>
+          <p:cNvPr id="3" name="Content Placeholder 2"/>
+          <p:cNvSpPr>
+            <a:spLocks noGrp="1"/>
+          </p:cNvSpPr>
+          <p:nvPr>
+            <p:ph idx="1"/>
+          </p:nvPr>
+        </p:nvSpPr>
+        <p:spPr/>
+        <p:txBody>
+          <a:bodyPr>
+            <a:normAutofit/>
+          </a:bodyPr>
+          <a:lstStyle/>
+          <a:p>
+            <a:pPr algn="r" rtl="1"/>
+            <a:r>
+              <a:rPr lang="en-US" sz="2400" dirty="0">
+                <a:cs typeface="B Nazanin" panose="00000400000000000000" pitchFamily="2" charset="-78"/>
+              </a:rPr>
+              <a:t> </a:t>
+            </a:r>
+            <a:r>
+              <a:rPr lang="fa-IR" sz="2400" dirty="0" smtClean="0">
+                <a:cs typeface="B Nazanin" panose="00000400000000000000" pitchFamily="2" charset="-78"/>
+              </a:rPr>
+              <a:t>قصد داریم که یک ماژول در ادامه روش پیشنهادی قرار دهیم که متن موجود در چند ضلعی را تشخیص دهد. در واقع هدف ما طراحی یک شبکه </a:t>
+            </a:r>
+            <a:r>
+              <a:rPr lang="fa-IR" sz="2400" dirty="0">
+                <a:cs typeface="B Nazanin" panose="00000400000000000000" pitchFamily="2" charset="-78"/>
+              </a:rPr>
+              <a:t> </a:t>
+            </a:r>
+            <a:r>
+              <a:rPr lang="en-US" sz="2400" dirty="0" smtClean="0">
+                <a:cs typeface="B Nazanin" panose="00000400000000000000" pitchFamily="2" charset="-78"/>
+              </a:rPr>
+              <a:t>end to end</a:t>
+            </a:r>
+            <a:r>
+              <a:rPr lang="fa-IR" sz="2400" dirty="0" smtClean="0">
+                <a:cs typeface="B Nazanin" panose="00000400000000000000" pitchFamily="2" charset="-78"/>
+              </a:rPr>
+              <a:t> برای </a:t>
+            </a:r>
+            <a:r>
+              <a:rPr lang="en-US" sz="2400" dirty="0" smtClean="0">
+                <a:cs typeface="B Nazanin" panose="00000400000000000000" pitchFamily="2" charset="-78"/>
+              </a:rPr>
+              <a:t>localization</a:t>
+            </a:r>
+            <a:r>
+              <a:rPr lang="fa-IR" sz="2400" dirty="0" smtClean="0">
+                <a:cs typeface="B Nazanin" panose="00000400000000000000" pitchFamily="2" charset="-78"/>
+              </a:rPr>
+              <a:t> و</a:t>
+            </a:r>
+            <a:r>
+              <a:rPr lang="en-US" sz="2400" dirty="0" smtClean="0">
+                <a:cs typeface="B Nazanin" panose="00000400000000000000" pitchFamily="2" charset="-78"/>
+              </a:rPr>
+              <a:t> Recognition</a:t>
+            </a:r>
+            <a:r>
+              <a:rPr lang="fa-IR" sz="2400" dirty="0" smtClean="0">
+                <a:cs typeface="B Nazanin" panose="00000400000000000000" pitchFamily="2" charset="-78"/>
+              </a:rPr>
+              <a:t> متن در تصویر است.</a:t>
+            </a:r>
+            <a:endParaRPr lang="en-US" sz="2400" dirty="0">
+              <a:cs typeface="B Nazanin" panose="00000400000000000000" pitchFamily="2" charset="-78"/>
+            </a:endParaRPr>
+          </a:p>
+        </p:txBody>
+      </p:sp>
+      <p:sp>
+        <p:nvSpPr>
+          <p:cNvPr id="4" name="Slide Number Placeholder 3"/>
+          <p:cNvSpPr>
+            <a:spLocks noGrp="1"/>
+          </p:cNvSpPr>
+          <p:nvPr>
+            <p:ph type="sldNum" sz="quarter" idx="12"/>
+          </p:nvPr>
+        </p:nvSpPr>
+        <p:spPr/>
+        <p:txBody>
+          <a:bodyPr/>
+          <a:lstStyle/>
+          <a:p>
+            <a:fld id="{18087783-62FF-446C-A2E4-4C6B0B0DE16F}" type="slidenum">
+              <a:rPr lang="en-US" smtClean="0"/>
+              <a:t>41</a:t>
+            </a:fld>
+            <a:endParaRPr lang="en-US"/>
+          </a:p>
+        </p:txBody>
+      </p:sp>
+    </p:spTree>
+    <p:extLst>
+      <p:ext uri="{BB962C8B-B14F-4D97-AF65-F5344CB8AC3E}">
+        <p14:creationId xmlns:p14="http://schemas.microsoft.com/office/powerpoint/2010/main" val="3112317102"/>
+      </p:ext>
+    </p:extLst>
+  </p:cSld>
+  <p:clrMapOvr>
+    <a:masterClrMapping/>
+  </p:clrMapOvr>
+  <p:timing>
+    <p:tnLst>
+      <p:par>
+        <p:cTn id="1" dur="indefinite" restart="never" nodeType="tmRoot">
+          <p:childTnLst>
+            <p:seq concurrent="1" nextAc="seek">
+              <p:cTn id="2" dur="indefinite" nodeType="mainSeq">
+                <p:childTnLst>
+                  <p:par>
+                    <p:cTn id="3" fill="hold">
+                      <p:stCondLst>
+                        <p:cond delay="indefinite"/>
+                      </p:stCondLst>
+                      <p:childTnLst>
+                        <p:par>
+                          <p:cTn id="4" fill="hold">
+                            <p:stCondLst>
+                              <p:cond delay="0"/>
+                            </p:stCondLst>
+                            <p:childTnLst>
+                              <p:par>
+                                <p:cTn id="5" presetID="10" presetClass="entr" presetSubtype="0" fill="hold" nodeType="clickEffect">
+                                  <p:stCondLst>
+                                    <p:cond delay="0"/>
+                                  </p:stCondLst>
+                                  <p:childTnLst>
+                                    <p:set>
+                                      <p:cBhvr>
+                                        <p:cTn id="6" dur="1" fill="hold">
+                                          <p:stCondLst>
+                                            <p:cond delay="0"/>
+                                          </p:stCondLst>
+                                        </p:cTn>
+                                        <p:tgtEl>
+                                          <p:spTgt spid="3">
+                                            <p:txEl>
+                                              <p:pRg st="0" end="0"/>
+                                            </p:txEl>
+                                          </p:spTgt>
+                                        </p:tgtEl>
+                                        <p:attrNameLst>
+                                          <p:attrName>style.visibility</p:attrName>
+                                        </p:attrNameLst>
+                                      </p:cBhvr>
+                                      <p:to>
+                                        <p:strVal val="visible"/>
+                                      </p:to>
+                                    </p:set>
+                                    <p:animEffect transition="in" filter="fade">
+                                      <p:cBhvr>
+                                        <p:cTn id="7" dur="500"/>
+                                        <p:tgtEl>
+                                          <p:spTgt spid="3">
+                                            <p:txEl>
+                                              <p:pRg st="0" end="0"/>
                                             </p:txEl>
                                           </p:spTgt>
                                         </p:tgtEl>

--- a/Text Localization.pptx
+++ b/Text Localization.pptx
@@ -12625,13 +12625,7 @@
               <a:rPr lang="fa-IR" sz="2400" dirty="0" smtClean="0">
                 <a:cs typeface="B Nazanin" panose="00000400000000000000" pitchFamily="2" charset="-78"/>
               </a:rPr>
-              <a:t>می‌شود</a:t>
-            </a:r>
-            <a:r>
-              <a:rPr lang="fa-IR" sz="2400" dirty="0" smtClean="0">
-                <a:cs typeface="B Nazanin" panose="00000400000000000000" pitchFamily="2" charset="-78"/>
-              </a:rPr>
-              <a:t>.</a:t>
+              <a:t>می‌شود.</a:t>
             </a:r>
           </a:p>
           <a:p>
@@ -14829,8 +14823,8 @@
           </a:p>
         </p:txBody>
       </p:sp>
-      <mc:AlternateContent xmlns:mc="http://schemas.openxmlformats.org/markup-compatibility/2006">
-        <mc:Choice xmlns:a14="http://schemas.microsoft.com/office/drawing/2010/main" Requires="a14">
+      <mc:AlternateContent xmlns:mc="http://schemas.openxmlformats.org/markup-compatibility/2006" xmlns:a14="http://schemas.microsoft.com/office/drawing/2010/main">
+        <mc:Choice Requires="a14">
           <p:sp>
             <p:nvSpPr>
               <p:cNvPr id="3" name="Content Placeholder 2"/>
@@ -15190,7 +15184,7 @@
                     </a:solidFill>
                     <a:cs typeface="B Nazanin" panose="00000400000000000000" pitchFamily="2" charset="-78"/>
                   </a:rPr>
-                  <a:t> را انجام دهیم. در این صورت تعداد کانال ها از </a:t>
+                  <a:t> را انجام دهیم. در این صورت تعداد کانال </a:t>
                 </a:r>
                 <a:r>
                   <a:rPr lang="fa-IR" sz="2400" dirty="0" smtClean="0">
@@ -15199,63 +15193,7 @@
                     </a:solidFill>
                     <a:cs typeface="B Nazanin" panose="00000400000000000000" pitchFamily="2" charset="-78"/>
                   </a:rPr>
-                  <a:t>4*128 </a:t>
-                </a:r>
-                <a14:m>
-                  <m:oMath xmlns:m="http://schemas.openxmlformats.org/officeDocument/2006/math">
-                    <m:sSub>
-                      <m:sSubPr>
-                        <m:ctrlPr>
-                          <a:rPr lang="en-US" sz="2400" i="1">
-                            <a:solidFill>
-                              <a:srgbClr val="00B050"/>
-                            </a:solidFill>
-                            <a:latin typeface="Cambria Math" panose="02040503050406030204" pitchFamily="18" charset="0"/>
-                          </a:rPr>
-                        </m:ctrlPr>
-                      </m:sSubPr>
-                      <m:e>
-                        <m:r>
-                          <a:rPr lang="en-US" sz="2400" i="1">
-                            <a:solidFill>
-                              <a:srgbClr val="00B050"/>
-                            </a:solidFill>
-                            <a:latin typeface="Cambria Math" panose="02040503050406030204" pitchFamily="18" charset="0"/>
-                          </a:rPr>
-                          <m:t>𝑛</m:t>
-                        </m:r>
-                      </m:e>
-                      <m:sub>
-                        <m:r>
-                          <a:rPr lang="en-US" sz="2400" i="1">
-                            <a:solidFill>
-                              <a:srgbClr val="00B050"/>
-                            </a:solidFill>
-                            <a:latin typeface="Cambria Math" panose="02040503050406030204" pitchFamily="18" charset="0"/>
-                          </a:rPr>
-                          <m:t>𝑐</m:t>
-                        </m:r>
-                      </m:sub>
-                    </m:sSub>
-                  </m:oMath>
-                </a14:m>
-                <a:r>
-                  <a:rPr lang="fa-IR" sz="2400" dirty="0" smtClean="0">
-                    <a:solidFill>
-                      <a:srgbClr val="00B050"/>
-                    </a:solidFill>
-                    <a:cs typeface="B Nazanin" panose="00000400000000000000" pitchFamily="2" charset="-78"/>
-                  </a:rPr>
-                  <a:t>* </a:t>
-                </a:r>
-                <a:r>
-                  <a:rPr lang="en-US" sz="2400" dirty="0" smtClean="0">
-                    <a:solidFill>
-                      <a:srgbClr val="00B050"/>
-                    </a:solidFill>
-                    <a:cs typeface="B Nazanin" panose="00000400000000000000" pitchFamily="2" charset="-78"/>
-                  </a:rPr>
-                  <a:t> </a:t>
+                  <a:t>ها کاهش </a:t>
                 </a:r>
                 <a:r>
                   <a:rPr lang="fa-IR" sz="2400" dirty="0">
@@ -15264,25 +15202,7 @@
                     </a:solidFill>
                     <a:cs typeface="B Nazanin" panose="00000400000000000000" pitchFamily="2" charset="-78"/>
                   </a:rPr>
-                  <a:t>به </a:t>
-                </a:r>
-                <a:r>
-                  <a:rPr lang="fa-IR" sz="2400" dirty="0" smtClean="0">
-                    <a:solidFill>
-                      <a:srgbClr val="00B050"/>
-                    </a:solidFill>
-                    <a:cs typeface="B Nazanin" panose="00000400000000000000" pitchFamily="2" charset="-78"/>
-                  </a:rPr>
-                  <a:t>4*128 </a:t>
-                </a:r>
-                <a:r>
-                  <a:rPr lang="fa-IR" sz="2400" dirty="0">
-                    <a:solidFill>
-                      <a:srgbClr val="00B050"/>
-                    </a:solidFill>
-                    <a:cs typeface="B Nazanin" panose="00000400000000000000" pitchFamily="2" charset="-78"/>
-                  </a:rPr>
-                  <a:t>تا کاهش می یابد. </a:t>
+                  <a:t>می یابد. </a:t>
                 </a:r>
                 <a:endParaRPr lang="en-US" sz="2400" dirty="0">
                   <a:solidFill>
@@ -15300,7 +15220,7 @@
             </p:txBody>
           </p:sp>
         </mc:Choice>
-        <mc:Fallback>
+        <mc:Fallback xmlns="">
           <p:sp>
             <p:nvSpPr>
               <p:cNvPr id="3" name="Content Placeholder 2"/>
@@ -33178,7 +33098,10 @@
           </a:bodyPr>
           <a:lstStyle/>
           <a:p>
-            <a:pPr algn="r" rtl="1"/>
+            <a:pPr algn="r" rtl="1">
+              <a:buFont typeface="Wingdings" panose="05000000000000000000" pitchFamily="2" charset="2"/>
+              <a:buChar char="Ø"/>
+            </a:pPr>
             <a:r>
               <a:rPr lang="en-US" sz="2400" dirty="0">
                 <a:cs typeface="B Nazanin" panose="00000400000000000000" pitchFamily="2" charset="-78"/>
@@ -33231,7 +33154,34 @@
               <a:rPr lang="fa-IR" sz="2400" dirty="0" smtClean="0">
                 <a:cs typeface="B Nazanin" panose="00000400000000000000" pitchFamily="2" charset="-78"/>
               </a:rPr>
-              <a:t> متن در تصویر است.</a:t>
+              <a:t> متن در تصویر است</a:t>
+            </a:r>
+            <a:r>
+              <a:rPr lang="fa-IR" sz="2400" dirty="0" smtClean="0">
+                <a:cs typeface="B Nazanin" panose="00000400000000000000" pitchFamily="2" charset="-78"/>
+              </a:rPr>
+              <a:t>.</a:t>
+            </a:r>
+            <a:endParaRPr lang="en-US" sz="2400" dirty="0" smtClean="0">
+              <a:cs typeface="B Nazanin" panose="00000400000000000000" pitchFamily="2" charset="-78"/>
+            </a:endParaRPr>
+          </a:p>
+          <a:p>
+            <a:pPr algn="r" rtl="1">
+              <a:buFont typeface="Wingdings" panose="05000000000000000000" pitchFamily="2" charset="2"/>
+              <a:buChar char="Ø"/>
+            </a:pPr>
+            <a:r>
+              <a:rPr lang="fa-IR" sz="2400">
+                <a:cs typeface="B Nazanin" panose="00000400000000000000" pitchFamily="2" charset="-78"/>
+              </a:rPr>
+              <a:t> </a:t>
+            </a:r>
+            <a:r>
+              <a:rPr lang="fa-IR" sz="2400" smtClean="0">
+                <a:cs typeface="B Nazanin" panose="00000400000000000000" pitchFamily="2" charset="-78"/>
+              </a:rPr>
+              <a:t>همچنین می‌توانیم روش پیشنهادی را بر روی تصاویری با متون فارسی اجرا کنیم.</a:t>
             </a:r>
             <a:endParaRPr lang="en-US" sz="2400" dirty="0">
               <a:cs typeface="B Nazanin" panose="00000400000000000000" pitchFamily="2" charset="-78"/>
@@ -33327,6 +33277,67 @@
                                           <p:spTgt spid="3">
                                             <p:txEl>
                                               <p:pRg st="0" end="0"/>
+                                            </p:txEl>
+                                          </p:spTgt>
+                                        </p:tgtEl>
+                                      </p:cBhvr>
+                                    </p:animEffect>
+                                  </p:childTnLst>
+                                </p:cTn>
+                              </p:par>
+                            </p:childTnLst>
+                          </p:cTn>
+                        </p:par>
+                      </p:childTnLst>
+                    </p:cTn>
+                  </p:par>
+                  <p:par>
+                    <p:cTn id="8" fill="hold">
+                      <p:stCondLst>
+                        <p:cond delay="indefinite"/>
+                      </p:stCondLst>
+                      <p:childTnLst>
+                        <p:par>
+                          <p:cTn id="9" fill="hold">
+                            <p:stCondLst>
+                              <p:cond delay="0"/>
+                            </p:stCondLst>
+                            <p:childTnLst>
+                              <p:par>
+                                <p:cTn id="10" presetID="10" presetClass="entr" presetSubtype="0" fill="hold" nodeType="clickEffect">
+                                  <p:stCondLst>
+                                    <p:cond delay="0"/>
+                                  </p:stCondLst>
+                                  <p:childTnLst>
+                                    <p:set>
+                                      <p:cBhvr>
+                                        <p:cTn id="11" dur="1" fill="hold">
+                                          <p:stCondLst>
+                                            <p:cond delay="0"/>
+                                          </p:stCondLst>
+                                        </p:cTn>
+                                        <p:tgtEl>
+                                          <p:spTgt spid="3">
+                                            <p:txEl>
+                                              <p:pRg st="1" end="1"/>
+                                            </p:txEl>
+                                          </p:spTgt>
+                                        </p:tgtEl>
+                                        <p:attrNameLst>
+                                          <p:attrName>style.visibility</p:attrName>
+                                        </p:attrNameLst>
+                                      </p:cBhvr>
+                                      <p:to>
+                                        <p:strVal val="visible"/>
+                                      </p:to>
+                                    </p:set>
+                                    <p:animEffect transition="in" filter="fade">
+                                      <p:cBhvr>
+                                        <p:cTn id="12" dur="500"/>
+                                        <p:tgtEl>
+                                          <p:spTgt spid="3">
+                                            <p:txEl>
+                                              <p:pRg st="1" end="1"/>
                                             </p:txEl>
                                           </p:spTgt>
                                         </p:tgtEl>

--- a/Text Localization.pptx
+++ b/Text Localization.pptx
@@ -17735,6 +17735,7 @@
           </a:bodyPr>
           <a:lstStyle/>
           <a:p>
+            <a:pPr algn="r" rtl="1"/>
             <a:r>
               <a:rPr lang="fa-IR" sz="2000" dirty="0">
                 <a:solidFill>
@@ -20547,29 +20548,17 @@
               </a:lnSpc>
             </a:pPr>
             <a:r>
-              <a:rPr lang="en-US" sz="4000" b="1" dirty="0" smtClean="0"/>
+              <a:rPr lang="en-US" sz="4000" b="1" dirty="0"/>
               <a:t>“</a:t>
-            </a:r>
-            <a:r>
-              <a:rPr lang="en-US" sz="4000" b="1" dirty="0" smtClean="0">
-                <a:latin typeface="+mn-lt"/>
-              </a:rPr>
-              <a:t>Arbitrary </a:t>
             </a:r>
             <a:r>
               <a:rPr lang="en-US" sz="4000" b="1" dirty="0">
                 <a:latin typeface="+mn-lt"/>
               </a:rPr>
-              <a:t>Shape Scene Text Detection with Adaptive Text Region </a:t>
-            </a:r>
-            <a:r>
-              <a:rPr lang="en-US" sz="4000" b="1" dirty="0" smtClean="0">
-                <a:latin typeface="+mn-lt"/>
-              </a:rPr>
-              <a:t>Representation</a:t>
-            </a:r>
-            <a:r>
-              <a:rPr lang="en-US" sz="4000" b="1" dirty="0" smtClean="0"/>
+              <a:t>Character Region Awareness for Text Detection</a:t>
+            </a:r>
+            <a:r>
+              <a:rPr lang="en-US" sz="4000" b="1" dirty="0"/>
               <a:t>”</a:t>
             </a:r>
             <a:endParaRPr lang="en-US" sz="4000" dirty="0"/>
@@ -33154,13 +33143,7 @@
               <a:rPr lang="fa-IR" sz="2400" dirty="0" smtClean="0">
                 <a:cs typeface="B Nazanin" panose="00000400000000000000" pitchFamily="2" charset="-78"/>
               </a:rPr>
-              <a:t> متن در تصویر است</a:t>
-            </a:r>
-            <a:r>
-              <a:rPr lang="fa-IR" sz="2400" dirty="0" smtClean="0">
-                <a:cs typeface="B Nazanin" panose="00000400000000000000" pitchFamily="2" charset="-78"/>
-              </a:rPr>
-              <a:t>.</a:t>
+              <a:t> متن در تصویر است.</a:t>
             </a:r>
             <a:endParaRPr lang="en-US" sz="2400" dirty="0" smtClean="0">
               <a:cs typeface="B Nazanin" panose="00000400000000000000" pitchFamily="2" charset="-78"/>
